--- a/docs/slides/PSYC753_L7_PrePostData.pptx
+++ b/docs/slides/PSYC753_L7_PrePostData.pptx
@@ -129,12 +129,12 @@
   <p:extLst>
     <p:ext uri="{EFAFB233-063F-42B5-8137-9DF3F51BA10A}">
       <p15:sldGuideLst xmlns:p15="http://schemas.microsoft.com/office/powerpoint/2012/main">
-        <p15:guide id="1" orient="horz" pos="2160" userDrawn="1">
+        <p15:guide id="1" orient="horz" pos="2183" userDrawn="1">
           <p15:clr>
             <a:srgbClr val="A4A3A4"/>
           </p15:clr>
         </p15:guide>
-        <p15:guide id="2" pos="3817" userDrawn="1">
+        <p15:guide id="2" pos="3863" userDrawn="1">
           <p15:clr>
             <a:srgbClr val="A4A3A4"/>
           </p15:clr>
@@ -5754,6 +5754,176 @@
   <p:clrMapOvr>
     <a:masterClrMapping/>
   </p:clrMapOvr>
+  <p:timing>
+    <p:tnLst>
+      <p:par>
+        <p:cTn id="1" dur="indefinite" restart="never" nodeType="tmRoot">
+          <p:childTnLst>
+            <p:seq concurrent="1" nextAc="seek">
+              <p:cTn id="2" dur="indefinite" nodeType="mainSeq">
+                <p:childTnLst>
+                  <p:par>
+                    <p:cTn id="3" fill="hold">
+                      <p:stCondLst>
+                        <p:cond delay="indefinite"/>
+                      </p:stCondLst>
+                      <p:childTnLst>
+                        <p:par>
+                          <p:cTn id="4" fill="hold">
+                            <p:stCondLst>
+                              <p:cond delay="0"/>
+                            </p:stCondLst>
+                            <p:childTnLst>
+                              <p:par>
+                                <p:cTn id="5" presetID="1" presetClass="entr" presetSubtype="0" fill="hold" grpId="0" nodeType="clickEffect">
+                                  <p:stCondLst>
+                                    <p:cond delay="0"/>
+                                  </p:stCondLst>
+                                  <p:childTnLst>
+                                    <p:set>
+                                      <p:cBhvr>
+                                        <p:cTn id="6" dur="1" fill="hold">
+                                          <p:stCondLst>
+                                            <p:cond delay="0"/>
+                                          </p:stCondLst>
+                                        </p:cTn>
+                                        <p:tgtEl>
+                                          <p:spTgt spid="9"/>
+                                        </p:tgtEl>
+                                        <p:attrNameLst>
+                                          <p:attrName>style.visibility</p:attrName>
+                                        </p:attrNameLst>
+                                      </p:cBhvr>
+                                      <p:to>
+                                        <p:strVal val="visible"/>
+                                      </p:to>
+                                    </p:set>
+                                  </p:childTnLst>
+                                </p:cTn>
+                              </p:par>
+                            </p:childTnLst>
+                          </p:cTn>
+                        </p:par>
+                      </p:childTnLst>
+                    </p:cTn>
+                  </p:par>
+                  <p:par>
+                    <p:cTn id="7" fill="hold">
+                      <p:stCondLst>
+                        <p:cond delay="indefinite"/>
+                      </p:stCondLst>
+                      <p:childTnLst>
+                        <p:par>
+                          <p:cTn id="8" fill="hold">
+                            <p:stCondLst>
+                              <p:cond delay="0"/>
+                            </p:stCondLst>
+                            <p:childTnLst>
+                              <p:par>
+                                <p:cTn id="9" presetID="1" presetClass="entr" presetSubtype="0" fill="hold" grpId="0" nodeType="clickEffect">
+                                  <p:stCondLst>
+                                    <p:cond delay="0"/>
+                                  </p:stCondLst>
+                                  <p:childTnLst>
+                                    <p:set>
+                                      <p:cBhvr>
+                                        <p:cTn id="10" dur="1" fill="hold">
+                                          <p:stCondLst>
+                                            <p:cond delay="0"/>
+                                          </p:stCondLst>
+                                        </p:cTn>
+                                        <p:tgtEl>
+                                          <p:spTgt spid="16"/>
+                                        </p:tgtEl>
+                                        <p:attrNameLst>
+                                          <p:attrName>style.visibility</p:attrName>
+                                        </p:attrNameLst>
+                                      </p:cBhvr>
+                                      <p:to>
+                                        <p:strVal val="visible"/>
+                                      </p:to>
+                                    </p:set>
+                                  </p:childTnLst>
+                                </p:cTn>
+                              </p:par>
+                            </p:childTnLst>
+                          </p:cTn>
+                        </p:par>
+                      </p:childTnLst>
+                    </p:cTn>
+                  </p:par>
+                  <p:par>
+                    <p:cTn id="11" fill="hold">
+                      <p:stCondLst>
+                        <p:cond delay="indefinite"/>
+                      </p:stCondLst>
+                      <p:childTnLst>
+                        <p:par>
+                          <p:cTn id="12" fill="hold">
+                            <p:stCondLst>
+                              <p:cond delay="0"/>
+                            </p:stCondLst>
+                            <p:childTnLst>
+                              <p:par>
+                                <p:cTn id="13" presetID="1" presetClass="entr" presetSubtype="0" fill="hold" grpId="0" nodeType="clickEffect">
+                                  <p:stCondLst>
+                                    <p:cond delay="0"/>
+                                  </p:stCondLst>
+                                  <p:childTnLst>
+                                    <p:set>
+                                      <p:cBhvr>
+                                        <p:cTn id="14" dur="1" fill="hold">
+                                          <p:stCondLst>
+                                            <p:cond delay="0"/>
+                                          </p:stCondLst>
+                                        </p:cTn>
+                                        <p:tgtEl>
+                                          <p:spTgt spid="10"/>
+                                        </p:tgtEl>
+                                        <p:attrNameLst>
+                                          <p:attrName>style.visibility</p:attrName>
+                                        </p:attrNameLst>
+                                      </p:cBhvr>
+                                      <p:to>
+                                        <p:strVal val="visible"/>
+                                      </p:to>
+                                    </p:set>
+                                  </p:childTnLst>
+                                </p:cTn>
+                              </p:par>
+                            </p:childTnLst>
+                          </p:cTn>
+                        </p:par>
+                      </p:childTnLst>
+                    </p:cTn>
+                  </p:par>
+                </p:childTnLst>
+              </p:cTn>
+              <p:prevCondLst>
+                <p:cond evt="onPrev" delay="0">
+                  <p:tgtEl>
+                    <p:sldTgt/>
+                  </p:tgtEl>
+                </p:cond>
+              </p:prevCondLst>
+              <p:nextCondLst>
+                <p:cond evt="onNext" delay="0">
+                  <p:tgtEl>
+                    <p:sldTgt/>
+                  </p:tgtEl>
+                </p:cond>
+              </p:nextCondLst>
+            </p:seq>
+          </p:childTnLst>
+        </p:cTn>
+      </p:par>
+    </p:tnLst>
+    <p:bldLst>
+      <p:bldP spid="9" grpId="0" animBg="1"/>
+      <p:bldP spid="16" grpId="0" animBg="1"/>
+      <p:bldP spid="10" grpId="0" animBg="1"/>
+    </p:bldLst>
+  </p:timing>
 </p:sld>
 </file>
 
@@ -5821,7 +5991,7 @@
           <a:lstStyle/>
           <a:p>
             <a:r>
-              <a:rPr lang="en-GB" dirty="0" smtClean="0"/>
+              <a:rPr lang="en-GB" b="1" dirty="0" smtClean="0"/>
               <a:t>Depends on research question:</a:t>
             </a:r>
           </a:p>
@@ -6418,9 +6588,6 @@
                     <p:cTn id="3" fill="hold">
                       <p:stCondLst>
                         <p:cond delay="indefinite"/>
-                        <p:cond evt="onBegin" delay="0">
-                          <p:tn val="2"/>
-                        </p:cond>
                       </p:stCondLst>
                       <p:childTnLst>
                         <p:par>
@@ -6430,7 +6597,7 @@
                             </p:stCondLst>
                             <p:childTnLst>
                               <p:par>
-                                <p:cTn id="5" presetID="1" presetClass="entr" presetSubtype="0" fill="hold" grpId="0" nodeType="withEffect">
+                                <p:cTn id="5" presetID="1" presetClass="entr" presetSubtype="0" fill="hold" nodeType="clickEffect">
                                   <p:stCondLst>
                                     <p:cond delay="0"/>
                                   </p:stCondLst>
@@ -6443,7 +6610,11 @@
                                           </p:stCondLst>
                                         </p:cTn>
                                         <p:tgtEl>
-                                          <p:spTgt spid="6"/>
+                                          <p:spTgt spid="3">
+                                            <p:txEl>
+                                              <p:pRg st="1" end="1"/>
+                                            </p:txEl>
+                                          </p:spTgt>
                                         </p:tgtEl>
                                         <p:attrNameLst>
                                           <p:attrName>style.visibility</p:attrName>
@@ -6456,35 +6627,26 @@
                                   </p:childTnLst>
                                 </p:cTn>
                               </p:par>
+                            </p:childTnLst>
+                          </p:cTn>
+                        </p:par>
+                      </p:childTnLst>
+                    </p:cTn>
+                  </p:par>
+                  <p:par>
+                    <p:cTn id="7" fill="hold">
+                      <p:stCondLst>
+                        <p:cond delay="indefinite"/>
+                      </p:stCondLst>
+                      <p:childTnLst>
+                        <p:par>
+                          <p:cTn id="8" fill="hold">
+                            <p:stCondLst>
+                              <p:cond delay="0"/>
+                            </p:stCondLst>
+                            <p:childTnLst>
                               <p:par>
-                                <p:cTn id="7" presetID="1" presetClass="entr" presetSubtype="0" fill="hold" grpId="0" nodeType="withEffect">
-                                  <p:stCondLst>
-                                    <p:cond delay="0"/>
-                                  </p:stCondLst>
-                                  <p:childTnLst>
-                                    <p:set>
-                                      <p:cBhvr>
-                                        <p:cTn id="8" dur="1" fill="hold">
-                                          <p:stCondLst>
-                                            <p:cond delay="0"/>
-                                          </p:stCondLst>
-                                        </p:cTn>
-                                        <p:tgtEl>
-                                          <p:spTgt spid="10"/>
-                                        </p:tgtEl>
-                                        <p:attrNameLst>
-                                          <p:attrName>style.visibility</p:attrName>
-                                        </p:attrNameLst>
-                                      </p:cBhvr>
-                                      <p:to>
-                                        <p:strVal val="visible"/>
-                                      </p:to>
-                                    </p:set>
-                                  </p:childTnLst>
-                                </p:cTn>
-                              </p:par>
-                              <p:par>
-                                <p:cTn id="9" presetID="1" presetClass="entr" presetSubtype="0" fill="hold" grpId="0" nodeType="withEffect">
+                                <p:cTn id="9" presetID="1" presetClass="entr" presetSubtype="0" fill="hold" nodeType="clickEffect">
                                   <p:stCondLst>
                                     <p:cond delay="0"/>
                                   </p:stCondLst>
@@ -6497,7 +6659,11 @@
                                           </p:stCondLst>
                                         </p:cTn>
                                         <p:tgtEl>
-                                          <p:spTgt spid="9"/>
+                                          <p:spTgt spid="3">
+                                            <p:txEl>
+                                              <p:pRg st="2" end="2"/>
+                                            </p:txEl>
+                                          </p:spTgt>
                                         </p:tgtEl>
                                         <p:attrNameLst>
                                           <p:attrName>style.visibility</p:attrName>
@@ -6529,7 +6695,7 @@
                             </p:stCondLst>
                             <p:childTnLst>
                               <p:par>
-                                <p:cTn id="13" presetID="2" presetClass="entr" presetSubtype="3" fill="hold" grpId="0" nodeType="clickEffect">
+                                <p:cTn id="13" presetID="1" presetClass="entr" presetSubtype="0" fill="hold" nodeType="clickEffect">
                                   <p:stCondLst>
                                     <p:cond delay="0"/>
                                   </p:stCondLst>
@@ -6537,6 +6703,64 @@
                                     <p:set>
                                       <p:cBhvr>
                                         <p:cTn id="14" dur="1" fill="hold">
+                                          <p:stCondLst>
+                                            <p:cond delay="0"/>
+                                          </p:stCondLst>
+                                        </p:cTn>
+                                        <p:tgtEl>
+                                          <p:spTgt spid="3">
+                                            <p:txEl>
+                                              <p:pRg st="3" end="3"/>
+                                            </p:txEl>
+                                          </p:spTgt>
+                                        </p:tgtEl>
+                                        <p:attrNameLst>
+                                          <p:attrName>style.visibility</p:attrName>
+                                        </p:attrNameLst>
+                                      </p:cBhvr>
+                                      <p:to>
+                                        <p:strVal val="visible"/>
+                                      </p:to>
+                                    </p:set>
+                                  </p:childTnLst>
+                                </p:cTn>
+                              </p:par>
+                              <p:par>
+                                <p:cTn id="15" presetID="1" presetClass="entr" presetSubtype="0" fill="hold" grpId="0" nodeType="withEffect">
+                                  <p:stCondLst>
+                                    <p:cond delay="0"/>
+                                  </p:stCondLst>
+                                  <p:childTnLst>
+                                    <p:set>
+                                      <p:cBhvr>
+                                        <p:cTn id="16" dur="1" fill="hold">
+                                          <p:stCondLst>
+                                            <p:cond delay="0"/>
+                                          </p:stCondLst>
+                                        </p:cTn>
+                                        <p:tgtEl>
+                                          <p:spTgt spid="6"/>
+                                        </p:tgtEl>
+                                        <p:attrNameLst>
+                                          <p:attrName>style.visibility</p:attrName>
+                                        </p:attrNameLst>
+                                      </p:cBhvr>
+                                      <p:to>
+                                        <p:strVal val="visible"/>
+                                      </p:to>
+                                    </p:set>
+                                  </p:childTnLst>
+                                </p:cTn>
+                              </p:par>
+                              <p:par>
+                                <p:cTn id="17" presetID="1" presetClass="entr" presetSubtype="0" fill="hold" grpId="0" nodeType="withEffect">
+                                  <p:stCondLst>
+                                    <p:cond delay="0"/>
+                                  </p:stCondLst>
+                                  <p:childTnLst>
+                                    <p:set>
+                                      <p:cBhvr>
+                                        <p:cTn id="18" dur="1" fill="hold">
                                           <p:stCondLst>
                                             <p:cond delay="0"/>
                                           </p:stCondLst>
@@ -6552,64 +6776,18 @@
                                         <p:strVal val="visible"/>
                                       </p:to>
                                     </p:set>
-                                    <p:anim calcmode="lin" valueType="num">
-                                      <p:cBhvr additive="base">
-                                        <p:cTn id="15" dur="500" fill="hold"/>
-                                        <p:tgtEl>
-                                          <p:spTgt spid="7"/>
-                                        </p:tgtEl>
-                                        <p:attrNameLst>
-                                          <p:attrName>ppt_x</p:attrName>
-                                        </p:attrNameLst>
-                                      </p:cBhvr>
-                                      <p:tavLst>
-                                        <p:tav tm="0">
-                                          <p:val>
-                                            <p:strVal val="1+#ppt_w/2"/>
-                                          </p:val>
-                                        </p:tav>
-                                        <p:tav tm="100000">
-                                          <p:val>
-                                            <p:strVal val="#ppt_x"/>
-                                          </p:val>
-                                        </p:tav>
-                                      </p:tavLst>
-                                    </p:anim>
-                                    <p:anim calcmode="lin" valueType="num">
-                                      <p:cBhvr additive="base">
-                                        <p:cTn id="16" dur="500" fill="hold"/>
-                                        <p:tgtEl>
-                                          <p:spTgt spid="7"/>
-                                        </p:tgtEl>
-                                        <p:attrNameLst>
-                                          <p:attrName>ppt_y</p:attrName>
-                                        </p:attrNameLst>
-                                      </p:cBhvr>
-                                      <p:tavLst>
-                                        <p:tav tm="0">
-                                          <p:val>
-                                            <p:strVal val="0-#ppt_h/2"/>
-                                          </p:val>
-                                        </p:tav>
-                                        <p:tav tm="100000">
-                                          <p:val>
-                                            <p:strVal val="#ppt_y"/>
-                                          </p:val>
-                                        </p:tav>
-                                      </p:tavLst>
-                                    </p:anim>
                                   </p:childTnLst>
                                 </p:cTn>
                               </p:par>
                               <p:par>
-                                <p:cTn id="17" presetID="2" presetClass="entr" presetSubtype="3" fill="hold" grpId="0" nodeType="withEffect">
+                                <p:cTn id="19" presetID="1" presetClass="entr" presetSubtype="0" fill="hold" grpId="0" nodeType="withEffect">
                                   <p:stCondLst>
                                     <p:cond delay="0"/>
                                   </p:stCondLst>
                                   <p:childTnLst>
                                     <p:set>
                                       <p:cBhvr>
-                                        <p:cTn id="18" dur="1" fill="hold">
+                                        <p:cTn id="20" dur="1" fill="hold">
                                           <p:stCondLst>
                                             <p:cond delay="0"/>
                                           </p:stCondLst>
@@ -6625,52 +6803,190 @@
                                         <p:strVal val="visible"/>
                                       </p:to>
                                     </p:set>
-                                    <p:anim calcmode="lin" valueType="num">
-                                      <p:cBhvr additive="base">
-                                        <p:cTn id="19" dur="500" fill="hold"/>
+                                  </p:childTnLst>
+                                </p:cTn>
+                              </p:par>
+                              <p:par>
+                                <p:cTn id="21" presetID="1" presetClass="entr" presetSubtype="0" fill="hold" grpId="0" nodeType="withEffect">
+                                  <p:stCondLst>
+                                    <p:cond delay="0"/>
+                                  </p:stCondLst>
+                                  <p:childTnLst>
+                                    <p:set>
+                                      <p:cBhvr>
+                                        <p:cTn id="22" dur="1" fill="hold">
+                                          <p:stCondLst>
+                                            <p:cond delay="0"/>
+                                          </p:stCondLst>
+                                        </p:cTn>
                                         <p:tgtEl>
-                                          <p:spTgt spid="8"/>
+                                          <p:spTgt spid="9"/>
                                         </p:tgtEl>
                                         <p:attrNameLst>
-                                          <p:attrName>ppt_x</p:attrName>
+                                          <p:attrName>style.visibility</p:attrName>
                                         </p:attrNameLst>
                                       </p:cBhvr>
-                                      <p:tavLst>
-                                        <p:tav tm="0">
-                                          <p:val>
-                                            <p:strVal val="1+#ppt_w/2"/>
-                                          </p:val>
-                                        </p:tav>
-                                        <p:tav tm="100000">
-                                          <p:val>
-                                            <p:strVal val="#ppt_x"/>
-                                          </p:val>
-                                        </p:tav>
-                                      </p:tavLst>
-                                    </p:anim>
-                                    <p:anim calcmode="lin" valueType="num">
-                                      <p:cBhvr additive="base">
-                                        <p:cTn id="20" dur="500" fill="hold"/>
+                                      <p:to>
+                                        <p:strVal val="visible"/>
+                                      </p:to>
+                                    </p:set>
+                                  </p:childTnLst>
+                                </p:cTn>
+                              </p:par>
+                              <p:par>
+                                <p:cTn id="23" presetID="1" presetClass="entr" presetSubtype="0" fill="hold" grpId="0" nodeType="withEffect">
+                                  <p:stCondLst>
+                                    <p:cond delay="0"/>
+                                  </p:stCondLst>
+                                  <p:childTnLst>
+                                    <p:set>
+                                      <p:cBhvr>
+                                        <p:cTn id="24" dur="1" fill="hold">
+                                          <p:stCondLst>
+                                            <p:cond delay="0"/>
+                                          </p:stCondLst>
+                                        </p:cTn>
                                         <p:tgtEl>
-                                          <p:spTgt spid="8"/>
+                                          <p:spTgt spid="10"/>
                                         </p:tgtEl>
                                         <p:attrNameLst>
-                                          <p:attrName>ppt_y</p:attrName>
+                                          <p:attrName>style.visibility</p:attrName>
                                         </p:attrNameLst>
                                       </p:cBhvr>
-                                      <p:tavLst>
-                                        <p:tav tm="0">
-                                          <p:val>
-                                            <p:strVal val="0-#ppt_h/2"/>
-                                          </p:val>
-                                        </p:tav>
-                                        <p:tav tm="100000">
-                                          <p:val>
-                                            <p:strVal val="#ppt_y"/>
-                                          </p:val>
-                                        </p:tav>
-                                      </p:tavLst>
-                                    </p:anim>
+                                      <p:to>
+                                        <p:strVal val="visible"/>
+                                      </p:to>
+                                    </p:set>
+                                  </p:childTnLst>
+                                </p:cTn>
+                              </p:par>
+                              <p:par>
+                                <p:cTn id="25" presetID="1" presetClass="entr" presetSubtype="0" fill="hold" nodeType="withEffect">
+                                  <p:stCondLst>
+                                    <p:cond delay="0"/>
+                                  </p:stCondLst>
+                                  <p:childTnLst>
+                                    <p:set>
+                                      <p:cBhvr>
+                                        <p:cTn id="26" dur="1" fill="hold">
+                                          <p:stCondLst>
+                                            <p:cond delay="0"/>
+                                          </p:stCondLst>
+                                        </p:cTn>
+                                        <p:tgtEl>
+                                          <p:spTgt spid="11"/>
+                                        </p:tgtEl>
+                                        <p:attrNameLst>
+                                          <p:attrName>style.visibility</p:attrName>
+                                        </p:attrNameLst>
+                                      </p:cBhvr>
+                                      <p:to>
+                                        <p:strVal val="visible"/>
+                                      </p:to>
+                                    </p:set>
+                                  </p:childTnLst>
+                                </p:cTn>
+                              </p:par>
+                              <p:par>
+                                <p:cTn id="27" presetID="1" presetClass="entr" presetSubtype="0" fill="hold" grpId="0" nodeType="withEffect">
+                                  <p:stCondLst>
+                                    <p:cond delay="0"/>
+                                  </p:stCondLst>
+                                  <p:childTnLst>
+                                    <p:set>
+                                      <p:cBhvr>
+                                        <p:cTn id="28" dur="1" fill="hold">
+                                          <p:stCondLst>
+                                            <p:cond delay="0"/>
+                                          </p:stCondLst>
+                                        </p:cTn>
+                                        <p:tgtEl>
+                                          <p:spTgt spid="14"/>
+                                        </p:tgtEl>
+                                        <p:attrNameLst>
+                                          <p:attrName>style.visibility</p:attrName>
+                                        </p:attrNameLst>
+                                      </p:cBhvr>
+                                      <p:to>
+                                        <p:strVal val="visible"/>
+                                      </p:to>
+                                    </p:set>
+                                  </p:childTnLst>
+                                </p:cTn>
+                              </p:par>
+                            </p:childTnLst>
+                          </p:cTn>
+                        </p:par>
+                      </p:childTnLst>
+                    </p:cTn>
+                  </p:par>
+                  <p:par>
+                    <p:cTn id="29" fill="hold">
+                      <p:stCondLst>
+                        <p:cond delay="indefinite"/>
+                      </p:stCondLst>
+                      <p:childTnLst>
+                        <p:par>
+                          <p:cTn id="30" fill="hold">
+                            <p:stCondLst>
+                              <p:cond delay="0"/>
+                            </p:stCondLst>
+                            <p:childTnLst>
+                              <p:par>
+                                <p:cTn id="31" presetID="1" presetClass="entr" presetSubtype="0" fill="hold" nodeType="clickEffect">
+                                  <p:stCondLst>
+                                    <p:cond delay="0"/>
+                                  </p:stCondLst>
+                                  <p:childTnLst>
+                                    <p:set>
+                                      <p:cBhvr>
+                                        <p:cTn id="32" dur="1" fill="hold">
+                                          <p:stCondLst>
+                                            <p:cond delay="0"/>
+                                          </p:stCondLst>
+                                        </p:cTn>
+                                        <p:tgtEl>
+                                          <p:spTgt spid="3">
+                                            <p:txEl>
+                                              <p:pRg st="4" end="4"/>
+                                            </p:txEl>
+                                          </p:spTgt>
+                                        </p:tgtEl>
+                                        <p:attrNameLst>
+                                          <p:attrName>style.visibility</p:attrName>
+                                        </p:attrNameLst>
+                                      </p:cBhvr>
+                                      <p:to>
+                                        <p:strVal val="visible"/>
+                                      </p:to>
+                                    </p:set>
+                                  </p:childTnLst>
+                                </p:cTn>
+                              </p:par>
+                              <p:par>
+                                <p:cTn id="33" presetID="1" presetClass="entr" presetSubtype="0" fill="hold" grpId="0" nodeType="withEffect">
+                                  <p:stCondLst>
+                                    <p:cond delay="0"/>
+                                  </p:stCondLst>
+                                  <p:childTnLst>
+                                    <p:set>
+                                      <p:cBhvr>
+                                        <p:cTn id="34" dur="1" fill="hold">
+                                          <p:stCondLst>
+                                            <p:cond delay="0"/>
+                                          </p:stCondLst>
+                                        </p:cTn>
+                                        <p:tgtEl>
+                                          <p:spTgt spid="12"/>
+                                        </p:tgtEl>
+                                        <p:attrNameLst>
+                                          <p:attrName>style.visibility</p:attrName>
+                                        </p:attrNameLst>
+                                      </p:cBhvr>
+                                      <p:to>
+                                        <p:strVal val="visible"/>
+                                      </p:to>
+                                    </p:set>
                                   </p:childTnLst>
                                 </p:cTn>
                               </p:par>
@@ -6702,11 +7018,13 @@
       </p:par>
     </p:tnLst>
     <p:bldLst>
+      <p:bldP spid="12" grpId="0"/>
       <p:bldP spid="6" grpId="0" animBg="1"/>
       <p:bldP spid="7" grpId="0" animBg="1"/>
       <p:bldP spid="8" grpId="0"/>
       <p:bldP spid="9" grpId="0" animBg="1"/>
       <p:bldP spid="10" grpId="0"/>
+      <p:bldP spid="14" grpId="0"/>
     </p:bldLst>
   </p:timing>
 </p:sld>
@@ -6765,7 +7083,7 @@
         <p:spPr>
           <a:xfrm>
             <a:off x="609600" y="1417638"/>
-            <a:ext cx="5933440" cy="4841239"/>
+            <a:ext cx="5933440" cy="5440362"/>
           </a:xfrm>
         </p:spPr>
         <p:txBody>
@@ -6828,6 +7146,10 @@
             </a:r>
           </a:p>
           <a:p>
+            <a:pPr lvl="1"/>
+            <a:endParaRPr lang="en-GB" dirty="0" smtClean="0"/>
+          </a:p>
+          <a:p>
             <a:r>
               <a:rPr lang="en-GB" dirty="0" smtClean="0">
                 <a:solidFill>
@@ -6939,13 +7261,6 @@
               </a:rPr>
               <a:t>10</a:t>
             </a:r>
-            <a:endParaRPr lang="en-GB" baseline="-25000" dirty="0">
-              <a:solidFill>
-                <a:schemeClr val="tx2">
-                  <a:lumMod val="75000"/>
-                </a:schemeClr>
-              </a:solidFill>
-            </a:endParaRPr>
           </a:p>
           <a:p>
             <a:pPr lvl="0"/>
@@ -7253,6 +7568,476 @@
   <p:clrMapOvr>
     <a:masterClrMapping/>
   </p:clrMapOvr>
+  <p:timing>
+    <p:tnLst>
+      <p:par>
+        <p:cTn id="1" dur="indefinite" restart="never" nodeType="tmRoot">
+          <p:childTnLst>
+            <p:seq concurrent="1" nextAc="seek">
+              <p:cTn id="2" dur="indefinite" nodeType="mainSeq">
+                <p:childTnLst>
+                  <p:par>
+                    <p:cTn id="3" fill="hold">
+                      <p:stCondLst>
+                        <p:cond delay="indefinite"/>
+                      </p:stCondLst>
+                      <p:childTnLst>
+                        <p:par>
+                          <p:cTn id="4" fill="hold">
+                            <p:stCondLst>
+                              <p:cond delay="0"/>
+                            </p:stCondLst>
+                            <p:childTnLst>
+                              <p:par>
+                                <p:cTn id="5" presetID="1" presetClass="entr" presetSubtype="0" fill="hold" nodeType="clickEffect">
+                                  <p:stCondLst>
+                                    <p:cond delay="0"/>
+                                  </p:stCondLst>
+                                  <p:childTnLst>
+                                    <p:set>
+                                      <p:cBhvr>
+                                        <p:cTn id="6" dur="1" fill="hold">
+                                          <p:stCondLst>
+                                            <p:cond delay="0"/>
+                                          </p:stCondLst>
+                                        </p:cTn>
+                                        <p:tgtEl>
+                                          <p:spTgt spid="3">
+                                            <p:txEl>
+                                              <p:pRg st="1" end="1"/>
+                                            </p:txEl>
+                                          </p:spTgt>
+                                        </p:tgtEl>
+                                        <p:attrNameLst>
+                                          <p:attrName>style.visibility</p:attrName>
+                                        </p:attrNameLst>
+                                      </p:cBhvr>
+                                      <p:to>
+                                        <p:strVal val="visible"/>
+                                      </p:to>
+                                    </p:set>
+                                  </p:childTnLst>
+                                </p:cTn>
+                              </p:par>
+                            </p:childTnLst>
+                          </p:cTn>
+                        </p:par>
+                      </p:childTnLst>
+                    </p:cTn>
+                  </p:par>
+                  <p:par>
+                    <p:cTn id="7" fill="hold">
+                      <p:stCondLst>
+                        <p:cond delay="indefinite"/>
+                      </p:stCondLst>
+                      <p:childTnLst>
+                        <p:par>
+                          <p:cTn id="8" fill="hold">
+                            <p:stCondLst>
+                              <p:cond delay="0"/>
+                            </p:stCondLst>
+                            <p:childTnLst>
+                              <p:par>
+                                <p:cTn id="9" presetID="1" presetClass="entr" presetSubtype="0" fill="hold" nodeType="clickEffect">
+                                  <p:stCondLst>
+                                    <p:cond delay="0"/>
+                                  </p:stCondLst>
+                                  <p:childTnLst>
+                                    <p:set>
+                                      <p:cBhvr>
+                                        <p:cTn id="10" dur="1" fill="hold">
+                                          <p:stCondLst>
+                                            <p:cond delay="0"/>
+                                          </p:stCondLst>
+                                        </p:cTn>
+                                        <p:tgtEl>
+                                          <p:spTgt spid="3">
+                                            <p:txEl>
+                                              <p:pRg st="2" end="2"/>
+                                            </p:txEl>
+                                          </p:spTgt>
+                                        </p:tgtEl>
+                                        <p:attrNameLst>
+                                          <p:attrName>style.visibility</p:attrName>
+                                        </p:attrNameLst>
+                                      </p:cBhvr>
+                                      <p:to>
+                                        <p:strVal val="visible"/>
+                                      </p:to>
+                                    </p:set>
+                                  </p:childTnLst>
+                                </p:cTn>
+                              </p:par>
+                            </p:childTnLst>
+                          </p:cTn>
+                        </p:par>
+                      </p:childTnLst>
+                    </p:cTn>
+                  </p:par>
+                  <p:par>
+                    <p:cTn id="11" fill="hold">
+                      <p:stCondLst>
+                        <p:cond delay="indefinite"/>
+                      </p:stCondLst>
+                      <p:childTnLst>
+                        <p:par>
+                          <p:cTn id="12" fill="hold">
+                            <p:stCondLst>
+                              <p:cond delay="0"/>
+                            </p:stCondLst>
+                            <p:childTnLst>
+                              <p:par>
+                                <p:cTn id="13" presetID="1" presetClass="entr" presetSubtype="0" fill="hold" nodeType="clickEffect">
+                                  <p:stCondLst>
+                                    <p:cond delay="0"/>
+                                  </p:stCondLst>
+                                  <p:childTnLst>
+                                    <p:set>
+                                      <p:cBhvr>
+                                        <p:cTn id="14" dur="1" fill="hold">
+                                          <p:stCondLst>
+                                            <p:cond delay="0"/>
+                                          </p:stCondLst>
+                                        </p:cTn>
+                                        <p:tgtEl>
+                                          <p:spTgt spid="3">
+                                            <p:txEl>
+                                              <p:pRg st="4" end="4"/>
+                                            </p:txEl>
+                                          </p:spTgt>
+                                        </p:tgtEl>
+                                        <p:attrNameLst>
+                                          <p:attrName>style.visibility</p:attrName>
+                                        </p:attrNameLst>
+                                      </p:cBhvr>
+                                      <p:to>
+                                        <p:strVal val="visible"/>
+                                      </p:to>
+                                    </p:set>
+                                  </p:childTnLst>
+                                </p:cTn>
+                              </p:par>
+                              <p:par>
+                                <p:cTn id="15" presetID="1" presetClass="entr" presetSubtype="0" fill="hold" nodeType="withEffect">
+                                  <p:stCondLst>
+                                    <p:cond delay="0"/>
+                                  </p:stCondLst>
+                                  <p:childTnLst>
+                                    <p:set>
+                                      <p:cBhvr>
+                                        <p:cTn id="16" dur="1" fill="hold">
+                                          <p:stCondLst>
+                                            <p:cond delay="0"/>
+                                          </p:stCondLst>
+                                        </p:cTn>
+                                        <p:tgtEl>
+                                          <p:spTgt spid="3">
+                                            <p:txEl>
+                                              <p:pRg st="5" end="5"/>
+                                            </p:txEl>
+                                          </p:spTgt>
+                                        </p:tgtEl>
+                                        <p:attrNameLst>
+                                          <p:attrName>style.visibility</p:attrName>
+                                        </p:attrNameLst>
+                                      </p:cBhvr>
+                                      <p:to>
+                                        <p:strVal val="visible"/>
+                                      </p:to>
+                                    </p:set>
+                                  </p:childTnLst>
+                                </p:cTn>
+                              </p:par>
+                            </p:childTnLst>
+                          </p:cTn>
+                        </p:par>
+                      </p:childTnLst>
+                    </p:cTn>
+                  </p:par>
+                  <p:par>
+                    <p:cTn id="17" fill="hold">
+                      <p:stCondLst>
+                        <p:cond delay="indefinite"/>
+                      </p:stCondLst>
+                      <p:childTnLst>
+                        <p:par>
+                          <p:cTn id="18" fill="hold">
+                            <p:stCondLst>
+                              <p:cond delay="0"/>
+                            </p:stCondLst>
+                            <p:childTnLst>
+                              <p:par>
+                                <p:cTn id="19" presetID="1" presetClass="entr" presetSubtype="0" fill="hold" nodeType="clickEffect">
+                                  <p:stCondLst>
+                                    <p:cond delay="0"/>
+                                  </p:stCondLst>
+                                  <p:childTnLst>
+                                    <p:set>
+                                      <p:cBhvr>
+                                        <p:cTn id="20" dur="1" fill="hold">
+                                          <p:stCondLst>
+                                            <p:cond delay="0"/>
+                                          </p:stCondLst>
+                                        </p:cTn>
+                                        <p:tgtEl>
+                                          <p:spTgt spid="3">
+                                            <p:txEl>
+                                              <p:pRg st="7" end="7"/>
+                                            </p:txEl>
+                                          </p:spTgt>
+                                        </p:tgtEl>
+                                        <p:attrNameLst>
+                                          <p:attrName>style.visibility</p:attrName>
+                                        </p:attrNameLst>
+                                      </p:cBhvr>
+                                      <p:to>
+                                        <p:strVal val="visible"/>
+                                      </p:to>
+                                    </p:set>
+                                  </p:childTnLst>
+                                </p:cTn>
+                              </p:par>
+                            </p:childTnLst>
+                          </p:cTn>
+                        </p:par>
+                      </p:childTnLst>
+                    </p:cTn>
+                  </p:par>
+                  <p:par>
+                    <p:cTn id="21" fill="hold">
+                      <p:stCondLst>
+                        <p:cond delay="indefinite"/>
+                      </p:stCondLst>
+                      <p:childTnLst>
+                        <p:par>
+                          <p:cTn id="22" fill="hold">
+                            <p:stCondLst>
+                              <p:cond delay="0"/>
+                            </p:stCondLst>
+                            <p:childTnLst>
+                              <p:par>
+                                <p:cTn id="23" presetID="1" presetClass="entr" presetSubtype="0" fill="hold" grpId="0" nodeType="clickEffect">
+                                  <p:stCondLst>
+                                    <p:cond delay="0"/>
+                                  </p:stCondLst>
+                                  <p:childTnLst>
+                                    <p:set>
+                                      <p:cBhvr>
+                                        <p:cTn id="24" dur="1" fill="hold">
+                                          <p:stCondLst>
+                                            <p:cond delay="0"/>
+                                          </p:stCondLst>
+                                        </p:cTn>
+                                        <p:tgtEl>
+                                          <p:spTgt spid="6"/>
+                                        </p:tgtEl>
+                                        <p:attrNameLst>
+                                          <p:attrName>style.visibility</p:attrName>
+                                        </p:attrNameLst>
+                                      </p:cBhvr>
+                                      <p:to>
+                                        <p:strVal val="visible"/>
+                                      </p:to>
+                                    </p:set>
+                                  </p:childTnLst>
+                                </p:cTn>
+                              </p:par>
+                              <p:par>
+                                <p:cTn id="25" presetID="1" presetClass="entr" presetSubtype="0" fill="hold" nodeType="withEffect">
+                                  <p:stCondLst>
+                                    <p:cond delay="0"/>
+                                  </p:stCondLst>
+                                  <p:childTnLst>
+                                    <p:set>
+                                      <p:cBhvr>
+                                        <p:cTn id="26" dur="1" fill="hold">
+                                          <p:stCondLst>
+                                            <p:cond delay="0"/>
+                                          </p:stCondLst>
+                                        </p:cTn>
+                                        <p:tgtEl>
+                                          <p:spTgt spid="5"/>
+                                        </p:tgtEl>
+                                        <p:attrNameLst>
+                                          <p:attrName>style.visibility</p:attrName>
+                                        </p:attrNameLst>
+                                      </p:cBhvr>
+                                      <p:to>
+                                        <p:strVal val="visible"/>
+                                      </p:to>
+                                    </p:set>
+                                  </p:childTnLst>
+                                </p:cTn>
+                              </p:par>
+                            </p:childTnLst>
+                          </p:cTn>
+                        </p:par>
+                      </p:childTnLst>
+                    </p:cTn>
+                  </p:par>
+                  <p:par>
+                    <p:cTn id="27" fill="hold">
+                      <p:stCondLst>
+                        <p:cond delay="indefinite"/>
+                      </p:stCondLst>
+                      <p:childTnLst>
+                        <p:par>
+                          <p:cTn id="28" fill="hold">
+                            <p:stCondLst>
+                              <p:cond delay="0"/>
+                            </p:stCondLst>
+                            <p:childTnLst>
+                              <p:par>
+                                <p:cTn id="29" presetID="1" presetClass="entr" presetSubtype="0" fill="hold" grpId="0" nodeType="clickEffect">
+                                  <p:stCondLst>
+                                    <p:cond delay="0"/>
+                                  </p:stCondLst>
+                                  <p:childTnLst>
+                                    <p:set>
+                                      <p:cBhvr>
+                                        <p:cTn id="30" dur="1" fill="hold">
+                                          <p:stCondLst>
+                                            <p:cond delay="0"/>
+                                          </p:stCondLst>
+                                        </p:cTn>
+                                        <p:tgtEl>
+                                          <p:spTgt spid="7"/>
+                                        </p:tgtEl>
+                                        <p:attrNameLst>
+                                          <p:attrName>style.visibility</p:attrName>
+                                        </p:attrNameLst>
+                                      </p:cBhvr>
+                                      <p:to>
+                                        <p:strVal val="visible"/>
+                                      </p:to>
+                                    </p:set>
+                                  </p:childTnLst>
+                                </p:cTn>
+                              </p:par>
+                            </p:childTnLst>
+                          </p:cTn>
+                        </p:par>
+                      </p:childTnLst>
+                    </p:cTn>
+                  </p:par>
+                  <p:par>
+                    <p:cTn id="31" fill="hold">
+                      <p:stCondLst>
+                        <p:cond delay="indefinite"/>
+                      </p:stCondLst>
+                      <p:childTnLst>
+                        <p:par>
+                          <p:cTn id="32" fill="hold">
+                            <p:stCondLst>
+                              <p:cond delay="0"/>
+                            </p:stCondLst>
+                            <p:childTnLst>
+                              <p:par>
+                                <p:cTn id="33" presetID="1" presetClass="entr" presetSubtype="0" fill="hold" grpId="0" nodeType="clickEffect">
+                                  <p:stCondLst>
+                                    <p:cond delay="0"/>
+                                  </p:stCondLst>
+                                  <p:childTnLst>
+                                    <p:set>
+                                      <p:cBhvr>
+                                        <p:cTn id="34" dur="1" fill="hold">
+                                          <p:stCondLst>
+                                            <p:cond delay="0"/>
+                                          </p:stCondLst>
+                                        </p:cTn>
+                                        <p:tgtEl>
+                                          <p:spTgt spid="8"/>
+                                        </p:tgtEl>
+                                        <p:attrNameLst>
+                                          <p:attrName>style.visibility</p:attrName>
+                                        </p:attrNameLst>
+                                      </p:cBhvr>
+                                      <p:to>
+                                        <p:strVal val="visible"/>
+                                      </p:to>
+                                    </p:set>
+                                  </p:childTnLst>
+                                </p:cTn>
+                              </p:par>
+                            </p:childTnLst>
+                          </p:cTn>
+                        </p:par>
+                      </p:childTnLst>
+                    </p:cTn>
+                  </p:par>
+                  <p:par>
+                    <p:cTn id="35" fill="hold">
+                      <p:stCondLst>
+                        <p:cond delay="indefinite"/>
+                      </p:stCondLst>
+                      <p:childTnLst>
+                        <p:par>
+                          <p:cTn id="36" fill="hold">
+                            <p:stCondLst>
+                              <p:cond delay="0"/>
+                            </p:stCondLst>
+                            <p:childTnLst>
+                              <p:par>
+                                <p:cTn id="37" presetID="1" presetClass="entr" presetSubtype="0" fill="hold" grpId="0" nodeType="clickEffect">
+                                  <p:stCondLst>
+                                    <p:cond delay="0"/>
+                                  </p:stCondLst>
+                                  <p:childTnLst>
+                                    <p:set>
+                                      <p:cBhvr>
+                                        <p:cTn id="38" dur="1" fill="hold">
+                                          <p:stCondLst>
+                                            <p:cond delay="0"/>
+                                          </p:stCondLst>
+                                        </p:cTn>
+                                        <p:tgtEl>
+                                          <p:spTgt spid="9"/>
+                                        </p:tgtEl>
+                                        <p:attrNameLst>
+                                          <p:attrName>style.visibility</p:attrName>
+                                        </p:attrNameLst>
+                                      </p:cBhvr>
+                                      <p:to>
+                                        <p:strVal val="visible"/>
+                                      </p:to>
+                                    </p:set>
+                                  </p:childTnLst>
+                                </p:cTn>
+                              </p:par>
+                            </p:childTnLst>
+                          </p:cTn>
+                        </p:par>
+                      </p:childTnLst>
+                    </p:cTn>
+                  </p:par>
+                </p:childTnLst>
+              </p:cTn>
+              <p:prevCondLst>
+                <p:cond evt="onPrev" delay="0">
+                  <p:tgtEl>
+                    <p:sldTgt/>
+                  </p:tgtEl>
+                </p:cond>
+              </p:prevCondLst>
+              <p:nextCondLst>
+                <p:cond evt="onNext" delay="0">
+                  <p:tgtEl>
+                    <p:sldTgt/>
+                  </p:tgtEl>
+                </p:cond>
+              </p:nextCondLst>
+            </p:seq>
+          </p:childTnLst>
+        </p:cTn>
+      </p:par>
+    </p:tnLst>
+    <p:bldLst>
+      <p:bldP spid="6" grpId="0"/>
+      <p:bldP spid="7" grpId="0" animBg="1"/>
+      <p:bldP spid="8" grpId="0" animBg="1"/>
+      <p:bldP spid="9" grpId="0" animBg="1"/>
+    </p:bldLst>
+  </p:timing>
 </p:sld>
 </file>
 
@@ -7605,6 +8390,293 @@
   <p:clrMapOvr>
     <a:masterClrMapping/>
   </p:clrMapOvr>
+  <p:timing>
+    <p:tnLst>
+      <p:par>
+        <p:cTn id="1" dur="indefinite" restart="never" nodeType="tmRoot">
+          <p:childTnLst>
+            <p:seq concurrent="1" nextAc="seek">
+              <p:cTn id="2" dur="indefinite" nodeType="mainSeq">
+                <p:childTnLst>
+                  <p:par>
+                    <p:cTn id="3" fill="hold">
+                      <p:stCondLst>
+                        <p:cond delay="indefinite"/>
+                      </p:stCondLst>
+                      <p:childTnLst>
+                        <p:par>
+                          <p:cTn id="4" fill="hold">
+                            <p:stCondLst>
+                              <p:cond delay="0"/>
+                            </p:stCondLst>
+                            <p:childTnLst>
+                              <p:par>
+                                <p:cTn id="5" presetID="1" presetClass="entr" presetSubtype="0" fill="hold" nodeType="clickEffect">
+                                  <p:stCondLst>
+                                    <p:cond delay="0"/>
+                                  </p:stCondLst>
+                                  <p:childTnLst>
+                                    <p:set>
+                                      <p:cBhvr>
+                                        <p:cTn id="6" dur="1" fill="hold">
+                                          <p:stCondLst>
+                                            <p:cond delay="0"/>
+                                          </p:stCondLst>
+                                        </p:cTn>
+                                        <p:tgtEl>
+                                          <p:spTgt spid="3">
+                                            <p:txEl>
+                                              <p:pRg st="1" end="1"/>
+                                            </p:txEl>
+                                          </p:spTgt>
+                                        </p:tgtEl>
+                                        <p:attrNameLst>
+                                          <p:attrName>style.visibility</p:attrName>
+                                        </p:attrNameLst>
+                                      </p:cBhvr>
+                                      <p:to>
+                                        <p:strVal val="visible"/>
+                                      </p:to>
+                                    </p:set>
+                                  </p:childTnLst>
+                                </p:cTn>
+                              </p:par>
+                            </p:childTnLst>
+                          </p:cTn>
+                        </p:par>
+                      </p:childTnLst>
+                    </p:cTn>
+                  </p:par>
+                  <p:par>
+                    <p:cTn id="7" fill="hold">
+                      <p:stCondLst>
+                        <p:cond delay="indefinite"/>
+                      </p:stCondLst>
+                      <p:childTnLst>
+                        <p:par>
+                          <p:cTn id="8" fill="hold">
+                            <p:stCondLst>
+                              <p:cond delay="0"/>
+                            </p:stCondLst>
+                            <p:childTnLst>
+                              <p:par>
+                                <p:cTn id="9" presetID="1" presetClass="entr" presetSubtype="0" fill="hold" nodeType="clickEffect">
+                                  <p:stCondLst>
+                                    <p:cond delay="0"/>
+                                  </p:stCondLst>
+                                  <p:childTnLst>
+                                    <p:set>
+                                      <p:cBhvr>
+                                        <p:cTn id="10" dur="1" fill="hold">
+                                          <p:stCondLst>
+                                            <p:cond delay="0"/>
+                                          </p:stCondLst>
+                                        </p:cTn>
+                                        <p:tgtEl>
+                                          <p:spTgt spid="3">
+                                            <p:txEl>
+                                              <p:pRg st="2" end="2"/>
+                                            </p:txEl>
+                                          </p:spTgt>
+                                        </p:tgtEl>
+                                        <p:attrNameLst>
+                                          <p:attrName>style.visibility</p:attrName>
+                                        </p:attrNameLst>
+                                      </p:cBhvr>
+                                      <p:to>
+                                        <p:strVal val="visible"/>
+                                      </p:to>
+                                    </p:set>
+                                  </p:childTnLst>
+                                </p:cTn>
+                              </p:par>
+                              <p:par>
+                                <p:cTn id="11" presetID="1" presetClass="entr" presetSubtype="0" fill="hold" nodeType="withEffect">
+                                  <p:stCondLst>
+                                    <p:cond delay="0"/>
+                                  </p:stCondLst>
+                                  <p:childTnLst>
+                                    <p:set>
+                                      <p:cBhvr>
+                                        <p:cTn id="12" dur="1" fill="hold">
+                                          <p:stCondLst>
+                                            <p:cond delay="0"/>
+                                          </p:stCondLst>
+                                        </p:cTn>
+                                        <p:tgtEl>
+                                          <p:spTgt spid="3">
+                                            <p:txEl>
+                                              <p:pRg st="3" end="3"/>
+                                            </p:txEl>
+                                          </p:spTgt>
+                                        </p:tgtEl>
+                                        <p:attrNameLst>
+                                          <p:attrName>style.visibility</p:attrName>
+                                        </p:attrNameLst>
+                                      </p:cBhvr>
+                                      <p:to>
+                                        <p:strVal val="visible"/>
+                                      </p:to>
+                                    </p:set>
+                                  </p:childTnLst>
+                                </p:cTn>
+                              </p:par>
+                              <p:par>
+                                <p:cTn id="13" presetID="1" presetClass="entr" presetSubtype="0" fill="hold" nodeType="withEffect">
+                                  <p:stCondLst>
+                                    <p:cond delay="0"/>
+                                  </p:stCondLst>
+                                  <p:childTnLst>
+                                    <p:set>
+                                      <p:cBhvr>
+                                        <p:cTn id="14" dur="1" fill="hold">
+                                          <p:stCondLst>
+                                            <p:cond delay="0"/>
+                                          </p:stCondLst>
+                                        </p:cTn>
+                                        <p:tgtEl>
+                                          <p:spTgt spid="3">
+                                            <p:txEl>
+                                              <p:pRg st="4" end="4"/>
+                                            </p:txEl>
+                                          </p:spTgt>
+                                        </p:tgtEl>
+                                        <p:attrNameLst>
+                                          <p:attrName>style.visibility</p:attrName>
+                                        </p:attrNameLst>
+                                      </p:cBhvr>
+                                      <p:to>
+                                        <p:strVal val="visible"/>
+                                      </p:to>
+                                    </p:set>
+                                  </p:childTnLst>
+                                </p:cTn>
+                              </p:par>
+                            </p:childTnLst>
+                          </p:cTn>
+                        </p:par>
+                      </p:childTnLst>
+                    </p:cTn>
+                  </p:par>
+                  <p:par>
+                    <p:cTn id="15" fill="hold">
+                      <p:stCondLst>
+                        <p:cond delay="indefinite"/>
+                      </p:stCondLst>
+                      <p:childTnLst>
+                        <p:par>
+                          <p:cTn id="16" fill="hold">
+                            <p:stCondLst>
+                              <p:cond delay="0"/>
+                            </p:stCondLst>
+                            <p:childTnLst>
+                              <p:par>
+                                <p:cTn id="17" presetID="1" presetClass="entr" presetSubtype="0" fill="hold" nodeType="clickEffect">
+                                  <p:stCondLst>
+                                    <p:cond delay="0"/>
+                                  </p:stCondLst>
+                                  <p:childTnLst>
+                                    <p:set>
+                                      <p:cBhvr>
+                                        <p:cTn id="18" dur="1" fill="hold">
+                                          <p:stCondLst>
+                                            <p:cond delay="0"/>
+                                          </p:stCondLst>
+                                        </p:cTn>
+                                        <p:tgtEl>
+                                          <p:spTgt spid="3">
+                                            <p:txEl>
+                                              <p:pRg st="6" end="6"/>
+                                            </p:txEl>
+                                          </p:spTgt>
+                                        </p:tgtEl>
+                                        <p:attrNameLst>
+                                          <p:attrName>style.visibility</p:attrName>
+                                        </p:attrNameLst>
+                                      </p:cBhvr>
+                                      <p:to>
+                                        <p:strVal val="visible"/>
+                                      </p:to>
+                                    </p:set>
+                                  </p:childTnLst>
+                                </p:cTn>
+                              </p:par>
+                            </p:childTnLst>
+                          </p:cTn>
+                        </p:par>
+                      </p:childTnLst>
+                    </p:cTn>
+                  </p:par>
+                  <p:par>
+                    <p:cTn id="19" fill="hold">
+                      <p:stCondLst>
+                        <p:cond delay="indefinite"/>
+                      </p:stCondLst>
+                      <p:childTnLst>
+                        <p:par>
+                          <p:cTn id="20" fill="hold">
+                            <p:stCondLst>
+                              <p:cond delay="0"/>
+                            </p:stCondLst>
+                            <p:childTnLst>
+                              <p:par>
+                                <p:cTn id="21" presetID="1" presetClass="entr" presetSubtype="0" fill="hold" grpId="0" nodeType="clickEffect">
+                                  <p:stCondLst>
+                                    <p:cond delay="0"/>
+                                  </p:stCondLst>
+                                  <p:childTnLst>
+                                    <p:set>
+                                      <p:cBhvr>
+                                        <p:cTn id="22" dur="1" fill="hold">
+                                          <p:stCondLst>
+                                            <p:cond delay="0"/>
+                                          </p:stCondLst>
+                                        </p:cTn>
+                                        <p:tgtEl>
+                                          <p:spTgt spid="5"/>
+                                        </p:tgtEl>
+                                        <p:attrNameLst>
+                                          <p:attrName>style.visibility</p:attrName>
+                                        </p:attrNameLst>
+                                      </p:cBhvr>
+                                      <p:to>
+                                        <p:strVal val="visible"/>
+                                      </p:to>
+                                    </p:set>
+                                  </p:childTnLst>
+                                </p:cTn>
+                              </p:par>
+                            </p:childTnLst>
+                          </p:cTn>
+                        </p:par>
+                      </p:childTnLst>
+                    </p:cTn>
+                  </p:par>
+                </p:childTnLst>
+              </p:cTn>
+              <p:prevCondLst>
+                <p:cond evt="onPrev" delay="0">
+                  <p:tgtEl>
+                    <p:sldTgt/>
+                  </p:tgtEl>
+                </p:cond>
+              </p:prevCondLst>
+              <p:nextCondLst>
+                <p:cond evt="onNext" delay="0">
+                  <p:tgtEl>
+                    <p:sldTgt/>
+                  </p:tgtEl>
+                </p:cond>
+              </p:nextCondLst>
+            </p:seq>
+          </p:childTnLst>
+        </p:cTn>
+      </p:par>
+    </p:tnLst>
+    <p:bldLst>
+      <p:bldP spid="5" grpId="0" animBg="1"/>
+    </p:bldLst>
+  </p:timing>
 </p:sld>
 </file>
 
@@ -7728,14 +8800,30 @@
             </a:r>
             <a:r>
               <a:rPr lang="en-GB" sz="2200" dirty="0" smtClean="0"/>
-              <a:t>an established </a:t>
-            </a:r>
-            <a:r>
-              <a:rPr lang="en-GB" sz="2200" dirty="0" err="1" smtClean="0"/>
+              <a:t>an </a:t>
+            </a:r>
+            <a:r>
+              <a:rPr lang="en-GB" sz="2200" dirty="0" smtClean="0">
+                <a:solidFill>
+                  <a:schemeClr val="tx2"/>
+                </a:solidFill>
+              </a:rPr>
+              <a:t>established </a:t>
+            </a:r>
+            <a:r>
+              <a:rPr lang="en-GB" sz="2200" dirty="0" err="1" smtClean="0">
+                <a:solidFill>
+                  <a:schemeClr val="tx2"/>
+                </a:solidFill>
+              </a:rPr>
               <a:t>cutoff</a:t>
             </a:r>
             <a:r>
-              <a:rPr lang="en-GB" sz="2200" dirty="0" smtClean="0"/>
+              <a:rPr lang="en-GB" sz="2200" dirty="0" smtClean="0">
+                <a:solidFill>
+                  <a:schemeClr val="tx2"/>
+                </a:solidFill>
+              </a:rPr>
               <a:t> </a:t>
             </a:r>
             <a:r>
@@ -7951,7 +9039,7 @@
           <a:p>
             <a:r>
               <a:rPr lang="en-GB" dirty="0" smtClean="0"/>
-              <a:t>On average, the healthy diet resulted in a change in diagnosis</a:t>
+              <a:t>On average, a shift to a healthy diet resulted in a change in diagnosis</a:t>
             </a:r>
             <a:endParaRPr lang="en-GB" dirty="0"/>
           </a:p>
@@ -8005,6 +9093,427 @@
   <p:clrMapOvr>
     <a:masterClrMapping/>
   </p:clrMapOvr>
+  <p:timing>
+    <p:tnLst>
+      <p:par>
+        <p:cTn id="1" dur="indefinite" restart="never" nodeType="tmRoot">
+          <p:childTnLst>
+            <p:seq concurrent="1" nextAc="seek">
+              <p:cTn id="2" dur="indefinite" nodeType="mainSeq">
+                <p:childTnLst>
+                  <p:par>
+                    <p:cTn id="3" fill="hold">
+                      <p:stCondLst>
+                        <p:cond delay="indefinite"/>
+                      </p:stCondLst>
+                      <p:childTnLst>
+                        <p:par>
+                          <p:cTn id="4" fill="hold">
+                            <p:stCondLst>
+                              <p:cond delay="0"/>
+                            </p:stCondLst>
+                            <p:childTnLst>
+                              <p:par>
+                                <p:cTn id="5" presetID="1" presetClass="entr" presetSubtype="0" fill="hold" nodeType="clickEffect">
+                                  <p:stCondLst>
+                                    <p:cond delay="0"/>
+                                  </p:stCondLst>
+                                  <p:childTnLst>
+                                    <p:set>
+                                      <p:cBhvr>
+                                        <p:cTn id="6" dur="1" fill="hold">
+                                          <p:stCondLst>
+                                            <p:cond delay="0"/>
+                                          </p:stCondLst>
+                                        </p:cTn>
+                                        <p:tgtEl>
+                                          <p:spTgt spid="3">
+                                            <p:txEl>
+                                              <p:pRg st="0" end="0"/>
+                                            </p:txEl>
+                                          </p:spTgt>
+                                        </p:tgtEl>
+                                        <p:attrNameLst>
+                                          <p:attrName>style.visibility</p:attrName>
+                                        </p:attrNameLst>
+                                      </p:cBhvr>
+                                      <p:to>
+                                        <p:strVal val="visible"/>
+                                      </p:to>
+                                    </p:set>
+                                  </p:childTnLst>
+                                </p:cTn>
+                              </p:par>
+                            </p:childTnLst>
+                          </p:cTn>
+                        </p:par>
+                      </p:childTnLst>
+                    </p:cTn>
+                  </p:par>
+                  <p:par>
+                    <p:cTn id="7" fill="hold">
+                      <p:stCondLst>
+                        <p:cond delay="indefinite"/>
+                      </p:stCondLst>
+                      <p:childTnLst>
+                        <p:par>
+                          <p:cTn id="8" fill="hold">
+                            <p:stCondLst>
+                              <p:cond delay="0"/>
+                            </p:stCondLst>
+                            <p:childTnLst>
+                              <p:par>
+                                <p:cTn id="9" presetID="1" presetClass="entr" presetSubtype="0" fill="hold" nodeType="clickEffect">
+                                  <p:stCondLst>
+                                    <p:cond delay="0"/>
+                                  </p:stCondLst>
+                                  <p:childTnLst>
+                                    <p:set>
+                                      <p:cBhvr>
+                                        <p:cTn id="10" dur="1" fill="hold">
+                                          <p:stCondLst>
+                                            <p:cond delay="0"/>
+                                          </p:stCondLst>
+                                        </p:cTn>
+                                        <p:tgtEl>
+                                          <p:spTgt spid="3">
+                                            <p:txEl>
+                                              <p:pRg st="1" end="1"/>
+                                            </p:txEl>
+                                          </p:spTgt>
+                                        </p:tgtEl>
+                                        <p:attrNameLst>
+                                          <p:attrName>style.visibility</p:attrName>
+                                        </p:attrNameLst>
+                                      </p:cBhvr>
+                                      <p:to>
+                                        <p:strVal val="visible"/>
+                                      </p:to>
+                                    </p:set>
+                                  </p:childTnLst>
+                                </p:cTn>
+                              </p:par>
+                            </p:childTnLst>
+                          </p:cTn>
+                        </p:par>
+                      </p:childTnLst>
+                    </p:cTn>
+                  </p:par>
+                  <p:par>
+                    <p:cTn id="11" fill="hold">
+                      <p:stCondLst>
+                        <p:cond delay="indefinite"/>
+                      </p:stCondLst>
+                      <p:childTnLst>
+                        <p:par>
+                          <p:cTn id="12" fill="hold">
+                            <p:stCondLst>
+                              <p:cond delay="0"/>
+                            </p:stCondLst>
+                            <p:childTnLst>
+                              <p:par>
+                                <p:cTn id="13" presetID="1" presetClass="entr" presetSubtype="0" fill="hold" nodeType="clickEffect">
+                                  <p:stCondLst>
+                                    <p:cond delay="0"/>
+                                  </p:stCondLst>
+                                  <p:childTnLst>
+                                    <p:set>
+                                      <p:cBhvr>
+                                        <p:cTn id="14" dur="1" fill="hold">
+                                          <p:stCondLst>
+                                            <p:cond delay="0"/>
+                                          </p:stCondLst>
+                                        </p:cTn>
+                                        <p:tgtEl>
+                                          <p:spTgt spid="3">
+                                            <p:txEl>
+                                              <p:pRg st="2" end="2"/>
+                                            </p:txEl>
+                                          </p:spTgt>
+                                        </p:tgtEl>
+                                        <p:attrNameLst>
+                                          <p:attrName>style.visibility</p:attrName>
+                                        </p:attrNameLst>
+                                      </p:cBhvr>
+                                      <p:to>
+                                        <p:strVal val="visible"/>
+                                      </p:to>
+                                    </p:set>
+                                  </p:childTnLst>
+                                </p:cTn>
+                              </p:par>
+                            </p:childTnLst>
+                          </p:cTn>
+                        </p:par>
+                      </p:childTnLst>
+                    </p:cTn>
+                  </p:par>
+                  <p:par>
+                    <p:cTn id="15" fill="hold">
+                      <p:stCondLst>
+                        <p:cond delay="indefinite"/>
+                      </p:stCondLst>
+                      <p:childTnLst>
+                        <p:par>
+                          <p:cTn id="16" fill="hold">
+                            <p:stCondLst>
+                              <p:cond delay="0"/>
+                            </p:stCondLst>
+                            <p:childTnLst>
+                              <p:par>
+                                <p:cTn id="17" presetID="1" presetClass="entr" presetSubtype="0" fill="hold" nodeType="clickEffect">
+                                  <p:stCondLst>
+                                    <p:cond delay="0"/>
+                                  </p:stCondLst>
+                                  <p:childTnLst>
+                                    <p:set>
+                                      <p:cBhvr>
+                                        <p:cTn id="18" dur="1" fill="hold">
+                                          <p:stCondLst>
+                                            <p:cond delay="0"/>
+                                          </p:stCondLst>
+                                        </p:cTn>
+                                        <p:tgtEl>
+                                          <p:spTgt spid="3">
+                                            <p:txEl>
+                                              <p:pRg st="3" end="3"/>
+                                            </p:txEl>
+                                          </p:spTgt>
+                                        </p:tgtEl>
+                                        <p:attrNameLst>
+                                          <p:attrName>style.visibility</p:attrName>
+                                        </p:attrNameLst>
+                                      </p:cBhvr>
+                                      <p:to>
+                                        <p:strVal val="visible"/>
+                                      </p:to>
+                                    </p:set>
+                                  </p:childTnLst>
+                                </p:cTn>
+                              </p:par>
+                            </p:childTnLst>
+                          </p:cTn>
+                        </p:par>
+                      </p:childTnLst>
+                    </p:cTn>
+                  </p:par>
+                  <p:par>
+                    <p:cTn id="19" fill="hold">
+                      <p:stCondLst>
+                        <p:cond delay="indefinite"/>
+                      </p:stCondLst>
+                      <p:childTnLst>
+                        <p:par>
+                          <p:cTn id="20" fill="hold">
+                            <p:stCondLst>
+                              <p:cond delay="0"/>
+                            </p:stCondLst>
+                            <p:childTnLst>
+                              <p:par>
+                                <p:cTn id="21" presetID="1" presetClass="entr" presetSubtype="0" fill="hold" nodeType="clickEffect">
+                                  <p:stCondLst>
+                                    <p:cond delay="0"/>
+                                  </p:stCondLst>
+                                  <p:childTnLst>
+                                    <p:set>
+                                      <p:cBhvr>
+                                        <p:cTn id="22" dur="1" fill="hold">
+                                          <p:stCondLst>
+                                            <p:cond delay="0"/>
+                                          </p:stCondLst>
+                                        </p:cTn>
+                                        <p:tgtEl>
+                                          <p:spTgt spid="5"/>
+                                        </p:tgtEl>
+                                        <p:attrNameLst>
+                                          <p:attrName>style.visibility</p:attrName>
+                                        </p:attrNameLst>
+                                      </p:cBhvr>
+                                      <p:to>
+                                        <p:strVal val="visible"/>
+                                      </p:to>
+                                    </p:set>
+                                  </p:childTnLst>
+                                </p:cTn>
+                              </p:par>
+                              <p:par>
+                                <p:cTn id="23" presetID="1" presetClass="entr" presetSubtype="0" fill="hold" grpId="0" nodeType="withEffect">
+                                  <p:stCondLst>
+                                    <p:cond delay="0"/>
+                                  </p:stCondLst>
+                                  <p:childTnLst>
+                                    <p:set>
+                                      <p:cBhvr>
+                                        <p:cTn id="24" dur="1" fill="hold">
+                                          <p:stCondLst>
+                                            <p:cond delay="0"/>
+                                          </p:stCondLst>
+                                        </p:cTn>
+                                        <p:tgtEl>
+                                          <p:spTgt spid="6"/>
+                                        </p:tgtEl>
+                                        <p:attrNameLst>
+                                          <p:attrName>style.visibility</p:attrName>
+                                        </p:attrNameLst>
+                                      </p:cBhvr>
+                                      <p:to>
+                                        <p:strVal val="visible"/>
+                                      </p:to>
+                                    </p:set>
+                                  </p:childTnLst>
+                                </p:cTn>
+                              </p:par>
+                              <p:par>
+                                <p:cTn id="25" presetID="1" presetClass="entr" presetSubtype="0" fill="hold" grpId="0" nodeType="withEffect">
+                                  <p:stCondLst>
+                                    <p:cond delay="0"/>
+                                  </p:stCondLst>
+                                  <p:childTnLst>
+                                    <p:set>
+                                      <p:cBhvr>
+                                        <p:cTn id="26" dur="1" fill="hold">
+                                          <p:stCondLst>
+                                            <p:cond delay="0"/>
+                                          </p:stCondLst>
+                                        </p:cTn>
+                                        <p:tgtEl>
+                                          <p:spTgt spid="9"/>
+                                        </p:tgtEl>
+                                        <p:attrNameLst>
+                                          <p:attrName>style.visibility</p:attrName>
+                                        </p:attrNameLst>
+                                      </p:cBhvr>
+                                      <p:to>
+                                        <p:strVal val="visible"/>
+                                      </p:to>
+                                    </p:set>
+                                  </p:childTnLst>
+                                </p:cTn>
+                              </p:par>
+                            </p:childTnLst>
+                          </p:cTn>
+                        </p:par>
+                      </p:childTnLst>
+                    </p:cTn>
+                  </p:par>
+                  <p:par>
+                    <p:cTn id="27" fill="hold">
+                      <p:stCondLst>
+                        <p:cond delay="indefinite"/>
+                      </p:stCondLst>
+                      <p:childTnLst>
+                        <p:par>
+                          <p:cTn id="28" fill="hold">
+                            <p:stCondLst>
+                              <p:cond delay="0"/>
+                            </p:stCondLst>
+                            <p:childTnLst>
+                              <p:par>
+                                <p:cTn id="29" presetID="1" presetClass="entr" presetSubtype="0" fill="hold" grpId="0" nodeType="clickEffect">
+                                  <p:stCondLst>
+                                    <p:cond delay="0"/>
+                                  </p:stCondLst>
+                                  <p:childTnLst>
+                                    <p:set>
+                                      <p:cBhvr>
+                                        <p:cTn id="30" dur="1" fill="hold">
+                                          <p:stCondLst>
+                                            <p:cond delay="0"/>
+                                          </p:stCondLst>
+                                        </p:cTn>
+                                        <p:tgtEl>
+                                          <p:spTgt spid="7"/>
+                                        </p:tgtEl>
+                                        <p:attrNameLst>
+                                          <p:attrName>style.visibility</p:attrName>
+                                        </p:attrNameLst>
+                                      </p:cBhvr>
+                                      <p:to>
+                                        <p:strVal val="visible"/>
+                                      </p:to>
+                                    </p:set>
+                                  </p:childTnLst>
+                                </p:cTn>
+                              </p:par>
+                            </p:childTnLst>
+                          </p:cTn>
+                        </p:par>
+                      </p:childTnLst>
+                    </p:cTn>
+                  </p:par>
+                  <p:par>
+                    <p:cTn id="31" fill="hold">
+                      <p:stCondLst>
+                        <p:cond delay="indefinite"/>
+                      </p:stCondLst>
+                      <p:childTnLst>
+                        <p:par>
+                          <p:cTn id="32" fill="hold">
+                            <p:stCondLst>
+                              <p:cond delay="0"/>
+                            </p:stCondLst>
+                            <p:childTnLst>
+                              <p:par>
+                                <p:cTn id="33" presetID="1" presetClass="entr" presetSubtype="0" fill="hold" grpId="0" nodeType="clickEffect">
+                                  <p:stCondLst>
+                                    <p:cond delay="0"/>
+                                  </p:stCondLst>
+                                  <p:childTnLst>
+                                    <p:set>
+                                      <p:cBhvr>
+                                        <p:cTn id="34" dur="1" fill="hold">
+                                          <p:stCondLst>
+                                            <p:cond delay="0"/>
+                                          </p:stCondLst>
+                                        </p:cTn>
+                                        <p:tgtEl>
+                                          <p:spTgt spid="8"/>
+                                        </p:tgtEl>
+                                        <p:attrNameLst>
+                                          <p:attrName>style.visibility</p:attrName>
+                                        </p:attrNameLst>
+                                      </p:cBhvr>
+                                      <p:to>
+                                        <p:strVal val="visible"/>
+                                      </p:to>
+                                    </p:set>
+                                  </p:childTnLst>
+                                </p:cTn>
+                              </p:par>
+                            </p:childTnLst>
+                          </p:cTn>
+                        </p:par>
+                      </p:childTnLst>
+                    </p:cTn>
+                  </p:par>
+                </p:childTnLst>
+              </p:cTn>
+              <p:prevCondLst>
+                <p:cond evt="onPrev" delay="0">
+                  <p:tgtEl>
+                    <p:sldTgt/>
+                  </p:tgtEl>
+                </p:cond>
+              </p:prevCondLst>
+              <p:nextCondLst>
+                <p:cond evt="onNext" delay="0">
+                  <p:tgtEl>
+                    <p:sldTgt/>
+                  </p:tgtEl>
+                </p:cond>
+              </p:nextCondLst>
+            </p:seq>
+          </p:childTnLst>
+        </p:cTn>
+      </p:par>
+    </p:tnLst>
+    <p:bldLst>
+      <p:bldP spid="6" grpId="0"/>
+      <p:bldP spid="7" grpId="0" animBg="1"/>
+      <p:bldP spid="8" grpId="0" animBg="1"/>
+      <p:bldP spid="9" grpId="0"/>
+    </p:bldLst>
+  </p:timing>
 </p:sld>
 </file>
 
@@ -8041,8 +9550,12 @@
           <a:lstStyle/>
           <a:p>
             <a:r>
+              <a:rPr lang="en-GB" dirty="0" smtClean="0"/>
+              <a:t>Going further: Clinical </a:t>
+            </a:r>
+            <a:r>
               <a:rPr lang="en-GB" dirty="0"/>
-              <a:t>Clinical significance</a:t>
+              <a:t>significance</a:t>
             </a:r>
           </a:p>
         </p:txBody>
@@ -8065,7 +9578,7 @@
         </p:spPr>
         <p:txBody>
           <a:bodyPr>
-            <a:normAutofit fontScale="92500" lnSpcReduction="10000"/>
+            <a:normAutofit/>
           </a:bodyPr>
           <a:lstStyle/>
           <a:p>
@@ -8073,7 +9586,7 @@
               <a:buNone/>
             </a:pPr>
             <a:r>
-              <a:rPr lang="en-GB" b="1" dirty="0">
+              <a:rPr lang="en-GB" sz="2200" b="1" dirty="0">
                 <a:solidFill>
                   <a:srgbClr val="002060"/>
                 </a:solidFill>
@@ -8081,7 +9594,7 @@
               <a:t>Jacobson and </a:t>
             </a:r>
             <a:r>
-              <a:rPr lang="en-GB" b="1" dirty="0" err="1" smtClean="0">
+              <a:rPr lang="en-GB" sz="2200" b="1" dirty="0" err="1" smtClean="0">
                 <a:solidFill>
                   <a:srgbClr val="002060"/>
                 </a:solidFill>
@@ -8089,14 +9602,14 @@
               <a:t>Truax</a:t>
             </a:r>
             <a:r>
-              <a:rPr lang="en-GB" b="1" dirty="0" smtClean="0">
+              <a:rPr lang="en-GB" sz="2200" b="1" dirty="0" smtClean="0">
                 <a:solidFill>
                   <a:srgbClr val="002060"/>
                 </a:solidFill>
               </a:rPr>
               <a:t> (1991)</a:t>
             </a:r>
-            <a:endParaRPr lang="en-GB" b="1" dirty="0">
+            <a:endParaRPr lang="en-GB" sz="2200" b="1" dirty="0">
               <a:solidFill>
                 <a:srgbClr val="002060"/>
               </a:solidFill>
@@ -8104,14 +9617,22 @@
           </a:p>
           <a:p>
             <a:r>
-              <a:rPr lang="en-GB" dirty="0"/>
-              <a:t>Tried to establish a more universal method of determining whether intervention led to change or not.</a:t>
+              <a:rPr lang="en-GB" sz="2200" dirty="0"/>
+              <a:t>Tried to establish a more universal method of determining whether intervention led to </a:t>
+            </a:r>
+            <a:r>
+              <a:rPr lang="en-GB" sz="2200" dirty="0" smtClean="0"/>
+              <a:t>clinically significant change </a:t>
+            </a:r>
+            <a:r>
+              <a:rPr lang="en-GB" sz="2200" dirty="0"/>
+              <a:t>or not.</a:t>
             </a:r>
           </a:p>
           <a:p>
             <a:pPr lvl="0"/>
             <a:r>
-              <a:rPr lang="en-GB" b="1" dirty="0" smtClean="0">
+              <a:rPr lang="en-GB" sz="2200" b="1" dirty="0" smtClean="0">
                 <a:solidFill>
                   <a:srgbClr val="002060"/>
                 </a:solidFill>
@@ -8119,7 +9640,7 @@
               <a:t>Reliable </a:t>
             </a:r>
             <a:r>
-              <a:rPr lang="en-GB" b="1" dirty="0">
+              <a:rPr lang="en-GB" sz="2200" b="1" dirty="0">
                 <a:solidFill>
                   <a:srgbClr val="002060"/>
                 </a:solidFill>
@@ -8127,7 +9648,7 @@
               <a:t>change </a:t>
             </a:r>
             <a:r>
-              <a:rPr lang="en-GB" b="1" dirty="0" smtClean="0">
+              <a:rPr lang="en-GB" sz="2200" b="1" dirty="0" smtClean="0">
                 <a:solidFill>
                   <a:srgbClr val="002060"/>
                 </a:solidFill>
@@ -8135,106 +9656,106 @@
               <a:t>(RC) index </a:t>
             </a:r>
             <a:r>
-              <a:rPr lang="en-GB" dirty="0"/>
-              <a:t>– used to establish whether individuals have reliable </a:t>
-            </a:r>
-            <a:r>
-              <a:rPr lang="en-GB" dirty="0" smtClean="0"/>
-              <a:t>change </a:t>
-            </a:r>
-            <a:r>
-              <a:rPr lang="en-GB" dirty="0"/>
+              <a:rPr lang="en-GB" sz="2200" dirty="0"/>
+              <a:t>– used to establish whether individuals have </a:t>
+            </a:r>
+            <a:r>
+              <a:rPr lang="en-GB" sz="2200" dirty="0" smtClean="0"/>
+              <a:t>a reliable change </a:t>
+            </a:r>
+            <a:r>
+              <a:rPr lang="en-GB" sz="2200" dirty="0"/>
               <a:t>score between baseline and </a:t>
             </a:r>
             <a:r>
-              <a:rPr lang="en-GB" dirty="0" smtClean="0"/>
+              <a:rPr lang="en-GB" sz="2200" dirty="0" smtClean="0"/>
               <a:t>follow-up.</a:t>
             </a:r>
           </a:p>
           <a:p>
             <a:pPr lvl="0"/>
             <a:r>
-              <a:rPr lang="en-GB" dirty="0" smtClean="0"/>
+              <a:rPr lang="en-GB" sz="2200" dirty="0" smtClean="0"/>
               <a:t>For each participant:</a:t>
             </a:r>
-            <a:endParaRPr lang="en-GB" dirty="0"/>
+            <a:endParaRPr lang="en-GB" sz="2200" dirty="0"/>
           </a:p>
           <a:p>
             <a:pPr marL="0" lvl="0" indent="0">
               <a:buNone/>
             </a:pPr>
             <a:r>
-              <a:rPr lang="en-GB" dirty="0" smtClean="0"/>
+              <a:rPr lang="en-GB" sz="2200" dirty="0" smtClean="0"/>
               <a:t>	RC </a:t>
             </a:r>
             <a:r>
-              <a:rPr lang="en-GB" dirty="0"/>
+              <a:rPr lang="en-GB" sz="2200" dirty="0"/>
               <a:t>= </a:t>
             </a:r>
             <a:r>
-              <a:rPr lang="en-GB" dirty="0" smtClean="0"/>
+              <a:rPr lang="en-GB" sz="2200" dirty="0" smtClean="0"/>
               <a:t>(</a:t>
             </a:r>
             <a:r>
-              <a:rPr lang="en-GB" dirty="0" err="1" smtClean="0"/>
+              <a:rPr lang="en-GB" sz="2200" dirty="0" err="1" smtClean="0"/>
               <a:t>pretest</a:t>
             </a:r>
             <a:r>
-              <a:rPr lang="en-GB" dirty="0" smtClean="0"/>
+              <a:rPr lang="en-GB" sz="2200" dirty="0" smtClean="0"/>
               <a:t> </a:t>
             </a:r>
             <a:r>
-              <a:rPr lang="en-GB" dirty="0"/>
+              <a:rPr lang="en-GB" sz="2200" dirty="0"/>
               <a:t>– </a:t>
             </a:r>
             <a:r>
-              <a:rPr lang="en-GB" dirty="0" err="1"/>
+              <a:rPr lang="en-GB" sz="2200" dirty="0" err="1"/>
               <a:t>posttest</a:t>
             </a:r>
             <a:r>
-              <a:rPr lang="en-GB" dirty="0"/>
+              <a:rPr lang="en-GB" sz="2200" dirty="0"/>
               <a:t>) / </a:t>
             </a:r>
             <a:r>
-              <a:rPr lang="en-GB" dirty="0" err="1"/>
+              <a:rPr lang="en-GB" sz="2200" dirty="0" err="1"/>
               <a:t>SE_difference</a:t>
             </a:r>
-            <a:endParaRPr lang="en-GB" dirty="0"/>
+            <a:endParaRPr lang="en-GB" sz="2200" dirty="0"/>
           </a:p>
           <a:p>
             <a:pPr lvl="0"/>
             <a:r>
-              <a:rPr lang="en-GB" dirty="0"/>
+              <a:rPr lang="en-GB" sz="2200" dirty="0"/>
               <a:t>If RC &gt; </a:t>
             </a:r>
             <a:r>
-              <a:rPr lang="en-GB" dirty="0" smtClean="0"/>
+              <a:rPr lang="en-GB" sz="2200" dirty="0" smtClean="0"/>
               <a:t>1.96 or RC &lt; -1.96, </a:t>
             </a:r>
             <a:r>
-              <a:rPr lang="en-GB" dirty="0"/>
+              <a:rPr lang="en-GB" sz="2200" dirty="0"/>
               <a:t>then </a:t>
             </a:r>
             <a:r>
-              <a:rPr lang="en-GB" dirty="0" smtClean="0"/>
+              <a:rPr lang="en-GB" sz="2200" dirty="0" smtClean="0"/>
               <a:t>reliable </a:t>
             </a:r>
             <a:r>
-              <a:rPr lang="en-GB" dirty="0"/>
+              <a:rPr lang="en-GB" sz="2200" dirty="0"/>
               <a:t>change</a:t>
             </a:r>
             <a:r>
-              <a:rPr lang="en-GB" dirty="0" smtClean="0"/>
+              <a:rPr lang="en-GB" sz="2200" dirty="0" smtClean="0"/>
               <a:t>.</a:t>
             </a:r>
           </a:p>
           <a:p>
             <a:pPr lvl="0"/>
             <a:r>
-              <a:rPr lang="en-GB" dirty="0" smtClean="0"/>
-              <a:t>See Further Knowledge section Worksheet 7</a:t>
-            </a:r>
-            <a:endParaRPr lang="en-GB" dirty="0"/>
+              <a:rPr lang="en-GB" sz="2200" dirty="0" smtClean="0"/>
+              <a:t>See Further Knowledge section in Worksheet 7</a:t>
+            </a:r>
+            <a:endParaRPr lang="en-GB" sz="2200" dirty="0"/>
           </a:p>
         </p:txBody>
       </p:sp>
@@ -8248,7 +9769,12 @@
             <p:ph type="sldNum" sz="quarter" idx="12"/>
           </p:nvPr>
         </p:nvSpPr>
-        <p:spPr/>
+        <p:spPr>
+          <a:xfrm>
+            <a:off x="11184212" y="6356351"/>
+            <a:ext cx="398188" cy="365125"/>
+          </a:xfrm>
+        </p:spPr>
         <p:txBody>
           <a:bodyPr/>
           <a:lstStyle/>
@@ -8258,7 +9784,7 @@
               <a:pPr/>
               <a:t>15</a:t>
             </a:fld>
-            <a:endParaRPr lang="en-US"/>
+            <a:endParaRPr lang="en-US" dirty="0"/>
           </a:p>
         </p:txBody>
       </p:sp>
@@ -8278,7 +9804,7 @@
         </p:blipFill>
         <p:spPr>
           <a:xfrm>
-            <a:off x="7226225" y="1676619"/>
+            <a:off x="7226225" y="1856499"/>
             <a:ext cx="3876190" cy="3504762"/>
           </a:xfrm>
           <a:prstGeom prst="rect">
@@ -8294,8 +9820,8 @@
         </p:nvSpPr>
         <p:spPr>
           <a:xfrm>
-            <a:off x="7120427" y="1362463"/>
-            <a:ext cx="1839478" cy="338554"/>
+            <a:off x="7134785" y="1328529"/>
+            <a:ext cx="2297893" cy="584775"/>
           </a:xfrm>
           <a:prstGeom prst="rect">
             <a:avLst/>
@@ -8303,7 +9829,7 @@
           <a:noFill/>
         </p:spPr>
         <p:txBody>
-          <a:bodyPr wrap="none" rtlCol="0">
+          <a:bodyPr wrap="square" rtlCol="0">
             <a:spAutoFit/>
           </a:bodyPr>
           <a:lstStyle/>
@@ -8314,7 +9840,7 @@
                   <a:srgbClr val="002060"/>
                 </a:solidFill>
               </a:rPr>
-              <a:t>Francis et al. (2019)</a:t>
+              <a:t>Francis et al. (2019). Dietary change group</a:t>
             </a:r>
             <a:endParaRPr lang="en-GB" sz="1600" b="1" dirty="0">
               <a:solidFill>
@@ -8332,7 +9858,7 @@
         </p:nvCxnSpPr>
         <p:spPr>
           <a:xfrm rot="16200000" flipH="1">
-            <a:off x="10934775" y="2395941"/>
+            <a:off x="10934775" y="2575821"/>
             <a:ext cx="518160" cy="438337"/>
           </a:xfrm>
           <a:prstGeom prst="curvedConnector3">
@@ -8368,7 +9894,7 @@
         </p:nvSpPr>
         <p:spPr>
           <a:xfrm>
-            <a:off x="11193855" y="2868732"/>
+            <a:off x="11184212" y="2978402"/>
             <a:ext cx="990241" cy="461665"/>
           </a:xfrm>
           <a:prstGeom prst="rect">
@@ -8406,7 +9932,7 @@
         </p:nvCxnSpPr>
         <p:spPr>
           <a:xfrm rot="16200000" flipV="1">
-            <a:off x="9886164" y="1364626"/>
+            <a:off x="8582904" y="2697203"/>
             <a:ext cx="530128" cy="220737"/>
           </a:xfrm>
           <a:prstGeom prst="curvedConnector3">
@@ -8444,7 +9970,7 @@
         </p:nvSpPr>
         <p:spPr>
           <a:xfrm>
-            <a:off x="9775247" y="796019"/>
+            <a:off x="8428079" y="2139878"/>
             <a:ext cx="990241" cy="461665"/>
           </a:xfrm>
           <a:prstGeom prst="rect">
@@ -8482,7 +10008,7 @@
         </p:nvSpPr>
         <p:spPr>
           <a:xfrm>
-            <a:off x="9418320" y="5343436"/>
+            <a:off x="9418320" y="5388406"/>
             <a:ext cx="1994704" cy="1200329"/>
           </a:xfrm>
           <a:prstGeom prst="rect">
@@ -8524,7 +10050,15 @@
                   </a:schemeClr>
                 </a:solidFill>
               </a:rPr>
-              <a:t> below RC index lower, therefore show reliable change</a:t>
+              <a:t> below lower RC index, therefore show </a:t>
+            </a:r>
+            <a:r>
+              <a:rPr lang="en-GB" i="1" dirty="0" smtClean="0">
+                <a:solidFill>
+                  <a:schemeClr val="tx2"/>
+                </a:solidFill>
+              </a:rPr>
+              <a:t>reliable change</a:t>
             </a:r>
           </a:p>
         </p:txBody>
@@ -8539,6 +10073,530 @@
   <p:clrMapOvr>
     <a:masterClrMapping/>
   </p:clrMapOvr>
+  <p:timing>
+    <p:tnLst>
+      <p:par>
+        <p:cTn id="1" dur="indefinite" restart="never" nodeType="tmRoot">
+          <p:childTnLst>
+            <p:seq concurrent="1" nextAc="seek">
+              <p:cTn id="2" dur="indefinite" nodeType="mainSeq">
+                <p:childTnLst>
+                  <p:par>
+                    <p:cTn id="3" fill="hold">
+                      <p:stCondLst>
+                        <p:cond delay="indefinite"/>
+                      </p:stCondLst>
+                      <p:childTnLst>
+                        <p:par>
+                          <p:cTn id="4" fill="hold">
+                            <p:stCondLst>
+                              <p:cond delay="0"/>
+                            </p:stCondLst>
+                            <p:childTnLst>
+                              <p:par>
+                                <p:cTn id="5" presetID="1" presetClass="entr" presetSubtype="0" fill="hold" nodeType="clickEffect">
+                                  <p:stCondLst>
+                                    <p:cond delay="0"/>
+                                  </p:stCondLst>
+                                  <p:childTnLst>
+                                    <p:set>
+                                      <p:cBhvr>
+                                        <p:cTn id="6" dur="1" fill="hold">
+                                          <p:stCondLst>
+                                            <p:cond delay="0"/>
+                                          </p:stCondLst>
+                                        </p:cTn>
+                                        <p:tgtEl>
+                                          <p:spTgt spid="3">
+                                            <p:txEl>
+                                              <p:pRg st="2" end="2"/>
+                                            </p:txEl>
+                                          </p:spTgt>
+                                        </p:tgtEl>
+                                        <p:attrNameLst>
+                                          <p:attrName>style.visibility</p:attrName>
+                                        </p:attrNameLst>
+                                      </p:cBhvr>
+                                      <p:to>
+                                        <p:strVal val="visible"/>
+                                      </p:to>
+                                    </p:set>
+                                  </p:childTnLst>
+                                </p:cTn>
+                              </p:par>
+                            </p:childTnLst>
+                          </p:cTn>
+                        </p:par>
+                      </p:childTnLst>
+                    </p:cTn>
+                  </p:par>
+                  <p:par>
+                    <p:cTn id="7" fill="hold">
+                      <p:stCondLst>
+                        <p:cond delay="indefinite"/>
+                      </p:stCondLst>
+                      <p:childTnLst>
+                        <p:par>
+                          <p:cTn id="8" fill="hold">
+                            <p:stCondLst>
+                              <p:cond delay="0"/>
+                            </p:stCondLst>
+                            <p:childTnLst>
+                              <p:par>
+                                <p:cTn id="9" presetID="1" presetClass="entr" presetSubtype="0" fill="hold" nodeType="clickEffect">
+                                  <p:stCondLst>
+                                    <p:cond delay="0"/>
+                                  </p:stCondLst>
+                                  <p:childTnLst>
+                                    <p:set>
+                                      <p:cBhvr>
+                                        <p:cTn id="10" dur="1" fill="hold">
+                                          <p:stCondLst>
+                                            <p:cond delay="0"/>
+                                          </p:stCondLst>
+                                        </p:cTn>
+                                        <p:tgtEl>
+                                          <p:spTgt spid="3">
+                                            <p:txEl>
+                                              <p:pRg st="3" end="3"/>
+                                            </p:txEl>
+                                          </p:spTgt>
+                                        </p:tgtEl>
+                                        <p:attrNameLst>
+                                          <p:attrName>style.visibility</p:attrName>
+                                        </p:attrNameLst>
+                                      </p:cBhvr>
+                                      <p:to>
+                                        <p:strVal val="visible"/>
+                                      </p:to>
+                                    </p:set>
+                                  </p:childTnLst>
+                                </p:cTn>
+                              </p:par>
+                              <p:par>
+                                <p:cTn id="11" presetID="1" presetClass="entr" presetSubtype="0" fill="hold" nodeType="withEffect">
+                                  <p:stCondLst>
+                                    <p:cond delay="0"/>
+                                  </p:stCondLst>
+                                  <p:childTnLst>
+                                    <p:set>
+                                      <p:cBhvr>
+                                        <p:cTn id="12" dur="1" fill="hold">
+                                          <p:stCondLst>
+                                            <p:cond delay="0"/>
+                                          </p:stCondLst>
+                                        </p:cTn>
+                                        <p:tgtEl>
+                                          <p:spTgt spid="3">
+                                            <p:txEl>
+                                              <p:pRg st="4" end="4"/>
+                                            </p:txEl>
+                                          </p:spTgt>
+                                        </p:tgtEl>
+                                        <p:attrNameLst>
+                                          <p:attrName>style.visibility</p:attrName>
+                                        </p:attrNameLst>
+                                      </p:cBhvr>
+                                      <p:to>
+                                        <p:strVal val="visible"/>
+                                      </p:to>
+                                    </p:set>
+                                  </p:childTnLst>
+                                </p:cTn>
+                              </p:par>
+                            </p:childTnLst>
+                          </p:cTn>
+                        </p:par>
+                      </p:childTnLst>
+                    </p:cTn>
+                  </p:par>
+                  <p:par>
+                    <p:cTn id="13" fill="hold">
+                      <p:stCondLst>
+                        <p:cond delay="indefinite"/>
+                      </p:stCondLst>
+                      <p:childTnLst>
+                        <p:par>
+                          <p:cTn id="14" fill="hold">
+                            <p:stCondLst>
+                              <p:cond delay="0"/>
+                            </p:stCondLst>
+                            <p:childTnLst>
+                              <p:par>
+                                <p:cTn id="15" presetID="1" presetClass="entr" presetSubtype="0" fill="hold" nodeType="clickEffect">
+                                  <p:stCondLst>
+                                    <p:cond delay="0"/>
+                                  </p:stCondLst>
+                                  <p:childTnLst>
+                                    <p:set>
+                                      <p:cBhvr>
+                                        <p:cTn id="16" dur="1" fill="hold">
+                                          <p:stCondLst>
+                                            <p:cond delay="0"/>
+                                          </p:stCondLst>
+                                        </p:cTn>
+                                        <p:tgtEl>
+                                          <p:spTgt spid="3">
+                                            <p:txEl>
+                                              <p:pRg st="5" end="5"/>
+                                            </p:txEl>
+                                          </p:spTgt>
+                                        </p:tgtEl>
+                                        <p:attrNameLst>
+                                          <p:attrName>style.visibility</p:attrName>
+                                        </p:attrNameLst>
+                                      </p:cBhvr>
+                                      <p:to>
+                                        <p:strVal val="visible"/>
+                                      </p:to>
+                                    </p:set>
+                                  </p:childTnLst>
+                                </p:cTn>
+                              </p:par>
+                            </p:childTnLst>
+                          </p:cTn>
+                        </p:par>
+                      </p:childTnLst>
+                    </p:cTn>
+                  </p:par>
+                  <p:par>
+                    <p:cTn id="17" fill="hold">
+                      <p:stCondLst>
+                        <p:cond delay="indefinite"/>
+                      </p:stCondLst>
+                      <p:childTnLst>
+                        <p:par>
+                          <p:cTn id="18" fill="hold">
+                            <p:stCondLst>
+                              <p:cond delay="0"/>
+                            </p:stCondLst>
+                            <p:childTnLst>
+                              <p:par>
+                                <p:cTn id="19" presetID="1" presetClass="entr" presetSubtype="0" fill="hold" nodeType="clickEffect">
+                                  <p:stCondLst>
+                                    <p:cond delay="0"/>
+                                  </p:stCondLst>
+                                  <p:childTnLst>
+                                    <p:set>
+                                      <p:cBhvr>
+                                        <p:cTn id="20" dur="1" fill="hold">
+                                          <p:stCondLst>
+                                            <p:cond delay="0"/>
+                                          </p:stCondLst>
+                                        </p:cTn>
+                                        <p:tgtEl>
+                                          <p:spTgt spid="3">
+                                            <p:txEl>
+                                              <p:pRg st="6" end="6"/>
+                                            </p:txEl>
+                                          </p:spTgt>
+                                        </p:tgtEl>
+                                        <p:attrNameLst>
+                                          <p:attrName>style.visibility</p:attrName>
+                                        </p:attrNameLst>
+                                      </p:cBhvr>
+                                      <p:to>
+                                        <p:strVal val="visible"/>
+                                      </p:to>
+                                    </p:set>
+                                  </p:childTnLst>
+                                </p:cTn>
+                              </p:par>
+                            </p:childTnLst>
+                          </p:cTn>
+                        </p:par>
+                      </p:childTnLst>
+                    </p:cTn>
+                  </p:par>
+                  <p:par>
+                    <p:cTn id="21" fill="hold">
+                      <p:stCondLst>
+                        <p:cond delay="indefinite"/>
+                      </p:stCondLst>
+                      <p:childTnLst>
+                        <p:par>
+                          <p:cTn id="22" fill="hold">
+                            <p:stCondLst>
+                              <p:cond delay="0"/>
+                            </p:stCondLst>
+                            <p:childTnLst>
+                              <p:par>
+                                <p:cTn id="23" presetID="1" presetClass="entr" presetSubtype="0" fill="hold" grpId="0" nodeType="clickEffect">
+                                  <p:stCondLst>
+                                    <p:cond delay="0"/>
+                                  </p:stCondLst>
+                                  <p:childTnLst>
+                                    <p:set>
+                                      <p:cBhvr>
+                                        <p:cTn id="24" dur="1" fill="hold">
+                                          <p:stCondLst>
+                                            <p:cond delay="0"/>
+                                          </p:stCondLst>
+                                        </p:cTn>
+                                        <p:tgtEl>
+                                          <p:spTgt spid="7"/>
+                                        </p:tgtEl>
+                                        <p:attrNameLst>
+                                          <p:attrName>style.visibility</p:attrName>
+                                        </p:attrNameLst>
+                                      </p:cBhvr>
+                                      <p:to>
+                                        <p:strVal val="visible"/>
+                                      </p:to>
+                                    </p:set>
+                                  </p:childTnLst>
+                                </p:cTn>
+                              </p:par>
+                              <p:par>
+                                <p:cTn id="25" presetID="1" presetClass="entr" presetSubtype="0" fill="hold" nodeType="withEffect">
+                                  <p:stCondLst>
+                                    <p:cond delay="0"/>
+                                  </p:stCondLst>
+                                  <p:childTnLst>
+                                    <p:set>
+                                      <p:cBhvr>
+                                        <p:cTn id="26" dur="1" fill="hold">
+                                          <p:stCondLst>
+                                            <p:cond delay="0"/>
+                                          </p:stCondLst>
+                                        </p:cTn>
+                                        <p:tgtEl>
+                                          <p:spTgt spid="5"/>
+                                        </p:tgtEl>
+                                        <p:attrNameLst>
+                                          <p:attrName>style.visibility</p:attrName>
+                                        </p:attrNameLst>
+                                      </p:cBhvr>
+                                      <p:to>
+                                        <p:strVal val="visible"/>
+                                      </p:to>
+                                    </p:set>
+                                  </p:childTnLst>
+                                </p:cTn>
+                              </p:par>
+                            </p:childTnLst>
+                          </p:cTn>
+                        </p:par>
+                      </p:childTnLst>
+                    </p:cTn>
+                  </p:par>
+                  <p:par>
+                    <p:cTn id="27" fill="hold">
+                      <p:stCondLst>
+                        <p:cond delay="indefinite"/>
+                      </p:stCondLst>
+                      <p:childTnLst>
+                        <p:par>
+                          <p:cTn id="28" fill="hold">
+                            <p:stCondLst>
+                              <p:cond delay="0"/>
+                            </p:stCondLst>
+                            <p:childTnLst>
+                              <p:par>
+                                <p:cTn id="29" presetID="1" presetClass="entr" presetSubtype="0" fill="hold" grpId="0" nodeType="clickEffect">
+                                  <p:stCondLst>
+                                    <p:cond delay="0"/>
+                                  </p:stCondLst>
+                                  <p:childTnLst>
+                                    <p:set>
+                                      <p:cBhvr>
+                                        <p:cTn id="30" dur="1" fill="hold">
+                                          <p:stCondLst>
+                                            <p:cond delay="0"/>
+                                          </p:stCondLst>
+                                        </p:cTn>
+                                        <p:tgtEl>
+                                          <p:spTgt spid="11"/>
+                                        </p:tgtEl>
+                                        <p:attrNameLst>
+                                          <p:attrName>style.visibility</p:attrName>
+                                        </p:attrNameLst>
+                                      </p:cBhvr>
+                                      <p:to>
+                                        <p:strVal val="visible"/>
+                                      </p:to>
+                                    </p:set>
+                                  </p:childTnLst>
+                                </p:cTn>
+                              </p:par>
+                              <p:par>
+                                <p:cTn id="31" presetID="1" presetClass="entr" presetSubtype="0" fill="hold" nodeType="withEffect">
+                                  <p:stCondLst>
+                                    <p:cond delay="0"/>
+                                  </p:stCondLst>
+                                  <p:childTnLst>
+                                    <p:set>
+                                      <p:cBhvr>
+                                        <p:cTn id="32" dur="1" fill="hold">
+                                          <p:stCondLst>
+                                            <p:cond delay="0"/>
+                                          </p:stCondLst>
+                                        </p:cTn>
+                                        <p:tgtEl>
+                                          <p:spTgt spid="10"/>
+                                        </p:tgtEl>
+                                        <p:attrNameLst>
+                                          <p:attrName>style.visibility</p:attrName>
+                                        </p:attrNameLst>
+                                      </p:cBhvr>
+                                      <p:to>
+                                        <p:strVal val="visible"/>
+                                      </p:to>
+                                    </p:set>
+                                  </p:childTnLst>
+                                </p:cTn>
+                              </p:par>
+                            </p:childTnLst>
+                          </p:cTn>
+                        </p:par>
+                      </p:childTnLst>
+                    </p:cTn>
+                  </p:par>
+                  <p:par>
+                    <p:cTn id="33" fill="hold">
+                      <p:stCondLst>
+                        <p:cond delay="indefinite"/>
+                      </p:stCondLst>
+                      <p:childTnLst>
+                        <p:par>
+                          <p:cTn id="34" fill="hold">
+                            <p:stCondLst>
+                              <p:cond delay="0"/>
+                            </p:stCondLst>
+                            <p:childTnLst>
+                              <p:par>
+                                <p:cTn id="35" presetID="1" presetClass="entr" presetSubtype="0" fill="hold" nodeType="clickEffect">
+                                  <p:stCondLst>
+                                    <p:cond delay="0"/>
+                                  </p:stCondLst>
+                                  <p:childTnLst>
+                                    <p:set>
+                                      <p:cBhvr>
+                                        <p:cTn id="36" dur="1" fill="hold">
+                                          <p:stCondLst>
+                                            <p:cond delay="0"/>
+                                          </p:stCondLst>
+                                        </p:cTn>
+                                        <p:tgtEl>
+                                          <p:spTgt spid="8"/>
+                                        </p:tgtEl>
+                                        <p:attrNameLst>
+                                          <p:attrName>style.visibility</p:attrName>
+                                        </p:attrNameLst>
+                                      </p:cBhvr>
+                                      <p:to>
+                                        <p:strVal val="visible"/>
+                                      </p:to>
+                                    </p:set>
+                                  </p:childTnLst>
+                                </p:cTn>
+                              </p:par>
+                              <p:par>
+                                <p:cTn id="37" presetID="1" presetClass="entr" presetSubtype="0" fill="hold" grpId="0" nodeType="withEffect">
+                                  <p:stCondLst>
+                                    <p:cond delay="0"/>
+                                  </p:stCondLst>
+                                  <p:childTnLst>
+                                    <p:set>
+                                      <p:cBhvr>
+                                        <p:cTn id="38" dur="1" fill="hold">
+                                          <p:stCondLst>
+                                            <p:cond delay="0"/>
+                                          </p:stCondLst>
+                                        </p:cTn>
+                                        <p:tgtEl>
+                                          <p:spTgt spid="9"/>
+                                        </p:tgtEl>
+                                        <p:attrNameLst>
+                                          <p:attrName>style.visibility</p:attrName>
+                                        </p:attrNameLst>
+                                      </p:cBhvr>
+                                      <p:to>
+                                        <p:strVal val="visible"/>
+                                      </p:to>
+                                    </p:set>
+                                  </p:childTnLst>
+                                </p:cTn>
+                              </p:par>
+                            </p:childTnLst>
+                          </p:cTn>
+                        </p:par>
+                      </p:childTnLst>
+                    </p:cTn>
+                  </p:par>
+                  <p:par>
+                    <p:cTn id="39" fill="hold">
+                      <p:stCondLst>
+                        <p:cond delay="indefinite"/>
+                      </p:stCondLst>
+                      <p:childTnLst>
+                        <p:par>
+                          <p:cTn id="40" fill="hold">
+                            <p:stCondLst>
+                              <p:cond delay="0"/>
+                            </p:stCondLst>
+                            <p:childTnLst>
+                              <p:par>
+                                <p:cTn id="41" presetID="1" presetClass="entr" presetSubtype="0" fill="hold" grpId="0" nodeType="clickEffect">
+                                  <p:stCondLst>
+                                    <p:cond delay="0"/>
+                                  </p:stCondLst>
+                                  <p:childTnLst>
+                                    <p:set>
+                                      <p:cBhvr>
+                                        <p:cTn id="42" dur="1" fill="hold">
+                                          <p:stCondLst>
+                                            <p:cond delay="0"/>
+                                          </p:stCondLst>
+                                        </p:cTn>
+                                        <p:tgtEl>
+                                          <p:spTgt spid="17"/>
+                                        </p:tgtEl>
+                                        <p:attrNameLst>
+                                          <p:attrName>style.visibility</p:attrName>
+                                        </p:attrNameLst>
+                                      </p:cBhvr>
+                                      <p:to>
+                                        <p:strVal val="visible"/>
+                                      </p:to>
+                                    </p:set>
+                                  </p:childTnLst>
+                                </p:cTn>
+                              </p:par>
+                            </p:childTnLst>
+                          </p:cTn>
+                        </p:par>
+                      </p:childTnLst>
+                    </p:cTn>
+                  </p:par>
+                </p:childTnLst>
+              </p:cTn>
+              <p:prevCondLst>
+                <p:cond evt="onPrev" delay="0">
+                  <p:tgtEl>
+                    <p:sldTgt/>
+                  </p:tgtEl>
+                </p:cond>
+              </p:prevCondLst>
+              <p:nextCondLst>
+                <p:cond evt="onNext" delay="0">
+                  <p:tgtEl>
+                    <p:sldTgt/>
+                  </p:tgtEl>
+                </p:cond>
+              </p:nextCondLst>
+            </p:seq>
+          </p:childTnLst>
+        </p:cTn>
+      </p:par>
+    </p:tnLst>
+    <p:bldLst>
+      <p:bldP spid="7" grpId="0"/>
+      <p:bldP spid="9" grpId="0"/>
+      <p:bldP spid="11" grpId="0"/>
+      <p:bldP spid="17" grpId="0"/>
+    </p:bldLst>
+  </p:timing>
 </p:sld>
 </file>
 
@@ -8561,6 +10619,56 @@
       </p:grpSpPr>
       <p:sp>
         <p:nvSpPr>
+          <p:cNvPr id="19" name="Rectangle 18"/>
+          <p:cNvSpPr/>
+          <p:nvPr/>
+        </p:nvSpPr>
+        <p:spPr>
+          <a:xfrm>
+            <a:off x="6059488" y="0"/>
+            <a:ext cx="6132512" cy="6858000"/>
+          </a:xfrm>
+          <a:prstGeom prst="rect">
+            <a:avLst/>
+          </a:prstGeom>
+          <a:solidFill>
+            <a:schemeClr val="bg1"/>
+          </a:solidFill>
+          <a:ln>
+            <a:noFill/>
+          </a:ln>
+        </p:spPr>
+        <p:style>
+          <a:lnRef idx="2">
+            <a:schemeClr val="accent1">
+              <a:shade val="50000"/>
+            </a:schemeClr>
+          </a:lnRef>
+          <a:fillRef idx="1">
+            <a:schemeClr val="accent1"/>
+          </a:fillRef>
+          <a:effectRef idx="0">
+            <a:schemeClr val="accent1"/>
+          </a:effectRef>
+          <a:fontRef idx="minor">
+            <a:schemeClr val="lt1"/>
+          </a:fontRef>
+        </p:style>
+        <p:txBody>
+          <a:bodyPr rtlCol="0" anchor="ctr"/>
+          <a:lstStyle/>
+          <a:p>
+            <a:pPr algn="ctr"/>
+            <a:r>
+              <a:rPr lang="en-GB" dirty="0" smtClean="0"/>
+              <a:t>c</a:t>
+            </a:r>
+            <a:endParaRPr lang="en-GB" dirty="0"/>
+          </a:p>
+        </p:txBody>
+      </p:sp>
+      <p:sp>
+        <p:nvSpPr>
           <p:cNvPr id="2" name="Title 1"/>
           <p:cNvSpPr>
             <a:spLocks noGrp="1"/>
@@ -8569,14 +10677,25 @@
             <p:ph type="title"/>
           </p:nvPr>
         </p:nvSpPr>
-        <p:spPr/>
+        <p:spPr>
+          <a:xfrm>
+            <a:off x="8980" y="274638"/>
+            <a:ext cx="6050508" cy="1143000"/>
+          </a:xfrm>
+        </p:spPr>
         <p:txBody>
-          <a:bodyPr/>
+          <a:bodyPr>
+            <a:normAutofit/>
+          </a:bodyPr>
           <a:lstStyle/>
           <a:p>
             <a:r>
-              <a:rPr lang="en-GB" dirty="0"/>
-              <a:t>Clinical significance</a:t>
+              <a:rPr lang="en-GB" sz="2800" dirty="0" smtClean="0"/>
+              <a:t>Going further: Clinical </a:t>
+            </a:r>
+            <a:r>
+              <a:rPr lang="en-GB" sz="2800" dirty="0"/>
+              <a:t>significance</a:t>
             </a:r>
           </a:p>
         </p:txBody>
@@ -8593,13 +10712,13 @@
         </p:nvSpPr>
         <p:spPr>
           <a:xfrm>
-            <a:off x="609599" y="1417638"/>
-            <a:ext cx="5449889" cy="4525963"/>
+            <a:off x="116115" y="1417638"/>
+            <a:ext cx="5729078" cy="4525963"/>
           </a:xfrm>
         </p:spPr>
         <p:txBody>
           <a:bodyPr>
-            <a:normAutofit fontScale="92500" lnSpcReduction="10000"/>
+            <a:noAutofit/>
           </a:bodyPr>
           <a:lstStyle/>
           <a:p>
@@ -8607,7 +10726,7 @@
               <a:buNone/>
             </a:pPr>
             <a:r>
-              <a:rPr lang="en-GB" sz="2200" b="1" dirty="0">
+              <a:rPr lang="en-GB" sz="1600" b="1" dirty="0">
                 <a:solidFill>
                   <a:srgbClr val="002060"/>
                 </a:solidFill>
@@ -8615,7 +10734,7 @@
               <a:t>Jacobson and </a:t>
             </a:r>
             <a:r>
-              <a:rPr lang="en-GB" sz="2200" b="1" dirty="0" err="1" smtClean="0">
+              <a:rPr lang="en-GB" sz="1600" b="1" dirty="0" err="1" smtClean="0">
                 <a:solidFill>
                   <a:srgbClr val="002060"/>
                 </a:solidFill>
@@ -8623,14 +10742,14 @@
               <a:t>Truax</a:t>
             </a:r>
             <a:r>
-              <a:rPr lang="en-GB" sz="2200" b="1" dirty="0" smtClean="0">
+              <a:rPr lang="en-GB" sz="1600" b="1" dirty="0" smtClean="0">
                 <a:solidFill>
                   <a:srgbClr val="002060"/>
                 </a:solidFill>
               </a:rPr>
               <a:t> (1991)</a:t>
             </a:r>
-            <a:endParaRPr lang="en-GB" sz="2200" b="1" dirty="0">
+            <a:endParaRPr lang="en-GB" sz="1600" b="1" dirty="0">
               <a:solidFill>
                 <a:srgbClr val="002060"/>
               </a:solidFill>
@@ -8639,21 +10758,101 @@
           <a:p>
             <a:pPr lvl="0"/>
             <a:r>
-              <a:rPr lang="en-GB" sz="2200" dirty="0" smtClean="0"/>
-              <a:t>Dysfunctional and functional distributions</a:t>
-            </a:r>
-          </a:p>
-          <a:p>
-            <a:pPr lvl="0"/>
-            <a:r>
-              <a:rPr lang="en-GB" sz="2200" dirty="0" smtClean="0"/>
-              <a:t>Possible outcomes:</a:t>
-            </a:r>
+              <a:rPr lang="en-GB" sz="1600" dirty="0" smtClean="0"/>
+              <a:t>It’s possible for a </a:t>
+            </a:r>
+            <a:r>
+              <a:rPr lang="en-GB" sz="1600" dirty="0" err="1" smtClean="0"/>
+              <a:t>posttest</a:t>
+            </a:r>
+            <a:r>
+              <a:rPr lang="en-GB" sz="1600" dirty="0" smtClean="0"/>
+              <a:t> score to cross a criterion point, but for the change from </a:t>
+            </a:r>
+            <a:r>
+              <a:rPr lang="en-GB" sz="1600" dirty="0" err="1" smtClean="0"/>
+              <a:t>pretest</a:t>
+            </a:r>
+            <a:r>
+              <a:rPr lang="en-GB" sz="1600" dirty="0" smtClean="0"/>
+              <a:t> to </a:t>
+            </a:r>
+            <a:r>
+              <a:rPr lang="en-GB" sz="1600" dirty="0" err="1" smtClean="0"/>
+              <a:t>posttest</a:t>
+            </a:r>
+            <a:r>
+              <a:rPr lang="en-GB" sz="1600" dirty="0" smtClean="0"/>
+              <a:t> to not be reliable, due to measurement error.</a:t>
+            </a:r>
+          </a:p>
+          <a:p>
+            <a:r>
+              <a:rPr lang="en-GB" sz="1600" b="1" dirty="0" smtClean="0">
+                <a:solidFill>
+                  <a:srgbClr val="003300"/>
+                </a:solidFill>
+              </a:rPr>
+              <a:t>Suggested these treatment outcomes </a:t>
+            </a:r>
+            <a:r>
+              <a:rPr lang="en-GB" sz="1600" b="1" dirty="0">
+                <a:solidFill>
+                  <a:srgbClr val="003300"/>
+                </a:solidFill>
+              </a:rPr>
+              <a:t>on the basis of </a:t>
+            </a:r>
+            <a:r>
+              <a:rPr lang="en-GB" sz="1600" b="1" dirty="0" smtClean="0">
+                <a:solidFill>
+                  <a:srgbClr val="003300"/>
+                </a:solidFill>
+              </a:rPr>
+              <a:t>a participant’s </a:t>
+            </a:r>
+            <a:r>
+              <a:rPr lang="en-GB" sz="1600" b="1" dirty="0">
+                <a:solidFill>
+                  <a:srgbClr val="003300"/>
+                </a:solidFill>
+              </a:rPr>
+              <a:t>RC index and </a:t>
+            </a:r>
+            <a:r>
+              <a:rPr lang="en-GB" sz="1600" b="1" dirty="0" smtClean="0">
+                <a:solidFill>
+                  <a:srgbClr val="003300"/>
+                </a:solidFill>
+              </a:rPr>
+              <a:t>criterion </a:t>
+            </a:r>
+            <a:r>
+              <a:rPr lang="en-GB" sz="1600" b="1" dirty="0">
+                <a:solidFill>
+                  <a:srgbClr val="003300"/>
+                </a:solidFill>
+              </a:rPr>
+              <a:t>for </a:t>
+            </a:r>
+            <a:r>
+              <a:rPr lang="en-GB" sz="1600" b="1" dirty="0" smtClean="0">
+                <a:solidFill>
+                  <a:srgbClr val="003300"/>
+                </a:solidFill>
+              </a:rPr>
+              <a:t>diagnosis:</a:t>
+            </a:r>
+            <a:endParaRPr lang="en-GB" sz="1600" b="1" dirty="0">
+              <a:solidFill>
+                <a:srgbClr val="003300"/>
+              </a:solidFill>
+            </a:endParaRPr>
           </a:p>
           <a:p>
             <a:pPr lvl="1"/>
             <a:r>
-              <a:rPr lang="en-GB" sz="2200" b="1" dirty="0" smtClean="0">
+              <a:rPr lang="en-GB" sz="1600" b="1" dirty="0" smtClean="0">
                 <a:solidFill>
                   <a:schemeClr val="tx2"/>
                 </a:solidFill>
@@ -8664,14 +10863,26 @@
           <a:p>
             <a:pPr lvl="2"/>
             <a:r>
-              <a:rPr lang="en-GB" sz="2200" dirty="0" smtClean="0"/>
-              <a:t>Clients moving reliably to functional population</a:t>
+              <a:rPr lang="en-GB" sz="1600" dirty="0" smtClean="0"/>
+              <a:t>Reliable change and </a:t>
+            </a:r>
+            <a:r>
+              <a:rPr lang="en-GB" sz="1600" dirty="0" err="1" smtClean="0"/>
+              <a:t>posttest</a:t>
+            </a:r>
+            <a:r>
+              <a:rPr lang="en-GB" sz="1600" dirty="0"/>
+              <a:t> </a:t>
+            </a:r>
+            <a:r>
+              <a:rPr lang="en-GB" sz="1600" dirty="0" smtClean="0"/>
+              <a:t>crosses criterion </a:t>
             </a:r>
           </a:p>
           <a:p>
             <a:pPr lvl="1"/>
             <a:r>
-              <a:rPr lang="en-GB" sz="2200" b="1" dirty="0" smtClean="0">
+              <a:rPr lang="en-GB" sz="1600" b="1" dirty="0" smtClean="0">
                 <a:solidFill>
                   <a:schemeClr val="tx2"/>
                 </a:solidFill>
@@ -8682,14 +10893,30 @@
           <a:p>
             <a:pPr lvl="2"/>
             <a:r>
-              <a:rPr lang="en-GB" sz="2200" dirty="0" smtClean="0"/>
-              <a:t>Clients making reliable change but remain in dysfunctional population </a:t>
+              <a:rPr lang="en-GB" sz="1600" dirty="0"/>
+              <a:t>Reliable change and </a:t>
+            </a:r>
+            <a:r>
+              <a:rPr lang="en-GB" sz="1600" dirty="0" err="1"/>
+              <a:t>posttest</a:t>
+            </a:r>
+            <a:r>
+              <a:rPr lang="en-GB" sz="1600" dirty="0"/>
+              <a:t> </a:t>
+            </a:r>
+            <a:r>
+              <a:rPr lang="en-GB" sz="1600" dirty="0" smtClean="0"/>
+              <a:t>does not cross </a:t>
+            </a:r>
+            <a:r>
+              <a:rPr lang="en-GB" sz="1600" dirty="0"/>
+              <a:t>criterion </a:t>
             </a:r>
           </a:p>
           <a:p>
             <a:pPr lvl="1"/>
             <a:r>
-              <a:rPr lang="en-GB" sz="2200" b="1" dirty="0" smtClean="0">
+              <a:rPr lang="en-GB" sz="1600" b="1" dirty="0" smtClean="0">
                 <a:solidFill>
                   <a:schemeClr val="tx2"/>
                 </a:solidFill>
@@ -8700,14 +10927,14 @@
           <a:p>
             <a:pPr lvl="2"/>
             <a:r>
-              <a:rPr lang="en-GB" sz="2200" dirty="0" smtClean="0"/>
-              <a:t>Not making reliable change</a:t>
+              <a:rPr lang="en-GB" sz="1600" dirty="0" smtClean="0"/>
+              <a:t>No reliable change</a:t>
             </a:r>
           </a:p>
           <a:p>
             <a:pPr lvl="1"/>
             <a:r>
-              <a:rPr lang="en-GB" sz="2200" b="1" dirty="0" smtClean="0">
+              <a:rPr lang="en-GB" sz="1600" b="1" dirty="0" smtClean="0">
                 <a:solidFill>
                   <a:schemeClr val="tx2"/>
                 </a:solidFill>
@@ -8718,13 +10945,64 @@
           <a:p>
             <a:pPr lvl="2"/>
             <a:r>
-              <a:rPr lang="en-GB" sz="2200" dirty="0"/>
-              <a:t>Client reliably worsened</a:t>
-            </a:r>
-          </a:p>
-          <a:p>
-            <a:pPr lvl="1"/>
-            <a:endParaRPr lang="en-GB" sz="2200" dirty="0"/>
+              <a:rPr lang="en-GB" sz="1600" dirty="0" smtClean="0"/>
+              <a:t>Reliable change and </a:t>
+            </a:r>
+            <a:r>
+              <a:rPr lang="en-GB" sz="1600" dirty="0" err="1" smtClean="0"/>
+              <a:t>posttest</a:t>
+            </a:r>
+            <a:r>
+              <a:rPr lang="en-GB" sz="1600" dirty="0" smtClean="0"/>
+              <a:t> below </a:t>
+            </a:r>
+            <a:r>
+              <a:rPr lang="en-GB" sz="1600" dirty="0" err="1" smtClean="0"/>
+              <a:t>pretest</a:t>
+            </a:r>
+            <a:endParaRPr lang="en-GB" sz="1600" dirty="0" smtClean="0"/>
+          </a:p>
+          <a:p>
+            <a:endParaRPr lang="en-GB" sz="1600" dirty="0"/>
+          </a:p>
+          <a:p>
+            <a:r>
+              <a:rPr lang="en-GB" sz="1600" dirty="0" smtClean="0"/>
+              <a:t>In absence of established criterion, if M</a:t>
+            </a:r>
+            <a:r>
+              <a:rPr lang="en-GB" sz="1600" baseline="-25000" dirty="0" smtClean="0"/>
+              <a:t>1</a:t>
+            </a:r>
+            <a:r>
+              <a:rPr lang="en-GB" sz="1600" dirty="0" smtClean="0"/>
+              <a:t> and M</a:t>
+            </a:r>
+            <a:r>
+              <a:rPr lang="en-GB" sz="1600" baseline="-25000" dirty="0" smtClean="0"/>
+              <a:t>2</a:t>
+            </a:r>
+            <a:r>
+              <a:rPr lang="en-GB" sz="1600" dirty="0" smtClean="0"/>
+              <a:t> are known, the midpoint between them can be used as a </a:t>
+            </a:r>
+            <a:r>
+              <a:rPr lang="en-GB" sz="1600" dirty="0" err="1" smtClean="0"/>
+              <a:t>cutoff</a:t>
+            </a:r>
+            <a:r>
+              <a:rPr lang="en-GB" sz="1600" dirty="0" smtClean="0"/>
+              <a:t> (</a:t>
+            </a:r>
+            <a:r>
+              <a:rPr lang="en-GB" sz="1600" b="1" dirty="0" smtClean="0"/>
+              <a:t>c</a:t>
+            </a:r>
+            <a:r>
+              <a:rPr lang="en-GB" sz="1600" dirty="0" smtClean="0"/>
+              <a:t>).</a:t>
+            </a:r>
+            <a:endParaRPr lang="en-GB" sz="1600" dirty="0"/>
           </a:p>
         </p:txBody>
       </p:sp>
@@ -8752,23 +11030,255 @@
           </a:p>
         </p:txBody>
       </p:sp>
+      <p:sp>
+        <p:nvSpPr>
+          <p:cNvPr id="9" name="TextBox 8"/>
+          <p:cNvSpPr txBox="1"/>
+          <p:nvPr/>
+        </p:nvSpPr>
+        <p:spPr>
+          <a:xfrm>
+            <a:off x="10037447" y="2058678"/>
+            <a:ext cx="990241" cy="461665"/>
+          </a:xfrm>
+          <a:prstGeom prst="rect">
+            <a:avLst/>
+          </a:prstGeom>
+          <a:noFill/>
+        </p:spPr>
+        <p:txBody>
+          <a:bodyPr wrap="square" rtlCol="0">
+            <a:spAutoFit/>
+          </a:bodyPr>
+          <a:lstStyle/>
+          <a:p>
+            <a:r>
+              <a:rPr lang="en-GB" sz="1200" b="1" dirty="0" smtClean="0">
+                <a:solidFill>
+                  <a:schemeClr val="tx2">
+                    <a:lumMod val="75000"/>
+                  </a:schemeClr>
+                </a:solidFill>
+              </a:rPr>
+              <a:t>Functional</a:t>
+            </a:r>
+          </a:p>
+          <a:p>
+            <a:r>
+              <a:rPr lang="en-GB" sz="1200" b="1" dirty="0" smtClean="0">
+                <a:solidFill>
+                  <a:schemeClr val="tx2">
+                    <a:lumMod val="75000"/>
+                  </a:schemeClr>
+                </a:solidFill>
+              </a:rPr>
+              <a:t>population</a:t>
+            </a:r>
+            <a:endParaRPr lang="en-GB" b="1" dirty="0">
+              <a:solidFill>
+                <a:schemeClr val="tx2">
+                  <a:lumMod val="75000"/>
+                </a:schemeClr>
+              </a:solidFill>
+            </a:endParaRPr>
+          </a:p>
+        </p:txBody>
+      </p:sp>
+      <p:sp>
+        <p:nvSpPr>
+          <p:cNvPr id="11" name="TextBox 10"/>
+          <p:cNvSpPr txBox="1"/>
+          <p:nvPr/>
+        </p:nvSpPr>
+        <p:spPr>
+          <a:xfrm>
+            <a:off x="7261089" y="2058678"/>
+            <a:ext cx="1349827" cy="461665"/>
+          </a:xfrm>
+          <a:prstGeom prst="rect">
+            <a:avLst/>
+          </a:prstGeom>
+          <a:noFill/>
+        </p:spPr>
+        <p:txBody>
+          <a:bodyPr wrap="square" rtlCol="0">
+            <a:spAutoFit/>
+          </a:bodyPr>
+          <a:lstStyle/>
+          <a:p>
+            <a:r>
+              <a:rPr lang="en-GB" sz="1200" b="1" dirty="0" smtClean="0">
+                <a:solidFill>
+                  <a:schemeClr val="accent4">
+                    <a:lumMod val="75000"/>
+                  </a:schemeClr>
+                </a:solidFill>
+              </a:rPr>
+              <a:t>Dysfunctional</a:t>
+            </a:r>
+          </a:p>
+          <a:p>
+            <a:r>
+              <a:rPr lang="en-GB" sz="1200" b="1" dirty="0" smtClean="0">
+                <a:solidFill>
+                  <a:schemeClr val="accent4">
+                    <a:lumMod val="75000"/>
+                  </a:schemeClr>
+                </a:solidFill>
+              </a:rPr>
+              <a:t>population</a:t>
+            </a:r>
+            <a:endParaRPr lang="en-GB" b="1" dirty="0">
+              <a:solidFill>
+                <a:schemeClr val="accent4">
+                  <a:lumMod val="75000"/>
+                </a:schemeClr>
+              </a:solidFill>
+            </a:endParaRPr>
+          </a:p>
+        </p:txBody>
+      </p:sp>
+      <p:pic>
+        <p:nvPicPr>
+          <p:cNvPr id="18" name="Picture 17"/>
+          <p:cNvPicPr>
+            <a:picLocks noChangeAspect="1"/>
+          </p:cNvPicPr>
+          <p:nvPr/>
+        </p:nvPicPr>
+        <p:blipFill rotWithShape="1">
+          <a:blip r:embed="rId3"/>
+          <a:srcRect l="9000" r="24540"/>
+          <a:stretch/>
+        </p:blipFill>
+        <p:spPr>
+          <a:xfrm>
+            <a:off x="6660107" y="2622085"/>
+            <a:ext cx="4435524" cy="1832038"/>
+          </a:xfrm>
+          <a:prstGeom prst="rect">
+            <a:avLst/>
+          </a:prstGeom>
+        </p:spPr>
+      </p:pic>
       <p:cxnSp>
         <p:nvCxnSpPr>
-          <p:cNvPr id="8" name="Curved Connector 7"/>
+          <p:cNvPr id="21" name="Straight Connector 20"/>
           <p:cNvCxnSpPr/>
           <p:nvPr/>
         </p:nvCxnSpPr>
         <p:spPr>
-          <a:xfrm rot="16200000" flipH="1">
-            <a:off x="10934775" y="2395941"/>
-            <a:ext cx="518160" cy="438337"/>
+          <a:xfrm>
+            <a:off x="8375650" y="2705100"/>
+            <a:ext cx="803" cy="1663700"/>
+          </a:xfrm>
+          <a:prstGeom prst="line">
+            <a:avLst/>
+          </a:prstGeom>
+          <a:ln w="28575"/>
+        </p:spPr>
+        <p:style>
+          <a:lnRef idx="1">
+            <a:schemeClr val="accent1"/>
+          </a:lnRef>
+          <a:fillRef idx="0">
+            <a:schemeClr val="accent1"/>
+          </a:fillRef>
+          <a:effectRef idx="0">
+            <a:schemeClr val="accent1"/>
+          </a:effectRef>
+          <a:fontRef idx="minor">
+            <a:schemeClr val="tx1"/>
+          </a:fontRef>
+        </p:style>
+      </p:cxnSp>
+      <p:cxnSp>
+        <p:nvCxnSpPr>
+          <p:cNvPr id="23" name="Straight Connector 22"/>
+          <p:cNvCxnSpPr/>
+          <p:nvPr/>
+        </p:nvCxnSpPr>
+        <p:spPr>
+          <a:xfrm flipH="1">
+            <a:off x="9429260" y="2698750"/>
+            <a:ext cx="7568" cy="1663700"/>
+          </a:xfrm>
+          <a:prstGeom prst="line">
+            <a:avLst/>
+          </a:prstGeom>
+          <a:ln w="28575"/>
+        </p:spPr>
+        <p:style>
+          <a:lnRef idx="1">
+            <a:schemeClr val="accent1"/>
+          </a:lnRef>
+          <a:fillRef idx="0">
+            <a:schemeClr val="accent1"/>
+          </a:fillRef>
+          <a:effectRef idx="0">
+            <a:schemeClr val="accent1"/>
+          </a:effectRef>
+          <a:fontRef idx="minor">
+            <a:schemeClr val="tx1"/>
+          </a:fontRef>
+        </p:style>
+      </p:cxnSp>
+      <p:cxnSp>
+        <p:nvCxnSpPr>
+          <p:cNvPr id="1024" name="Straight Connector 1023"/>
+          <p:cNvCxnSpPr/>
+          <p:nvPr/>
+        </p:nvCxnSpPr>
+        <p:spPr>
+          <a:xfrm>
+            <a:off x="6660107" y="4368800"/>
+            <a:ext cx="4115843" cy="0"/>
+          </a:xfrm>
+          <a:prstGeom prst="line">
+            <a:avLst/>
+          </a:prstGeom>
+          <a:ln w="57150">
+            <a:solidFill>
+              <a:schemeClr val="tx1"/>
+            </a:solidFill>
+          </a:ln>
+        </p:spPr>
+        <p:style>
+          <a:lnRef idx="1">
+            <a:schemeClr val="accent1"/>
+          </a:lnRef>
+          <a:fillRef idx="0">
+            <a:schemeClr val="accent1"/>
+          </a:fillRef>
+          <a:effectRef idx="0">
+            <a:schemeClr val="accent1"/>
+          </a:effectRef>
+          <a:fontRef idx="minor">
+            <a:schemeClr val="tx1"/>
+          </a:fontRef>
+        </p:style>
+      </p:cxnSp>
+      <p:cxnSp>
+        <p:nvCxnSpPr>
+          <p:cNvPr id="10" name="Curved Connector 9"/>
+          <p:cNvCxnSpPr/>
+          <p:nvPr/>
+        </p:nvCxnSpPr>
+        <p:spPr>
+          <a:xfrm rot="16200000" flipV="1">
+            <a:off x="7699844" y="2614058"/>
+            <a:ext cx="472318" cy="217362"/>
           </a:xfrm>
           <a:prstGeom prst="curvedConnector3">
-            <a:avLst/>
+            <a:avLst>
+              <a:gd name="adj1" fmla="val 50000"/>
+            </a:avLst>
           </a:prstGeom>
           <a:ln w="28575">
             <a:solidFill>
-              <a:srgbClr val="003300"/>
+              <a:schemeClr val="accent4">
+                <a:lumMod val="50000"/>
+              </a:schemeClr>
             </a:solidFill>
             <a:tailEnd type="triangle"/>
           </a:ln>
@@ -8788,63 +11298,25 @@
           </a:fontRef>
         </p:style>
       </p:cxnSp>
-      <p:sp>
-        <p:nvSpPr>
-          <p:cNvPr id="9" name="TextBox 8"/>
-          <p:cNvSpPr txBox="1"/>
-          <p:nvPr/>
-        </p:nvSpPr>
-        <p:spPr>
-          <a:xfrm>
-            <a:off x="11193855" y="2868732"/>
-            <a:ext cx="990241" cy="461665"/>
-          </a:xfrm>
-          <a:prstGeom prst="rect">
-            <a:avLst/>
-          </a:prstGeom>
-          <a:noFill/>
-        </p:spPr>
-        <p:txBody>
-          <a:bodyPr wrap="square" rtlCol="0">
-            <a:spAutoFit/>
-          </a:bodyPr>
-          <a:lstStyle/>
-          <a:p>
-            <a:r>
-              <a:rPr lang="en-GB" sz="1200" b="1" dirty="0" smtClean="0">
-                <a:solidFill>
-                  <a:srgbClr val="003300"/>
-                </a:solidFill>
-              </a:rPr>
-              <a:t>RC index lower </a:t>
-            </a:r>
-            <a:endParaRPr lang="en-GB" b="1" dirty="0">
-              <a:solidFill>
-                <a:srgbClr val="003300"/>
-              </a:solidFill>
-            </a:endParaRPr>
-          </a:p>
-        </p:txBody>
-      </p:sp>
       <p:cxnSp>
         <p:nvCxnSpPr>
-          <p:cNvPr id="10" name="Curved Connector 9"/>
+          <p:cNvPr id="8" name="Curved Connector 7"/>
           <p:cNvCxnSpPr/>
           <p:nvPr/>
         </p:nvCxnSpPr>
         <p:spPr>
-          <a:xfrm rot="16200000" flipV="1">
-            <a:off x="9886164" y="1364626"/>
-            <a:ext cx="530128" cy="220737"/>
+          <a:xfrm flipV="1">
+            <a:off x="9794177" y="2520343"/>
+            <a:ext cx="486540" cy="438555"/>
           </a:xfrm>
           <a:prstGeom prst="curvedConnector3">
-            <a:avLst>
-              <a:gd name="adj1" fmla="val 50000"/>
-            </a:avLst>
+            <a:avLst/>
           </a:prstGeom>
           <a:ln w="28575">
             <a:solidFill>
-              <a:srgbClr val="003300"/>
+              <a:schemeClr val="tx2">
+                <a:lumMod val="50000"/>
+              </a:schemeClr>
             </a:solidFill>
             <a:tailEnd type="triangle"/>
           </a:ln>
@@ -8864,16 +11336,49 @@
           </a:fontRef>
         </p:style>
       </p:cxnSp>
-      <p:sp>
-        <p:nvSpPr>
-          <p:cNvPr id="11" name="TextBox 10"/>
+      <p:cxnSp>
+        <p:nvCxnSpPr>
+          <p:cNvPr id="39" name="Straight Connector 38"/>
+          <p:cNvCxnSpPr/>
+          <p:nvPr/>
+        </p:nvCxnSpPr>
+        <p:spPr>
+          <a:xfrm>
+            <a:off x="8911822" y="3680619"/>
+            <a:ext cx="0" cy="705819"/>
+          </a:xfrm>
+          <a:prstGeom prst="line">
+            <a:avLst/>
+          </a:prstGeom>
+          <a:ln w="28575">
+            <a:prstDash val="sysDash"/>
+          </a:ln>
+        </p:spPr>
+        <p:style>
+          <a:lnRef idx="1">
+            <a:schemeClr val="accent1"/>
+          </a:lnRef>
+          <a:fillRef idx="0">
+            <a:schemeClr val="accent1"/>
+          </a:fillRef>
+          <a:effectRef idx="0">
+            <a:schemeClr val="accent1"/>
+          </a:effectRef>
+          <a:fontRef idx="minor">
+            <a:schemeClr val="tx1"/>
+          </a:fontRef>
+        </p:style>
+      </p:cxnSp>
+      <p:sp>
+        <p:nvSpPr>
+          <p:cNvPr id="1032" name="TextBox 1031"/>
           <p:cNvSpPr txBox="1"/>
           <p:nvPr/>
         </p:nvSpPr>
         <p:spPr>
           <a:xfrm>
-            <a:off x="9775247" y="796019"/>
-            <a:ext cx="990241" cy="461665"/>
+            <a:off x="8770597" y="3109851"/>
+            <a:ext cx="282450" cy="369332"/>
           </a:xfrm>
           <a:prstGeom prst="rect">
             <a:avLst/>
@@ -8887,18 +11392,420 @@
           <a:lstStyle/>
           <a:p>
             <a:r>
+              <a:rPr lang="en-GB" b="1" dirty="0" smtClean="0"/>
+              <a:t>c</a:t>
+            </a:r>
+            <a:endParaRPr lang="en-GB" b="1" dirty="0"/>
+          </a:p>
+        </p:txBody>
+      </p:sp>
+      <p:sp>
+        <p:nvSpPr>
+          <p:cNvPr id="42" name="TextBox 41"/>
+          <p:cNvSpPr txBox="1"/>
+          <p:nvPr/>
+        </p:nvSpPr>
+        <p:spPr>
+          <a:xfrm>
+            <a:off x="8190883" y="2361396"/>
+            <a:ext cx="546717" cy="369332"/>
+          </a:xfrm>
+          <a:prstGeom prst="rect">
+            <a:avLst/>
+          </a:prstGeom>
+          <a:noFill/>
+        </p:spPr>
+        <p:txBody>
+          <a:bodyPr wrap="square" rtlCol="0">
+            <a:spAutoFit/>
+          </a:bodyPr>
+          <a:lstStyle/>
+          <a:p>
+            <a:r>
+              <a:rPr lang="en-GB" b="1" dirty="0" smtClean="0"/>
+              <a:t>M</a:t>
+            </a:r>
+            <a:r>
+              <a:rPr lang="en-GB" b="1" baseline="-25000" dirty="0" smtClean="0"/>
+              <a:t>1</a:t>
+            </a:r>
+            <a:endParaRPr lang="en-GB" b="1" baseline="-25000" dirty="0"/>
+          </a:p>
+        </p:txBody>
+      </p:sp>
+      <p:sp>
+        <p:nvSpPr>
+          <p:cNvPr id="43" name="TextBox 42"/>
+          <p:cNvSpPr txBox="1"/>
+          <p:nvPr/>
+        </p:nvSpPr>
+        <p:spPr>
+          <a:xfrm>
+            <a:off x="9255417" y="2370288"/>
+            <a:ext cx="546717" cy="369332"/>
+          </a:xfrm>
+          <a:prstGeom prst="rect">
+            <a:avLst/>
+          </a:prstGeom>
+          <a:noFill/>
+        </p:spPr>
+        <p:txBody>
+          <a:bodyPr wrap="square" rtlCol="0">
+            <a:spAutoFit/>
+          </a:bodyPr>
+          <a:lstStyle/>
+          <a:p>
+            <a:r>
+              <a:rPr lang="en-GB" b="1" dirty="0" smtClean="0"/>
+              <a:t>M</a:t>
+            </a:r>
+            <a:r>
+              <a:rPr lang="en-GB" b="1" baseline="-25000" dirty="0" smtClean="0"/>
+              <a:t>2</a:t>
+            </a:r>
+            <a:endParaRPr lang="en-GB" b="1" baseline="-25000" dirty="0"/>
+          </a:p>
+        </p:txBody>
+      </p:sp>
+      <p:cxnSp>
+        <p:nvCxnSpPr>
+          <p:cNvPr id="44" name="Straight Connector 43"/>
+          <p:cNvCxnSpPr/>
+          <p:nvPr/>
+        </p:nvCxnSpPr>
+        <p:spPr>
+          <a:xfrm>
+            <a:off x="8221603" y="4375151"/>
+            <a:ext cx="0" cy="339661"/>
+          </a:xfrm>
+          <a:prstGeom prst="line">
+            <a:avLst/>
+          </a:prstGeom>
+          <a:ln w="28575">
+            <a:solidFill>
+              <a:schemeClr val="bg1">
+                <a:lumMod val="50000"/>
+              </a:schemeClr>
+            </a:solidFill>
+          </a:ln>
+        </p:spPr>
+        <p:style>
+          <a:lnRef idx="1">
+            <a:schemeClr val="accent1"/>
+          </a:lnRef>
+          <a:fillRef idx="0">
+            <a:schemeClr val="accent1"/>
+          </a:fillRef>
+          <a:effectRef idx="0">
+            <a:schemeClr val="accent1"/>
+          </a:effectRef>
+          <a:fontRef idx="minor">
+            <a:schemeClr val="tx1"/>
+          </a:fontRef>
+        </p:style>
+      </p:cxnSp>
+      <p:cxnSp>
+        <p:nvCxnSpPr>
+          <p:cNvPr id="46" name="Straight Connector 45"/>
+          <p:cNvCxnSpPr/>
+          <p:nvPr/>
+        </p:nvCxnSpPr>
+        <p:spPr>
+          <a:xfrm>
+            <a:off x="8822222" y="4269166"/>
+            <a:ext cx="5358" cy="445646"/>
+          </a:xfrm>
+          <a:prstGeom prst="line">
+            <a:avLst/>
+          </a:prstGeom>
+          <a:ln w="28575">
+            <a:solidFill>
+              <a:schemeClr val="bg1">
+                <a:lumMod val="50000"/>
+              </a:schemeClr>
+            </a:solidFill>
+          </a:ln>
+        </p:spPr>
+        <p:style>
+          <a:lnRef idx="1">
+            <a:schemeClr val="accent1"/>
+          </a:lnRef>
+          <a:fillRef idx="0">
+            <a:schemeClr val="accent1"/>
+          </a:fillRef>
+          <a:effectRef idx="0">
+            <a:schemeClr val="accent1"/>
+          </a:effectRef>
+          <a:fontRef idx="minor">
+            <a:schemeClr val="tx1"/>
+          </a:fontRef>
+        </p:style>
+      </p:cxnSp>
+      <p:sp>
+        <p:nvSpPr>
+          <p:cNvPr id="47" name="TextBox 46"/>
+          <p:cNvSpPr txBox="1"/>
+          <p:nvPr/>
+        </p:nvSpPr>
+        <p:spPr>
+          <a:xfrm>
+            <a:off x="7864338" y="4705613"/>
+            <a:ext cx="746578" cy="461665"/>
+          </a:xfrm>
+          <a:prstGeom prst="rect">
+            <a:avLst/>
+          </a:prstGeom>
+          <a:noFill/>
+        </p:spPr>
+        <p:txBody>
+          <a:bodyPr wrap="square" rtlCol="0">
+            <a:spAutoFit/>
+          </a:bodyPr>
+          <a:lstStyle/>
+          <a:p>
+            <a:pPr algn="ctr"/>
+            <a:r>
+              <a:rPr lang="en-GB" sz="1200" b="1" dirty="0" err="1" smtClean="0">
+                <a:solidFill>
+                  <a:schemeClr val="tx1">
+                    <a:lumMod val="75000"/>
+                    <a:lumOff val="25000"/>
+                  </a:schemeClr>
+                </a:solidFill>
+              </a:rPr>
+              <a:t>Pretest</a:t>
+            </a:r>
+            <a:endParaRPr lang="en-GB" sz="1200" b="1" dirty="0" smtClean="0">
+              <a:solidFill>
+                <a:schemeClr val="tx1">
+                  <a:lumMod val="75000"/>
+                  <a:lumOff val="25000"/>
+                </a:schemeClr>
+              </a:solidFill>
+            </a:endParaRPr>
+          </a:p>
+          <a:p>
+            <a:pPr algn="ctr"/>
+            <a:r>
               <a:rPr lang="en-GB" sz="1200" b="1" dirty="0" smtClean="0">
                 <a:solidFill>
-                  <a:srgbClr val="003300"/>
+                  <a:schemeClr val="tx1">
+                    <a:lumMod val="75000"/>
+                    <a:lumOff val="25000"/>
+                  </a:schemeClr>
                 </a:solidFill>
               </a:rPr>
-              <a:t>RC index lower </a:t>
-            </a:r>
-            <a:endParaRPr lang="en-GB" b="1" dirty="0">
+              <a:t>score</a:t>
+            </a:r>
+            <a:endParaRPr lang="en-GB" sz="1200" b="1" dirty="0">
               <a:solidFill>
-                <a:srgbClr val="003300"/>
+                <a:schemeClr val="tx1">
+                  <a:lumMod val="75000"/>
+                  <a:lumOff val="25000"/>
+                </a:schemeClr>
               </a:solidFill>
             </a:endParaRPr>
+          </a:p>
+        </p:txBody>
+      </p:sp>
+      <p:sp>
+        <p:nvSpPr>
+          <p:cNvPr id="50" name="TextBox 49"/>
+          <p:cNvSpPr txBox="1"/>
+          <p:nvPr/>
+        </p:nvSpPr>
+        <p:spPr>
+          <a:xfrm>
+            <a:off x="8465256" y="4705612"/>
+            <a:ext cx="746578" cy="461665"/>
+          </a:xfrm>
+          <a:prstGeom prst="rect">
+            <a:avLst/>
+          </a:prstGeom>
+          <a:noFill/>
+        </p:spPr>
+        <p:txBody>
+          <a:bodyPr wrap="square" rtlCol="0">
+            <a:spAutoFit/>
+          </a:bodyPr>
+          <a:lstStyle/>
+          <a:p>
+            <a:pPr algn="ctr"/>
+            <a:r>
+              <a:rPr lang="en-GB" sz="1200" b="1" dirty="0" err="1" smtClean="0">
+                <a:solidFill>
+                  <a:schemeClr val="tx1">
+                    <a:lumMod val="75000"/>
+                    <a:lumOff val="25000"/>
+                  </a:schemeClr>
+                </a:solidFill>
+              </a:rPr>
+              <a:t>Posttest</a:t>
+            </a:r>
+            <a:endParaRPr lang="en-GB" sz="1200" b="1" dirty="0" smtClean="0">
+              <a:solidFill>
+                <a:schemeClr val="tx1">
+                  <a:lumMod val="75000"/>
+                  <a:lumOff val="25000"/>
+                </a:schemeClr>
+              </a:solidFill>
+            </a:endParaRPr>
+          </a:p>
+          <a:p>
+            <a:pPr algn="ctr"/>
+            <a:r>
+              <a:rPr lang="en-GB" sz="1200" b="1" dirty="0" smtClean="0">
+                <a:solidFill>
+                  <a:schemeClr val="tx1">
+                    <a:lumMod val="75000"/>
+                    <a:lumOff val="25000"/>
+                  </a:schemeClr>
+                </a:solidFill>
+              </a:rPr>
+              <a:t>score</a:t>
+            </a:r>
+            <a:endParaRPr lang="en-GB" sz="1200" b="1" dirty="0">
+              <a:solidFill>
+                <a:schemeClr val="tx1">
+                  <a:lumMod val="75000"/>
+                  <a:lumOff val="25000"/>
+                </a:schemeClr>
+              </a:solidFill>
+            </a:endParaRPr>
+          </a:p>
+        </p:txBody>
+      </p:sp>
+      <p:sp>
+        <p:nvSpPr>
+          <p:cNvPr id="1036" name="Rectangle 1035"/>
+          <p:cNvSpPr/>
+          <p:nvPr/>
+        </p:nvSpPr>
+        <p:spPr>
+          <a:xfrm>
+            <a:off x="6230573" y="5968163"/>
+            <a:ext cx="4760686" cy="769441"/>
+          </a:xfrm>
+          <a:prstGeom prst="rect">
+            <a:avLst/>
+          </a:prstGeom>
+        </p:spPr>
+        <p:txBody>
+          <a:bodyPr wrap="square">
+            <a:spAutoFit/>
+          </a:bodyPr>
+          <a:lstStyle/>
+          <a:p>
+            <a:r>
+              <a:rPr lang="en-GB" sz="1100" dirty="0">
+                <a:solidFill>
+                  <a:schemeClr val="tx1">
+                    <a:lumMod val="50000"/>
+                    <a:lumOff val="50000"/>
+                  </a:schemeClr>
+                </a:solidFill>
+              </a:rPr>
+              <a:t>Jacobson, N. S., &amp; </a:t>
+            </a:r>
+            <a:r>
+              <a:rPr lang="en-GB" sz="1100" dirty="0" err="1">
+                <a:solidFill>
+                  <a:schemeClr val="tx1">
+                    <a:lumMod val="50000"/>
+                    <a:lumOff val="50000"/>
+                  </a:schemeClr>
+                </a:solidFill>
+              </a:rPr>
+              <a:t>Truax</a:t>
+            </a:r>
+            <a:r>
+              <a:rPr lang="en-GB" sz="1100" dirty="0">
+                <a:solidFill>
+                  <a:schemeClr val="tx1">
+                    <a:lumMod val="50000"/>
+                    <a:lumOff val="50000"/>
+                  </a:schemeClr>
+                </a:solidFill>
+              </a:rPr>
+              <a:t>, P. (1991). Clinical significance: A statistical approach to defining meaningful change in psychotherapy research. </a:t>
+            </a:r>
+            <a:r>
+              <a:rPr lang="en-GB" sz="1100" i="1" dirty="0" smtClean="0">
+                <a:solidFill>
+                  <a:schemeClr val="tx1">
+                    <a:lumMod val="50000"/>
+                    <a:lumOff val="50000"/>
+                  </a:schemeClr>
+                </a:solidFill>
+              </a:rPr>
+              <a:t>Journal </a:t>
+            </a:r>
+            <a:r>
+              <a:rPr lang="en-GB" sz="1100" i="1" dirty="0">
+                <a:solidFill>
+                  <a:schemeClr val="tx1">
+                    <a:lumMod val="50000"/>
+                    <a:lumOff val="50000"/>
+                  </a:schemeClr>
+                </a:solidFill>
+              </a:rPr>
+              <a:t>of Consulting and Clinical </a:t>
+            </a:r>
+            <a:r>
+              <a:rPr lang="en-GB" sz="1100" i="1" dirty="0" smtClean="0">
+                <a:solidFill>
+                  <a:schemeClr val="tx1">
+                    <a:lumMod val="50000"/>
+                    <a:lumOff val="50000"/>
+                  </a:schemeClr>
+                </a:solidFill>
+              </a:rPr>
+              <a:t>Psychology</a:t>
+            </a:r>
+            <a:r>
+              <a:rPr lang="en-GB" sz="1100" dirty="0" smtClean="0">
+                <a:solidFill>
+                  <a:schemeClr val="tx1">
+                    <a:lumMod val="50000"/>
+                    <a:lumOff val="50000"/>
+                  </a:schemeClr>
+                </a:solidFill>
+              </a:rPr>
+              <a:t>, </a:t>
+            </a:r>
+            <a:r>
+              <a:rPr lang="en-GB" sz="1100" i="1" dirty="0" smtClean="0">
+                <a:solidFill>
+                  <a:schemeClr val="tx1">
+                    <a:lumMod val="50000"/>
+                    <a:lumOff val="50000"/>
+                  </a:schemeClr>
+                </a:solidFill>
+              </a:rPr>
+              <a:t>59</a:t>
+            </a:r>
+            <a:r>
+              <a:rPr lang="en-GB" sz="1100" dirty="0" smtClean="0">
+                <a:solidFill>
+                  <a:schemeClr val="tx1">
+                    <a:lumMod val="50000"/>
+                    <a:lumOff val="50000"/>
+                  </a:schemeClr>
+                </a:solidFill>
+              </a:rPr>
+              <a:t>(1</a:t>
+            </a:r>
+            <a:r>
+              <a:rPr lang="en-GB" sz="1100" dirty="0">
+                <a:solidFill>
+                  <a:schemeClr val="tx1">
+                    <a:lumMod val="50000"/>
+                    <a:lumOff val="50000"/>
+                  </a:schemeClr>
+                </a:solidFill>
+              </a:rPr>
+              <a:t>), 12–19. https://doi.org/10.1037/0022-006X.59.1.12</a:t>
+            </a:r>
           </a:p>
         </p:txBody>
       </p:sp>
@@ -8912,6 +11819,534 @@
   <p:clrMapOvr>
     <a:masterClrMapping/>
   </p:clrMapOvr>
+  <p:timing>
+    <p:tnLst>
+      <p:par>
+        <p:cTn id="1" dur="indefinite" restart="never" nodeType="tmRoot">
+          <p:childTnLst>
+            <p:seq concurrent="1" nextAc="seek">
+              <p:cTn id="2" dur="indefinite" nodeType="mainSeq">
+                <p:childTnLst>
+                  <p:par>
+                    <p:cTn id="3" fill="hold">
+                      <p:stCondLst>
+                        <p:cond delay="indefinite"/>
+                      </p:stCondLst>
+                      <p:childTnLst>
+                        <p:par>
+                          <p:cTn id="4" fill="hold">
+                            <p:stCondLst>
+                              <p:cond delay="0"/>
+                            </p:stCondLst>
+                            <p:childTnLst>
+                              <p:par>
+                                <p:cTn id="5" presetID="1" presetClass="entr" presetSubtype="0" fill="hold" nodeType="clickEffect">
+                                  <p:stCondLst>
+                                    <p:cond delay="0"/>
+                                  </p:stCondLst>
+                                  <p:childTnLst>
+                                    <p:set>
+                                      <p:cBhvr>
+                                        <p:cTn id="6" dur="1" fill="hold">
+                                          <p:stCondLst>
+                                            <p:cond delay="0"/>
+                                          </p:stCondLst>
+                                        </p:cTn>
+                                        <p:tgtEl>
+                                          <p:spTgt spid="3">
+                                            <p:txEl>
+                                              <p:pRg st="0" end="0"/>
+                                            </p:txEl>
+                                          </p:spTgt>
+                                        </p:tgtEl>
+                                        <p:attrNameLst>
+                                          <p:attrName>style.visibility</p:attrName>
+                                        </p:attrNameLst>
+                                      </p:cBhvr>
+                                      <p:to>
+                                        <p:strVal val="visible"/>
+                                      </p:to>
+                                    </p:set>
+                                  </p:childTnLst>
+                                </p:cTn>
+                              </p:par>
+                              <p:par>
+                                <p:cTn id="7" presetID="1" presetClass="entr" presetSubtype="0" fill="hold" nodeType="withEffect">
+                                  <p:stCondLst>
+                                    <p:cond delay="0"/>
+                                  </p:stCondLst>
+                                  <p:childTnLst>
+                                    <p:set>
+                                      <p:cBhvr>
+                                        <p:cTn id="8" dur="1" fill="hold">
+                                          <p:stCondLst>
+                                            <p:cond delay="0"/>
+                                          </p:stCondLst>
+                                        </p:cTn>
+                                        <p:tgtEl>
+                                          <p:spTgt spid="3">
+                                            <p:txEl>
+                                              <p:pRg st="1" end="1"/>
+                                            </p:txEl>
+                                          </p:spTgt>
+                                        </p:tgtEl>
+                                        <p:attrNameLst>
+                                          <p:attrName>style.visibility</p:attrName>
+                                        </p:attrNameLst>
+                                      </p:cBhvr>
+                                      <p:to>
+                                        <p:strVal val="visible"/>
+                                      </p:to>
+                                    </p:set>
+                                  </p:childTnLst>
+                                </p:cTn>
+                              </p:par>
+                            </p:childTnLst>
+                          </p:cTn>
+                        </p:par>
+                      </p:childTnLst>
+                    </p:cTn>
+                  </p:par>
+                  <p:par>
+                    <p:cTn id="9" fill="hold">
+                      <p:stCondLst>
+                        <p:cond delay="indefinite"/>
+                      </p:stCondLst>
+                      <p:childTnLst>
+                        <p:par>
+                          <p:cTn id="10" fill="hold">
+                            <p:stCondLst>
+                              <p:cond delay="0"/>
+                            </p:stCondLst>
+                            <p:childTnLst>
+                              <p:par>
+                                <p:cTn id="11" presetID="1" presetClass="entr" presetSubtype="0" fill="hold" nodeType="clickEffect">
+                                  <p:stCondLst>
+                                    <p:cond delay="0"/>
+                                  </p:stCondLst>
+                                  <p:childTnLst>
+                                    <p:set>
+                                      <p:cBhvr>
+                                        <p:cTn id="12" dur="1" fill="hold">
+                                          <p:stCondLst>
+                                            <p:cond delay="0"/>
+                                          </p:stCondLst>
+                                        </p:cTn>
+                                        <p:tgtEl>
+                                          <p:spTgt spid="3">
+                                            <p:txEl>
+                                              <p:pRg st="2" end="2"/>
+                                            </p:txEl>
+                                          </p:spTgt>
+                                        </p:tgtEl>
+                                        <p:attrNameLst>
+                                          <p:attrName>style.visibility</p:attrName>
+                                        </p:attrNameLst>
+                                      </p:cBhvr>
+                                      <p:to>
+                                        <p:strVal val="visible"/>
+                                      </p:to>
+                                    </p:set>
+                                  </p:childTnLst>
+                                </p:cTn>
+                              </p:par>
+                            </p:childTnLst>
+                          </p:cTn>
+                        </p:par>
+                      </p:childTnLst>
+                    </p:cTn>
+                  </p:par>
+                  <p:par>
+                    <p:cTn id="13" fill="hold">
+                      <p:stCondLst>
+                        <p:cond delay="indefinite"/>
+                      </p:stCondLst>
+                      <p:childTnLst>
+                        <p:par>
+                          <p:cTn id="14" fill="hold">
+                            <p:stCondLst>
+                              <p:cond delay="0"/>
+                            </p:stCondLst>
+                            <p:childTnLst>
+                              <p:par>
+                                <p:cTn id="15" presetID="1" presetClass="entr" presetSubtype="0" fill="hold" nodeType="clickEffect">
+                                  <p:stCondLst>
+                                    <p:cond delay="0"/>
+                                  </p:stCondLst>
+                                  <p:childTnLst>
+                                    <p:set>
+                                      <p:cBhvr>
+                                        <p:cTn id="16" dur="1" fill="hold">
+                                          <p:stCondLst>
+                                            <p:cond delay="0"/>
+                                          </p:stCondLst>
+                                        </p:cTn>
+                                        <p:tgtEl>
+                                          <p:spTgt spid="3">
+                                            <p:txEl>
+                                              <p:pRg st="3" end="3"/>
+                                            </p:txEl>
+                                          </p:spTgt>
+                                        </p:tgtEl>
+                                        <p:attrNameLst>
+                                          <p:attrName>style.visibility</p:attrName>
+                                        </p:attrNameLst>
+                                      </p:cBhvr>
+                                      <p:to>
+                                        <p:strVal val="visible"/>
+                                      </p:to>
+                                    </p:set>
+                                  </p:childTnLst>
+                                </p:cTn>
+                              </p:par>
+                              <p:par>
+                                <p:cTn id="17" presetID="1" presetClass="entr" presetSubtype="0" fill="hold" nodeType="withEffect">
+                                  <p:stCondLst>
+                                    <p:cond delay="0"/>
+                                  </p:stCondLst>
+                                  <p:childTnLst>
+                                    <p:set>
+                                      <p:cBhvr>
+                                        <p:cTn id="18" dur="1" fill="hold">
+                                          <p:stCondLst>
+                                            <p:cond delay="0"/>
+                                          </p:stCondLst>
+                                        </p:cTn>
+                                        <p:tgtEl>
+                                          <p:spTgt spid="3">
+                                            <p:txEl>
+                                              <p:pRg st="4" end="4"/>
+                                            </p:txEl>
+                                          </p:spTgt>
+                                        </p:tgtEl>
+                                        <p:attrNameLst>
+                                          <p:attrName>style.visibility</p:attrName>
+                                        </p:attrNameLst>
+                                      </p:cBhvr>
+                                      <p:to>
+                                        <p:strVal val="visible"/>
+                                      </p:to>
+                                    </p:set>
+                                  </p:childTnLst>
+                                </p:cTn>
+                              </p:par>
+                            </p:childTnLst>
+                          </p:cTn>
+                        </p:par>
+                      </p:childTnLst>
+                    </p:cTn>
+                  </p:par>
+                  <p:par>
+                    <p:cTn id="19" fill="hold">
+                      <p:stCondLst>
+                        <p:cond delay="indefinite"/>
+                      </p:stCondLst>
+                      <p:childTnLst>
+                        <p:par>
+                          <p:cTn id="20" fill="hold">
+                            <p:stCondLst>
+                              <p:cond delay="0"/>
+                            </p:stCondLst>
+                            <p:childTnLst>
+                              <p:par>
+                                <p:cTn id="21" presetID="1" presetClass="entr" presetSubtype="0" fill="hold" nodeType="clickEffect">
+                                  <p:stCondLst>
+                                    <p:cond delay="0"/>
+                                  </p:stCondLst>
+                                  <p:childTnLst>
+                                    <p:set>
+                                      <p:cBhvr>
+                                        <p:cTn id="22" dur="1" fill="hold">
+                                          <p:stCondLst>
+                                            <p:cond delay="0"/>
+                                          </p:stCondLst>
+                                        </p:cTn>
+                                        <p:tgtEl>
+                                          <p:spTgt spid="3">
+                                            <p:txEl>
+                                              <p:pRg st="5" end="5"/>
+                                            </p:txEl>
+                                          </p:spTgt>
+                                        </p:tgtEl>
+                                        <p:attrNameLst>
+                                          <p:attrName>style.visibility</p:attrName>
+                                        </p:attrNameLst>
+                                      </p:cBhvr>
+                                      <p:to>
+                                        <p:strVal val="visible"/>
+                                      </p:to>
+                                    </p:set>
+                                  </p:childTnLst>
+                                </p:cTn>
+                              </p:par>
+                              <p:par>
+                                <p:cTn id="23" presetID="1" presetClass="entr" presetSubtype="0" fill="hold" nodeType="withEffect">
+                                  <p:stCondLst>
+                                    <p:cond delay="0"/>
+                                  </p:stCondLst>
+                                  <p:childTnLst>
+                                    <p:set>
+                                      <p:cBhvr>
+                                        <p:cTn id="24" dur="1" fill="hold">
+                                          <p:stCondLst>
+                                            <p:cond delay="0"/>
+                                          </p:stCondLst>
+                                        </p:cTn>
+                                        <p:tgtEl>
+                                          <p:spTgt spid="3">
+                                            <p:txEl>
+                                              <p:pRg st="6" end="6"/>
+                                            </p:txEl>
+                                          </p:spTgt>
+                                        </p:tgtEl>
+                                        <p:attrNameLst>
+                                          <p:attrName>style.visibility</p:attrName>
+                                        </p:attrNameLst>
+                                      </p:cBhvr>
+                                      <p:to>
+                                        <p:strVal val="visible"/>
+                                      </p:to>
+                                    </p:set>
+                                  </p:childTnLst>
+                                </p:cTn>
+                              </p:par>
+                            </p:childTnLst>
+                          </p:cTn>
+                        </p:par>
+                      </p:childTnLst>
+                    </p:cTn>
+                  </p:par>
+                  <p:par>
+                    <p:cTn id="25" fill="hold">
+                      <p:stCondLst>
+                        <p:cond delay="indefinite"/>
+                      </p:stCondLst>
+                      <p:childTnLst>
+                        <p:par>
+                          <p:cTn id="26" fill="hold">
+                            <p:stCondLst>
+                              <p:cond delay="0"/>
+                            </p:stCondLst>
+                            <p:childTnLst>
+                              <p:par>
+                                <p:cTn id="27" presetID="1" presetClass="entr" presetSubtype="0" fill="hold" nodeType="clickEffect">
+                                  <p:stCondLst>
+                                    <p:cond delay="0"/>
+                                  </p:stCondLst>
+                                  <p:childTnLst>
+                                    <p:set>
+                                      <p:cBhvr>
+                                        <p:cTn id="28" dur="1" fill="hold">
+                                          <p:stCondLst>
+                                            <p:cond delay="0"/>
+                                          </p:stCondLst>
+                                        </p:cTn>
+                                        <p:tgtEl>
+                                          <p:spTgt spid="3">
+                                            <p:txEl>
+                                              <p:pRg st="7" end="7"/>
+                                            </p:txEl>
+                                          </p:spTgt>
+                                        </p:tgtEl>
+                                        <p:attrNameLst>
+                                          <p:attrName>style.visibility</p:attrName>
+                                        </p:attrNameLst>
+                                      </p:cBhvr>
+                                      <p:to>
+                                        <p:strVal val="visible"/>
+                                      </p:to>
+                                    </p:set>
+                                  </p:childTnLst>
+                                </p:cTn>
+                              </p:par>
+                              <p:par>
+                                <p:cTn id="29" presetID="1" presetClass="entr" presetSubtype="0" fill="hold" nodeType="withEffect">
+                                  <p:stCondLst>
+                                    <p:cond delay="0"/>
+                                  </p:stCondLst>
+                                  <p:childTnLst>
+                                    <p:set>
+                                      <p:cBhvr>
+                                        <p:cTn id="30" dur="1" fill="hold">
+                                          <p:stCondLst>
+                                            <p:cond delay="0"/>
+                                          </p:stCondLst>
+                                        </p:cTn>
+                                        <p:tgtEl>
+                                          <p:spTgt spid="3">
+                                            <p:txEl>
+                                              <p:pRg st="8" end="8"/>
+                                            </p:txEl>
+                                          </p:spTgt>
+                                        </p:tgtEl>
+                                        <p:attrNameLst>
+                                          <p:attrName>style.visibility</p:attrName>
+                                        </p:attrNameLst>
+                                      </p:cBhvr>
+                                      <p:to>
+                                        <p:strVal val="visible"/>
+                                      </p:to>
+                                    </p:set>
+                                  </p:childTnLst>
+                                </p:cTn>
+                              </p:par>
+                            </p:childTnLst>
+                          </p:cTn>
+                        </p:par>
+                      </p:childTnLst>
+                    </p:cTn>
+                  </p:par>
+                  <p:par>
+                    <p:cTn id="31" fill="hold">
+                      <p:stCondLst>
+                        <p:cond delay="indefinite"/>
+                      </p:stCondLst>
+                      <p:childTnLst>
+                        <p:par>
+                          <p:cTn id="32" fill="hold">
+                            <p:stCondLst>
+                              <p:cond delay="0"/>
+                            </p:stCondLst>
+                            <p:childTnLst>
+                              <p:par>
+                                <p:cTn id="33" presetID="1" presetClass="entr" presetSubtype="0" fill="hold" nodeType="clickEffect">
+                                  <p:stCondLst>
+                                    <p:cond delay="0"/>
+                                  </p:stCondLst>
+                                  <p:childTnLst>
+                                    <p:set>
+                                      <p:cBhvr>
+                                        <p:cTn id="34" dur="1" fill="hold">
+                                          <p:stCondLst>
+                                            <p:cond delay="0"/>
+                                          </p:stCondLst>
+                                        </p:cTn>
+                                        <p:tgtEl>
+                                          <p:spTgt spid="3">
+                                            <p:txEl>
+                                              <p:pRg st="9" end="9"/>
+                                            </p:txEl>
+                                          </p:spTgt>
+                                        </p:tgtEl>
+                                        <p:attrNameLst>
+                                          <p:attrName>style.visibility</p:attrName>
+                                        </p:attrNameLst>
+                                      </p:cBhvr>
+                                      <p:to>
+                                        <p:strVal val="visible"/>
+                                      </p:to>
+                                    </p:set>
+                                  </p:childTnLst>
+                                </p:cTn>
+                              </p:par>
+                              <p:par>
+                                <p:cTn id="35" presetID="1" presetClass="entr" presetSubtype="0" fill="hold" nodeType="withEffect">
+                                  <p:stCondLst>
+                                    <p:cond delay="0"/>
+                                  </p:stCondLst>
+                                  <p:childTnLst>
+                                    <p:set>
+                                      <p:cBhvr>
+                                        <p:cTn id="36" dur="1" fill="hold">
+                                          <p:stCondLst>
+                                            <p:cond delay="0"/>
+                                          </p:stCondLst>
+                                        </p:cTn>
+                                        <p:tgtEl>
+                                          <p:spTgt spid="3">
+                                            <p:txEl>
+                                              <p:pRg st="10" end="10"/>
+                                            </p:txEl>
+                                          </p:spTgt>
+                                        </p:tgtEl>
+                                        <p:attrNameLst>
+                                          <p:attrName>style.visibility</p:attrName>
+                                        </p:attrNameLst>
+                                      </p:cBhvr>
+                                      <p:to>
+                                        <p:strVal val="visible"/>
+                                      </p:to>
+                                    </p:set>
+                                  </p:childTnLst>
+                                </p:cTn>
+                              </p:par>
+                            </p:childTnLst>
+                          </p:cTn>
+                        </p:par>
+                      </p:childTnLst>
+                    </p:cTn>
+                  </p:par>
+                  <p:par>
+                    <p:cTn id="37" fill="hold">
+                      <p:stCondLst>
+                        <p:cond delay="indefinite"/>
+                      </p:stCondLst>
+                      <p:childTnLst>
+                        <p:par>
+                          <p:cTn id="38" fill="hold">
+                            <p:stCondLst>
+                              <p:cond delay="0"/>
+                            </p:stCondLst>
+                            <p:childTnLst>
+                              <p:par>
+                                <p:cTn id="39" presetID="1" presetClass="entr" presetSubtype="0" fill="hold" nodeType="clickEffect">
+                                  <p:stCondLst>
+                                    <p:cond delay="0"/>
+                                  </p:stCondLst>
+                                  <p:childTnLst>
+                                    <p:set>
+                                      <p:cBhvr>
+                                        <p:cTn id="40" dur="1" fill="hold">
+                                          <p:stCondLst>
+                                            <p:cond delay="0"/>
+                                          </p:stCondLst>
+                                        </p:cTn>
+                                        <p:tgtEl>
+                                          <p:spTgt spid="3">
+                                            <p:txEl>
+                                              <p:pRg st="12" end="12"/>
+                                            </p:txEl>
+                                          </p:spTgt>
+                                        </p:tgtEl>
+                                        <p:attrNameLst>
+                                          <p:attrName>style.visibility</p:attrName>
+                                        </p:attrNameLst>
+                                      </p:cBhvr>
+                                      <p:to>
+                                        <p:strVal val="visible"/>
+                                      </p:to>
+                                    </p:set>
+                                  </p:childTnLst>
+                                </p:cTn>
+                              </p:par>
+                            </p:childTnLst>
+                          </p:cTn>
+                        </p:par>
+                      </p:childTnLst>
+                    </p:cTn>
+                  </p:par>
+                </p:childTnLst>
+              </p:cTn>
+              <p:prevCondLst>
+                <p:cond evt="onPrev" delay="0">
+                  <p:tgtEl>
+                    <p:sldTgt/>
+                  </p:tgtEl>
+                </p:cond>
+              </p:prevCondLst>
+              <p:nextCondLst>
+                <p:cond evt="onNext" delay="0">
+                  <p:tgtEl>
+                    <p:sldTgt/>
+                  </p:tgtEl>
+                </p:cond>
+              </p:nextCondLst>
+            </p:seq>
+          </p:childTnLst>
+        </p:cTn>
+      </p:par>
+    </p:tnLst>
+  </p:timing>
 </p:sld>
 </file>
 
@@ -9688,7 +13123,19 @@
           <a:p>
             <a:r>
               <a:rPr lang="en-GB" sz="2400" dirty="0" smtClean="0"/>
-              <a:t>A dependent variable can be measured at two time points (pre-test and post test) </a:t>
+              <a:t>A </a:t>
+            </a:r>
+            <a:r>
+              <a:rPr lang="en-GB" sz="2400" dirty="0" smtClean="0">
+                <a:solidFill>
+                  <a:schemeClr val="tx2"/>
+                </a:solidFill>
+              </a:rPr>
+              <a:t>dependent variable </a:t>
+            </a:r>
+            <a:r>
+              <a:rPr lang="en-GB" sz="2400" dirty="0" smtClean="0"/>
+              <a:t>can be measured at two time points (pre-test and post test) </a:t>
             </a:r>
           </a:p>
           <a:p>
@@ -9945,9 +13392,371 @@
   <p:timing>
     <p:tnLst>
       <p:par>
-        <p:cTn id="1" dur="indefinite" restart="never" nodeType="tmRoot"/>
+        <p:cTn id="1" dur="indefinite" restart="never" nodeType="tmRoot">
+          <p:childTnLst>
+            <p:seq concurrent="1" nextAc="seek">
+              <p:cTn id="2" dur="indefinite" nodeType="mainSeq">
+                <p:childTnLst>
+                  <p:par>
+                    <p:cTn id="3" fill="hold">
+                      <p:stCondLst>
+                        <p:cond delay="indefinite"/>
+                      </p:stCondLst>
+                      <p:childTnLst>
+                        <p:par>
+                          <p:cTn id="4" fill="hold">
+                            <p:stCondLst>
+                              <p:cond delay="0"/>
+                            </p:stCondLst>
+                            <p:childTnLst>
+                              <p:par>
+                                <p:cTn id="5" presetID="1" presetClass="entr" presetSubtype="0" fill="hold" nodeType="clickEffect">
+                                  <p:stCondLst>
+                                    <p:cond delay="0"/>
+                                  </p:stCondLst>
+                                  <p:childTnLst>
+                                    <p:set>
+                                      <p:cBhvr>
+                                        <p:cTn id="6" dur="1" fill="hold">
+                                          <p:stCondLst>
+                                            <p:cond delay="0"/>
+                                          </p:stCondLst>
+                                        </p:cTn>
+                                        <p:tgtEl>
+                                          <p:spTgt spid="8">
+                                            <p:txEl>
+                                              <p:pRg st="1" end="1"/>
+                                            </p:txEl>
+                                          </p:spTgt>
+                                        </p:tgtEl>
+                                        <p:attrNameLst>
+                                          <p:attrName>style.visibility</p:attrName>
+                                        </p:attrNameLst>
+                                      </p:cBhvr>
+                                      <p:to>
+                                        <p:strVal val="visible"/>
+                                      </p:to>
+                                    </p:set>
+                                  </p:childTnLst>
+                                </p:cTn>
+                              </p:par>
+                            </p:childTnLst>
+                          </p:cTn>
+                        </p:par>
+                      </p:childTnLst>
+                    </p:cTn>
+                  </p:par>
+                  <p:par>
+                    <p:cTn id="7" fill="hold">
+                      <p:stCondLst>
+                        <p:cond delay="indefinite"/>
+                      </p:stCondLst>
+                      <p:childTnLst>
+                        <p:par>
+                          <p:cTn id="8" fill="hold">
+                            <p:stCondLst>
+                              <p:cond delay="0"/>
+                            </p:stCondLst>
+                            <p:childTnLst>
+                              <p:par>
+                                <p:cTn id="9" presetID="1" presetClass="entr" presetSubtype="0" fill="hold" nodeType="clickEffect">
+                                  <p:stCondLst>
+                                    <p:cond delay="0"/>
+                                  </p:stCondLst>
+                                  <p:childTnLst>
+                                    <p:set>
+                                      <p:cBhvr>
+                                        <p:cTn id="10" dur="1" fill="hold">
+                                          <p:stCondLst>
+                                            <p:cond delay="0"/>
+                                          </p:stCondLst>
+                                        </p:cTn>
+                                        <p:tgtEl>
+                                          <p:spTgt spid="8">
+                                            <p:txEl>
+                                              <p:pRg st="2" end="2"/>
+                                            </p:txEl>
+                                          </p:spTgt>
+                                        </p:tgtEl>
+                                        <p:attrNameLst>
+                                          <p:attrName>style.visibility</p:attrName>
+                                        </p:attrNameLst>
+                                      </p:cBhvr>
+                                      <p:to>
+                                        <p:strVal val="visible"/>
+                                      </p:to>
+                                    </p:set>
+                                  </p:childTnLst>
+                                </p:cTn>
+                              </p:par>
+                            </p:childTnLst>
+                          </p:cTn>
+                        </p:par>
+                      </p:childTnLst>
+                    </p:cTn>
+                  </p:par>
+                  <p:par>
+                    <p:cTn id="11" fill="hold">
+                      <p:stCondLst>
+                        <p:cond delay="indefinite"/>
+                      </p:stCondLst>
+                      <p:childTnLst>
+                        <p:par>
+                          <p:cTn id="12" fill="hold">
+                            <p:stCondLst>
+                              <p:cond delay="0"/>
+                            </p:stCondLst>
+                            <p:childTnLst>
+                              <p:par>
+                                <p:cTn id="13" presetID="1" presetClass="entr" presetSubtype="0" fill="hold" nodeType="clickEffect">
+                                  <p:stCondLst>
+                                    <p:cond delay="0"/>
+                                  </p:stCondLst>
+                                  <p:childTnLst>
+                                    <p:set>
+                                      <p:cBhvr>
+                                        <p:cTn id="14" dur="1" fill="hold">
+                                          <p:stCondLst>
+                                            <p:cond delay="0"/>
+                                          </p:stCondLst>
+                                        </p:cTn>
+                                        <p:tgtEl>
+                                          <p:spTgt spid="7"/>
+                                        </p:tgtEl>
+                                        <p:attrNameLst>
+                                          <p:attrName>style.visibility</p:attrName>
+                                        </p:attrNameLst>
+                                      </p:cBhvr>
+                                      <p:to>
+                                        <p:strVal val="visible"/>
+                                      </p:to>
+                                    </p:set>
+                                  </p:childTnLst>
+                                </p:cTn>
+                              </p:par>
+                            </p:childTnLst>
+                          </p:cTn>
+                        </p:par>
+                      </p:childTnLst>
+                    </p:cTn>
+                  </p:par>
+                  <p:par>
+                    <p:cTn id="15" fill="hold">
+                      <p:stCondLst>
+                        <p:cond delay="indefinite"/>
+                      </p:stCondLst>
+                      <p:childTnLst>
+                        <p:par>
+                          <p:cTn id="16" fill="hold">
+                            <p:stCondLst>
+                              <p:cond delay="0"/>
+                            </p:stCondLst>
+                            <p:childTnLst>
+                              <p:par>
+                                <p:cTn id="17" presetID="1" presetClass="entr" presetSubtype="0" fill="hold" grpId="0" nodeType="clickEffect">
+                                  <p:stCondLst>
+                                    <p:cond delay="0"/>
+                                  </p:stCondLst>
+                                  <p:childTnLst>
+                                    <p:set>
+                                      <p:cBhvr>
+                                        <p:cTn id="18" dur="1" fill="hold">
+                                          <p:stCondLst>
+                                            <p:cond delay="0"/>
+                                          </p:stCondLst>
+                                        </p:cTn>
+                                        <p:tgtEl>
+                                          <p:spTgt spid="9"/>
+                                        </p:tgtEl>
+                                        <p:attrNameLst>
+                                          <p:attrName>style.visibility</p:attrName>
+                                        </p:attrNameLst>
+                                      </p:cBhvr>
+                                      <p:to>
+                                        <p:strVal val="visible"/>
+                                      </p:to>
+                                    </p:set>
+                                  </p:childTnLst>
+                                </p:cTn>
+                              </p:par>
+                              <p:par>
+                                <p:cTn id="19" presetID="1" presetClass="entr" presetSubtype="0" fill="hold" grpId="0" nodeType="withEffect">
+                                  <p:stCondLst>
+                                    <p:cond delay="0"/>
+                                  </p:stCondLst>
+                                  <p:childTnLst>
+                                    <p:set>
+                                      <p:cBhvr>
+                                        <p:cTn id="20" dur="1" fill="hold">
+                                          <p:stCondLst>
+                                            <p:cond delay="0"/>
+                                          </p:stCondLst>
+                                        </p:cTn>
+                                        <p:tgtEl>
+                                          <p:spTgt spid="6"/>
+                                        </p:tgtEl>
+                                        <p:attrNameLst>
+                                          <p:attrName>style.visibility</p:attrName>
+                                        </p:attrNameLst>
+                                      </p:cBhvr>
+                                      <p:to>
+                                        <p:strVal val="visible"/>
+                                      </p:to>
+                                    </p:set>
+                                  </p:childTnLst>
+                                </p:cTn>
+                              </p:par>
+                            </p:childTnLst>
+                          </p:cTn>
+                        </p:par>
+                      </p:childTnLst>
+                    </p:cTn>
+                  </p:par>
+                  <p:par>
+                    <p:cTn id="21" fill="hold">
+                      <p:stCondLst>
+                        <p:cond delay="indefinite"/>
+                      </p:stCondLst>
+                      <p:childTnLst>
+                        <p:par>
+                          <p:cTn id="22" fill="hold">
+                            <p:stCondLst>
+                              <p:cond delay="0"/>
+                            </p:stCondLst>
+                            <p:childTnLst>
+                              <p:par>
+                                <p:cTn id="23" presetID="1" presetClass="entr" presetSubtype="0" fill="hold" grpId="0" nodeType="clickEffect">
+                                  <p:stCondLst>
+                                    <p:cond delay="0"/>
+                                  </p:stCondLst>
+                                  <p:childTnLst>
+                                    <p:set>
+                                      <p:cBhvr>
+                                        <p:cTn id="24" dur="1" fill="hold">
+                                          <p:stCondLst>
+                                            <p:cond delay="0"/>
+                                          </p:stCondLst>
+                                        </p:cTn>
+                                        <p:tgtEl>
+                                          <p:spTgt spid="11"/>
+                                        </p:tgtEl>
+                                        <p:attrNameLst>
+                                          <p:attrName>style.visibility</p:attrName>
+                                        </p:attrNameLst>
+                                      </p:cBhvr>
+                                      <p:to>
+                                        <p:strVal val="visible"/>
+                                      </p:to>
+                                    </p:set>
+                                  </p:childTnLst>
+                                </p:cTn>
+                              </p:par>
+                              <p:par>
+                                <p:cTn id="25" presetID="1" presetClass="entr" presetSubtype="0" fill="hold" grpId="0" nodeType="withEffect">
+                                  <p:stCondLst>
+                                    <p:cond delay="0"/>
+                                  </p:stCondLst>
+                                  <p:childTnLst>
+                                    <p:set>
+                                      <p:cBhvr>
+                                        <p:cTn id="26" dur="1" fill="hold">
+                                          <p:stCondLst>
+                                            <p:cond delay="0"/>
+                                          </p:stCondLst>
+                                        </p:cTn>
+                                        <p:tgtEl>
+                                          <p:spTgt spid="10"/>
+                                        </p:tgtEl>
+                                        <p:attrNameLst>
+                                          <p:attrName>style.visibility</p:attrName>
+                                        </p:attrNameLst>
+                                      </p:cBhvr>
+                                      <p:to>
+                                        <p:strVal val="visible"/>
+                                      </p:to>
+                                    </p:set>
+                                  </p:childTnLst>
+                                </p:cTn>
+                              </p:par>
+                            </p:childTnLst>
+                          </p:cTn>
+                        </p:par>
+                      </p:childTnLst>
+                    </p:cTn>
+                  </p:par>
+                  <p:par>
+                    <p:cTn id="27" fill="hold">
+                      <p:stCondLst>
+                        <p:cond delay="indefinite"/>
+                      </p:stCondLst>
+                      <p:childTnLst>
+                        <p:par>
+                          <p:cTn id="28" fill="hold">
+                            <p:stCondLst>
+                              <p:cond delay="0"/>
+                            </p:stCondLst>
+                            <p:childTnLst>
+                              <p:par>
+                                <p:cTn id="29" presetID="1" presetClass="entr" presetSubtype="0" fill="hold" grpId="0" nodeType="clickEffect">
+                                  <p:stCondLst>
+                                    <p:cond delay="0"/>
+                                  </p:stCondLst>
+                                  <p:childTnLst>
+                                    <p:set>
+                                      <p:cBhvr>
+                                        <p:cTn id="30" dur="1" fill="hold">
+                                          <p:stCondLst>
+                                            <p:cond delay="0"/>
+                                          </p:stCondLst>
+                                        </p:cTn>
+                                        <p:tgtEl>
+                                          <p:spTgt spid="3"/>
+                                        </p:tgtEl>
+                                        <p:attrNameLst>
+                                          <p:attrName>style.visibility</p:attrName>
+                                        </p:attrNameLst>
+                                      </p:cBhvr>
+                                      <p:to>
+                                        <p:strVal val="visible"/>
+                                      </p:to>
+                                    </p:set>
+                                  </p:childTnLst>
+                                </p:cTn>
+                              </p:par>
+                            </p:childTnLst>
+                          </p:cTn>
+                        </p:par>
+                      </p:childTnLst>
+                    </p:cTn>
+                  </p:par>
+                </p:childTnLst>
+              </p:cTn>
+              <p:prevCondLst>
+                <p:cond evt="onPrev" delay="0">
+                  <p:tgtEl>
+                    <p:sldTgt/>
+                  </p:tgtEl>
+                </p:cond>
+              </p:prevCondLst>
+              <p:nextCondLst>
+                <p:cond evt="onNext" delay="0">
+                  <p:tgtEl>
+                    <p:sldTgt/>
+                  </p:tgtEl>
+                </p:cond>
+              </p:nextCondLst>
+            </p:seq>
+          </p:childTnLst>
+        </p:cTn>
       </p:par>
     </p:tnLst>
+    <p:bldLst>
+      <p:bldP spid="6" grpId="0" animBg="1"/>
+      <p:bldP spid="9" grpId="0"/>
+      <p:bldP spid="10" grpId="0" animBg="1"/>
+      <p:bldP spid="11" grpId="0"/>
+      <p:bldP spid="3" grpId="0" animBg="1"/>
+    </p:bldLst>
   </p:timing>
 </p:sld>
 </file>
@@ -11282,9 +15091,171 @@
   <p:timing>
     <p:tnLst>
       <p:par>
-        <p:cTn id="1" dur="indefinite" restart="never" nodeType="tmRoot"/>
+        <p:cTn id="1" dur="indefinite" restart="never" nodeType="tmRoot">
+          <p:childTnLst>
+            <p:seq concurrent="1" nextAc="seek">
+              <p:cTn id="2" dur="indefinite" nodeType="mainSeq">
+                <p:childTnLst>
+                  <p:par>
+                    <p:cTn id="3" fill="hold">
+                      <p:stCondLst>
+                        <p:cond delay="indefinite"/>
+                      </p:stCondLst>
+                      <p:childTnLst>
+                        <p:par>
+                          <p:cTn id="4" fill="hold">
+                            <p:stCondLst>
+                              <p:cond delay="0"/>
+                            </p:stCondLst>
+                            <p:childTnLst>
+                              <p:par>
+                                <p:cTn id="5" presetID="1" presetClass="entr" presetSubtype="0" fill="hold" nodeType="clickEffect">
+                                  <p:stCondLst>
+                                    <p:cond delay="0"/>
+                                  </p:stCondLst>
+                                  <p:childTnLst>
+                                    <p:set>
+                                      <p:cBhvr>
+                                        <p:cTn id="6" dur="1" fill="hold">
+                                          <p:stCondLst>
+                                            <p:cond delay="0"/>
+                                          </p:stCondLst>
+                                        </p:cTn>
+                                        <p:tgtEl>
+                                          <p:spTgt spid="5"/>
+                                        </p:tgtEl>
+                                        <p:attrNameLst>
+                                          <p:attrName>style.visibility</p:attrName>
+                                        </p:attrNameLst>
+                                      </p:cBhvr>
+                                      <p:to>
+                                        <p:strVal val="visible"/>
+                                      </p:to>
+                                    </p:set>
+                                  </p:childTnLst>
+                                </p:cTn>
+                              </p:par>
+                            </p:childTnLst>
+                          </p:cTn>
+                        </p:par>
+                      </p:childTnLst>
+                    </p:cTn>
+                  </p:par>
+                  <p:par>
+                    <p:cTn id="7" fill="hold">
+                      <p:stCondLst>
+                        <p:cond delay="indefinite"/>
+                      </p:stCondLst>
+                      <p:childTnLst>
+                        <p:par>
+                          <p:cTn id="8" fill="hold">
+                            <p:stCondLst>
+                              <p:cond delay="0"/>
+                            </p:stCondLst>
+                            <p:childTnLst>
+                              <p:par>
+                                <p:cTn id="9" presetID="1" presetClass="entr" presetSubtype="0" fill="hold" grpId="0" nodeType="clickEffect">
+                                  <p:stCondLst>
+                                    <p:cond delay="0"/>
+                                  </p:stCondLst>
+                                  <p:childTnLst>
+                                    <p:set>
+                                      <p:cBhvr>
+                                        <p:cTn id="10" dur="1" fill="hold">
+                                          <p:stCondLst>
+                                            <p:cond delay="0"/>
+                                          </p:stCondLst>
+                                        </p:cTn>
+                                        <p:tgtEl>
+                                          <p:spTgt spid="7"/>
+                                        </p:tgtEl>
+                                        <p:attrNameLst>
+                                          <p:attrName>style.visibility</p:attrName>
+                                        </p:attrNameLst>
+                                      </p:cBhvr>
+                                      <p:to>
+                                        <p:strVal val="visible"/>
+                                      </p:to>
+                                    </p:set>
+                                  </p:childTnLst>
+                                </p:cTn>
+                              </p:par>
+                            </p:childTnLst>
+                          </p:cTn>
+                        </p:par>
+                      </p:childTnLst>
+                    </p:cTn>
+                  </p:par>
+                  <p:par>
+                    <p:cTn id="11" fill="hold">
+                      <p:stCondLst>
+                        <p:cond delay="indefinite"/>
+                      </p:stCondLst>
+                      <p:childTnLst>
+                        <p:par>
+                          <p:cTn id="12" fill="hold">
+                            <p:stCondLst>
+                              <p:cond delay="0"/>
+                            </p:stCondLst>
+                            <p:childTnLst>
+                              <p:par>
+                                <p:cTn id="13" presetID="1" presetClass="entr" presetSubtype="0" fill="hold" grpId="0" nodeType="clickEffect">
+                                  <p:stCondLst>
+                                    <p:cond delay="0"/>
+                                  </p:stCondLst>
+                                  <p:childTnLst>
+                                    <p:set>
+                                      <p:cBhvr>
+                                        <p:cTn id="14" dur="1" fill="hold">
+                                          <p:stCondLst>
+                                            <p:cond delay="0"/>
+                                          </p:stCondLst>
+                                        </p:cTn>
+                                        <p:tgtEl>
+                                          <p:spTgt spid="8"/>
+                                        </p:tgtEl>
+                                        <p:attrNameLst>
+                                          <p:attrName>style.visibility</p:attrName>
+                                        </p:attrNameLst>
+                                      </p:cBhvr>
+                                      <p:to>
+                                        <p:strVal val="visible"/>
+                                      </p:to>
+                                    </p:set>
+                                  </p:childTnLst>
+                                </p:cTn>
+                              </p:par>
+                            </p:childTnLst>
+                          </p:cTn>
+                        </p:par>
+                      </p:childTnLst>
+                    </p:cTn>
+                  </p:par>
+                </p:childTnLst>
+              </p:cTn>
+              <p:prevCondLst>
+                <p:cond evt="onPrev" delay="0">
+                  <p:tgtEl>
+                    <p:sldTgt/>
+                  </p:tgtEl>
+                </p:cond>
+              </p:prevCondLst>
+              <p:nextCondLst>
+                <p:cond evt="onNext" delay="0">
+                  <p:tgtEl>
+                    <p:sldTgt/>
+                  </p:tgtEl>
+                </p:cond>
+              </p:nextCondLst>
+            </p:seq>
+          </p:childTnLst>
+        </p:cTn>
       </p:par>
     </p:tnLst>
+    <p:bldLst>
+      <p:bldP spid="7" grpId="0"/>
+      <p:bldP spid="8" grpId="0" animBg="1"/>
+    </p:bldLst>
   </p:timing>
 </p:sld>
 </file>
@@ -12011,6 +15982,347 @@
   <p:clrMapOvr>
     <a:masterClrMapping/>
   </p:clrMapOvr>
+  <p:timing>
+    <p:tnLst>
+      <p:par>
+        <p:cTn id="1" dur="indefinite" restart="never" nodeType="tmRoot">
+          <p:childTnLst>
+            <p:seq concurrent="1" nextAc="seek">
+              <p:cTn id="2" dur="indefinite" nodeType="mainSeq">
+                <p:childTnLst>
+                  <p:par>
+                    <p:cTn id="3" fill="hold">
+                      <p:stCondLst>
+                        <p:cond delay="indefinite"/>
+                      </p:stCondLst>
+                      <p:childTnLst>
+                        <p:par>
+                          <p:cTn id="4" fill="hold">
+                            <p:stCondLst>
+                              <p:cond delay="0"/>
+                            </p:stCondLst>
+                            <p:childTnLst>
+                              <p:par>
+                                <p:cTn id="5" presetID="1" presetClass="entr" presetSubtype="0" fill="hold" nodeType="clickEffect">
+                                  <p:stCondLst>
+                                    <p:cond delay="0"/>
+                                  </p:stCondLst>
+                                  <p:childTnLst>
+                                    <p:set>
+                                      <p:cBhvr>
+                                        <p:cTn id="6" dur="1" fill="hold">
+                                          <p:stCondLst>
+                                            <p:cond delay="0"/>
+                                          </p:stCondLst>
+                                        </p:cTn>
+                                        <p:tgtEl>
+                                          <p:spTgt spid="5"/>
+                                        </p:tgtEl>
+                                        <p:attrNameLst>
+                                          <p:attrName>style.visibility</p:attrName>
+                                        </p:attrNameLst>
+                                      </p:cBhvr>
+                                      <p:to>
+                                        <p:strVal val="visible"/>
+                                      </p:to>
+                                    </p:set>
+                                  </p:childTnLst>
+                                </p:cTn>
+                              </p:par>
+                            </p:childTnLst>
+                          </p:cTn>
+                        </p:par>
+                      </p:childTnLst>
+                    </p:cTn>
+                  </p:par>
+                  <p:par>
+                    <p:cTn id="7" fill="hold">
+                      <p:stCondLst>
+                        <p:cond delay="indefinite"/>
+                      </p:stCondLst>
+                      <p:childTnLst>
+                        <p:par>
+                          <p:cTn id="8" fill="hold">
+                            <p:stCondLst>
+                              <p:cond delay="0"/>
+                            </p:stCondLst>
+                            <p:childTnLst>
+                              <p:par>
+                                <p:cTn id="9" presetID="1" presetClass="entr" presetSubtype="0" fill="hold" grpId="0" nodeType="clickEffect">
+                                  <p:stCondLst>
+                                    <p:cond delay="0"/>
+                                  </p:stCondLst>
+                                  <p:childTnLst>
+                                    <p:set>
+                                      <p:cBhvr>
+                                        <p:cTn id="10" dur="1" fill="hold">
+                                          <p:stCondLst>
+                                            <p:cond delay="0"/>
+                                          </p:stCondLst>
+                                        </p:cTn>
+                                        <p:tgtEl>
+                                          <p:spTgt spid="9"/>
+                                        </p:tgtEl>
+                                        <p:attrNameLst>
+                                          <p:attrName>style.visibility</p:attrName>
+                                        </p:attrNameLst>
+                                      </p:cBhvr>
+                                      <p:to>
+                                        <p:strVal val="visible"/>
+                                      </p:to>
+                                    </p:set>
+                                  </p:childTnLst>
+                                </p:cTn>
+                              </p:par>
+                              <p:par>
+                                <p:cTn id="11" presetID="1" presetClass="entr" presetSubtype="0" fill="hold" nodeType="withEffect">
+                                  <p:stCondLst>
+                                    <p:cond delay="0"/>
+                                  </p:stCondLst>
+                                  <p:childTnLst>
+                                    <p:set>
+                                      <p:cBhvr>
+                                        <p:cTn id="12" dur="1" fill="hold">
+                                          <p:stCondLst>
+                                            <p:cond delay="0"/>
+                                          </p:stCondLst>
+                                        </p:cTn>
+                                        <p:tgtEl>
+                                          <p:spTgt spid="7"/>
+                                        </p:tgtEl>
+                                        <p:attrNameLst>
+                                          <p:attrName>style.visibility</p:attrName>
+                                        </p:attrNameLst>
+                                      </p:cBhvr>
+                                      <p:to>
+                                        <p:strVal val="visible"/>
+                                      </p:to>
+                                    </p:set>
+                                  </p:childTnLst>
+                                </p:cTn>
+                              </p:par>
+                            </p:childTnLst>
+                          </p:cTn>
+                        </p:par>
+                      </p:childTnLst>
+                    </p:cTn>
+                  </p:par>
+                  <p:par>
+                    <p:cTn id="13" fill="hold">
+                      <p:stCondLst>
+                        <p:cond delay="indefinite"/>
+                      </p:stCondLst>
+                      <p:childTnLst>
+                        <p:par>
+                          <p:cTn id="14" fill="hold">
+                            <p:stCondLst>
+                              <p:cond delay="0"/>
+                            </p:stCondLst>
+                            <p:childTnLst>
+                              <p:par>
+                                <p:cTn id="15" presetID="1" presetClass="entr" presetSubtype="0" fill="hold" nodeType="clickEffect">
+                                  <p:stCondLst>
+                                    <p:cond delay="0"/>
+                                  </p:stCondLst>
+                                  <p:childTnLst>
+                                    <p:set>
+                                      <p:cBhvr>
+                                        <p:cTn id="16" dur="1" fill="hold">
+                                          <p:stCondLst>
+                                            <p:cond delay="0"/>
+                                          </p:stCondLst>
+                                        </p:cTn>
+                                        <p:tgtEl>
+                                          <p:spTgt spid="3">
+                                            <p:txEl>
+                                              <p:pRg st="2" end="2"/>
+                                            </p:txEl>
+                                          </p:spTgt>
+                                        </p:tgtEl>
+                                        <p:attrNameLst>
+                                          <p:attrName>style.visibility</p:attrName>
+                                        </p:attrNameLst>
+                                      </p:cBhvr>
+                                      <p:to>
+                                        <p:strVal val="visible"/>
+                                      </p:to>
+                                    </p:set>
+                                  </p:childTnLst>
+                                </p:cTn>
+                              </p:par>
+                              <p:par>
+                                <p:cTn id="17" presetID="1" presetClass="entr" presetSubtype="0" fill="hold" nodeType="withEffect">
+                                  <p:stCondLst>
+                                    <p:cond delay="0"/>
+                                  </p:stCondLst>
+                                  <p:childTnLst>
+                                    <p:set>
+                                      <p:cBhvr>
+                                        <p:cTn id="18" dur="1" fill="hold">
+                                          <p:stCondLst>
+                                            <p:cond delay="0"/>
+                                          </p:stCondLst>
+                                        </p:cTn>
+                                        <p:tgtEl>
+                                          <p:spTgt spid="3">
+                                            <p:txEl>
+                                              <p:pRg st="3" end="3"/>
+                                            </p:txEl>
+                                          </p:spTgt>
+                                        </p:tgtEl>
+                                        <p:attrNameLst>
+                                          <p:attrName>style.visibility</p:attrName>
+                                        </p:attrNameLst>
+                                      </p:cBhvr>
+                                      <p:to>
+                                        <p:strVal val="visible"/>
+                                      </p:to>
+                                    </p:set>
+                                  </p:childTnLst>
+                                </p:cTn>
+                              </p:par>
+                              <p:par>
+                                <p:cTn id="19" presetID="1" presetClass="entr" presetSubtype="0" fill="hold" nodeType="withEffect">
+                                  <p:stCondLst>
+                                    <p:cond delay="0"/>
+                                  </p:stCondLst>
+                                  <p:childTnLst>
+                                    <p:set>
+                                      <p:cBhvr>
+                                        <p:cTn id="20" dur="1" fill="hold">
+                                          <p:stCondLst>
+                                            <p:cond delay="0"/>
+                                          </p:stCondLst>
+                                        </p:cTn>
+                                        <p:tgtEl>
+                                          <p:spTgt spid="3">
+                                            <p:txEl>
+                                              <p:pRg st="4" end="4"/>
+                                            </p:txEl>
+                                          </p:spTgt>
+                                        </p:tgtEl>
+                                        <p:attrNameLst>
+                                          <p:attrName>style.visibility</p:attrName>
+                                        </p:attrNameLst>
+                                      </p:cBhvr>
+                                      <p:to>
+                                        <p:strVal val="visible"/>
+                                      </p:to>
+                                    </p:set>
+                                  </p:childTnLst>
+                                </p:cTn>
+                              </p:par>
+                            </p:childTnLst>
+                          </p:cTn>
+                        </p:par>
+                      </p:childTnLst>
+                    </p:cTn>
+                  </p:par>
+                  <p:par>
+                    <p:cTn id="21" fill="hold">
+                      <p:stCondLst>
+                        <p:cond delay="indefinite"/>
+                      </p:stCondLst>
+                      <p:childTnLst>
+                        <p:par>
+                          <p:cTn id="22" fill="hold">
+                            <p:stCondLst>
+                              <p:cond delay="0"/>
+                            </p:stCondLst>
+                            <p:childTnLst>
+                              <p:par>
+                                <p:cTn id="23" presetID="1" presetClass="entr" presetSubtype="0" fill="hold" nodeType="clickEffect">
+                                  <p:stCondLst>
+                                    <p:cond delay="0"/>
+                                  </p:stCondLst>
+                                  <p:childTnLst>
+                                    <p:set>
+                                      <p:cBhvr>
+                                        <p:cTn id="24" dur="1" fill="hold">
+                                          <p:stCondLst>
+                                            <p:cond delay="0"/>
+                                          </p:stCondLst>
+                                        </p:cTn>
+                                        <p:tgtEl>
+                                          <p:spTgt spid="3">
+                                            <p:txEl>
+                                              <p:pRg st="6" end="6"/>
+                                            </p:txEl>
+                                          </p:spTgt>
+                                        </p:tgtEl>
+                                        <p:attrNameLst>
+                                          <p:attrName>style.visibility</p:attrName>
+                                        </p:attrNameLst>
+                                      </p:cBhvr>
+                                      <p:to>
+                                        <p:strVal val="visible"/>
+                                      </p:to>
+                                    </p:set>
+                                  </p:childTnLst>
+                                </p:cTn>
+                              </p:par>
+                              <p:par>
+                                <p:cTn id="25" presetID="1" presetClass="entr" presetSubtype="0" fill="hold" nodeType="withEffect">
+                                  <p:stCondLst>
+                                    <p:cond delay="0"/>
+                                  </p:stCondLst>
+                                  <p:childTnLst>
+                                    <p:set>
+                                      <p:cBhvr>
+                                        <p:cTn id="26" dur="1" fill="hold">
+                                          <p:stCondLst>
+                                            <p:cond delay="0"/>
+                                          </p:stCondLst>
+                                        </p:cTn>
+                                        <p:tgtEl>
+                                          <p:spTgt spid="3">
+                                            <p:txEl>
+                                              <p:pRg st="7" end="7"/>
+                                            </p:txEl>
+                                          </p:spTgt>
+                                        </p:tgtEl>
+                                        <p:attrNameLst>
+                                          <p:attrName>style.visibility</p:attrName>
+                                        </p:attrNameLst>
+                                      </p:cBhvr>
+                                      <p:to>
+                                        <p:strVal val="visible"/>
+                                      </p:to>
+                                    </p:set>
+                                  </p:childTnLst>
+                                </p:cTn>
+                              </p:par>
+                            </p:childTnLst>
+                          </p:cTn>
+                        </p:par>
+                      </p:childTnLst>
+                    </p:cTn>
+                  </p:par>
+                </p:childTnLst>
+              </p:cTn>
+              <p:prevCondLst>
+                <p:cond evt="onPrev" delay="0">
+                  <p:tgtEl>
+                    <p:sldTgt/>
+                  </p:tgtEl>
+                </p:cond>
+              </p:prevCondLst>
+              <p:nextCondLst>
+                <p:cond evt="onNext" delay="0">
+                  <p:tgtEl>
+                    <p:sldTgt/>
+                  </p:tgtEl>
+                </p:cond>
+              </p:nextCondLst>
+            </p:seq>
+          </p:childTnLst>
+        </p:cTn>
+      </p:par>
+    </p:tnLst>
+    <p:bldLst>
+      <p:bldP spid="9" grpId="0"/>
+    </p:bldLst>
+  </p:timing>
 </p:sld>
 </file>
 
@@ -12594,6 +16906,548 @@
   <p:clrMapOvr>
     <a:masterClrMapping/>
   </p:clrMapOvr>
+  <p:timing>
+    <p:tnLst>
+      <p:par>
+        <p:cTn id="1" dur="indefinite" restart="never" nodeType="tmRoot">
+          <p:childTnLst>
+            <p:seq concurrent="1" nextAc="seek">
+              <p:cTn id="2" dur="indefinite" nodeType="mainSeq">
+                <p:childTnLst>
+                  <p:par>
+                    <p:cTn id="3" fill="hold">
+                      <p:stCondLst>
+                        <p:cond delay="indefinite"/>
+                      </p:stCondLst>
+                      <p:childTnLst>
+                        <p:par>
+                          <p:cTn id="4" fill="hold">
+                            <p:stCondLst>
+                              <p:cond delay="0"/>
+                            </p:stCondLst>
+                            <p:childTnLst>
+                              <p:par>
+                                <p:cTn id="5" presetID="1" presetClass="entr" presetSubtype="0" fill="hold" grpId="0" nodeType="clickEffect">
+                                  <p:stCondLst>
+                                    <p:cond delay="0"/>
+                                  </p:stCondLst>
+                                  <p:childTnLst>
+                                    <p:set>
+                                      <p:cBhvr>
+                                        <p:cTn id="6" dur="1" fill="hold">
+                                          <p:stCondLst>
+                                            <p:cond delay="0"/>
+                                          </p:stCondLst>
+                                        </p:cTn>
+                                        <p:tgtEl>
+                                          <p:spTgt spid="3">
+                                            <p:bg/>
+                                          </p:spTgt>
+                                        </p:tgtEl>
+                                        <p:attrNameLst>
+                                          <p:attrName>style.visibility</p:attrName>
+                                        </p:attrNameLst>
+                                      </p:cBhvr>
+                                      <p:to>
+                                        <p:strVal val="visible"/>
+                                      </p:to>
+                                    </p:set>
+                                  </p:childTnLst>
+                                </p:cTn>
+                              </p:par>
+                            </p:childTnLst>
+                          </p:cTn>
+                        </p:par>
+                      </p:childTnLst>
+                    </p:cTn>
+                  </p:par>
+                  <p:par>
+                    <p:cTn id="7" fill="hold">
+                      <p:stCondLst>
+                        <p:cond delay="indefinite"/>
+                      </p:stCondLst>
+                      <p:childTnLst>
+                        <p:par>
+                          <p:cTn id="8" fill="hold">
+                            <p:stCondLst>
+                              <p:cond delay="0"/>
+                            </p:stCondLst>
+                            <p:childTnLst>
+                              <p:par>
+                                <p:cTn id="9" presetID="1" presetClass="entr" presetSubtype="0" fill="hold" grpId="0" nodeType="clickEffect">
+                                  <p:stCondLst>
+                                    <p:cond delay="0"/>
+                                  </p:stCondLst>
+                                  <p:childTnLst>
+                                    <p:set>
+                                      <p:cBhvr>
+                                        <p:cTn id="10" dur="1" fill="hold">
+                                          <p:stCondLst>
+                                            <p:cond delay="0"/>
+                                          </p:stCondLst>
+                                        </p:cTn>
+                                        <p:tgtEl>
+                                          <p:spTgt spid="3">
+                                            <p:txEl>
+                                              <p:pRg st="0" end="0"/>
+                                            </p:txEl>
+                                          </p:spTgt>
+                                        </p:tgtEl>
+                                        <p:attrNameLst>
+                                          <p:attrName>style.visibility</p:attrName>
+                                        </p:attrNameLst>
+                                      </p:cBhvr>
+                                      <p:to>
+                                        <p:strVal val="visible"/>
+                                      </p:to>
+                                    </p:set>
+                                  </p:childTnLst>
+                                </p:cTn>
+                              </p:par>
+                            </p:childTnLst>
+                          </p:cTn>
+                        </p:par>
+                      </p:childTnLst>
+                    </p:cTn>
+                  </p:par>
+                  <p:par>
+                    <p:cTn id="11" fill="hold">
+                      <p:stCondLst>
+                        <p:cond delay="indefinite"/>
+                      </p:stCondLst>
+                      <p:childTnLst>
+                        <p:par>
+                          <p:cTn id="12" fill="hold">
+                            <p:stCondLst>
+                              <p:cond delay="0"/>
+                            </p:stCondLst>
+                            <p:childTnLst>
+                              <p:par>
+                                <p:cTn id="13" presetID="1" presetClass="entr" presetSubtype="0" fill="hold" grpId="0" nodeType="clickEffect">
+                                  <p:stCondLst>
+                                    <p:cond delay="0"/>
+                                  </p:stCondLst>
+                                  <p:childTnLst>
+                                    <p:set>
+                                      <p:cBhvr>
+                                        <p:cTn id="14" dur="1" fill="hold">
+                                          <p:stCondLst>
+                                            <p:cond delay="0"/>
+                                          </p:stCondLst>
+                                        </p:cTn>
+                                        <p:tgtEl>
+                                          <p:spTgt spid="3">
+                                            <p:txEl>
+                                              <p:pRg st="1" end="1"/>
+                                            </p:txEl>
+                                          </p:spTgt>
+                                        </p:tgtEl>
+                                        <p:attrNameLst>
+                                          <p:attrName>style.visibility</p:attrName>
+                                        </p:attrNameLst>
+                                      </p:cBhvr>
+                                      <p:to>
+                                        <p:strVal val="visible"/>
+                                      </p:to>
+                                    </p:set>
+                                  </p:childTnLst>
+                                </p:cTn>
+                              </p:par>
+                            </p:childTnLst>
+                          </p:cTn>
+                        </p:par>
+                      </p:childTnLst>
+                    </p:cTn>
+                  </p:par>
+                  <p:par>
+                    <p:cTn id="15" fill="hold">
+                      <p:stCondLst>
+                        <p:cond delay="indefinite"/>
+                      </p:stCondLst>
+                      <p:childTnLst>
+                        <p:par>
+                          <p:cTn id="16" fill="hold">
+                            <p:stCondLst>
+                              <p:cond delay="0"/>
+                            </p:stCondLst>
+                            <p:childTnLst>
+                              <p:par>
+                                <p:cTn id="17" presetID="1" presetClass="entr" presetSubtype="0" fill="hold" grpId="0" nodeType="clickEffect">
+                                  <p:stCondLst>
+                                    <p:cond delay="0"/>
+                                  </p:stCondLst>
+                                  <p:childTnLst>
+                                    <p:set>
+                                      <p:cBhvr>
+                                        <p:cTn id="18" dur="1" fill="hold">
+                                          <p:stCondLst>
+                                            <p:cond delay="0"/>
+                                          </p:stCondLst>
+                                        </p:cTn>
+                                        <p:tgtEl>
+                                          <p:spTgt spid="3">
+                                            <p:txEl>
+                                              <p:pRg st="2" end="2"/>
+                                            </p:txEl>
+                                          </p:spTgt>
+                                        </p:tgtEl>
+                                        <p:attrNameLst>
+                                          <p:attrName>style.visibility</p:attrName>
+                                        </p:attrNameLst>
+                                      </p:cBhvr>
+                                      <p:to>
+                                        <p:strVal val="visible"/>
+                                      </p:to>
+                                    </p:set>
+                                  </p:childTnLst>
+                                </p:cTn>
+                              </p:par>
+                            </p:childTnLst>
+                          </p:cTn>
+                        </p:par>
+                      </p:childTnLst>
+                    </p:cTn>
+                  </p:par>
+                  <p:par>
+                    <p:cTn id="19" fill="hold">
+                      <p:stCondLst>
+                        <p:cond delay="indefinite"/>
+                      </p:stCondLst>
+                      <p:childTnLst>
+                        <p:par>
+                          <p:cTn id="20" fill="hold">
+                            <p:stCondLst>
+                              <p:cond delay="0"/>
+                            </p:stCondLst>
+                            <p:childTnLst>
+                              <p:par>
+                                <p:cTn id="21" presetID="1" presetClass="entr" presetSubtype="0" fill="hold" grpId="0" nodeType="clickEffect">
+                                  <p:stCondLst>
+                                    <p:cond delay="0"/>
+                                  </p:stCondLst>
+                                  <p:childTnLst>
+                                    <p:set>
+                                      <p:cBhvr>
+                                        <p:cTn id="22" dur="1" fill="hold">
+                                          <p:stCondLst>
+                                            <p:cond delay="0"/>
+                                          </p:stCondLst>
+                                        </p:cTn>
+                                        <p:tgtEl>
+                                          <p:spTgt spid="3">
+                                            <p:txEl>
+                                              <p:pRg st="4" end="4"/>
+                                            </p:txEl>
+                                          </p:spTgt>
+                                        </p:tgtEl>
+                                        <p:attrNameLst>
+                                          <p:attrName>style.visibility</p:attrName>
+                                        </p:attrNameLst>
+                                      </p:cBhvr>
+                                      <p:to>
+                                        <p:strVal val="visible"/>
+                                      </p:to>
+                                    </p:set>
+                                  </p:childTnLst>
+                                </p:cTn>
+                              </p:par>
+                            </p:childTnLst>
+                          </p:cTn>
+                        </p:par>
+                      </p:childTnLst>
+                    </p:cTn>
+                  </p:par>
+                  <p:par>
+                    <p:cTn id="23" fill="hold">
+                      <p:stCondLst>
+                        <p:cond delay="indefinite"/>
+                      </p:stCondLst>
+                      <p:childTnLst>
+                        <p:par>
+                          <p:cTn id="24" fill="hold">
+                            <p:stCondLst>
+                              <p:cond delay="0"/>
+                            </p:stCondLst>
+                            <p:childTnLst>
+                              <p:par>
+                                <p:cTn id="25" presetID="1" presetClass="entr" presetSubtype="0" fill="hold" grpId="0" nodeType="clickEffect">
+                                  <p:stCondLst>
+                                    <p:cond delay="0"/>
+                                  </p:stCondLst>
+                                  <p:childTnLst>
+                                    <p:set>
+                                      <p:cBhvr>
+                                        <p:cTn id="26" dur="1" fill="hold">
+                                          <p:stCondLst>
+                                            <p:cond delay="0"/>
+                                          </p:stCondLst>
+                                        </p:cTn>
+                                        <p:tgtEl>
+                                          <p:spTgt spid="3">
+                                            <p:txEl>
+                                              <p:pRg st="5" end="5"/>
+                                            </p:txEl>
+                                          </p:spTgt>
+                                        </p:tgtEl>
+                                        <p:attrNameLst>
+                                          <p:attrName>style.visibility</p:attrName>
+                                        </p:attrNameLst>
+                                      </p:cBhvr>
+                                      <p:to>
+                                        <p:strVal val="visible"/>
+                                      </p:to>
+                                    </p:set>
+                                  </p:childTnLst>
+                                </p:cTn>
+                              </p:par>
+                            </p:childTnLst>
+                          </p:cTn>
+                        </p:par>
+                      </p:childTnLst>
+                    </p:cTn>
+                  </p:par>
+                  <p:par>
+                    <p:cTn id="27" fill="hold">
+                      <p:stCondLst>
+                        <p:cond delay="indefinite"/>
+                      </p:stCondLst>
+                      <p:childTnLst>
+                        <p:par>
+                          <p:cTn id="28" fill="hold">
+                            <p:stCondLst>
+                              <p:cond delay="0"/>
+                            </p:stCondLst>
+                            <p:childTnLst>
+                              <p:par>
+                                <p:cTn id="29" presetID="1" presetClass="entr" presetSubtype="0" fill="hold" grpId="0" nodeType="clickEffect">
+                                  <p:stCondLst>
+                                    <p:cond delay="0"/>
+                                  </p:stCondLst>
+                                  <p:childTnLst>
+                                    <p:set>
+                                      <p:cBhvr>
+                                        <p:cTn id="30" dur="1" fill="hold">
+                                          <p:stCondLst>
+                                            <p:cond delay="0"/>
+                                          </p:stCondLst>
+                                        </p:cTn>
+                                        <p:tgtEl>
+                                          <p:spTgt spid="3">
+                                            <p:txEl>
+                                              <p:pRg st="6" end="6"/>
+                                            </p:txEl>
+                                          </p:spTgt>
+                                        </p:tgtEl>
+                                        <p:attrNameLst>
+                                          <p:attrName>style.visibility</p:attrName>
+                                        </p:attrNameLst>
+                                      </p:cBhvr>
+                                      <p:to>
+                                        <p:strVal val="visible"/>
+                                      </p:to>
+                                    </p:set>
+                                  </p:childTnLst>
+                                </p:cTn>
+                              </p:par>
+                            </p:childTnLst>
+                          </p:cTn>
+                        </p:par>
+                      </p:childTnLst>
+                    </p:cTn>
+                  </p:par>
+                  <p:par>
+                    <p:cTn id="31" fill="hold">
+                      <p:stCondLst>
+                        <p:cond delay="indefinite"/>
+                      </p:stCondLst>
+                      <p:childTnLst>
+                        <p:par>
+                          <p:cTn id="32" fill="hold">
+                            <p:stCondLst>
+                              <p:cond delay="0"/>
+                            </p:stCondLst>
+                            <p:childTnLst>
+                              <p:par>
+                                <p:cTn id="33" presetID="1" presetClass="entr" presetSubtype="0" fill="hold" grpId="0" nodeType="clickEffect">
+                                  <p:stCondLst>
+                                    <p:cond delay="0"/>
+                                  </p:stCondLst>
+                                  <p:childTnLst>
+                                    <p:set>
+                                      <p:cBhvr>
+                                        <p:cTn id="34" dur="1" fill="hold">
+                                          <p:stCondLst>
+                                            <p:cond delay="0"/>
+                                          </p:stCondLst>
+                                        </p:cTn>
+                                        <p:tgtEl>
+                                          <p:spTgt spid="3">
+                                            <p:txEl>
+                                              <p:pRg st="7" end="7"/>
+                                            </p:txEl>
+                                          </p:spTgt>
+                                        </p:tgtEl>
+                                        <p:attrNameLst>
+                                          <p:attrName>style.visibility</p:attrName>
+                                        </p:attrNameLst>
+                                      </p:cBhvr>
+                                      <p:to>
+                                        <p:strVal val="visible"/>
+                                      </p:to>
+                                    </p:set>
+                                  </p:childTnLst>
+                                </p:cTn>
+                              </p:par>
+                            </p:childTnLst>
+                          </p:cTn>
+                        </p:par>
+                      </p:childTnLst>
+                    </p:cTn>
+                  </p:par>
+                  <p:par>
+                    <p:cTn id="35" fill="hold">
+                      <p:stCondLst>
+                        <p:cond delay="indefinite"/>
+                      </p:stCondLst>
+                      <p:childTnLst>
+                        <p:par>
+                          <p:cTn id="36" fill="hold">
+                            <p:stCondLst>
+                              <p:cond delay="0"/>
+                            </p:stCondLst>
+                            <p:childTnLst>
+                              <p:par>
+                                <p:cTn id="37" presetID="1" presetClass="entr" presetSubtype="0" fill="hold" nodeType="clickEffect">
+                                  <p:stCondLst>
+                                    <p:cond delay="0"/>
+                                  </p:stCondLst>
+                                  <p:childTnLst>
+                                    <p:set>
+                                      <p:cBhvr>
+                                        <p:cTn id="38" dur="1" fill="hold">
+                                          <p:stCondLst>
+                                            <p:cond delay="0"/>
+                                          </p:stCondLst>
+                                        </p:cTn>
+                                        <p:tgtEl>
+                                          <p:spTgt spid="10"/>
+                                        </p:tgtEl>
+                                        <p:attrNameLst>
+                                          <p:attrName>style.visibility</p:attrName>
+                                        </p:attrNameLst>
+                                      </p:cBhvr>
+                                      <p:to>
+                                        <p:strVal val="visible"/>
+                                      </p:to>
+                                    </p:set>
+                                  </p:childTnLst>
+                                </p:cTn>
+                              </p:par>
+                              <p:par>
+                                <p:cTn id="39" presetID="1" presetClass="entr" presetSubtype="0" fill="hold" grpId="0" nodeType="withEffect">
+                                  <p:stCondLst>
+                                    <p:cond delay="0"/>
+                                  </p:stCondLst>
+                                  <p:childTnLst>
+                                    <p:set>
+                                      <p:cBhvr>
+                                        <p:cTn id="40" dur="1" fill="hold">
+                                          <p:stCondLst>
+                                            <p:cond delay="0"/>
+                                          </p:stCondLst>
+                                        </p:cTn>
+                                        <p:tgtEl>
+                                          <p:spTgt spid="9"/>
+                                        </p:tgtEl>
+                                        <p:attrNameLst>
+                                          <p:attrName>style.visibility</p:attrName>
+                                        </p:attrNameLst>
+                                      </p:cBhvr>
+                                      <p:to>
+                                        <p:strVal val="visible"/>
+                                      </p:to>
+                                    </p:set>
+                                  </p:childTnLst>
+                                </p:cTn>
+                              </p:par>
+                            </p:childTnLst>
+                          </p:cTn>
+                        </p:par>
+                      </p:childTnLst>
+                    </p:cTn>
+                  </p:par>
+                  <p:par>
+                    <p:cTn id="41" fill="hold">
+                      <p:stCondLst>
+                        <p:cond delay="indefinite"/>
+                      </p:stCondLst>
+                      <p:childTnLst>
+                        <p:par>
+                          <p:cTn id="42" fill="hold">
+                            <p:stCondLst>
+                              <p:cond delay="0"/>
+                            </p:stCondLst>
+                            <p:childTnLst>
+                              <p:par>
+                                <p:cTn id="43" presetID="1" presetClass="entr" presetSubtype="0" fill="hold" grpId="0" nodeType="clickEffect">
+                                  <p:stCondLst>
+                                    <p:cond delay="0"/>
+                                  </p:stCondLst>
+                                  <p:childTnLst>
+                                    <p:set>
+                                      <p:cBhvr>
+                                        <p:cTn id="44" dur="1" fill="hold">
+                                          <p:stCondLst>
+                                            <p:cond delay="0"/>
+                                          </p:stCondLst>
+                                        </p:cTn>
+                                        <p:tgtEl>
+                                          <p:spTgt spid="8"/>
+                                        </p:tgtEl>
+                                        <p:attrNameLst>
+                                          <p:attrName>style.visibility</p:attrName>
+                                        </p:attrNameLst>
+                                      </p:cBhvr>
+                                      <p:to>
+                                        <p:strVal val="visible"/>
+                                      </p:to>
+                                    </p:set>
+                                  </p:childTnLst>
+                                </p:cTn>
+                              </p:par>
+                            </p:childTnLst>
+                          </p:cTn>
+                        </p:par>
+                      </p:childTnLst>
+                    </p:cTn>
+                  </p:par>
+                </p:childTnLst>
+              </p:cTn>
+              <p:prevCondLst>
+                <p:cond evt="onPrev" delay="0">
+                  <p:tgtEl>
+                    <p:sldTgt/>
+                  </p:tgtEl>
+                </p:cond>
+              </p:prevCondLst>
+              <p:nextCondLst>
+                <p:cond evt="onNext" delay="0">
+                  <p:tgtEl>
+                    <p:sldTgt/>
+                  </p:tgtEl>
+                </p:cond>
+              </p:nextCondLst>
+            </p:seq>
+          </p:childTnLst>
+        </p:cTn>
+      </p:par>
+    </p:tnLst>
+    <p:bldLst>
+      <p:bldP spid="3" grpId="0" build="p" animBg="1"/>
+      <p:bldP spid="8" grpId="0" animBg="1"/>
+      <p:bldP spid="9" grpId="0" animBg="1"/>
+    </p:bldLst>
+  </p:timing>
 </p:sld>
 </file>
 
@@ -13353,6 +18207,463 @@
   <p:clrMapOvr>
     <a:masterClrMapping/>
   </p:clrMapOvr>
+  <p:timing>
+    <p:tnLst>
+      <p:par>
+        <p:cTn id="1" dur="indefinite" restart="never" nodeType="tmRoot">
+          <p:childTnLst>
+            <p:seq concurrent="1" nextAc="seek">
+              <p:cTn id="2" dur="indefinite" nodeType="mainSeq">
+                <p:childTnLst>
+                  <p:par>
+                    <p:cTn id="3" fill="hold">
+                      <p:stCondLst>
+                        <p:cond delay="indefinite"/>
+                      </p:stCondLst>
+                      <p:childTnLst>
+                        <p:par>
+                          <p:cTn id="4" fill="hold">
+                            <p:stCondLst>
+                              <p:cond delay="0"/>
+                            </p:stCondLst>
+                            <p:childTnLst>
+                              <p:par>
+                                <p:cTn id="5" presetID="1" presetClass="entr" presetSubtype="0" fill="hold" nodeType="clickEffect">
+                                  <p:stCondLst>
+                                    <p:cond delay="0"/>
+                                  </p:stCondLst>
+                                  <p:childTnLst>
+                                    <p:set>
+                                      <p:cBhvr>
+                                        <p:cTn id="6" dur="1" fill="hold">
+                                          <p:stCondLst>
+                                            <p:cond delay="0"/>
+                                          </p:stCondLst>
+                                        </p:cTn>
+                                        <p:tgtEl>
+                                          <p:spTgt spid="3">
+                                            <p:txEl>
+                                              <p:pRg st="1" end="1"/>
+                                            </p:txEl>
+                                          </p:spTgt>
+                                        </p:tgtEl>
+                                        <p:attrNameLst>
+                                          <p:attrName>style.visibility</p:attrName>
+                                        </p:attrNameLst>
+                                      </p:cBhvr>
+                                      <p:to>
+                                        <p:strVal val="visible"/>
+                                      </p:to>
+                                    </p:set>
+                                  </p:childTnLst>
+                                </p:cTn>
+                              </p:par>
+                              <p:par>
+                                <p:cTn id="7" presetID="1" presetClass="entr" presetSubtype="0" fill="hold" grpId="0" nodeType="withEffect">
+                                  <p:stCondLst>
+                                    <p:cond delay="0"/>
+                                  </p:stCondLst>
+                                  <p:childTnLst>
+                                    <p:set>
+                                      <p:cBhvr>
+                                        <p:cTn id="8" dur="1" fill="hold">
+                                          <p:stCondLst>
+                                            <p:cond delay="0"/>
+                                          </p:stCondLst>
+                                        </p:cTn>
+                                        <p:tgtEl>
+                                          <p:spTgt spid="12"/>
+                                        </p:tgtEl>
+                                        <p:attrNameLst>
+                                          <p:attrName>style.visibility</p:attrName>
+                                        </p:attrNameLst>
+                                      </p:cBhvr>
+                                      <p:to>
+                                        <p:strVal val="visible"/>
+                                      </p:to>
+                                    </p:set>
+                                  </p:childTnLst>
+                                </p:cTn>
+                              </p:par>
+                              <p:par>
+                                <p:cTn id="9" presetID="1" presetClass="entr" presetSubtype="0" fill="hold" grpId="0" nodeType="withEffect">
+                                  <p:stCondLst>
+                                    <p:cond delay="0"/>
+                                  </p:stCondLst>
+                                  <p:childTnLst>
+                                    <p:set>
+                                      <p:cBhvr>
+                                        <p:cTn id="10" dur="1" fill="hold">
+                                          <p:stCondLst>
+                                            <p:cond delay="0"/>
+                                          </p:stCondLst>
+                                        </p:cTn>
+                                        <p:tgtEl>
+                                          <p:spTgt spid="8"/>
+                                        </p:tgtEl>
+                                        <p:attrNameLst>
+                                          <p:attrName>style.visibility</p:attrName>
+                                        </p:attrNameLst>
+                                      </p:cBhvr>
+                                      <p:to>
+                                        <p:strVal val="visible"/>
+                                      </p:to>
+                                    </p:set>
+                                  </p:childTnLst>
+                                </p:cTn>
+                              </p:par>
+                            </p:childTnLst>
+                          </p:cTn>
+                        </p:par>
+                      </p:childTnLst>
+                    </p:cTn>
+                  </p:par>
+                  <p:par>
+                    <p:cTn id="11" fill="hold">
+                      <p:stCondLst>
+                        <p:cond delay="indefinite"/>
+                      </p:stCondLst>
+                      <p:childTnLst>
+                        <p:par>
+                          <p:cTn id="12" fill="hold">
+                            <p:stCondLst>
+                              <p:cond delay="0"/>
+                            </p:stCondLst>
+                            <p:childTnLst>
+                              <p:par>
+                                <p:cTn id="13" presetID="1" presetClass="entr" presetSubtype="0" fill="hold" nodeType="clickEffect">
+                                  <p:stCondLst>
+                                    <p:cond delay="0"/>
+                                  </p:stCondLst>
+                                  <p:childTnLst>
+                                    <p:set>
+                                      <p:cBhvr>
+                                        <p:cTn id="14" dur="1" fill="hold">
+                                          <p:stCondLst>
+                                            <p:cond delay="0"/>
+                                          </p:stCondLst>
+                                        </p:cTn>
+                                        <p:tgtEl>
+                                          <p:spTgt spid="3">
+                                            <p:txEl>
+                                              <p:pRg st="2" end="2"/>
+                                            </p:txEl>
+                                          </p:spTgt>
+                                        </p:tgtEl>
+                                        <p:attrNameLst>
+                                          <p:attrName>style.visibility</p:attrName>
+                                        </p:attrNameLst>
+                                      </p:cBhvr>
+                                      <p:to>
+                                        <p:strVal val="visible"/>
+                                      </p:to>
+                                    </p:set>
+                                  </p:childTnLst>
+                                </p:cTn>
+                              </p:par>
+                              <p:par>
+                                <p:cTn id="15" presetID="1" presetClass="entr" presetSubtype="0" fill="hold" grpId="0" nodeType="withEffect">
+                                  <p:stCondLst>
+                                    <p:cond delay="0"/>
+                                  </p:stCondLst>
+                                  <p:childTnLst>
+                                    <p:set>
+                                      <p:cBhvr>
+                                        <p:cTn id="16" dur="1" fill="hold">
+                                          <p:stCondLst>
+                                            <p:cond delay="0"/>
+                                          </p:stCondLst>
+                                        </p:cTn>
+                                        <p:tgtEl>
+                                          <p:spTgt spid="6"/>
+                                        </p:tgtEl>
+                                        <p:attrNameLst>
+                                          <p:attrName>style.visibility</p:attrName>
+                                        </p:attrNameLst>
+                                      </p:cBhvr>
+                                      <p:to>
+                                        <p:strVal val="visible"/>
+                                      </p:to>
+                                    </p:set>
+                                  </p:childTnLst>
+                                </p:cTn>
+                              </p:par>
+                              <p:par>
+                                <p:cTn id="17" presetID="1" presetClass="entr" presetSubtype="0" fill="hold" grpId="0" nodeType="withEffect">
+                                  <p:stCondLst>
+                                    <p:cond delay="0"/>
+                                  </p:stCondLst>
+                                  <p:childTnLst>
+                                    <p:set>
+                                      <p:cBhvr>
+                                        <p:cTn id="18" dur="1" fill="hold">
+                                          <p:stCondLst>
+                                            <p:cond delay="0"/>
+                                          </p:stCondLst>
+                                        </p:cTn>
+                                        <p:tgtEl>
+                                          <p:spTgt spid="7"/>
+                                        </p:tgtEl>
+                                        <p:attrNameLst>
+                                          <p:attrName>style.visibility</p:attrName>
+                                        </p:attrNameLst>
+                                      </p:cBhvr>
+                                      <p:to>
+                                        <p:strVal val="visible"/>
+                                      </p:to>
+                                    </p:set>
+                                  </p:childTnLst>
+                                </p:cTn>
+                              </p:par>
+                            </p:childTnLst>
+                          </p:cTn>
+                        </p:par>
+                      </p:childTnLst>
+                    </p:cTn>
+                  </p:par>
+                  <p:par>
+                    <p:cTn id="19" fill="hold">
+                      <p:stCondLst>
+                        <p:cond delay="indefinite"/>
+                      </p:stCondLst>
+                      <p:childTnLst>
+                        <p:par>
+                          <p:cTn id="20" fill="hold">
+                            <p:stCondLst>
+                              <p:cond delay="0"/>
+                            </p:stCondLst>
+                            <p:childTnLst>
+                              <p:par>
+                                <p:cTn id="21" presetID="1" presetClass="entr" presetSubtype="0" fill="hold" nodeType="clickEffect">
+                                  <p:stCondLst>
+                                    <p:cond delay="0"/>
+                                  </p:stCondLst>
+                                  <p:childTnLst>
+                                    <p:set>
+                                      <p:cBhvr>
+                                        <p:cTn id="22" dur="1" fill="hold">
+                                          <p:stCondLst>
+                                            <p:cond delay="0"/>
+                                          </p:stCondLst>
+                                        </p:cTn>
+                                        <p:tgtEl>
+                                          <p:spTgt spid="3">
+                                            <p:txEl>
+                                              <p:pRg st="4" end="4"/>
+                                            </p:txEl>
+                                          </p:spTgt>
+                                        </p:tgtEl>
+                                        <p:attrNameLst>
+                                          <p:attrName>style.visibility</p:attrName>
+                                        </p:attrNameLst>
+                                      </p:cBhvr>
+                                      <p:to>
+                                        <p:strVal val="visible"/>
+                                      </p:to>
+                                    </p:set>
+                                  </p:childTnLst>
+                                </p:cTn>
+                              </p:par>
+                              <p:par>
+                                <p:cTn id="23" presetID="1" presetClass="entr" presetSubtype="0" fill="hold" nodeType="withEffect">
+                                  <p:stCondLst>
+                                    <p:cond delay="0"/>
+                                  </p:stCondLst>
+                                  <p:childTnLst>
+                                    <p:set>
+                                      <p:cBhvr>
+                                        <p:cTn id="24" dur="1" fill="hold">
+                                          <p:stCondLst>
+                                            <p:cond delay="0"/>
+                                          </p:stCondLst>
+                                        </p:cTn>
+                                        <p:tgtEl>
+                                          <p:spTgt spid="3">
+                                            <p:txEl>
+                                              <p:pRg st="5" end="5"/>
+                                            </p:txEl>
+                                          </p:spTgt>
+                                        </p:tgtEl>
+                                        <p:attrNameLst>
+                                          <p:attrName>style.visibility</p:attrName>
+                                        </p:attrNameLst>
+                                      </p:cBhvr>
+                                      <p:to>
+                                        <p:strVal val="visible"/>
+                                      </p:to>
+                                    </p:set>
+                                  </p:childTnLst>
+                                </p:cTn>
+                              </p:par>
+                              <p:par>
+                                <p:cTn id="25" presetID="1" presetClass="entr" presetSubtype="0" fill="hold" nodeType="withEffect">
+                                  <p:stCondLst>
+                                    <p:cond delay="0"/>
+                                  </p:stCondLst>
+                                  <p:childTnLst>
+                                    <p:set>
+                                      <p:cBhvr>
+                                        <p:cTn id="26" dur="1" fill="hold">
+                                          <p:stCondLst>
+                                            <p:cond delay="0"/>
+                                          </p:stCondLst>
+                                        </p:cTn>
+                                        <p:tgtEl>
+                                          <p:spTgt spid="3">
+                                            <p:txEl>
+                                              <p:pRg st="6" end="6"/>
+                                            </p:txEl>
+                                          </p:spTgt>
+                                        </p:tgtEl>
+                                        <p:attrNameLst>
+                                          <p:attrName>style.visibility</p:attrName>
+                                        </p:attrNameLst>
+                                      </p:cBhvr>
+                                      <p:to>
+                                        <p:strVal val="visible"/>
+                                      </p:to>
+                                    </p:set>
+                                  </p:childTnLst>
+                                </p:cTn>
+                              </p:par>
+                              <p:par>
+                                <p:cTn id="27" presetID="1" presetClass="entr" presetSubtype="0" fill="hold" nodeType="withEffect">
+                                  <p:stCondLst>
+                                    <p:cond delay="0"/>
+                                  </p:stCondLst>
+                                  <p:childTnLst>
+                                    <p:set>
+                                      <p:cBhvr>
+                                        <p:cTn id="28" dur="1" fill="hold">
+                                          <p:stCondLst>
+                                            <p:cond delay="0"/>
+                                          </p:stCondLst>
+                                        </p:cTn>
+                                        <p:tgtEl>
+                                          <p:spTgt spid="3">
+                                            <p:txEl>
+                                              <p:pRg st="7" end="7"/>
+                                            </p:txEl>
+                                          </p:spTgt>
+                                        </p:tgtEl>
+                                        <p:attrNameLst>
+                                          <p:attrName>style.visibility</p:attrName>
+                                        </p:attrNameLst>
+                                      </p:cBhvr>
+                                      <p:to>
+                                        <p:strVal val="visible"/>
+                                      </p:to>
+                                    </p:set>
+                                  </p:childTnLst>
+                                </p:cTn>
+                              </p:par>
+                            </p:childTnLst>
+                          </p:cTn>
+                        </p:par>
+                      </p:childTnLst>
+                    </p:cTn>
+                  </p:par>
+                  <p:par>
+                    <p:cTn id="29" fill="hold">
+                      <p:stCondLst>
+                        <p:cond delay="indefinite"/>
+                      </p:stCondLst>
+                      <p:childTnLst>
+                        <p:par>
+                          <p:cTn id="30" fill="hold">
+                            <p:stCondLst>
+                              <p:cond delay="0"/>
+                            </p:stCondLst>
+                            <p:childTnLst>
+                              <p:par>
+                                <p:cTn id="31" presetID="1" presetClass="entr" presetSubtype="0" fill="hold" nodeType="clickEffect">
+                                  <p:stCondLst>
+                                    <p:cond delay="0"/>
+                                  </p:stCondLst>
+                                  <p:childTnLst>
+                                    <p:set>
+                                      <p:cBhvr>
+                                        <p:cTn id="32" dur="1" fill="hold">
+                                          <p:stCondLst>
+                                            <p:cond delay="0"/>
+                                          </p:stCondLst>
+                                        </p:cTn>
+                                        <p:tgtEl>
+                                          <p:spTgt spid="10"/>
+                                        </p:tgtEl>
+                                        <p:attrNameLst>
+                                          <p:attrName>style.visibility</p:attrName>
+                                        </p:attrNameLst>
+                                      </p:cBhvr>
+                                      <p:to>
+                                        <p:strVal val="visible"/>
+                                      </p:to>
+                                    </p:set>
+                                  </p:childTnLst>
+                                </p:cTn>
+                              </p:par>
+                              <p:par>
+                                <p:cTn id="33" presetID="1" presetClass="entr" presetSubtype="0" fill="hold" grpId="0" nodeType="withEffect">
+                                  <p:stCondLst>
+                                    <p:cond delay="0"/>
+                                  </p:stCondLst>
+                                  <p:childTnLst>
+                                    <p:set>
+                                      <p:cBhvr>
+                                        <p:cTn id="34" dur="1" fill="hold">
+                                          <p:stCondLst>
+                                            <p:cond delay="0"/>
+                                          </p:stCondLst>
+                                        </p:cTn>
+                                        <p:tgtEl>
+                                          <p:spTgt spid="11"/>
+                                        </p:tgtEl>
+                                        <p:attrNameLst>
+                                          <p:attrName>style.visibility</p:attrName>
+                                        </p:attrNameLst>
+                                      </p:cBhvr>
+                                      <p:to>
+                                        <p:strVal val="visible"/>
+                                      </p:to>
+                                    </p:set>
+                                  </p:childTnLst>
+                                </p:cTn>
+                              </p:par>
+                            </p:childTnLst>
+                          </p:cTn>
+                        </p:par>
+                      </p:childTnLst>
+                    </p:cTn>
+                  </p:par>
+                </p:childTnLst>
+              </p:cTn>
+              <p:prevCondLst>
+                <p:cond evt="onPrev" delay="0">
+                  <p:tgtEl>
+                    <p:sldTgt/>
+                  </p:tgtEl>
+                </p:cond>
+              </p:prevCondLst>
+              <p:nextCondLst>
+                <p:cond evt="onNext" delay="0">
+                  <p:tgtEl>
+                    <p:sldTgt/>
+                  </p:tgtEl>
+                </p:cond>
+              </p:nextCondLst>
+            </p:seq>
+          </p:childTnLst>
+        </p:cTn>
+      </p:par>
+    </p:tnLst>
+    <p:bldLst>
+      <p:bldP spid="6" grpId="0" animBg="1"/>
+      <p:bldP spid="7" grpId="0"/>
+      <p:bldP spid="8" grpId="0" animBg="1"/>
+      <p:bldP spid="11" grpId="0" animBg="1"/>
+      <p:bldP spid="12" grpId="0"/>
+    </p:bldLst>
+  </p:timing>
 </p:sld>
 </file>
 
@@ -14472,6 +19783,497 @@
   <p:clrMapOvr>
     <a:masterClrMapping/>
   </p:clrMapOvr>
+  <p:timing>
+    <p:tnLst>
+      <p:par>
+        <p:cTn id="1" dur="indefinite" restart="never" nodeType="tmRoot">
+          <p:childTnLst>
+            <p:seq concurrent="1" nextAc="seek">
+              <p:cTn id="2" dur="indefinite" nodeType="mainSeq">
+                <p:childTnLst>
+                  <p:par>
+                    <p:cTn id="3" fill="hold">
+                      <p:stCondLst>
+                        <p:cond delay="indefinite"/>
+                      </p:stCondLst>
+                      <p:childTnLst>
+                        <p:par>
+                          <p:cTn id="4" fill="hold">
+                            <p:stCondLst>
+                              <p:cond delay="0"/>
+                            </p:stCondLst>
+                            <p:childTnLst>
+                              <p:par>
+                                <p:cTn id="5" presetID="1" presetClass="entr" presetSubtype="0" fill="hold" grpId="0" nodeType="clickEffect">
+                                  <p:stCondLst>
+                                    <p:cond delay="0"/>
+                                  </p:stCondLst>
+                                  <p:childTnLst>
+                                    <p:set>
+                                      <p:cBhvr>
+                                        <p:cTn id="6" dur="1" fill="hold">
+                                          <p:stCondLst>
+                                            <p:cond delay="0"/>
+                                          </p:stCondLst>
+                                        </p:cTn>
+                                        <p:tgtEl>
+                                          <p:spTgt spid="12"/>
+                                        </p:tgtEl>
+                                        <p:attrNameLst>
+                                          <p:attrName>style.visibility</p:attrName>
+                                        </p:attrNameLst>
+                                      </p:cBhvr>
+                                      <p:to>
+                                        <p:strVal val="visible"/>
+                                      </p:to>
+                                    </p:set>
+                                  </p:childTnLst>
+                                </p:cTn>
+                              </p:par>
+                            </p:childTnLst>
+                          </p:cTn>
+                        </p:par>
+                      </p:childTnLst>
+                    </p:cTn>
+                  </p:par>
+                  <p:par>
+                    <p:cTn id="7" fill="hold">
+                      <p:stCondLst>
+                        <p:cond delay="indefinite"/>
+                      </p:stCondLst>
+                      <p:childTnLst>
+                        <p:par>
+                          <p:cTn id="8" fill="hold">
+                            <p:stCondLst>
+                              <p:cond delay="0"/>
+                            </p:stCondLst>
+                            <p:childTnLst>
+                              <p:par>
+                                <p:cTn id="9" presetID="1" presetClass="entr" presetSubtype="0" fill="hold" nodeType="clickEffect">
+                                  <p:stCondLst>
+                                    <p:cond delay="0"/>
+                                  </p:stCondLst>
+                                  <p:childTnLst>
+                                    <p:set>
+                                      <p:cBhvr>
+                                        <p:cTn id="10" dur="1" fill="hold">
+                                          <p:stCondLst>
+                                            <p:cond delay="0"/>
+                                          </p:stCondLst>
+                                        </p:cTn>
+                                        <p:tgtEl>
+                                          <p:spTgt spid="5"/>
+                                        </p:tgtEl>
+                                        <p:attrNameLst>
+                                          <p:attrName>style.visibility</p:attrName>
+                                        </p:attrNameLst>
+                                      </p:cBhvr>
+                                      <p:to>
+                                        <p:strVal val="visible"/>
+                                      </p:to>
+                                    </p:set>
+                                  </p:childTnLst>
+                                </p:cTn>
+                              </p:par>
+                              <p:par>
+                                <p:cTn id="11" presetID="1" presetClass="entr" presetSubtype="0" fill="hold" grpId="0" nodeType="withEffect">
+                                  <p:stCondLst>
+                                    <p:cond delay="0"/>
+                                  </p:stCondLst>
+                                  <p:childTnLst>
+                                    <p:set>
+                                      <p:cBhvr>
+                                        <p:cTn id="12" dur="1" fill="hold">
+                                          <p:stCondLst>
+                                            <p:cond delay="0"/>
+                                          </p:stCondLst>
+                                        </p:cTn>
+                                        <p:tgtEl>
+                                          <p:spTgt spid="7"/>
+                                        </p:tgtEl>
+                                        <p:attrNameLst>
+                                          <p:attrName>style.visibility</p:attrName>
+                                        </p:attrNameLst>
+                                      </p:cBhvr>
+                                      <p:to>
+                                        <p:strVal val="visible"/>
+                                      </p:to>
+                                    </p:set>
+                                  </p:childTnLst>
+                                </p:cTn>
+                              </p:par>
+                              <p:par>
+                                <p:cTn id="13" presetID="1" presetClass="entr" presetSubtype="0" fill="hold" grpId="0" nodeType="withEffect">
+                                  <p:stCondLst>
+                                    <p:cond delay="0"/>
+                                  </p:stCondLst>
+                                  <p:childTnLst>
+                                    <p:set>
+                                      <p:cBhvr>
+                                        <p:cTn id="14" dur="1" fill="hold">
+                                          <p:stCondLst>
+                                            <p:cond delay="0"/>
+                                          </p:stCondLst>
+                                        </p:cTn>
+                                        <p:tgtEl>
+                                          <p:spTgt spid="6"/>
+                                        </p:tgtEl>
+                                        <p:attrNameLst>
+                                          <p:attrName>style.visibility</p:attrName>
+                                        </p:attrNameLst>
+                                      </p:cBhvr>
+                                      <p:to>
+                                        <p:strVal val="visible"/>
+                                      </p:to>
+                                    </p:set>
+                                  </p:childTnLst>
+                                </p:cTn>
+                              </p:par>
+                              <p:par>
+                                <p:cTn id="15" presetID="1" presetClass="entr" presetSubtype="0" fill="hold" grpId="0" nodeType="withEffect">
+                                  <p:stCondLst>
+                                    <p:cond delay="0"/>
+                                  </p:stCondLst>
+                                  <p:childTnLst>
+                                    <p:set>
+                                      <p:cBhvr>
+                                        <p:cTn id="16" dur="1" fill="hold">
+                                          <p:stCondLst>
+                                            <p:cond delay="0"/>
+                                          </p:stCondLst>
+                                        </p:cTn>
+                                        <p:tgtEl>
+                                          <p:spTgt spid="8"/>
+                                        </p:tgtEl>
+                                        <p:attrNameLst>
+                                          <p:attrName>style.visibility</p:attrName>
+                                        </p:attrNameLst>
+                                      </p:cBhvr>
+                                      <p:to>
+                                        <p:strVal val="visible"/>
+                                      </p:to>
+                                    </p:set>
+                                  </p:childTnLst>
+                                </p:cTn>
+                              </p:par>
+                            </p:childTnLst>
+                          </p:cTn>
+                        </p:par>
+                      </p:childTnLst>
+                    </p:cTn>
+                  </p:par>
+                  <p:par>
+                    <p:cTn id="17" fill="hold">
+                      <p:stCondLst>
+                        <p:cond delay="indefinite"/>
+                      </p:stCondLst>
+                      <p:childTnLst>
+                        <p:par>
+                          <p:cTn id="18" fill="hold">
+                            <p:stCondLst>
+                              <p:cond delay="0"/>
+                            </p:stCondLst>
+                            <p:childTnLst>
+                              <p:par>
+                                <p:cTn id="19" presetID="1" presetClass="entr" presetSubtype="0" fill="hold" grpId="0" nodeType="clickEffect">
+                                  <p:stCondLst>
+                                    <p:cond delay="0"/>
+                                  </p:stCondLst>
+                                  <p:childTnLst>
+                                    <p:set>
+                                      <p:cBhvr>
+                                        <p:cTn id="20" dur="1" fill="hold">
+                                          <p:stCondLst>
+                                            <p:cond delay="0"/>
+                                          </p:stCondLst>
+                                        </p:cTn>
+                                        <p:tgtEl>
+                                          <p:spTgt spid="13"/>
+                                        </p:tgtEl>
+                                        <p:attrNameLst>
+                                          <p:attrName>style.visibility</p:attrName>
+                                        </p:attrNameLst>
+                                      </p:cBhvr>
+                                      <p:to>
+                                        <p:strVal val="visible"/>
+                                      </p:to>
+                                    </p:set>
+                                  </p:childTnLst>
+                                </p:cTn>
+                              </p:par>
+                            </p:childTnLst>
+                          </p:cTn>
+                        </p:par>
+                      </p:childTnLst>
+                    </p:cTn>
+                  </p:par>
+                  <p:par>
+                    <p:cTn id="21" fill="hold">
+                      <p:stCondLst>
+                        <p:cond delay="indefinite"/>
+                      </p:stCondLst>
+                      <p:childTnLst>
+                        <p:par>
+                          <p:cTn id="22" fill="hold">
+                            <p:stCondLst>
+                              <p:cond delay="0"/>
+                            </p:stCondLst>
+                            <p:childTnLst>
+                              <p:par>
+                                <p:cTn id="23" presetID="1" presetClass="entr" presetSubtype="0" fill="hold" grpId="0" nodeType="clickEffect">
+                                  <p:stCondLst>
+                                    <p:cond delay="0"/>
+                                  </p:stCondLst>
+                                  <p:childTnLst>
+                                    <p:set>
+                                      <p:cBhvr>
+                                        <p:cTn id="24" dur="1" fill="hold">
+                                          <p:stCondLst>
+                                            <p:cond delay="0"/>
+                                          </p:stCondLst>
+                                        </p:cTn>
+                                        <p:tgtEl>
+                                          <p:spTgt spid="11"/>
+                                        </p:tgtEl>
+                                        <p:attrNameLst>
+                                          <p:attrName>style.visibility</p:attrName>
+                                        </p:attrNameLst>
+                                      </p:cBhvr>
+                                      <p:to>
+                                        <p:strVal val="visible"/>
+                                      </p:to>
+                                    </p:set>
+                                  </p:childTnLst>
+                                </p:cTn>
+                              </p:par>
+                              <p:par>
+                                <p:cTn id="25" presetID="1" presetClass="entr" presetSubtype="0" fill="hold" nodeType="withEffect">
+                                  <p:stCondLst>
+                                    <p:cond delay="0"/>
+                                  </p:stCondLst>
+                                  <p:childTnLst>
+                                    <p:set>
+                                      <p:cBhvr>
+                                        <p:cTn id="26" dur="1" fill="hold">
+                                          <p:stCondLst>
+                                            <p:cond delay="0"/>
+                                          </p:stCondLst>
+                                        </p:cTn>
+                                        <p:tgtEl>
+                                          <p:spTgt spid="10"/>
+                                        </p:tgtEl>
+                                        <p:attrNameLst>
+                                          <p:attrName>style.visibility</p:attrName>
+                                        </p:attrNameLst>
+                                      </p:cBhvr>
+                                      <p:to>
+                                        <p:strVal val="visible"/>
+                                      </p:to>
+                                    </p:set>
+                                  </p:childTnLst>
+                                </p:cTn>
+                              </p:par>
+                            </p:childTnLst>
+                          </p:cTn>
+                        </p:par>
+                      </p:childTnLst>
+                    </p:cTn>
+                  </p:par>
+                  <p:par>
+                    <p:cTn id="27" fill="hold">
+                      <p:stCondLst>
+                        <p:cond delay="indefinite"/>
+                      </p:stCondLst>
+                      <p:childTnLst>
+                        <p:par>
+                          <p:cTn id="28" fill="hold">
+                            <p:stCondLst>
+                              <p:cond delay="0"/>
+                            </p:stCondLst>
+                            <p:childTnLst>
+                              <p:par>
+                                <p:cTn id="29" presetID="1" presetClass="entr" presetSubtype="0" fill="hold" nodeType="clickEffect">
+                                  <p:stCondLst>
+                                    <p:cond delay="0"/>
+                                  </p:stCondLst>
+                                  <p:childTnLst>
+                                    <p:set>
+                                      <p:cBhvr>
+                                        <p:cTn id="30" dur="1" fill="hold">
+                                          <p:stCondLst>
+                                            <p:cond delay="0"/>
+                                          </p:stCondLst>
+                                        </p:cTn>
+                                        <p:tgtEl>
+                                          <p:spTgt spid="18"/>
+                                        </p:tgtEl>
+                                        <p:attrNameLst>
+                                          <p:attrName>style.visibility</p:attrName>
+                                        </p:attrNameLst>
+                                      </p:cBhvr>
+                                      <p:to>
+                                        <p:strVal val="visible"/>
+                                      </p:to>
+                                    </p:set>
+                                  </p:childTnLst>
+                                </p:cTn>
+                              </p:par>
+                              <p:par>
+                                <p:cTn id="31" presetID="1" presetClass="entr" presetSubtype="0" fill="hold" grpId="0" nodeType="withEffect">
+                                  <p:stCondLst>
+                                    <p:cond delay="0"/>
+                                  </p:stCondLst>
+                                  <p:childTnLst>
+                                    <p:set>
+                                      <p:cBhvr>
+                                        <p:cTn id="32" dur="1" fill="hold">
+                                          <p:stCondLst>
+                                            <p:cond delay="0"/>
+                                          </p:stCondLst>
+                                        </p:cTn>
+                                        <p:tgtEl>
+                                          <p:spTgt spid="17"/>
+                                        </p:tgtEl>
+                                        <p:attrNameLst>
+                                          <p:attrName>style.visibility</p:attrName>
+                                        </p:attrNameLst>
+                                      </p:cBhvr>
+                                      <p:to>
+                                        <p:strVal val="visible"/>
+                                      </p:to>
+                                    </p:set>
+                                  </p:childTnLst>
+                                </p:cTn>
+                              </p:par>
+                            </p:childTnLst>
+                          </p:cTn>
+                        </p:par>
+                      </p:childTnLst>
+                    </p:cTn>
+                  </p:par>
+                  <p:par>
+                    <p:cTn id="33" fill="hold">
+                      <p:stCondLst>
+                        <p:cond delay="indefinite"/>
+                      </p:stCondLst>
+                      <p:childTnLst>
+                        <p:par>
+                          <p:cTn id="34" fill="hold">
+                            <p:stCondLst>
+                              <p:cond delay="0"/>
+                            </p:stCondLst>
+                            <p:childTnLst>
+                              <p:par>
+                                <p:cTn id="35" presetID="1" presetClass="entr" presetSubtype="0" fill="hold" grpId="0" nodeType="clickEffect">
+                                  <p:stCondLst>
+                                    <p:cond delay="0"/>
+                                  </p:stCondLst>
+                                  <p:childTnLst>
+                                    <p:set>
+                                      <p:cBhvr>
+                                        <p:cTn id="36" dur="1" fill="hold">
+                                          <p:stCondLst>
+                                            <p:cond delay="0"/>
+                                          </p:stCondLst>
+                                        </p:cTn>
+                                        <p:tgtEl>
+                                          <p:spTgt spid="20"/>
+                                        </p:tgtEl>
+                                        <p:attrNameLst>
+                                          <p:attrName>style.visibility</p:attrName>
+                                        </p:attrNameLst>
+                                      </p:cBhvr>
+                                      <p:to>
+                                        <p:strVal val="visible"/>
+                                      </p:to>
+                                    </p:set>
+                                  </p:childTnLst>
+                                </p:cTn>
+                              </p:par>
+                            </p:childTnLst>
+                          </p:cTn>
+                        </p:par>
+                      </p:childTnLst>
+                    </p:cTn>
+                  </p:par>
+                  <p:par>
+                    <p:cTn id="37" fill="hold">
+                      <p:stCondLst>
+                        <p:cond delay="indefinite"/>
+                      </p:stCondLst>
+                      <p:childTnLst>
+                        <p:par>
+                          <p:cTn id="38" fill="hold">
+                            <p:stCondLst>
+                              <p:cond delay="0"/>
+                            </p:stCondLst>
+                            <p:childTnLst>
+                              <p:par>
+                                <p:cTn id="39" presetID="1" presetClass="entr" presetSubtype="0" fill="hold" grpId="0" nodeType="clickEffect">
+                                  <p:stCondLst>
+                                    <p:cond delay="0"/>
+                                  </p:stCondLst>
+                                  <p:childTnLst>
+                                    <p:set>
+                                      <p:cBhvr>
+                                        <p:cTn id="40" dur="1" fill="hold">
+                                          <p:stCondLst>
+                                            <p:cond delay="0"/>
+                                          </p:stCondLst>
+                                        </p:cTn>
+                                        <p:tgtEl>
+                                          <p:spTgt spid="22"/>
+                                        </p:tgtEl>
+                                        <p:attrNameLst>
+                                          <p:attrName>style.visibility</p:attrName>
+                                        </p:attrNameLst>
+                                      </p:cBhvr>
+                                      <p:to>
+                                        <p:strVal val="visible"/>
+                                      </p:to>
+                                    </p:set>
+                                  </p:childTnLst>
+                                </p:cTn>
+                              </p:par>
+                            </p:childTnLst>
+                          </p:cTn>
+                        </p:par>
+                      </p:childTnLst>
+                    </p:cTn>
+                  </p:par>
+                </p:childTnLst>
+              </p:cTn>
+              <p:prevCondLst>
+                <p:cond evt="onPrev" delay="0">
+                  <p:tgtEl>
+                    <p:sldTgt/>
+                  </p:tgtEl>
+                </p:cond>
+              </p:prevCondLst>
+              <p:nextCondLst>
+                <p:cond evt="onNext" delay="0">
+                  <p:tgtEl>
+                    <p:sldTgt/>
+                  </p:tgtEl>
+                </p:cond>
+              </p:nextCondLst>
+            </p:seq>
+          </p:childTnLst>
+        </p:cTn>
+      </p:par>
+    </p:tnLst>
+    <p:bldLst>
+      <p:bldP spid="6" grpId="0" animBg="1"/>
+      <p:bldP spid="7" grpId="0"/>
+      <p:bldP spid="8" grpId="0" animBg="1"/>
+      <p:bldP spid="11" grpId="0" animBg="1"/>
+      <p:bldP spid="12" grpId="0" animBg="1"/>
+      <p:bldP spid="13" grpId="0" animBg="1"/>
+      <p:bldP spid="17" grpId="0" animBg="1"/>
+      <p:bldP spid="20" grpId="0" animBg="1"/>
+      <p:bldP spid="22" grpId="0" animBg="1"/>
+    </p:bldLst>
+  </p:timing>
 </p:sld>
 </file>
 
@@ -15523,6 +21325,222 @@
                                           </p:stCondLst>
                                         </p:cTn>
                                         <p:tgtEl>
+                                          <p:spTgt spid="13"/>
+                                        </p:tgtEl>
+                                        <p:attrNameLst>
+                                          <p:attrName>style.visibility</p:attrName>
+                                        </p:attrNameLst>
+                                      </p:cBhvr>
+                                      <p:to>
+                                        <p:strVal val="visible"/>
+                                      </p:to>
+                                    </p:set>
+                                  </p:childTnLst>
+                                </p:cTn>
+                              </p:par>
+                              <p:par>
+                                <p:cTn id="7" presetID="1" presetClass="entr" presetSubtype="0" fill="hold" grpId="0" nodeType="withEffect">
+                                  <p:stCondLst>
+                                    <p:cond delay="0"/>
+                                  </p:stCondLst>
+                                  <p:childTnLst>
+                                    <p:set>
+                                      <p:cBhvr>
+                                        <p:cTn id="8" dur="1" fill="hold">
+                                          <p:stCondLst>
+                                            <p:cond delay="0"/>
+                                          </p:stCondLst>
+                                        </p:cTn>
+                                        <p:tgtEl>
+                                          <p:spTgt spid="8"/>
+                                        </p:tgtEl>
+                                        <p:attrNameLst>
+                                          <p:attrName>style.visibility</p:attrName>
+                                        </p:attrNameLst>
+                                      </p:cBhvr>
+                                      <p:to>
+                                        <p:strVal val="visible"/>
+                                      </p:to>
+                                    </p:set>
+                                  </p:childTnLst>
+                                </p:cTn>
+                              </p:par>
+                            </p:childTnLst>
+                          </p:cTn>
+                        </p:par>
+                      </p:childTnLst>
+                    </p:cTn>
+                  </p:par>
+                  <p:par>
+                    <p:cTn id="9" fill="hold">
+                      <p:stCondLst>
+                        <p:cond delay="indefinite"/>
+                      </p:stCondLst>
+                      <p:childTnLst>
+                        <p:par>
+                          <p:cTn id="10" fill="hold">
+                            <p:stCondLst>
+                              <p:cond delay="0"/>
+                            </p:stCondLst>
+                            <p:childTnLst>
+                              <p:par>
+                                <p:cTn id="11" presetID="1" presetClass="entr" presetSubtype="0" fill="hold" nodeType="clickEffect">
+                                  <p:stCondLst>
+                                    <p:cond delay="0"/>
+                                  </p:stCondLst>
+                                  <p:childTnLst>
+                                    <p:set>
+                                      <p:cBhvr>
+                                        <p:cTn id="12" dur="1" fill="hold">
+                                          <p:stCondLst>
+                                            <p:cond delay="0"/>
+                                          </p:stCondLst>
+                                        </p:cTn>
+                                        <p:tgtEl>
+                                          <p:spTgt spid="12"/>
+                                        </p:tgtEl>
+                                        <p:attrNameLst>
+                                          <p:attrName>style.visibility</p:attrName>
+                                        </p:attrNameLst>
+                                      </p:cBhvr>
+                                      <p:to>
+                                        <p:strVal val="visible"/>
+                                      </p:to>
+                                    </p:set>
+                                  </p:childTnLst>
+                                </p:cTn>
+                              </p:par>
+                              <p:par>
+                                <p:cTn id="13" presetID="1" presetClass="entr" presetSubtype="0" fill="hold" grpId="0" nodeType="withEffect">
+                                  <p:stCondLst>
+                                    <p:cond delay="0"/>
+                                  </p:stCondLst>
+                                  <p:childTnLst>
+                                    <p:set>
+                                      <p:cBhvr>
+                                        <p:cTn id="14" dur="1" fill="hold">
+                                          <p:stCondLst>
+                                            <p:cond delay="0"/>
+                                          </p:stCondLst>
+                                        </p:cTn>
+                                        <p:tgtEl>
+                                          <p:spTgt spid="7"/>
+                                        </p:tgtEl>
+                                        <p:attrNameLst>
+                                          <p:attrName>style.visibility</p:attrName>
+                                        </p:attrNameLst>
+                                      </p:cBhvr>
+                                      <p:to>
+                                        <p:strVal val="visible"/>
+                                      </p:to>
+                                    </p:set>
+                                  </p:childTnLst>
+                                </p:cTn>
+                              </p:par>
+                            </p:childTnLst>
+                          </p:cTn>
+                        </p:par>
+                      </p:childTnLst>
+                    </p:cTn>
+                  </p:par>
+                  <p:par>
+                    <p:cTn id="15" fill="hold">
+                      <p:stCondLst>
+                        <p:cond delay="indefinite"/>
+                      </p:stCondLst>
+                      <p:childTnLst>
+                        <p:par>
+                          <p:cTn id="16" fill="hold">
+                            <p:stCondLst>
+                              <p:cond delay="0"/>
+                            </p:stCondLst>
+                            <p:childTnLst>
+                              <p:par>
+                                <p:cTn id="17" presetID="1" presetClass="entr" presetSubtype="0" fill="hold" nodeType="clickEffect">
+                                  <p:stCondLst>
+                                    <p:cond delay="0"/>
+                                  </p:stCondLst>
+                                  <p:childTnLst>
+                                    <p:set>
+                                      <p:cBhvr>
+                                        <p:cTn id="18" dur="1" fill="hold">
+                                          <p:stCondLst>
+                                            <p:cond delay="0"/>
+                                          </p:stCondLst>
+                                        </p:cTn>
+                                        <p:tgtEl>
+                                          <p:spTgt spid="15"/>
+                                        </p:tgtEl>
+                                        <p:attrNameLst>
+                                          <p:attrName>style.visibility</p:attrName>
+                                        </p:attrNameLst>
+                                      </p:cBhvr>
+                                      <p:to>
+                                        <p:strVal val="visible"/>
+                                      </p:to>
+                                    </p:set>
+                                  </p:childTnLst>
+                                </p:cTn>
+                              </p:par>
+                              <p:par>
+                                <p:cTn id="19" presetID="1" presetClass="entr" presetSubtype="0" fill="hold" grpId="0" nodeType="withEffect">
+                                  <p:stCondLst>
+                                    <p:cond delay="0"/>
+                                  </p:stCondLst>
+                                  <p:childTnLst>
+                                    <p:set>
+                                      <p:cBhvr>
+                                        <p:cTn id="20" dur="1" fill="hold">
+                                          <p:stCondLst>
+                                            <p:cond delay="0"/>
+                                          </p:stCondLst>
+                                        </p:cTn>
+                                        <p:tgtEl>
+                                          <p:spTgt spid="14"/>
+                                        </p:tgtEl>
+                                        <p:attrNameLst>
+                                          <p:attrName>style.visibility</p:attrName>
+                                        </p:attrNameLst>
+                                      </p:cBhvr>
+                                      <p:to>
+                                        <p:strVal val="visible"/>
+                                      </p:to>
+                                    </p:set>
+                                  </p:childTnLst>
+                                </p:cTn>
+                              </p:par>
+                            </p:childTnLst>
+                          </p:cTn>
+                        </p:par>
+                      </p:childTnLst>
+                    </p:cTn>
+                  </p:par>
+                  <p:par>
+                    <p:cTn id="21" fill="hold">
+                      <p:stCondLst>
+                        <p:cond delay="indefinite"/>
+                      </p:stCondLst>
+                      <p:childTnLst>
+                        <p:par>
+                          <p:cTn id="22" fill="hold">
+                            <p:stCondLst>
+                              <p:cond delay="0"/>
+                            </p:stCondLst>
+                            <p:childTnLst>
+                              <p:par>
+                                <p:cTn id="23" presetID="1" presetClass="entr" presetSubtype="0" fill="hold" grpId="0" nodeType="clickEffect">
+                                  <p:stCondLst>
+                                    <p:cond delay="0"/>
+                                  </p:stCondLst>
+                                  <p:childTnLst>
+                                    <p:set>
+                                      <p:cBhvr>
+                                        <p:cTn id="24" dur="1" fill="hold">
+                                          <p:stCondLst>
+                                            <p:cond delay="0"/>
+                                          </p:stCondLst>
+                                        </p:cTn>
+                                        <p:tgtEl>
                                           <p:spTgt spid="16"/>
                                         </p:tgtEl>
                                         <p:attrNameLst>
@@ -15537,14 +21555,14 @@
                                 </p:cTn>
                               </p:par>
                               <p:par>
-                                <p:cTn id="7" presetID="1" presetClass="entr" presetSubtype="0" fill="hold" nodeType="withEffect">
+                                <p:cTn id="25" presetID="1" presetClass="entr" presetSubtype="0" fill="hold" nodeType="withEffect">
                                   <p:stCondLst>
                                     <p:cond delay="0"/>
                                   </p:stCondLst>
                                   <p:childTnLst>
                                     <p:set>
                                       <p:cBhvr>
-                                        <p:cTn id="8" dur="1" fill="hold">
+                                        <p:cTn id="26" dur="1" fill="hold">
                                           <p:stCondLst>
                                             <p:cond delay="0"/>
                                           </p:stCondLst>
@@ -15564,14 +21582,14 @@
                                 </p:cTn>
                               </p:par>
                               <p:par>
-                                <p:cTn id="9" presetID="1" presetClass="entr" presetSubtype="0" fill="hold" grpId="0" nodeType="withEffect">
+                                <p:cTn id="27" presetID="1" presetClass="entr" presetSubtype="0" fill="hold" grpId="0" nodeType="withEffect">
                                   <p:stCondLst>
                                     <p:cond delay="0"/>
                                   </p:stCondLst>
                                   <p:childTnLst>
                                     <p:set>
                                       <p:cBhvr>
-                                        <p:cTn id="10" dur="1" fill="hold">
+                                        <p:cTn id="28" dur="1" fill="hold">
                                           <p:stCondLst>
                                             <p:cond delay="0"/>
                                           </p:stCondLst>
@@ -15591,14 +21609,14 @@
                                 </p:cTn>
                               </p:par>
                               <p:par>
-                                <p:cTn id="11" presetID="1" presetClass="entr" presetSubtype="0" fill="hold" grpId="0" nodeType="withEffect">
+                                <p:cTn id="29" presetID="1" presetClass="entr" presetSubtype="0" fill="hold" grpId="0" nodeType="withEffect">
                                   <p:stCondLst>
                                     <p:cond delay="0"/>
                                   </p:stCondLst>
                                   <p:childTnLst>
                                     <p:set>
                                       <p:cBhvr>
-                                        <p:cTn id="12" dur="1" fill="hold">
+                                        <p:cTn id="30" dur="1" fill="hold">
                                           <p:stCondLst>
                                             <p:cond delay="0"/>
                                           </p:stCondLst>
@@ -15618,20 +21636,150 @@
                                 </p:cTn>
                               </p:par>
                               <p:par>
-                                <p:cTn id="13" presetID="1" presetClass="entr" presetSubtype="0" fill="hold" nodeType="withEffect">
+                                <p:cTn id="31" presetID="1" presetClass="entr" presetSubtype="0" fill="hold" nodeType="withEffect">
                                   <p:stCondLst>
                                     <p:cond delay="0"/>
                                   </p:stCondLst>
                                   <p:childTnLst>
                                     <p:set>
                                       <p:cBhvr>
-                                        <p:cTn id="14" dur="1" fill="hold">
+                                        <p:cTn id="32" dur="1" fill="hold">
                                           <p:stCondLst>
                                             <p:cond delay="0"/>
                                           </p:stCondLst>
                                         </p:cTn>
                                         <p:tgtEl>
                                           <p:spTgt spid="20"/>
+                                        </p:tgtEl>
+                                        <p:attrNameLst>
+                                          <p:attrName>style.visibility</p:attrName>
+                                        </p:attrNameLst>
+                                      </p:cBhvr>
+                                      <p:to>
+                                        <p:strVal val="visible"/>
+                                      </p:to>
+                                    </p:set>
+                                  </p:childTnLst>
+                                </p:cTn>
+                              </p:par>
+                              <p:par>
+                                <p:cTn id="33" presetID="1" presetClass="entr" presetSubtype="0" fill="hold" grpId="0" nodeType="withEffect">
+                                  <p:stCondLst>
+                                    <p:cond delay="0"/>
+                                  </p:stCondLst>
+                                  <p:childTnLst>
+                                    <p:set>
+                                      <p:cBhvr>
+                                        <p:cTn id="34" dur="1" fill="hold">
+                                          <p:stCondLst>
+                                            <p:cond delay="0"/>
+                                          </p:stCondLst>
+                                        </p:cTn>
+                                        <p:tgtEl>
+                                          <p:spTgt spid="10"/>
+                                        </p:tgtEl>
+                                        <p:attrNameLst>
+                                          <p:attrName>style.visibility</p:attrName>
+                                        </p:attrNameLst>
+                                      </p:cBhvr>
+                                      <p:to>
+                                        <p:strVal val="visible"/>
+                                      </p:to>
+                                    </p:set>
+                                  </p:childTnLst>
+                                </p:cTn>
+                              </p:par>
+                              <p:par>
+                                <p:cTn id="35" presetID="1" presetClass="entr" presetSubtype="0" fill="hold" grpId="0" nodeType="withEffect">
+                                  <p:stCondLst>
+                                    <p:cond delay="0"/>
+                                  </p:stCondLst>
+                                  <p:childTnLst>
+                                    <p:set>
+                                      <p:cBhvr>
+                                        <p:cTn id="36" dur="1" fill="hold">
+                                          <p:stCondLst>
+                                            <p:cond delay="0"/>
+                                          </p:stCondLst>
+                                        </p:cTn>
+                                        <p:tgtEl>
+                                          <p:spTgt spid="22"/>
+                                        </p:tgtEl>
+                                        <p:attrNameLst>
+                                          <p:attrName>style.visibility</p:attrName>
+                                        </p:attrNameLst>
+                                      </p:cBhvr>
+                                      <p:to>
+                                        <p:strVal val="visible"/>
+                                      </p:to>
+                                    </p:set>
+                                  </p:childTnLst>
+                                </p:cTn>
+                              </p:par>
+                              <p:par>
+                                <p:cTn id="37" presetID="1" presetClass="entr" presetSubtype="0" fill="hold" grpId="0" nodeType="withEffect">
+                                  <p:stCondLst>
+                                    <p:cond delay="0"/>
+                                  </p:stCondLst>
+                                  <p:childTnLst>
+                                    <p:set>
+                                      <p:cBhvr>
+                                        <p:cTn id="38" dur="1" fill="hold">
+                                          <p:stCondLst>
+                                            <p:cond delay="0"/>
+                                          </p:stCondLst>
+                                        </p:cTn>
+                                        <p:tgtEl>
+                                          <p:spTgt spid="23"/>
+                                        </p:tgtEl>
+                                        <p:attrNameLst>
+                                          <p:attrName>style.visibility</p:attrName>
+                                        </p:attrNameLst>
+                                      </p:cBhvr>
+                                      <p:to>
+                                        <p:strVal val="visible"/>
+                                      </p:to>
+                                    </p:set>
+                                  </p:childTnLst>
+                                </p:cTn>
+                              </p:par>
+                            </p:childTnLst>
+                          </p:cTn>
+                        </p:par>
+                      </p:childTnLst>
+                    </p:cTn>
+                  </p:par>
+                  <p:par>
+                    <p:cTn id="39" fill="hold">
+                      <p:stCondLst>
+                        <p:cond delay="indefinite"/>
+                      </p:stCondLst>
+                      <p:childTnLst>
+                        <p:par>
+                          <p:cTn id="40" fill="hold">
+                            <p:stCondLst>
+                              <p:cond delay="0"/>
+                            </p:stCondLst>
+                            <p:childTnLst>
+                              <p:par>
+                                <p:cTn id="41" presetID="1" presetClass="entr" presetSubtype="0" fill="hold" nodeType="clickEffect">
+                                  <p:stCondLst>
+                                    <p:cond delay="0"/>
+                                  </p:stCondLst>
+                                  <p:childTnLst>
+                                    <p:set>
+                                      <p:cBhvr>
+                                        <p:cTn id="42" dur="1" fill="hold">
+                                          <p:stCondLst>
+                                            <p:cond delay="0"/>
+                                          </p:stCondLst>
+                                        </p:cTn>
+                                        <p:tgtEl>
+                                          <p:spTgt spid="3">
+                                            <p:txEl>
+                                              <p:pRg st="3" end="3"/>
+                                            </p:txEl>
+                                          </p:spTgt>
                                         </p:tgtEl>
                                         <p:attrNameLst>
                                           <p:attrName>style.visibility</p:attrName>
@@ -15672,9 +21820,16 @@
       </p:par>
     </p:tnLst>
     <p:bldLst>
+      <p:bldP spid="7" grpId="0"/>
+      <p:bldP spid="8" grpId="0" animBg="1"/>
+      <p:bldP spid="13" grpId="0"/>
+      <p:bldP spid="14" grpId="0"/>
       <p:bldP spid="16" grpId="0" animBg="1"/>
       <p:bldP spid="18" grpId="0" animBg="1"/>
       <p:bldP spid="19" grpId="0" animBg="1"/>
+      <p:bldP spid="10" grpId="0"/>
+      <p:bldP spid="22" grpId="0"/>
+      <p:bldP spid="23" grpId="0"/>
     </p:bldLst>
   </p:timing>
 </p:sld>

--- a/docs/slides/PSYC753_L7_PrePostData.pptx
+++ b/docs/slides/PSYC753_L7_PrePostData.pptx
@@ -241,7 +241,7 @@
           <a:p>
             <a:fld id="{39F2F66B-899D-484E-9C99-E1DBE23F9DE9}" type="datetimeFigureOut">
               <a:rPr lang="en-GB" smtClean="0"/>
-              <a:t>02/03/2022</a:t>
+              <a:t>06/03/2022</a:t>
             </a:fld>
             <a:endParaRPr lang="en-GB"/>
           </a:p>
@@ -407,7 +407,7 @@
             <a:fld id="{2C09A945-60CF-41CC-BF14-DA645D9ABE0F}" type="datetimeFigureOut">
               <a:rPr lang="en-GB" smtClean="0"/>
               <a:pPr/>
-              <a:t>02/03/2022</a:t>
+              <a:t>06/03/2022</a:t>
             </a:fld>
             <a:endParaRPr lang="en-GB"/>
           </a:p>
@@ -825,6 +825,535 @@
           <a:bodyPr/>
           <a:lstStyle/>
           <a:p>
+            <a:pPr lvl="0"/>
+            <a:endParaRPr lang="en-GB" dirty="0"/>
+          </a:p>
+        </p:txBody>
+      </p:sp>
+      <p:sp>
+        <p:nvSpPr>
+          <p:cNvPr id="4" name="Slide Number Placeholder 3"/>
+          <p:cNvSpPr>
+            <a:spLocks noGrp="1"/>
+          </p:cNvSpPr>
+          <p:nvPr>
+            <p:ph type="sldNum" sz="quarter" idx="10"/>
+          </p:nvPr>
+        </p:nvSpPr>
+        <p:spPr/>
+        <p:txBody>
+          <a:bodyPr/>
+          <a:lstStyle/>
+          <a:p>
+            <a:fld id="{46EF6F6D-23AC-402A-8000-0A495137CF31}" type="slidenum">
+              <a:rPr lang="en-GB" smtClean="0"/>
+              <a:pPr/>
+              <a:t>10</a:t>
+            </a:fld>
+            <a:endParaRPr lang="en-GB"/>
+          </a:p>
+        </p:txBody>
+      </p:sp>
+    </p:spTree>
+    <p:extLst>
+      <p:ext uri="{BB962C8B-B14F-4D97-AF65-F5344CB8AC3E}">
+        <p14:creationId xmlns:p14="http://schemas.microsoft.com/office/powerpoint/2010/main" val="4176448684"/>
+      </p:ext>
+    </p:extLst>
+  </p:cSld>
+  <p:clrMapOvr>
+    <a:masterClrMapping/>
+  </p:clrMapOvr>
+</p:notes>
+</file>
+
+<file path=ppt/notesSlides/notesSlide11.xml><?xml version="1.0" encoding="utf-8"?>
+<p:notes xmlns:a="http://schemas.openxmlformats.org/drawingml/2006/main" xmlns:r="http://schemas.openxmlformats.org/officeDocument/2006/relationships" xmlns:p="http://schemas.openxmlformats.org/presentationml/2006/main">
+  <p:cSld>
+    <p:spTree>
+      <p:nvGrpSpPr>
+        <p:cNvPr id="1" name=""/>
+        <p:cNvGrpSpPr/>
+        <p:nvPr/>
+      </p:nvGrpSpPr>
+      <p:grpSpPr>
+        <a:xfrm>
+          <a:off x="0" y="0"/>
+          <a:ext cx="0" cy="0"/>
+          <a:chOff x="0" y="0"/>
+          <a:chExt cx="0" cy="0"/>
+        </a:xfrm>
+      </p:grpSpPr>
+      <p:sp>
+        <p:nvSpPr>
+          <p:cNvPr id="2" name="Slide Image Placeholder 1"/>
+          <p:cNvSpPr>
+            <a:spLocks noGrp="1" noRot="1" noChangeAspect="1"/>
+          </p:cNvSpPr>
+          <p:nvPr>
+            <p:ph type="sldImg"/>
+          </p:nvPr>
+        </p:nvSpPr>
+        <p:spPr/>
+      </p:sp>
+      <p:sp>
+        <p:nvSpPr>
+          <p:cNvPr id="3" name="Notes Placeholder 2"/>
+          <p:cNvSpPr>
+            <a:spLocks noGrp="1"/>
+          </p:cNvSpPr>
+          <p:nvPr>
+            <p:ph type="body" idx="1"/>
+          </p:nvPr>
+        </p:nvSpPr>
+        <p:spPr/>
+        <p:txBody>
+          <a:bodyPr/>
+          <a:lstStyle/>
+          <a:p>
+            <a:endParaRPr lang="en-GB" dirty="0"/>
+          </a:p>
+        </p:txBody>
+      </p:sp>
+      <p:sp>
+        <p:nvSpPr>
+          <p:cNvPr id="4" name="Slide Number Placeholder 3"/>
+          <p:cNvSpPr>
+            <a:spLocks noGrp="1"/>
+          </p:cNvSpPr>
+          <p:nvPr>
+            <p:ph type="sldNum" sz="quarter" idx="10"/>
+          </p:nvPr>
+        </p:nvSpPr>
+        <p:spPr/>
+        <p:txBody>
+          <a:bodyPr/>
+          <a:lstStyle/>
+          <a:p>
+            <a:fld id="{46EF6F6D-23AC-402A-8000-0A495137CF31}" type="slidenum">
+              <a:rPr lang="en-GB" smtClean="0"/>
+              <a:pPr/>
+              <a:t>11</a:t>
+            </a:fld>
+            <a:endParaRPr lang="en-GB"/>
+          </a:p>
+        </p:txBody>
+      </p:sp>
+    </p:spTree>
+    <p:extLst>
+      <p:ext uri="{BB962C8B-B14F-4D97-AF65-F5344CB8AC3E}">
+        <p14:creationId xmlns:p14="http://schemas.microsoft.com/office/powerpoint/2010/main" val="3699469405"/>
+      </p:ext>
+    </p:extLst>
+  </p:cSld>
+  <p:clrMapOvr>
+    <a:masterClrMapping/>
+  </p:clrMapOvr>
+</p:notes>
+</file>
+
+<file path=ppt/notesSlides/notesSlide12.xml><?xml version="1.0" encoding="utf-8"?>
+<p:notes xmlns:a="http://schemas.openxmlformats.org/drawingml/2006/main" xmlns:r="http://schemas.openxmlformats.org/officeDocument/2006/relationships" xmlns:p="http://schemas.openxmlformats.org/presentationml/2006/main">
+  <p:cSld>
+    <p:spTree>
+      <p:nvGrpSpPr>
+        <p:cNvPr id="1" name=""/>
+        <p:cNvGrpSpPr/>
+        <p:nvPr/>
+      </p:nvGrpSpPr>
+      <p:grpSpPr>
+        <a:xfrm>
+          <a:off x="0" y="0"/>
+          <a:ext cx="0" cy="0"/>
+          <a:chOff x="0" y="0"/>
+          <a:chExt cx="0" cy="0"/>
+        </a:xfrm>
+      </p:grpSpPr>
+      <p:sp>
+        <p:nvSpPr>
+          <p:cNvPr id="2" name="Slide Image Placeholder 1"/>
+          <p:cNvSpPr>
+            <a:spLocks noGrp="1" noRot="1" noChangeAspect="1"/>
+          </p:cNvSpPr>
+          <p:nvPr>
+            <p:ph type="sldImg"/>
+          </p:nvPr>
+        </p:nvSpPr>
+        <p:spPr/>
+      </p:sp>
+      <p:sp>
+        <p:nvSpPr>
+          <p:cNvPr id="3" name="Notes Placeholder 2"/>
+          <p:cNvSpPr>
+            <a:spLocks noGrp="1"/>
+          </p:cNvSpPr>
+          <p:nvPr>
+            <p:ph type="body" idx="1"/>
+          </p:nvPr>
+        </p:nvSpPr>
+        <p:spPr/>
+        <p:txBody>
+          <a:bodyPr/>
+          <a:lstStyle/>
+          <a:p>
+            <a:pPr lvl="0"/>
+            <a:endParaRPr lang="en-GB" dirty="0"/>
+          </a:p>
+        </p:txBody>
+      </p:sp>
+      <p:sp>
+        <p:nvSpPr>
+          <p:cNvPr id="4" name="Slide Number Placeholder 3"/>
+          <p:cNvSpPr>
+            <a:spLocks noGrp="1"/>
+          </p:cNvSpPr>
+          <p:nvPr>
+            <p:ph type="sldNum" sz="quarter" idx="10"/>
+          </p:nvPr>
+        </p:nvSpPr>
+        <p:spPr/>
+        <p:txBody>
+          <a:bodyPr/>
+          <a:lstStyle/>
+          <a:p>
+            <a:fld id="{46EF6F6D-23AC-402A-8000-0A495137CF31}" type="slidenum">
+              <a:rPr lang="en-GB" smtClean="0"/>
+              <a:pPr/>
+              <a:t>12</a:t>
+            </a:fld>
+            <a:endParaRPr lang="en-GB"/>
+          </a:p>
+        </p:txBody>
+      </p:sp>
+    </p:spTree>
+    <p:extLst>
+      <p:ext uri="{BB962C8B-B14F-4D97-AF65-F5344CB8AC3E}">
+        <p14:creationId xmlns:p14="http://schemas.microsoft.com/office/powerpoint/2010/main" val="3649664299"/>
+      </p:ext>
+    </p:extLst>
+  </p:cSld>
+  <p:clrMapOvr>
+    <a:masterClrMapping/>
+  </p:clrMapOvr>
+</p:notes>
+</file>
+
+<file path=ppt/notesSlides/notesSlide13.xml><?xml version="1.0" encoding="utf-8"?>
+<p:notes xmlns:a="http://schemas.openxmlformats.org/drawingml/2006/main" xmlns:r="http://schemas.openxmlformats.org/officeDocument/2006/relationships" xmlns:p="http://schemas.openxmlformats.org/presentationml/2006/main">
+  <p:cSld>
+    <p:spTree>
+      <p:nvGrpSpPr>
+        <p:cNvPr id="1" name=""/>
+        <p:cNvGrpSpPr/>
+        <p:nvPr/>
+      </p:nvGrpSpPr>
+      <p:grpSpPr>
+        <a:xfrm>
+          <a:off x="0" y="0"/>
+          <a:ext cx="0" cy="0"/>
+          <a:chOff x="0" y="0"/>
+          <a:chExt cx="0" cy="0"/>
+        </a:xfrm>
+      </p:grpSpPr>
+      <p:sp>
+        <p:nvSpPr>
+          <p:cNvPr id="2" name="Slide Image Placeholder 1"/>
+          <p:cNvSpPr>
+            <a:spLocks noGrp="1" noRot="1" noChangeAspect="1"/>
+          </p:cNvSpPr>
+          <p:nvPr>
+            <p:ph type="sldImg"/>
+          </p:nvPr>
+        </p:nvSpPr>
+        <p:spPr/>
+      </p:sp>
+      <p:sp>
+        <p:nvSpPr>
+          <p:cNvPr id="3" name="Notes Placeholder 2"/>
+          <p:cNvSpPr>
+            <a:spLocks noGrp="1"/>
+          </p:cNvSpPr>
+          <p:nvPr>
+            <p:ph type="body" idx="1"/>
+          </p:nvPr>
+        </p:nvSpPr>
+        <p:spPr/>
+        <p:txBody>
+          <a:bodyPr/>
+          <a:lstStyle/>
+          <a:p>
+            <a:pPr marL="171450" marR="0" lvl="0" indent="-171450" algn="l" defTabSz="914400" rtl="0" eaLnBrk="1" fontAlgn="auto" latinLnBrk="0" hangingPunct="1">
+              <a:lnSpc>
+                <a:spcPct val="100000"/>
+              </a:lnSpc>
+              <a:spcBef>
+                <a:spcPts val="0"/>
+              </a:spcBef>
+              <a:spcAft>
+                <a:spcPts val="0"/>
+              </a:spcAft>
+              <a:buClrTx/>
+              <a:buSzTx/>
+              <a:buFont typeface="Arial" panose="020B0604020202020204" pitchFamily="34" charset="0"/>
+              <a:buChar char="•"/>
+              <a:tabLst/>
+              <a:defRPr/>
+            </a:pPr>
+            <a:endParaRPr lang="en-GB" dirty="0"/>
+          </a:p>
+        </p:txBody>
+      </p:sp>
+      <p:sp>
+        <p:nvSpPr>
+          <p:cNvPr id="4" name="Slide Number Placeholder 3"/>
+          <p:cNvSpPr>
+            <a:spLocks noGrp="1"/>
+          </p:cNvSpPr>
+          <p:nvPr>
+            <p:ph type="sldNum" sz="quarter" idx="10"/>
+          </p:nvPr>
+        </p:nvSpPr>
+        <p:spPr/>
+        <p:txBody>
+          <a:bodyPr/>
+          <a:lstStyle/>
+          <a:p>
+            <a:fld id="{46EF6F6D-23AC-402A-8000-0A495137CF31}" type="slidenum">
+              <a:rPr lang="en-GB" smtClean="0"/>
+              <a:pPr/>
+              <a:t>13</a:t>
+            </a:fld>
+            <a:endParaRPr lang="en-GB"/>
+          </a:p>
+        </p:txBody>
+      </p:sp>
+    </p:spTree>
+    <p:extLst>
+      <p:ext uri="{BB962C8B-B14F-4D97-AF65-F5344CB8AC3E}">
+        <p14:creationId xmlns:p14="http://schemas.microsoft.com/office/powerpoint/2010/main" val="3245817342"/>
+      </p:ext>
+    </p:extLst>
+  </p:cSld>
+  <p:clrMapOvr>
+    <a:masterClrMapping/>
+  </p:clrMapOvr>
+</p:notes>
+</file>
+
+<file path=ppt/notesSlides/notesSlide14.xml><?xml version="1.0" encoding="utf-8"?>
+<p:notes xmlns:a="http://schemas.openxmlformats.org/drawingml/2006/main" xmlns:r="http://schemas.openxmlformats.org/officeDocument/2006/relationships" xmlns:p="http://schemas.openxmlformats.org/presentationml/2006/main">
+  <p:cSld>
+    <p:spTree>
+      <p:nvGrpSpPr>
+        <p:cNvPr id="1" name=""/>
+        <p:cNvGrpSpPr/>
+        <p:nvPr/>
+      </p:nvGrpSpPr>
+      <p:grpSpPr>
+        <a:xfrm>
+          <a:off x="0" y="0"/>
+          <a:ext cx="0" cy="0"/>
+          <a:chOff x="0" y="0"/>
+          <a:chExt cx="0" cy="0"/>
+        </a:xfrm>
+      </p:grpSpPr>
+      <p:sp>
+        <p:nvSpPr>
+          <p:cNvPr id="2" name="Slide Image Placeholder 1"/>
+          <p:cNvSpPr>
+            <a:spLocks noGrp="1" noRot="1" noChangeAspect="1"/>
+          </p:cNvSpPr>
+          <p:nvPr>
+            <p:ph type="sldImg"/>
+          </p:nvPr>
+        </p:nvSpPr>
+        <p:spPr/>
+      </p:sp>
+      <p:sp>
+        <p:nvSpPr>
+          <p:cNvPr id="3" name="Notes Placeholder 2"/>
+          <p:cNvSpPr>
+            <a:spLocks noGrp="1"/>
+          </p:cNvSpPr>
+          <p:nvPr>
+            <p:ph type="body" idx="1"/>
+          </p:nvPr>
+        </p:nvSpPr>
+        <p:spPr/>
+        <p:txBody>
+          <a:bodyPr/>
+          <a:lstStyle/>
+          <a:p>
+            <a:endParaRPr lang="en-GB" dirty="0"/>
+          </a:p>
+        </p:txBody>
+      </p:sp>
+      <p:sp>
+        <p:nvSpPr>
+          <p:cNvPr id="4" name="Slide Number Placeholder 3"/>
+          <p:cNvSpPr>
+            <a:spLocks noGrp="1"/>
+          </p:cNvSpPr>
+          <p:nvPr>
+            <p:ph type="sldNum" sz="quarter" idx="10"/>
+          </p:nvPr>
+        </p:nvSpPr>
+        <p:spPr/>
+        <p:txBody>
+          <a:bodyPr/>
+          <a:lstStyle/>
+          <a:p>
+            <a:fld id="{46EF6F6D-23AC-402A-8000-0A495137CF31}" type="slidenum">
+              <a:rPr lang="en-GB" smtClean="0"/>
+              <a:pPr/>
+              <a:t>14</a:t>
+            </a:fld>
+            <a:endParaRPr lang="en-GB"/>
+          </a:p>
+        </p:txBody>
+      </p:sp>
+    </p:spTree>
+    <p:extLst>
+      <p:ext uri="{BB962C8B-B14F-4D97-AF65-F5344CB8AC3E}">
+        <p14:creationId xmlns:p14="http://schemas.microsoft.com/office/powerpoint/2010/main" val="3301770460"/>
+      </p:ext>
+    </p:extLst>
+  </p:cSld>
+  <p:clrMapOvr>
+    <a:masterClrMapping/>
+  </p:clrMapOvr>
+</p:notes>
+</file>
+
+<file path=ppt/notesSlides/notesSlide15.xml><?xml version="1.0" encoding="utf-8"?>
+<p:notes xmlns:a="http://schemas.openxmlformats.org/drawingml/2006/main" xmlns:r="http://schemas.openxmlformats.org/officeDocument/2006/relationships" xmlns:p="http://schemas.openxmlformats.org/presentationml/2006/main">
+  <p:cSld>
+    <p:spTree>
+      <p:nvGrpSpPr>
+        <p:cNvPr id="1" name=""/>
+        <p:cNvGrpSpPr/>
+        <p:nvPr/>
+      </p:nvGrpSpPr>
+      <p:grpSpPr>
+        <a:xfrm>
+          <a:off x="0" y="0"/>
+          <a:ext cx="0" cy="0"/>
+          <a:chOff x="0" y="0"/>
+          <a:chExt cx="0" cy="0"/>
+        </a:xfrm>
+      </p:grpSpPr>
+      <p:sp>
+        <p:nvSpPr>
+          <p:cNvPr id="2" name="Slide Image Placeholder 1"/>
+          <p:cNvSpPr>
+            <a:spLocks noGrp="1" noRot="1" noChangeAspect="1"/>
+          </p:cNvSpPr>
+          <p:nvPr>
+            <p:ph type="sldImg"/>
+          </p:nvPr>
+        </p:nvSpPr>
+        <p:spPr/>
+      </p:sp>
+      <p:sp>
+        <p:nvSpPr>
+          <p:cNvPr id="3" name="Notes Placeholder 2"/>
+          <p:cNvSpPr>
+            <a:spLocks noGrp="1"/>
+          </p:cNvSpPr>
+          <p:nvPr>
+            <p:ph type="body" idx="1"/>
+          </p:nvPr>
+        </p:nvSpPr>
+        <p:spPr/>
+        <p:txBody>
+          <a:bodyPr/>
+          <a:lstStyle/>
+          <a:p>
+            <a:endParaRPr lang="en-GB" dirty="0"/>
+          </a:p>
+        </p:txBody>
+      </p:sp>
+      <p:sp>
+        <p:nvSpPr>
+          <p:cNvPr id="4" name="Slide Number Placeholder 3"/>
+          <p:cNvSpPr>
+            <a:spLocks noGrp="1"/>
+          </p:cNvSpPr>
+          <p:nvPr>
+            <p:ph type="sldNum" sz="quarter" idx="10"/>
+          </p:nvPr>
+        </p:nvSpPr>
+        <p:spPr/>
+        <p:txBody>
+          <a:bodyPr/>
+          <a:lstStyle/>
+          <a:p>
+            <a:fld id="{46EF6F6D-23AC-402A-8000-0A495137CF31}" type="slidenum">
+              <a:rPr lang="en-GB" smtClean="0"/>
+              <a:pPr/>
+              <a:t>15</a:t>
+            </a:fld>
+            <a:endParaRPr lang="en-GB"/>
+          </a:p>
+        </p:txBody>
+      </p:sp>
+    </p:spTree>
+    <p:extLst>
+      <p:ext uri="{BB962C8B-B14F-4D97-AF65-F5344CB8AC3E}">
+        <p14:creationId xmlns:p14="http://schemas.microsoft.com/office/powerpoint/2010/main" val="777729004"/>
+      </p:ext>
+    </p:extLst>
+  </p:cSld>
+  <p:clrMapOvr>
+    <a:masterClrMapping/>
+  </p:clrMapOvr>
+</p:notes>
+</file>
+
+<file path=ppt/notesSlides/notesSlide16.xml><?xml version="1.0" encoding="utf-8"?>
+<p:notes xmlns:a="http://schemas.openxmlformats.org/drawingml/2006/main" xmlns:r="http://schemas.openxmlformats.org/officeDocument/2006/relationships" xmlns:p="http://schemas.openxmlformats.org/presentationml/2006/main">
+  <p:cSld>
+    <p:spTree>
+      <p:nvGrpSpPr>
+        <p:cNvPr id="1" name=""/>
+        <p:cNvGrpSpPr/>
+        <p:nvPr/>
+      </p:nvGrpSpPr>
+      <p:grpSpPr>
+        <a:xfrm>
+          <a:off x="0" y="0"/>
+          <a:ext cx="0" cy="0"/>
+          <a:chOff x="0" y="0"/>
+          <a:chExt cx="0" cy="0"/>
+        </a:xfrm>
+      </p:grpSpPr>
+      <p:sp>
+        <p:nvSpPr>
+          <p:cNvPr id="2" name="Slide Image Placeholder 1"/>
+          <p:cNvSpPr>
+            <a:spLocks noGrp="1" noRot="1" noChangeAspect="1"/>
+          </p:cNvSpPr>
+          <p:nvPr>
+            <p:ph type="sldImg"/>
+          </p:nvPr>
+        </p:nvSpPr>
+        <p:spPr/>
+      </p:sp>
+      <p:sp>
+        <p:nvSpPr>
+          <p:cNvPr id="3" name="Notes Placeholder 2"/>
+          <p:cNvSpPr>
+            <a:spLocks noGrp="1"/>
+          </p:cNvSpPr>
+          <p:nvPr>
+            <p:ph type="body" idx="1"/>
+          </p:nvPr>
+        </p:nvSpPr>
+        <p:spPr/>
+        <p:txBody>
+          <a:bodyPr/>
+          <a:lstStyle/>
+          <a:p>
             <a:endParaRPr lang="en-GB" dirty="0"/>
           </a:p>
         </p:txBody>
@@ -866,7 +1395,7 @@
 </p:notes>
 </file>
 
-<file path=ppt/notesSlides/notesSlide11.xml><?xml version="1.0" encoding="utf-8"?>
+<file path=ppt/notesSlides/notesSlide17.xml><?xml version="1.0" encoding="utf-8"?>
 <p:notes xmlns:a="http://schemas.openxmlformats.org/drawingml/2006/main" xmlns:r="http://schemas.openxmlformats.org/officeDocument/2006/relationships" xmlns:p="http://schemas.openxmlformats.org/presentationml/2006/main">
   <p:cSld>
     <p:spTree>
@@ -1361,7 +1890,7 @@
             <a:fld id="{46EF6F6D-23AC-402A-8000-0A495137CF31}" type="slidenum">
               <a:rPr lang="en-GB" smtClean="0"/>
               <a:pPr/>
-              <a:t>12</a:t>
+              <a:t>6</a:t>
             </a:fld>
             <a:endParaRPr lang="en-GB"/>
           </a:p>
@@ -1370,7 +1899,7 @@
     </p:spTree>
     <p:extLst>
       <p:ext uri="{BB962C8B-B14F-4D97-AF65-F5344CB8AC3E}">
-        <p14:creationId xmlns:p14="http://schemas.microsoft.com/office/powerpoint/2010/main" val="3649664299"/>
+        <p14:creationId xmlns:p14="http://schemas.microsoft.com/office/powerpoint/2010/main" val="2352213520"/>
       </p:ext>
     </p:extLst>
   </p:cSld>
@@ -1446,7 +1975,7 @@
             <a:fld id="{46EF6F6D-23AC-402A-8000-0A495137CF31}" type="slidenum">
               <a:rPr lang="en-GB" smtClean="0"/>
               <a:pPr/>
-              <a:t>13</a:t>
+              <a:t>7</a:t>
             </a:fld>
             <a:endParaRPr lang="en-GB"/>
           </a:p>
@@ -1455,7 +1984,7 @@
     </p:spTree>
     <p:extLst>
       <p:ext uri="{BB962C8B-B14F-4D97-AF65-F5344CB8AC3E}">
-        <p14:creationId xmlns:p14="http://schemas.microsoft.com/office/powerpoint/2010/main" val="3245817342"/>
+        <p14:creationId xmlns:p14="http://schemas.microsoft.com/office/powerpoint/2010/main" val="2620488701"/>
       </p:ext>
     </p:extLst>
   </p:cSld>
@@ -1509,6 +2038,7 @@
           <a:bodyPr/>
           <a:lstStyle/>
           <a:p>
+            <a:pPr lvl="0"/>
             <a:endParaRPr lang="en-GB" dirty="0"/>
           </a:p>
         </p:txBody>
@@ -1531,7 +2061,7 @@
             <a:fld id="{46EF6F6D-23AC-402A-8000-0A495137CF31}" type="slidenum">
               <a:rPr lang="en-GB" smtClean="0"/>
               <a:pPr/>
-              <a:t>14</a:t>
+              <a:t>8</a:t>
             </a:fld>
             <a:endParaRPr lang="en-GB"/>
           </a:p>
@@ -1540,7 +2070,7 @@
     </p:spTree>
     <p:extLst>
       <p:ext uri="{BB962C8B-B14F-4D97-AF65-F5344CB8AC3E}">
-        <p14:creationId xmlns:p14="http://schemas.microsoft.com/office/powerpoint/2010/main" val="3301770460"/>
+        <p14:creationId xmlns:p14="http://schemas.microsoft.com/office/powerpoint/2010/main" val="3386476937"/>
       </p:ext>
     </p:extLst>
   </p:cSld>
@@ -1616,7 +2146,7 @@
             <a:fld id="{46EF6F6D-23AC-402A-8000-0A495137CF31}" type="slidenum">
               <a:rPr lang="en-GB" smtClean="0"/>
               <a:pPr/>
-              <a:t>15</a:t>
+              <a:t>9</a:t>
             </a:fld>
             <a:endParaRPr lang="en-GB"/>
           </a:p>
@@ -1625,7 +2155,7 @@
     </p:spTree>
     <p:extLst>
       <p:ext uri="{BB962C8B-B14F-4D97-AF65-F5344CB8AC3E}">
-        <p14:creationId xmlns:p14="http://schemas.microsoft.com/office/powerpoint/2010/main" val="777729004"/>
+        <p14:creationId xmlns:p14="http://schemas.microsoft.com/office/powerpoint/2010/main" val="2651113123"/>
       </p:ext>
     </p:extLst>
   </p:cSld>
@@ -1817,7 +2347,7 @@
             <a:fld id="{FD207E47-C1CA-47C9-BFA1-FDEFD1CE1BAA}" type="datetime1">
               <a:rPr lang="en-US" smtClean="0"/>
               <a:pPr/>
-              <a:t>3/2/2022</a:t>
+              <a:t>3/6/2022</a:t>
             </a:fld>
             <a:endParaRPr lang="en-US"/>
           </a:p>
@@ -1984,7 +2514,7 @@
             <a:fld id="{58C692B5-BE86-445D-88C0-242C83A9421E}" type="datetime1">
               <a:rPr lang="en-US" smtClean="0"/>
               <a:pPr/>
-              <a:t>3/2/2022</a:t>
+              <a:t>3/6/2022</a:t>
             </a:fld>
             <a:endParaRPr lang="en-US"/>
           </a:p>
@@ -2161,7 +2691,7 @@
             <a:fld id="{6A70B350-EB04-4702-A2C6-BB029CC917C4}" type="datetime1">
               <a:rPr lang="en-US" smtClean="0"/>
               <a:pPr/>
-              <a:t>3/2/2022</a:t>
+              <a:t>3/6/2022</a:t>
             </a:fld>
             <a:endParaRPr lang="en-US"/>
           </a:p>
@@ -2328,7 +2858,7 @@
             <a:fld id="{B19C5C7B-1CCF-4D03-A2E8-D3591213E0F6}" type="datetime1">
               <a:rPr lang="en-US" smtClean="0"/>
               <a:pPr/>
-              <a:t>3/2/2022</a:t>
+              <a:t>3/6/2022</a:t>
             </a:fld>
             <a:endParaRPr lang="en-US"/>
           </a:p>
@@ -2571,7 +3101,7 @@
             <a:fld id="{617DE08F-8114-45C2-9520-EC1882F8A669}" type="datetime1">
               <a:rPr lang="en-US" smtClean="0"/>
               <a:pPr/>
-              <a:t>3/2/2022</a:t>
+              <a:t>3/6/2022</a:t>
             </a:fld>
             <a:endParaRPr lang="en-US"/>
           </a:p>
@@ -2856,7 +3386,7 @@
             <a:fld id="{67FBBCEA-51D6-4D4F-B700-EBDD8904452C}" type="datetime1">
               <a:rPr lang="en-US" smtClean="0"/>
               <a:pPr/>
-              <a:t>3/2/2022</a:t>
+              <a:t>3/6/2022</a:t>
             </a:fld>
             <a:endParaRPr lang="en-US"/>
           </a:p>
@@ -3275,7 +3805,7 @@
             <a:fld id="{7C3355C0-4DE2-42D1-B918-7B0FCE7481FD}" type="datetime1">
               <a:rPr lang="en-US" smtClean="0"/>
               <a:pPr/>
-              <a:t>3/2/2022</a:t>
+              <a:t>3/6/2022</a:t>
             </a:fld>
             <a:endParaRPr lang="en-US"/>
           </a:p>
@@ -3390,7 +3920,7 @@
             <a:fld id="{41F9056E-53B5-467C-A68C-D5DD1F771BB5}" type="datetime1">
               <a:rPr lang="en-US" smtClean="0"/>
               <a:pPr/>
-              <a:t>3/2/2022</a:t>
+              <a:t>3/6/2022</a:t>
             </a:fld>
             <a:endParaRPr lang="en-US"/>
           </a:p>
@@ -3482,7 +4012,7 @@
             <a:fld id="{73236B7C-1414-4D49-8A59-8F56128C501B}" type="datetime1">
               <a:rPr lang="en-US" smtClean="0"/>
               <a:pPr/>
-              <a:t>3/2/2022</a:t>
+              <a:t>3/6/2022</a:t>
             </a:fld>
             <a:endParaRPr lang="en-US"/>
           </a:p>
@@ -3756,7 +4286,7 @@
             <a:fld id="{A40AEADC-23C0-4767-9AD7-3E7B6C343A0A}" type="datetime1">
               <a:rPr lang="en-US" smtClean="0"/>
               <a:pPr/>
-              <a:t>3/2/2022</a:t>
+              <a:t>3/6/2022</a:t>
             </a:fld>
             <a:endParaRPr lang="en-US"/>
           </a:p>
@@ -4006,7 +4536,7 @@
             <a:fld id="{07762B3B-4AFD-4E39-B6F8-E1A2354BA336}" type="datetime1">
               <a:rPr lang="en-US" smtClean="0"/>
               <a:pPr/>
-              <a:t>3/2/2022</a:t>
+              <a:t>3/6/2022</a:t>
             </a:fld>
             <a:endParaRPr lang="en-US"/>
           </a:p>
@@ -4221,7 +4751,7 @@
             <a:fld id="{16C4ABC6-3BA1-4854-92CA-2B0133ECAB44}" type="datetime1">
               <a:rPr lang="en-US" smtClean="0"/>
               <a:pPr/>
-              <a:t>3/2/2022</a:t>
+              <a:t>3/6/2022</a:t>
             </a:fld>
             <a:endParaRPr lang="en-US"/>
           </a:p>
@@ -4663,7 +5193,25 @@
                 </a:solidFill>
                 <a:latin typeface="Calibri" pitchFamily="34" charset="0"/>
               </a:rPr>
-              <a:t>clinically sig change</a:t>
+              <a:t>clinically </a:t>
+            </a:r>
+            <a:r>
+              <a:rPr lang="en-GB" sz="2800" b="1" smtClean="0">
+                <a:solidFill>
+                  <a:srgbClr val="000066"/>
+                </a:solidFill>
+                <a:latin typeface="Calibri" pitchFamily="34" charset="0"/>
+              </a:rPr>
+              <a:t>sig </a:t>
+            </a:r>
+            <a:r>
+              <a:rPr lang="en-GB" sz="2800" b="1" smtClean="0">
+                <a:solidFill>
+                  <a:srgbClr val="000066"/>
+                </a:solidFill>
+                <a:latin typeface="Calibri" pitchFamily="34" charset="0"/>
+              </a:rPr>
+              <a:t>change </a:t>
             </a:r>
             <a:endParaRPr lang="en-GB" sz="2800" b="1" dirty="0">
               <a:solidFill>
@@ -5311,82 +5859,6 @@
           </a:fontRef>
         </p:style>
       </p:cxnSp>
-      <p:sp>
-        <p:nvSpPr>
-          <p:cNvPr id="13" name="TextBox 12"/>
-          <p:cNvSpPr txBox="1"/>
-          <p:nvPr/>
-        </p:nvSpPr>
-        <p:spPr>
-          <a:xfrm>
-            <a:off x="6591011" y="2981712"/>
-            <a:ext cx="352982" cy="338554"/>
-          </a:xfrm>
-          <a:prstGeom prst="rect">
-            <a:avLst/>
-          </a:prstGeom>
-          <a:noFill/>
-        </p:spPr>
-        <p:txBody>
-          <a:bodyPr wrap="none" rtlCol="0">
-            <a:spAutoFit/>
-          </a:bodyPr>
-          <a:lstStyle/>
-          <a:p>
-            <a:r>
-              <a:rPr lang="en-GB" sz="1600" dirty="0" smtClean="0">
-                <a:solidFill>
-                  <a:schemeClr val="tx2"/>
-                </a:solidFill>
-              </a:rPr>
-              <a:t>IV</a:t>
-            </a:r>
-            <a:endParaRPr lang="en-GB" sz="1600" dirty="0">
-              <a:solidFill>
-                <a:schemeClr val="tx2"/>
-              </a:solidFill>
-            </a:endParaRPr>
-          </a:p>
-        </p:txBody>
-      </p:sp>
-      <p:sp>
-        <p:nvSpPr>
-          <p:cNvPr id="14" name="TextBox 13"/>
-          <p:cNvSpPr txBox="1"/>
-          <p:nvPr/>
-        </p:nvSpPr>
-        <p:spPr>
-          <a:xfrm>
-            <a:off x="10747157" y="4378306"/>
-            <a:ext cx="425886" cy="338554"/>
-          </a:xfrm>
-          <a:prstGeom prst="rect">
-            <a:avLst/>
-          </a:prstGeom>
-          <a:noFill/>
-        </p:spPr>
-        <p:txBody>
-          <a:bodyPr wrap="none" rtlCol="0">
-            <a:spAutoFit/>
-          </a:bodyPr>
-          <a:lstStyle/>
-          <a:p>
-            <a:r>
-              <a:rPr lang="en-GB" sz="1600" dirty="0" smtClean="0">
-                <a:solidFill>
-                  <a:schemeClr val="tx2"/>
-                </a:solidFill>
-              </a:rPr>
-              <a:t>DV</a:t>
-            </a:r>
-            <a:endParaRPr lang="en-GB" sz="1600" dirty="0">
-              <a:solidFill>
-                <a:schemeClr val="tx2"/>
-              </a:solidFill>
-            </a:endParaRPr>
-          </a:p>
-        </p:txBody>
-      </p:sp>
       <p:cxnSp>
         <p:nvCxnSpPr>
           <p:cNvPr id="15" name="Straight Arrow Connector 14"/>
@@ -5741,6 +6213,174 @@
               <a:t>, BF = 6.08</a:t>
             </a:r>
             <a:endParaRPr lang="en-GB" dirty="0"/>
+          </a:p>
+        </p:txBody>
+      </p:sp>
+      <p:sp>
+        <p:nvSpPr>
+          <p:cNvPr id="17" name="TextBox 16"/>
+          <p:cNvSpPr txBox="1"/>
+          <p:nvPr/>
+        </p:nvSpPr>
+        <p:spPr>
+          <a:xfrm>
+            <a:off x="6019012" y="2965952"/>
+            <a:ext cx="952633" cy="338554"/>
+          </a:xfrm>
+          <a:prstGeom prst="rect">
+            <a:avLst/>
+          </a:prstGeom>
+          <a:noFill/>
+        </p:spPr>
+        <p:txBody>
+          <a:bodyPr wrap="none" rtlCol="0">
+            <a:spAutoFit/>
+          </a:bodyPr>
+          <a:lstStyle/>
+          <a:p>
+            <a:r>
+              <a:rPr lang="en-GB" sz="1600" dirty="0" smtClean="0">
+                <a:solidFill>
+                  <a:schemeClr val="tx2"/>
+                </a:solidFill>
+              </a:rPr>
+              <a:t>predictor</a:t>
+            </a:r>
+            <a:endParaRPr lang="en-GB" sz="1600" dirty="0">
+              <a:solidFill>
+                <a:schemeClr val="tx2"/>
+              </a:solidFill>
+            </a:endParaRPr>
+          </a:p>
+        </p:txBody>
+      </p:sp>
+      <p:sp>
+        <p:nvSpPr>
+          <p:cNvPr id="18" name="TextBox 17"/>
+          <p:cNvSpPr txBox="1"/>
+          <p:nvPr/>
+        </p:nvSpPr>
+        <p:spPr>
+          <a:xfrm>
+            <a:off x="10228185" y="4385311"/>
+            <a:ext cx="1634550" cy="338554"/>
+          </a:xfrm>
+          <a:prstGeom prst="rect">
+            <a:avLst/>
+          </a:prstGeom>
+          <a:noFill/>
+        </p:spPr>
+        <p:txBody>
+          <a:bodyPr wrap="none" rtlCol="0">
+            <a:spAutoFit/>
+          </a:bodyPr>
+          <a:lstStyle/>
+          <a:p>
+            <a:r>
+              <a:rPr lang="en-GB" sz="1600" dirty="0">
+                <a:solidFill>
+                  <a:schemeClr val="tx2"/>
+                </a:solidFill>
+              </a:rPr>
+              <a:t>o</a:t>
+            </a:r>
+            <a:r>
+              <a:rPr lang="en-GB" sz="1600" dirty="0" smtClean="0">
+                <a:solidFill>
+                  <a:schemeClr val="tx2"/>
+                </a:solidFill>
+              </a:rPr>
+              <a:t>utcome variable</a:t>
+            </a:r>
+            <a:endParaRPr lang="en-GB" sz="1600" dirty="0">
+              <a:solidFill>
+                <a:schemeClr val="tx2"/>
+              </a:solidFill>
+            </a:endParaRPr>
+          </a:p>
+        </p:txBody>
+      </p:sp>
+      <p:sp>
+        <p:nvSpPr>
+          <p:cNvPr id="3" name="TextBox 16"/>
+          <p:cNvSpPr txBox="1"/>
+          <p:nvPr/>
+        </p:nvSpPr>
+        <p:spPr>
+          <a:xfrm>
+            <a:off x="6019012" y="2965952"/>
+            <a:ext cx="952633" cy="338554"/>
+          </a:xfrm>
+          <a:prstGeom prst="rect">
+            <a:avLst/>
+          </a:prstGeom>
+          <a:noFill/>
+        </p:spPr>
+        <p:txBody>
+          <a:bodyPr wrap="none" rtlCol="0">
+            <a:spAutoFit/>
+          </a:bodyPr>
+          <a:lstStyle/>
+          <a:p>
+            <a:r>
+              <a:rPr lang="en-GB" sz="1600" dirty="0" smtClean="0">
+                <a:solidFill>
+                  <a:schemeClr val="tx2"/>
+                </a:solidFill>
+              </a:rPr>
+              <a:t>predictor</a:t>
+            </a:r>
+            <a:endParaRPr lang="en-GB" sz="1600" dirty="0">
+              <a:solidFill>
+                <a:schemeClr val="tx2"/>
+              </a:solidFill>
+            </a:endParaRPr>
+          </a:p>
+        </p:txBody>
+      </p:sp>
+      <p:sp>
+        <p:nvSpPr>
+          <p:cNvPr id="6" name="TextBox 17"/>
+          <p:cNvSpPr txBox="1"/>
+          <p:nvPr/>
+        </p:nvSpPr>
+        <p:spPr>
+          <a:xfrm>
+            <a:off x="10228185" y="4385311"/>
+            <a:ext cx="1634550" cy="338554"/>
+          </a:xfrm>
+          <a:prstGeom prst="rect">
+            <a:avLst/>
+          </a:prstGeom>
+          <a:noFill/>
+        </p:spPr>
+        <p:txBody>
+          <a:bodyPr wrap="none" rtlCol="0">
+            <a:spAutoFit/>
+          </a:bodyPr>
+          <a:lstStyle/>
+          <a:p>
+            <a:r>
+              <a:rPr lang="en-GB" sz="1600" dirty="0">
+                <a:solidFill>
+                  <a:schemeClr val="tx2"/>
+                </a:solidFill>
+              </a:rPr>
+              <a:t>o</a:t>
+            </a:r>
+            <a:r>
+              <a:rPr lang="en-GB" sz="1600" dirty="0" smtClean="0">
+                <a:solidFill>
+                  <a:schemeClr val="tx2"/>
+                </a:solidFill>
+              </a:rPr>
+              <a:t>utcome variable</a:t>
+            </a:r>
+            <a:endParaRPr lang="en-GB" sz="1600" dirty="0">
+              <a:solidFill>
+                <a:schemeClr val="tx2"/>
+              </a:solidFill>
+            </a:endParaRPr>
           </a:p>
         </p:txBody>
       </p:sp>
@@ -7546,7 +8186,7 @@
             </a:r>
             <a:r>
               <a:rPr lang="en-GB" sz="1600" dirty="0" smtClean="0"/>
-              <a:t>is tiny! (0.2%)</a:t>
+              <a:t>is tiny! (= 0.002, or 0.2%)</a:t>
             </a:r>
           </a:p>
           <a:p>
@@ -8099,7 +8739,7 @@
         </p:spPr>
         <p:txBody>
           <a:bodyPr>
-            <a:normAutofit lnSpcReduction="10000"/>
+            <a:normAutofit fontScale="92500" lnSpcReduction="10000"/>
           </a:bodyPr>
           <a:lstStyle/>
           <a:p>
@@ -8232,7 +8872,14 @@
             </a:r>
             <a:r>
               <a:rPr lang="en-GB" sz="2400" dirty="0" smtClean="0"/>
-              <a:t> significance (but, again, might be theoretically important)</a:t>
+              <a:t> significance</a:t>
+            </a:r>
+            <a:br>
+              <a:rPr lang="en-GB" sz="2400" dirty="0" smtClean="0"/>
+            </a:br>
+            <a:r>
+              <a:rPr lang="en-GB" sz="2400" dirty="0" smtClean="0"/>
+              <a:t>(however, like statistical significance, might be theoretically important)</a:t>
             </a:r>
           </a:p>
         </p:txBody>
@@ -8270,7 +8917,7 @@
         <p:spPr>
           <a:xfrm>
             <a:off x="7569200" y="2587229"/>
-            <a:ext cx="4124960" cy="2062103"/>
+            <a:ext cx="4389718" cy="1815882"/>
           </a:xfrm>
           <a:prstGeom prst="rect">
             <a:avLst/>
@@ -8345,7 +8992,7 @@
             </a:r>
             <a:r>
               <a:rPr lang="en-GB" sz="1600" dirty="0" smtClean="0"/>
-              <a:t>50 </a:t>
+              <a:t>only 50 </a:t>
             </a:r>
             <a:r>
               <a:rPr lang="en-GB" sz="1600" dirty="0"/>
@@ -8860,11 +9507,11 @@
             </a:r>
             <a:r>
               <a:rPr lang="en-GB" sz="2200" dirty="0"/>
-              <a:t>are considered reliable increase in depressed </a:t>
+              <a:t>are considered </a:t>
             </a:r>
             <a:r>
               <a:rPr lang="en-GB" sz="2200" dirty="0" smtClean="0"/>
-              <a:t>mood (</a:t>
+              <a:t>as showing enhanced symptoms of depression (</a:t>
             </a:r>
             <a:r>
               <a:rPr lang="en-GB" sz="2200" dirty="0" err="1" smtClean="0"/>
@@ -9578,7 +10225,7 @@
         </p:spPr>
         <p:txBody>
           <a:bodyPr>
-            <a:normAutofit/>
+            <a:normAutofit fontScale="92500"/>
           </a:bodyPr>
           <a:lstStyle/>
           <a:p>
@@ -9618,7 +10265,15 @@
           <a:p>
             <a:r>
               <a:rPr lang="en-GB" sz="2200" dirty="0"/>
-              <a:t>Tried to establish a more universal method of determining whether intervention led to </a:t>
+              <a:t>Tried to establish a more </a:t>
+            </a:r>
+            <a:r>
+              <a:rPr lang="en-GB" sz="2200" dirty="0" smtClean="0"/>
+              <a:t>general </a:t>
+            </a:r>
+            <a:r>
+              <a:rPr lang="en-GB" sz="2200" dirty="0"/>
+              <a:t>method of determining whether intervention led to </a:t>
             </a:r>
             <a:r>
               <a:rPr lang="en-GB" sz="2200" dirty="0" smtClean="0"/>
@@ -9626,8 +10281,27 @@
             </a:r>
             <a:r>
               <a:rPr lang="en-GB" sz="2200" dirty="0"/>
-              <a:t>or not.</a:t>
-            </a:r>
+              <a:t>or not</a:t>
+            </a:r>
+            <a:r>
+              <a:rPr lang="en-GB" sz="2200" dirty="0" smtClean="0"/>
+              <a:t>.</a:t>
+            </a:r>
+          </a:p>
+          <a:p>
+            <a:r>
+              <a:rPr lang="en-GB" sz="2200" dirty="0" smtClean="0"/>
+              <a:t>An individual’s improvement may be due to measurement error, and may not necessarily be </a:t>
+            </a:r>
+            <a:r>
+              <a:rPr lang="en-GB" sz="2200" i="1" dirty="0" smtClean="0"/>
+              <a:t>reliable</a:t>
+            </a:r>
+            <a:r>
+              <a:rPr lang="en-GB" sz="2200" dirty="0" smtClean="0"/>
+              <a:t>.</a:t>
+            </a:r>
+            <a:endParaRPr lang="en-GB" sz="2200" dirty="0"/>
           </a:p>
           <a:p>
             <a:pPr lvl="0"/>
@@ -9726,11 +10400,45 @@
             <a:pPr lvl="0"/>
             <a:r>
               <a:rPr lang="en-GB" sz="2200" dirty="0"/>
-              <a:t>If RC &gt; </a:t>
+              <a:t>If </a:t>
+            </a:r>
+            <a:r>
+              <a:rPr lang="en-GB" sz="2200" dirty="0">
+                <a:solidFill>
+                  <a:schemeClr val="accent3">
+                    <a:lumMod val="50000"/>
+                  </a:schemeClr>
+                </a:solidFill>
+              </a:rPr>
+              <a:t>RC &gt; </a:t>
+            </a:r>
+            <a:r>
+              <a:rPr lang="en-GB" sz="2200" dirty="0" smtClean="0">
+                <a:solidFill>
+                  <a:schemeClr val="accent3">
+                    <a:lumMod val="50000"/>
+                  </a:schemeClr>
+                </a:solidFill>
+              </a:rPr>
+              <a:t>1.96 </a:t>
             </a:r>
             <a:r>
               <a:rPr lang="en-GB" sz="2200" dirty="0" smtClean="0"/>
-              <a:t>1.96 or RC &lt; -1.96, </a:t>
+              <a:t>or </a:t>
+            </a:r>
+            <a:r>
+              <a:rPr lang="en-GB" sz="2200" dirty="0" smtClean="0">
+                <a:solidFill>
+                  <a:schemeClr val="accent3">
+                    <a:lumMod val="50000"/>
+                  </a:schemeClr>
+                </a:solidFill>
+              </a:rPr>
+              <a:t>RC &lt; -1.96</a:t>
+            </a:r>
+            <a:r>
+              <a:rPr lang="en-GB" sz="2200" dirty="0" smtClean="0"/>
+              <a:t>, </a:t>
             </a:r>
             <a:r>
               <a:rPr lang="en-GB" sz="2200" dirty="0"/>
@@ -9866,7 +10574,9 @@
           </a:prstGeom>
           <a:ln w="28575">
             <a:solidFill>
-              <a:srgbClr val="003300"/>
+              <a:schemeClr val="accent3">
+                <a:lumMod val="75000"/>
+              </a:schemeClr>
             </a:solidFill>
             <a:tailEnd type="triangle"/>
           </a:ln>
@@ -9911,14 +10621,18 @@
             <a:r>
               <a:rPr lang="en-GB" sz="1200" b="1" dirty="0" smtClean="0">
                 <a:solidFill>
-                  <a:srgbClr val="003300"/>
+                  <a:schemeClr val="accent3">
+                    <a:lumMod val="75000"/>
+                  </a:schemeClr>
                 </a:solidFill>
               </a:rPr>
               <a:t>RC index lower </a:t>
             </a:r>
             <a:endParaRPr lang="en-GB" b="1" dirty="0">
               <a:solidFill>
-                <a:srgbClr val="003300"/>
+                <a:schemeClr val="accent3">
+                  <a:lumMod val="75000"/>
+                </a:schemeClr>
               </a:solidFill>
             </a:endParaRPr>
           </a:p>
@@ -9942,7 +10656,9 @@
           </a:prstGeom>
           <a:ln w="28575">
             <a:solidFill>
-              <a:srgbClr val="003300"/>
+              <a:schemeClr val="accent3">
+                <a:lumMod val="75000"/>
+              </a:schemeClr>
             </a:solidFill>
             <a:tailEnd type="triangle"/>
           </a:ln>
@@ -9987,14 +10703,18 @@
             <a:r>
               <a:rPr lang="en-GB" sz="1200" b="1" dirty="0" smtClean="0">
                 <a:solidFill>
-                  <a:srgbClr val="003300"/>
+                  <a:schemeClr val="accent3">
+                    <a:lumMod val="75000"/>
+                  </a:schemeClr>
                 </a:solidFill>
               </a:rPr>
               <a:t>RC index lower </a:t>
             </a:r>
             <a:endParaRPr lang="en-GB" b="1" dirty="0">
               <a:solidFill>
-                <a:srgbClr val="003300"/>
+                <a:schemeClr val="accent3">
+                  <a:lumMod val="75000"/>
+                </a:schemeClr>
               </a:solidFill>
             </a:endParaRPr>
           </a:p>
@@ -10026,7 +10746,7 @@
               <a:rPr lang="en-GB" dirty="0" smtClean="0">
                 <a:solidFill>
                   <a:schemeClr val="accent3">
-                    <a:lumMod val="50000"/>
+                    <a:lumMod val="75000"/>
                   </a:schemeClr>
                 </a:solidFill>
               </a:rPr>
@@ -10036,7 +10756,7 @@
               <a:rPr lang="en-GB" dirty="0" err="1" smtClean="0">
                 <a:solidFill>
                   <a:schemeClr val="accent3">
-                    <a:lumMod val="50000"/>
+                    <a:lumMod val="75000"/>
                   </a:schemeClr>
                 </a:solidFill>
               </a:rPr>
@@ -10046,7 +10766,7 @@
               <a:rPr lang="en-GB" dirty="0" smtClean="0">
                 <a:solidFill>
                   <a:schemeClr val="accent3">
-                    <a:lumMod val="50000"/>
+                    <a:lumMod val="75000"/>
                   </a:schemeClr>
                 </a:solidFill>
               </a:rPr>
@@ -10060,6 +10780,88 @@
               </a:rPr>
               <a:t>reliable change</a:t>
             </a:r>
+          </a:p>
+        </p:txBody>
+      </p:sp>
+      <p:cxnSp>
+        <p:nvCxnSpPr>
+          <p:cNvPr id="6" name="Curved Connector 11"/>
+          <p:cNvCxnSpPr/>
+          <p:nvPr/>
+        </p:nvCxnSpPr>
+        <p:spPr>
+          <a:xfrm rot="5400000" flipH="1" flipV="1">
+            <a:off x="10363805" y="1771379"/>
+            <a:ext cx="736997" cy="2"/>
+          </a:xfrm>
+          <a:prstGeom prst="curvedConnector3">
+            <a:avLst>
+              <a:gd name="adj1" fmla="val 50000"/>
+            </a:avLst>
+          </a:prstGeom>
+          <a:ln w="28575">
+            <a:solidFill>
+              <a:schemeClr val="accent2">
+                <a:lumMod val="75000"/>
+              </a:schemeClr>
+            </a:solidFill>
+            <a:tailEnd type="triangle"/>
+          </a:ln>
+        </p:spPr>
+        <p:style>
+          <a:lnRef idx="1">
+            <a:schemeClr val="accent1"/>
+          </a:lnRef>
+          <a:fillRef idx="0">
+            <a:schemeClr val="accent1"/>
+          </a:fillRef>
+          <a:effectRef idx="0">
+            <a:schemeClr val="accent1"/>
+          </a:effectRef>
+          <a:fontRef idx="minor">
+            <a:schemeClr val="tx1"/>
+          </a:fontRef>
+        </p:style>
+      </p:cxnSp>
+      <p:sp>
+        <p:nvSpPr>
+          <p:cNvPr id="14" name="TextBox 12"/>
+          <p:cNvSpPr txBox="1"/>
+          <p:nvPr/>
+        </p:nvSpPr>
+        <p:spPr>
+          <a:xfrm>
+            <a:off x="10255111" y="1038030"/>
+            <a:ext cx="990241" cy="461665"/>
+          </a:xfrm>
+          <a:prstGeom prst="rect">
+            <a:avLst/>
+          </a:prstGeom>
+          <a:noFill/>
+        </p:spPr>
+        <p:txBody>
+          <a:bodyPr wrap="square" rtlCol="0">
+            <a:spAutoFit/>
+          </a:bodyPr>
+          <a:lstStyle/>
+          <a:p>
+            <a:r>
+              <a:rPr lang="en-GB" sz="1200" b="1" dirty="0" smtClean="0">
+                <a:solidFill>
+                  <a:schemeClr val="accent2">
+                    <a:lumMod val="75000"/>
+                  </a:schemeClr>
+                </a:solidFill>
+              </a:rPr>
+              <a:t>diagonal = no change</a:t>
+            </a:r>
+            <a:endParaRPr lang="en-GB" b="1" dirty="0">
+              <a:solidFill>
+                <a:schemeClr val="accent2">
+                  <a:lumMod val="75000"/>
+                </a:schemeClr>
+              </a:solidFill>
+            </a:endParaRPr>
           </a:p>
         </p:txBody>
       </p:sp>
@@ -10109,7 +10911,7 @@
                                         <p:tgtEl>
                                           <p:spTgt spid="3">
                                             <p:txEl>
-                                              <p:pRg st="2" end="2"/>
+                                              <p:pRg st="3" end="3"/>
                                             </p:txEl>
                                           </p:spTgt>
                                         </p:tgtEl>
@@ -10158,7 +10960,7 @@
                                         <p:tgtEl>
                                           <p:spTgt spid="3">
                                             <p:txEl>
-                                              <p:pRg st="3" end="3"/>
+                                              <p:pRg st="4" end="4"/>
                                             </p:txEl>
                                           </p:spTgt>
                                         </p:tgtEl>
@@ -10189,7 +10991,7 @@
                                         <p:tgtEl>
                                           <p:spTgt spid="3">
                                             <p:txEl>
-                                              <p:pRg st="4" end="4"/>
+                                              <p:pRg st="5" end="5"/>
                                             </p:txEl>
                                           </p:spTgt>
                                         </p:tgtEl>
@@ -10238,7 +11040,7 @@
                                         <p:tgtEl>
                                           <p:spTgt spid="3">
                                             <p:txEl>
-                                              <p:pRg st="5" end="5"/>
+                                              <p:pRg st="6" end="6"/>
                                             </p:txEl>
                                           </p:spTgt>
                                         </p:tgtEl>
@@ -10287,7 +11089,7 @@
                                         <p:tgtEl>
                                           <p:spTgt spid="3">
                                             <p:txEl>
-                                              <p:pRg st="6" end="6"/>
+                                              <p:pRg st="7" end="7"/>
                                             </p:txEl>
                                           </p:spTgt>
                                         </p:tgtEl>
@@ -10569,6 +11371,78 @@
                       </p:childTnLst>
                     </p:cTn>
                   </p:par>
+                  <p:par>
+                    <p:cTn id="43" fill="hold">
+                      <p:stCondLst>
+                        <p:cond delay="indefinite"/>
+                      </p:stCondLst>
+                      <p:childTnLst>
+                        <p:par>
+                          <p:cTn id="44" fill="hold">
+                            <p:stCondLst>
+                              <p:cond delay="0"/>
+                            </p:stCondLst>
+                            <p:childTnLst>
+                              <p:par>
+                                <p:cTn id="45" presetID="1" presetClass="entr" presetSubtype="0" fill="hold" grpId="0" nodeType="clickEffect">
+                                  <p:stCondLst>
+                                    <p:cond delay="0"/>
+                                  </p:stCondLst>
+                                  <p:childTnLst>
+                                    <p:set>
+                                      <p:cBhvr>
+                                        <p:cTn id="46" dur="1" fill="hold">
+                                          <p:stCondLst>
+                                            <p:cond delay="0"/>
+                                          </p:stCondLst>
+                                        </p:cTn>
+                                        <p:tgtEl>
+                                          <p:spTgt spid="14"/>
+                                        </p:tgtEl>
+                                        <p:attrNameLst>
+                                          <p:attrName>style.visibility</p:attrName>
+                                        </p:attrNameLst>
+                                      </p:cBhvr>
+                                      <p:to>
+                                        <p:strVal val="visible"/>
+                                      </p:to>
+                                    </p:set>
+                                  </p:childTnLst>
+                                </p:cTn>
+                              </p:par>
+                              <p:par>
+                                <p:cTn id="47" presetID="1" presetClass="entr" presetSubtype="0" fill="hold" nodeType="withEffect">
+                                  <p:stCondLst>
+                                    <p:cond delay="0"/>
+                                  </p:stCondLst>
+                                  <p:childTnLst>
+                                    <p:set>
+                                      <p:cBhvr>
+                                        <p:cTn id="48" dur="1" fill="hold">
+                                          <p:stCondLst>
+                                            <p:cond delay="0"/>
+                                          </p:stCondLst>
+                                        </p:cTn>
+                                        <p:tgtEl>
+                                          <p:spTgt spid="6"/>
+                                        </p:tgtEl>
+                                        <p:attrNameLst>
+                                          <p:attrName>style.visibility</p:attrName>
+                                        </p:attrNameLst>
+                                      </p:cBhvr>
+                                      <p:to>
+                                        <p:strVal val="visible"/>
+                                      </p:to>
+                                    </p:set>
+                                  </p:childTnLst>
+                                </p:cTn>
+                              </p:par>
+                            </p:childTnLst>
+                          </p:cTn>
+                        </p:par>
+                      </p:childTnLst>
+                    </p:cTn>
+                  </p:par>
                 </p:childTnLst>
               </p:cTn>
               <p:prevCondLst>
@@ -10595,6 +11469,7 @@
       <p:bldP spid="9" grpId="0"/>
       <p:bldP spid="11" grpId="0"/>
       <p:bldP spid="17" grpId="0"/>
+      <p:bldP spid="14" grpId="0"/>
     </p:bldLst>
   </p:timing>
 </p:sld>
@@ -10713,7 +11588,7 @@
         <p:spPr>
           <a:xfrm>
             <a:off x="116115" y="1417638"/>
-            <a:ext cx="5729078" cy="4525963"/>
+            <a:ext cx="5943074" cy="4525963"/>
           </a:xfrm>
         </p:spPr>
         <p:txBody>
@@ -10726,7 +11601,7 @@
               <a:buNone/>
             </a:pPr>
             <a:r>
-              <a:rPr lang="en-GB" sz="1600" b="1" dirty="0">
+              <a:rPr lang="en-GB" sz="1800" b="1" dirty="0">
                 <a:solidFill>
                   <a:srgbClr val="002060"/>
                 </a:solidFill>
@@ -10734,7 +11609,7 @@
               <a:t>Jacobson and </a:t>
             </a:r>
             <a:r>
-              <a:rPr lang="en-GB" sz="1600" b="1" dirty="0" err="1" smtClean="0">
+              <a:rPr lang="en-GB" sz="1800" b="1" dirty="0" err="1" smtClean="0">
                 <a:solidFill>
                   <a:srgbClr val="002060"/>
                 </a:solidFill>
@@ -10742,53 +11617,22 @@
               <a:t>Truax</a:t>
             </a:r>
             <a:r>
-              <a:rPr lang="en-GB" sz="1600" b="1" dirty="0" smtClean="0">
+              <a:rPr lang="en-GB" sz="1800" b="1" dirty="0" smtClean="0">
                 <a:solidFill>
                   <a:srgbClr val="002060"/>
                 </a:solidFill>
               </a:rPr>
               <a:t> (1991)</a:t>
             </a:r>
-            <a:endParaRPr lang="en-GB" sz="1600" b="1" dirty="0">
+            <a:endParaRPr lang="en-GB" sz="1800" b="1" dirty="0">
               <a:solidFill>
                 <a:srgbClr val="002060"/>
               </a:solidFill>
             </a:endParaRPr>
           </a:p>
           <a:p>
-            <a:pPr lvl="0"/>
-            <a:r>
-              <a:rPr lang="en-GB" sz="1600" dirty="0" smtClean="0"/>
-              <a:t>It’s possible for a </a:t>
-            </a:r>
-            <a:r>
-              <a:rPr lang="en-GB" sz="1600" dirty="0" err="1" smtClean="0"/>
-              <a:t>posttest</a:t>
-            </a:r>
-            <a:r>
-              <a:rPr lang="en-GB" sz="1600" dirty="0" smtClean="0"/>
-              <a:t> score to cross a criterion point, but for the change from </a:t>
-            </a:r>
-            <a:r>
-              <a:rPr lang="en-GB" sz="1600" dirty="0" err="1" smtClean="0"/>
-              <a:t>pretest</a:t>
-            </a:r>
-            <a:r>
-              <a:rPr lang="en-GB" sz="1600" dirty="0" smtClean="0"/>
-              <a:t> to </a:t>
-            </a:r>
-            <a:r>
-              <a:rPr lang="en-GB" sz="1600" dirty="0" err="1" smtClean="0"/>
-              <a:t>posttest</a:t>
-            </a:r>
-            <a:r>
-              <a:rPr lang="en-GB" sz="1600" dirty="0" smtClean="0"/>
-              <a:t> to not be reliable, due to measurement error.</a:t>
-            </a:r>
-          </a:p>
-          <a:p>
-            <a:r>
-              <a:rPr lang="en-GB" sz="1600" b="1" dirty="0" smtClean="0">
+            <a:r>
+              <a:rPr lang="en-GB" sz="1800" b="1" dirty="0" smtClean="0">
                 <a:solidFill>
                   <a:srgbClr val="003300"/>
                 </a:solidFill>
@@ -10796,7 +11640,7 @@
               <a:t>Suggested these treatment outcomes </a:t>
             </a:r>
             <a:r>
-              <a:rPr lang="en-GB" sz="1600" b="1" dirty="0">
+              <a:rPr lang="en-GB" sz="1800" b="1" dirty="0">
                 <a:solidFill>
                   <a:srgbClr val="003300"/>
                 </a:solidFill>
@@ -10804,7 +11648,7 @@
               <a:t>on the basis of </a:t>
             </a:r>
             <a:r>
-              <a:rPr lang="en-GB" sz="1600" b="1" dirty="0" smtClean="0">
+              <a:rPr lang="en-GB" sz="1800" b="1" dirty="0" smtClean="0">
                 <a:solidFill>
                   <a:srgbClr val="003300"/>
                 </a:solidFill>
@@ -10812,7 +11656,7 @@
               <a:t>a participant’s </a:t>
             </a:r>
             <a:r>
-              <a:rPr lang="en-GB" sz="1600" b="1" dirty="0">
+              <a:rPr lang="en-GB" sz="1800" b="1" dirty="0">
                 <a:solidFill>
                   <a:srgbClr val="003300"/>
                 </a:solidFill>
@@ -10820,7 +11664,7 @@
               <a:t>RC index and </a:t>
             </a:r>
             <a:r>
-              <a:rPr lang="en-GB" sz="1600" b="1" dirty="0" smtClean="0">
+              <a:rPr lang="en-GB" sz="1800" b="1" dirty="0" smtClean="0">
                 <a:solidFill>
                   <a:srgbClr val="003300"/>
                 </a:solidFill>
@@ -10828,7 +11672,7 @@
               <a:t>criterion </a:t>
             </a:r>
             <a:r>
-              <a:rPr lang="en-GB" sz="1600" b="1" dirty="0">
+              <a:rPr lang="en-GB" sz="1800" b="1" dirty="0">
                 <a:solidFill>
                   <a:srgbClr val="003300"/>
                 </a:solidFill>
@@ -10836,14 +11680,14 @@
               <a:t>for </a:t>
             </a:r>
             <a:r>
-              <a:rPr lang="en-GB" sz="1600" b="1" dirty="0" smtClean="0">
+              <a:rPr lang="en-GB" sz="1800" b="1" dirty="0" smtClean="0">
                 <a:solidFill>
                   <a:srgbClr val="003300"/>
                 </a:solidFill>
               </a:rPr>
               <a:t>diagnosis:</a:t>
             </a:r>
-            <a:endParaRPr lang="en-GB" sz="1600" b="1" dirty="0">
+            <a:endParaRPr lang="en-GB" sz="1800" b="1" dirty="0">
               <a:solidFill>
                 <a:srgbClr val="003300"/>
               </a:solidFill>
@@ -10852,7 +11696,7 @@
           <a:p>
             <a:pPr lvl="1"/>
             <a:r>
-              <a:rPr lang="en-GB" sz="1600" b="1" dirty="0" smtClean="0">
+              <a:rPr lang="en-GB" sz="1800" b="1" dirty="0" smtClean="0">
                 <a:solidFill>
                   <a:schemeClr val="tx2"/>
                 </a:solidFill>
@@ -10863,26 +11707,26 @@
           <a:p>
             <a:pPr lvl="2"/>
             <a:r>
-              <a:rPr lang="en-GB" sz="1600" dirty="0" smtClean="0"/>
+              <a:rPr lang="en-GB" sz="1800" dirty="0" smtClean="0"/>
               <a:t>Reliable change and </a:t>
             </a:r>
             <a:r>
-              <a:rPr lang="en-GB" sz="1600" dirty="0" err="1" smtClean="0"/>
+              <a:rPr lang="en-GB" sz="1800" dirty="0" err="1" smtClean="0"/>
               <a:t>posttest</a:t>
             </a:r>
             <a:r>
-              <a:rPr lang="en-GB" sz="1600" dirty="0"/>
+              <a:rPr lang="en-GB" sz="1800" dirty="0"/>
               <a:t> </a:t>
             </a:r>
             <a:r>
-              <a:rPr lang="en-GB" sz="1600" dirty="0" smtClean="0"/>
+              <a:rPr lang="en-GB" sz="1800" dirty="0" smtClean="0"/>
               <a:t>crosses criterion </a:t>
             </a:r>
           </a:p>
           <a:p>
             <a:pPr lvl="1"/>
             <a:r>
-              <a:rPr lang="en-GB" sz="1600" b="1" dirty="0" smtClean="0">
+              <a:rPr lang="en-GB" sz="1800" b="1" dirty="0" smtClean="0">
                 <a:solidFill>
                   <a:schemeClr val="tx2"/>
                 </a:solidFill>
@@ -10893,30 +11737,30 @@
           <a:p>
             <a:pPr lvl="2"/>
             <a:r>
-              <a:rPr lang="en-GB" sz="1600" dirty="0"/>
+              <a:rPr lang="en-GB" sz="1800" dirty="0"/>
               <a:t>Reliable change and </a:t>
             </a:r>
             <a:r>
-              <a:rPr lang="en-GB" sz="1600" dirty="0" err="1"/>
+              <a:rPr lang="en-GB" sz="1800" dirty="0" err="1"/>
               <a:t>posttest</a:t>
             </a:r>
             <a:r>
-              <a:rPr lang="en-GB" sz="1600" dirty="0"/>
+              <a:rPr lang="en-GB" sz="1800" dirty="0"/>
               <a:t> </a:t>
             </a:r>
             <a:r>
-              <a:rPr lang="en-GB" sz="1600" dirty="0" smtClean="0"/>
+              <a:rPr lang="en-GB" sz="1800" dirty="0" smtClean="0"/>
               <a:t>does not cross </a:t>
             </a:r>
             <a:r>
-              <a:rPr lang="en-GB" sz="1600" dirty="0"/>
+              <a:rPr lang="en-GB" sz="1800" dirty="0"/>
               <a:t>criterion </a:t>
             </a:r>
           </a:p>
           <a:p>
             <a:pPr lvl="1"/>
             <a:r>
-              <a:rPr lang="en-GB" sz="1600" b="1" dirty="0" smtClean="0">
+              <a:rPr lang="en-GB" sz="1800" b="1" dirty="0" smtClean="0">
                 <a:solidFill>
                   <a:schemeClr val="tx2"/>
                 </a:solidFill>
@@ -10927,14 +11771,14 @@
           <a:p>
             <a:pPr lvl="2"/>
             <a:r>
-              <a:rPr lang="en-GB" sz="1600" dirty="0" smtClean="0"/>
+              <a:rPr lang="en-GB" sz="1800" dirty="0" smtClean="0"/>
               <a:t>No reliable change</a:t>
             </a:r>
           </a:p>
           <a:p>
             <a:pPr lvl="1"/>
             <a:r>
-              <a:rPr lang="en-GB" sz="1600" b="1" dirty="0" smtClean="0">
+              <a:rPr lang="en-GB" sz="1800" b="1" dirty="0" smtClean="0">
                 <a:solidFill>
                   <a:schemeClr val="tx2"/>
                 </a:solidFill>
@@ -10945,64 +11789,64 @@
           <a:p>
             <a:pPr lvl="2"/>
             <a:r>
-              <a:rPr lang="en-GB" sz="1600" dirty="0" smtClean="0"/>
+              <a:rPr lang="en-GB" sz="1800" dirty="0" smtClean="0"/>
               <a:t>Reliable change and </a:t>
             </a:r>
             <a:r>
-              <a:rPr lang="en-GB" sz="1600" dirty="0" err="1" smtClean="0"/>
+              <a:rPr lang="en-GB" sz="1800" dirty="0" err="1" smtClean="0"/>
               <a:t>posttest</a:t>
             </a:r>
             <a:r>
-              <a:rPr lang="en-GB" sz="1600" dirty="0" smtClean="0"/>
+              <a:rPr lang="en-GB" sz="1800" dirty="0" smtClean="0"/>
               <a:t> below </a:t>
             </a:r>
             <a:r>
-              <a:rPr lang="en-GB" sz="1600" dirty="0" err="1" smtClean="0"/>
+              <a:rPr lang="en-GB" sz="1800" dirty="0" err="1" smtClean="0"/>
               <a:t>pretest</a:t>
             </a:r>
-            <a:endParaRPr lang="en-GB" sz="1600" dirty="0" smtClean="0"/>
-          </a:p>
-          <a:p>
-            <a:endParaRPr lang="en-GB" sz="1600" dirty="0"/>
-          </a:p>
-          <a:p>
-            <a:r>
-              <a:rPr lang="en-GB" sz="1600" dirty="0" smtClean="0"/>
+            <a:endParaRPr lang="en-GB" sz="1800" dirty="0" smtClean="0"/>
+          </a:p>
+          <a:p>
+            <a:endParaRPr lang="en-GB" sz="1800" dirty="0"/>
+          </a:p>
+          <a:p>
+            <a:r>
+              <a:rPr lang="en-GB" sz="1800" dirty="0" smtClean="0"/>
               <a:t>In absence of established criterion, if M</a:t>
             </a:r>
             <a:r>
-              <a:rPr lang="en-GB" sz="1600" baseline="-25000" dirty="0" smtClean="0"/>
+              <a:rPr lang="en-GB" sz="1800" baseline="-25000" dirty="0" smtClean="0"/>
               <a:t>1</a:t>
             </a:r>
             <a:r>
-              <a:rPr lang="en-GB" sz="1600" dirty="0" smtClean="0"/>
+              <a:rPr lang="en-GB" sz="1800" dirty="0" smtClean="0"/>
               <a:t> and M</a:t>
             </a:r>
             <a:r>
-              <a:rPr lang="en-GB" sz="1600" baseline="-25000" dirty="0" smtClean="0"/>
+              <a:rPr lang="en-GB" sz="1800" baseline="-25000" dirty="0" smtClean="0"/>
               <a:t>2</a:t>
             </a:r>
             <a:r>
-              <a:rPr lang="en-GB" sz="1600" dirty="0" smtClean="0"/>
+              <a:rPr lang="en-GB" sz="1800" dirty="0" smtClean="0"/>
               <a:t> are known, the midpoint between them can be used as a </a:t>
             </a:r>
             <a:r>
-              <a:rPr lang="en-GB" sz="1600" dirty="0" err="1" smtClean="0"/>
+              <a:rPr lang="en-GB" sz="1800" dirty="0" err="1" smtClean="0"/>
               <a:t>cutoff</a:t>
             </a:r>
             <a:r>
-              <a:rPr lang="en-GB" sz="1600" dirty="0" smtClean="0"/>
+              <a:rPr lang="en-GB" sz="1800" dirty="0" smtClean="0"/>
               <a:t> (</a:t>
             </a:r>
             <a:r>
-              <a:rPr lang="en-GB" sz="1600" b="1" dirty="0" smtClean="0"/>
+              <a:rPr lang="en-GB" sz="1800" b="1" dirty="0" smtClean="0"/>
               <a:t>c</a:t>
             </a:r>
             <a:r>
-              <a:rPr lang="en-GB" sz="1600" dirty="0" smtClean="0"/>
+              <a:rPr lang="en-GB" sz="1800" dirty="0" smtClean="0"/>
               <a:t>).</a:t>
             </a:r>
-            <a:endParaRPr lang="en-GB" sz="1600" dirty="0"/>
+            <a:endParaRPr lang="en-GB" sz="1800" dirty="0"/>
           </a:p>
         </p:txBody>
       </p:sp>
@@ -11870,15 +12714,33 @@
                                   </p:childTnLst>
                                 </p:cTn>
                               </p:par>
+                            </p:childTnLst>
+                          </p:cTn>
+                        </p:par>
+                      </p:childTnLst>
+                    </p:cTn>
+                  </p:par>
+                  <p:par>
+                    <p:cTn id="7" fill="hold">
+                      <p:stCondLst>
+                        <p:cond delay="indefinite"/>
+                      </p:stCondLst>
+                      <p:childTnLst>
+                        <p:par>
+                          <p:cTn id="8" fill="hold">
+                            <p:stCondLst>
+                              <p:cond delay="0"/>
+                            </p:stCondLst>
+                            <p:childTnLst>
                               <p:par>
-                                <p:cTn id="7" presetID="1" presetClass="entr" presetSubtype="0" fill="hold" nodeType="withEffect">
+                                <p:cTn id="9" presetID="1" presetClass="entr" presetSubtype="0" fill="hold" nodeType="clickEffect">
                                   <p:stCondLst>
                                     <p:cond delay="0"/>
                                   </p:stCondLst>
                                   <p:childTnLst>
                                     <p:set>
                                       <p:cBhvr>
-                                        <p:cTn id="8" dur="1" fill="hold">
+                                        <p:cTn id="10" dur="1" fill="hold">
                                           <p:stCondLst>
                                             <p:cond delay="0"/>
                                           </p:stCondLst>
@@ -11908,26 +12770,26 @@
                     </p:cTn>
                   </p:par>
                   <p:par>
-                    <p:cTn id="9" fill="hold">
+                    <p:cTn id="11" fill="hold">
                       <p:stCondLst>
                         <p:cond delay="indefinite"/>
                       </p:stCondLst>
                       <p:childTnLst>
                         <p:par>
-                          <p:cTn id="10" fill="hold">
+                          <p:cTn id="12" fill="hold">
                             <p:stCondLst>
                               <p:cond delay="0"/>
                             </p:stCondLst>
                             <p:childTnLst>
                               <p:par>
-                                <p:cTn id="11" presetID="1" presetClass="entr" presetSubtype="0" fill="hold" nodeType="clickEffect">
+                                <p:cTn id="13" presetID="1" presetClass="entr" presetSubtype="0" fill="hold" nodeType="clickEffect">
                                   <p:stCondLst>
                                     <p:cond delay="0"/>
                                   </p:stCondLst>
                                   <p:childTnLst>
                                     <p:set>
                                       <p:cBhvr>
-                                        <p:cTn id="12" dur="1" fill="hold">
+                                        <p:cTn id="14" dur="1" fill="hold">
                                           <p:stCondLst>
                                             <p:cond delay="0"/>
                                           </p:stCondLst>
@@ -11950,26 +12812,8 @@
                                   </p:childTnLst>
                                 </p:cTn>
                               </p:par>
-                            </p:childTnLst>
-                          </p:cTn>
-                        </p:par>
-                      </p:childTnLst>
-                    </p:cTn>
-                  </p:par>
-                  <p:par>
-                    <p:cTn id="13" fill="hold">
-                      <p:stCondLst>
-                        <p:cond delay="indefinite"/>
-                      </p:stCondLst>
-                      <p:childTnLst>
-                        <p:par>
-                          <p:cTn id="14" fill="hold">
-                            <p:stCondLst>
-                              <p:cond delay="0"/>
-                            </p:stCondLst>
-                            <p:childTnLst>
                               <p:par>
-                                <p:cTn id="15" presetID="1" presetClass="entr" presetSubtype="0" fill="hold" nodeType="clickEffect">
+                                <p:cTn id="15" presetID="1" presetClass="entr" presetSubtype="0" fill="hold" nodeType="withEffect">
                                   <p:stCondLst>
                                     <p:cond delay="0"/>
                                   </p:stCondLst>
@@ -11999,15 +12843,33 @@
                                   </p:childTnLst>
                                 </p:cTn>
                               </p:par>
+                            </p:childTnLst>
+                          </p:cTn>
+                        </p:par>
+                      </p:childTnLst>
+                    </p:cTn>
+                  </p:par>
+                  <p:par>
+                    <p:cTn id="17" fill="hold">
+                      <p:stCondLst>
+                        <p:cond delay="indefinite"/>
+                      </p:stCondLst>
+                      <p:childTnLst>
+                        <p:par>
+                          <p:cTn id="18" fill="hold">
+                            <p:stCondLst>
+                              <p:cond delay="0"/>
+                            </p:stCondLst>
+                            <p:childTnLst>
                               <p:par>
-                                <p:cTn id="17" presetID="1" presetClass="entr" presetSubtype="0" fill="hold" nodeType="withEffect">
+                                <p:cTn id="19" presetID="1" presetClass="entr" presetSubtype="0" fill="hold" nodeType="clickEffect">
                                   <p:stCondLst>
                                     <p:cond delay="0"/>
                                   </p:stCondLst>
                                   <p:childTnLst>
                                     <p:set>
                                       <p:cBhvr>
-                                        <p:cTn id="18" dur="1" fill="hold">
+                                        <p:cTn id="20" dur="1" fill="hold">
                                           <p:stCondLst>
                                             <p:cond delay="0"/>
                                           </p:stCondLst>
@@ -12030,26 +12892,8 @@
                                   </p:childTnLst>
                                 </p:cTn>
                               </p:par>
-                            </p:childTnLst>
-                          </p:cTn>
-                        </p:par>
-                      </p:childTnLst>
-                    </p:cTn>
-                  </p:par>
-                  <p:par>
-                    <p:cTn id="19" fill="hold">
-                      <p:stCondLst>
-                        <p:cond delay="indefinite"/>
-                      </p:stCondLst>
-                      <p:childTnLst>
-                        <p:par>
-                          <p:cTn id="20" fill="hold">
-                            <p:stCondLst>
-                              <p:cond delay="0"/>
-                            </p:stCondLst>
-                            <p:childTnLst>
                               <p:par>
-                                <p:cTn id="21" presetID="1" presetClass="entr" presetSubtype="0" fill="hold" nodeType="clickEffect">
+                                <p:cTn id="21" presetID="1" presetClass="entr" presetSubtype="0" fill="hold" nodeType="withEffect">
                                   <p:stCondLst>
                                     <p:cond delay="0"/>
                                   </p:stCondLst>
@@ -12079,15 +12923,33 @@
                                   </p:childTnLst>
                                 </p:cTn>
                               </p:par>
+                            </p:childTnLst>
+                          </p:cTn>
+                        </p:par>
+                      </p:childTnLst>
+                    </p:cTn>
+                  </p:par>
+                  <p:par>
+                    <p:cTn id="23" fill="hold">
+                      <p:stCondLst>
+                        <p:cond delay="indefinite"/>
+                      </p:stCondLst>
+                      <p:childTnLst>
+                        <p:par>
+                          <p:cTn id="24" fill="hold">
+                            <p:stCondLst>
+                              <p:cond delay="0"/>
+                            </p:stCondLst>
+                            <p:childTnLst>
                               <p:par>
-                                <p:cTn id="23" presetID="1" presetClass="entr" presetSubtype="0" fill="hold" nodeType="withEffect">
+                                <p:cTn id="25" presetID="1" presetClass="entr" presetSubtype="0" fill="hold" nodeType="clickEffect">
                                   <p:stCondLst>
                                     <p:cond delay="0"/>
                                   </p:stCondLst>
                                   <p:childTnLst>
                                     <p:set>
                                       <p:cBhvr>
-                                        <p:cTn id="24" dur="1" fill="hold">
+                                        <p:cTn id="26" dur="1" fill="hold">
                                           <p:stCondLst>
                                             <p:cond delay="0"/>
                                           </p:stCondLst>
@@ -12110,26 +12972,8 @@
                                   </p:childTnLst>
                                 </p:cTn>
                               </p:par>
-                            </p:childTnLst>
-                          </p:cTn>
-                        </p:par>
-                      </p:childTnLst>
-                    </p:cTn>
-                  </p:par>
-                  <p:par>
-                    <p:cTn id="25" fill="hold">
-                      <p:stCondLst>
-                        <p:cond delay="indefinite"/>
-                      </p:stCondLst>
-                      <p:childTnLst>
-                        <p:par>
-                          <p:cTn id="26" fill="hold">
-                            <p:stCondLst>
-                              <p:cond delay="0"/>
-                            </p:stCondLst>
-                            <p:childTnLst>
                               <p:par>
-                                <p:cTn id="27" presetID="1" presetClass="entr" presetSubtype="0" fill="hold" nodeType="clickEffect">
+                                <p:cTn id="27" presetID="1" presetClass="entr" presetSubtype="0" fill="hold" nodeType="withEffect">
                                   <p:stCondLst>
                                     <p:cond delay="0"/>
                                   </p:stCondLst>
@@ -12159,15 +13003,33 @@
                                   </p:childTnLst>
                                 </p:cTn>
                               </p:par>
+                            </p:childTnLst>
+                          </p:cTn>
+                        </p:par>
+                      </p:childTnLst>
+                    </p:cTn>
+                  </p:par>
+                  <p:par>
+                    <p:cTn id="29" fill="hold">
+                      <p:stCondLst>
+                        <p:cond delay="indefinite"/>
+                      </p:stCondLst>
+                      <p:childTnLst>
+                        <p:par>
+                          <p:cTn id="30" fill="hold">
+                            <p:stCondLst>
+                              <p:cond delay="0"/>
+                            </p:stCondLst>
+                            <p:childTnLst>
                               <p:par>
-                                <p:cTn id="29" presetID="1" presetClass="entr" presetSubtype="0" fill="hold" nodeType="withEffect">
+                                <p:cTn id="31" presetID="1" presetClass="entr" presetSubtype="0" fill="hold" nodeType="clickEffect">
                                   <p:stCondLst>
                                     <p:cond delay="0"/>
                                   </p:stCondLst>
                                   <p:childTnLst>
                                     <p:set>
                                       <p:cBhvr>
-                                        <p:cTn id="30" dur="1" fill="hold">
+                                        <p:cTn id="32" dur="1" fill="hold">
                                           <p:stCondLst>
                                             <p:cond delay="0"/>
                                           </p:stCondLst>
@@ -12190,26 +13052,8 @@
                                   </p:childTnLst>
                                 </p:cTn>
                               </p:par>
-                            </p:childTnLst>
-                          </p:cTn>
-                        </p:par>
-                      </p:childTnLst>
-                    </p:cTn>
-                  </p:par>
-                  <p:par>
-                    <p:cTn id="31" fill="hold">
-                      <p:stCondLst>
-                        <p:cond delay="indefinite"/>
-                      </p:stCondLst>
-                      <p:childTnLst>
-                        <p:par>
-                          <p:cTn id="32" fill="hold">
-                            <p:stCondLst>
-                              <p:cond delay="0"/>
-                            </p:stCondLst>
-                            <p:childTnLst>
                               <p:par>
-                                <p:cTn id="33" presetID="1" presetClass="entr" presetSubtype="0" fill="hold" nodeType="clickEffect">
+                                <p:cTn id="33" presetID="1" presetClass="entr" presetSubtype="0" fill="hold" nodeType="withEffect">
                                   <p:stCondLst>
                                     <p:cond delay="0"/>
                                   </p:stCondLst>
@@ -12239,15 +13083,33 @@
                                   </p:childTnLst>
                                 </p:cTn>
                               </p:par>
+                            </p:childTnLst>
+                          </p:cTn>
+                        </p:par>
+                      </p:childTnLst>
+                    </p:cTn>
+                  </p:par>
+                  <p:par>
+                    <p:cTn id="35" fill="hold">
+                      <p:stCondLst>
+                        <p:cond delay="indefinite"/>
+                      </p:stCondLst>
+                      <p:childTnLst>
+                        <p:par>
+                          <p:cTn id="36" fill="hold">
+                            <p:stCondLst>
+                              <p:cond delay="0"/>
+                            </p:stCondLst>
+                            <p:childTnLst>
                               <p:par>
-                                <p:cTn id="35" presetID="1" presetClass="entr" presetSubtype="0" fill="hold" nodeType="withEffect">
+                                <p:cTn id="37" presetID="1" presetClass="entr" presetSubtype="0" fill="hold" nodeType="clickEffect">
                                   <p:stCondLst>
                                     <p:cond delay="0"/>
                                   </p:stCondLst>
                                   <p:childTnLst>
                                     <p:set>
                                       <p:cBhvr>
-                                        <p:cTn id="36" dur="1" fill="hold">
+                                        <p:cTn id="38" dur="1" fill="hold">
                                           <p:stCondLst>
                                             <p:cond delay="0"/>
                                           </p:stCondLst>
@@ -12255,56 +13117,7 @@
                                         <p:tgtEl>
                                           <p:spTgt spid="3">
                                             <p:txEl>
-                                              <p:pRg st="10" end="10"/>
-                                            </p:txEl>
-                                          </p:spTgt>
-                                        </p:tgtEl>
-                                        <p:attrNameLst>
-                                          <p:attrName>style.visibility</p:attrName>
-                                        </p:attrNameLst>
-                                      </p:cBhvr>
-                                      <p:to>
-                                        <p:strVal val="visible"/>
-                                      </p:to>
-                                    </p:set>
-                                  </p:childTnLst>
-                                </p:cTn>
-                              </p:par>
-                            </p:childTnLst>
-                          </p:cTn>
-                        </p:par>
-                      </p:childTnLst>
-                    </p:cTn>
-                  </p:par>
-                  <p:par>
-                    <p:cTn id="37" fill="hold">
-                      <p:stCondLst>
-                        <p:cond delay="indefinite"/>
-                      </p:stCondLst>
-                      <p:childTnLst>
-                        <p:par>
-                          <p:cTn id="38" fill="hold">
-                            <p:stCondLst>
-                              <p:cond delay="0"/>
-                            </p:stCondLst>
-                            <p:childTnLst>
-                              <p:par>
-                                <p:cTn id="39" presetID="1" presetClass="entr" presetSubtype="0" fill="hold" nodeType="clickEffect">
-                                  <p:stCondLst>
-                                    <p:cond delay="0"/>
-                                  </p:stCondLst>
-                                  <p:childTnLst>
-                                    <p:set>
-                                      <p:cBhvr>
-                                        <p:cTn id="40" dur="1" fill="hold">
-                                          <p:stCondLst>
-                                            <p:cond delay="0"/>
-                                          </p:stCondLst>
-                                        </p:cTn>
-                                        <p:tgtEl>
-                                          <p:spTgt spid="3">
-                                            <p:txEl>
-                                              <p:pRg st="12" end="12"/>
+                                              <p:pRg st="11" end="11"/>
                                             </p:txEl>
                                           </p:spTgt>
                                         </p:tgtEl>
@@ -12549,7 +13362,7 @@
         <p:spPr>
           <a:xfrm>
             <a:off x="1257300" y="1856376"/>
-            <a:ext cx="8711231" cy="646331"/>
+            <a:ext cx="8764130" cy="369332"/>
           </a:xfrm>
           <a:prstGeom prst="rect">
             <a:avLst/>
@@ -12564,14 +13377,52 @@
           <a:p>
             <a:r>
               <a:rPr lang="en-GB" dirty="0" smtClean="0"/>
-              <a:t>Finish for next session.</a:t>
-            </a:r>
-            <a:br>
+              <a:t>Please ask me or Paul during the session if you have any questions on the code or concepts.</a:t>
+            </a:r>
+            <a:endParaRPr lang="en-GB" dirty="0"/>
+          </a:p>
+        </p:txBody>
+      </p:sp>
+      <p:sp>
+        <p:nvSpPr>
+          <p:cNvPr id="7" name="TextBox 7"/>
+          <p:cNvSpPr txBox="1"/>
+          <p:nvPr/>
+        </p:nvSpPr>
+        <p:spPr>
+          <a:xfrm>
+            <a:off x="4095705" y="5773608"/>
+            <a:ext cx="4123765" cy="646331"/>
+          </a:xfrm>
+          <a:prstGeom prst="rect">
+            <a:avLst/>
+          </a:prstGeom>
+          <a:solidFill>
+            <a:schemeClr val="accent4">
+              <a:lumMod val="40000"/>
+              <a:lumOff val="60000"/>
+            </a:schemeClr>
+          </a:solidFill>
+        </p:spPr>
+        <p:txBody>
+          <a:bodyPr wrap="square" rtlCol="0">
+            <a:spAutoFit/>
+          </a:bodyPr>
+          <a:lstStyle/>
+          <a:p>
+            <a:r>
               <a:rPr lang="en-GB" dirty="0" smtClean="0"/>
-            </a:br>
+              <a:t>Good luck in the assignment, don’t forget instructions on DLE and FAQs </a:t>
+            </a:r>
+            <a:r>
+              <a:rPr lang="en-GB" dirty="0" smtClean="0">
+                <a:sym typeface="Wingdings" panose="05000000000000000000" pitchFamily="2" charset="2"/>
+              </a:rPr>
+              <a:t></a:t>
+            </a:r>
             <a:r>
               <a:rPr lang="en-GB" dirty="0" smtClean="0"/>
-              <a:t>Please ask me or Paul during the session if you have any questions on the code or concepts.</a:t>
+              <a:t> </a:t>
             </a:r>
             <a:endParaRPr lang="en-GB" dirty="0"/>
           </a:p>
@@ -12742,6 +13593,302 @@
                       </p:childTnLst>
                     </p:cTn>
                   </p:par>
+                  <p:par>
+                    <p:cTn id="15" fill="hold">
+                      <p:stCondLst>
+                        <p:cond delay="indefinite"/>
+                      </p:stCondLst>
+                      <p:childTnLst>
+                        <p:par>
+                          <p:cTn id="16" fill="hold">
+                            <p:stCondLst>
+                              <p:cond delay="0"/>
+                            </p:stCondLst>
+                            <p:childTnLst>
+                              <p:par>
+                                <p:cTn id="17" presetID="26" presetClass="entr" presetSubtype="0" fill="hold" grpId="0" nodeType="clickEffect">
+                                  <p:stCondLst>
+                                    <p:cond delay="0"/>
+                                  </p:stCondLst>
+                                  <p:childTnLst>
+                                    <p:set>
+                                      <p:cBhvr>
+                                        <p:cTn id="18" dur="1" fill="hold">
+                                          <p:stCondLst>
+                                            <p:cond delay="0"/>
+                                          </p:stCondLst>
+                                        </p:cTn>
+                                        <p:tgtEl>
+                                          <p:spTgt spid="7"/>
+                                        </p:tgtEl>
+                                        <p:attrNameLst>
+                                          <p:attrName>style.visibility</p:attrName>
+                                        </p:attrNameLst>
+                                      </p:cBhvr>
+                                      <p:to>
+                                        <p:strVal val="visible"/>
+                                      </p:to>
+                                    </p:set>
+                                    <p:animEffect transition="in" filter="wipe(down)">
+                                      <p:cBhvr>
+                                        <p:cTn id="19" dur="580">
+                                          <p:stCondLst>
+                                            <p:cond delay="0"/>
+                                          </p:stCondLst>
+                                        </p:cTn>
+                                        <p:tgtEl>
+                                          <p:spTgt spid="7"/>
+                                        </p:tgtEl>
+                                      </p:cBhvr>
+                                    </p:animEffect>
+                                    <p:anim calcmode="lin" valueType="num">
+                                      <p:cBhvr>
+                                        <p:cTn id="20" dur="1822" tmFilter="0,0; 0.14,0.36; 0.43,0.73; 0.71,0.91; 1.0,1.0">
+                                          <p:stCondLst>
+                                            <p:cond delay="0"/>
+                                          </p:stCondLst>
+                                        </p:cTn>
+                                        <p:tgtEl>
+                                          <p:spTgt spid="7"/>
+                                        </p:tgtEl>
+                                        <p:attrNameLst>
+                                          <p:attrName>ppt_x</p:attrName>
+                                        </p:attrNameLst>
+                                      </p:cBhvr>
+                                      <p:tavLst>
+                                        <p:tav tm="0">
+                                          <p:val>
+                                            <p:strVal val="#ppt_x-0.25"/>
+                                          </p:val>
+                                        </p:tav>
+                                        <p:tav tm="100000">
+                                          <p:val>
+                                            <p:strVal val="#ppt_x"/>
+                                          </p:val>
+                                        </p:tav>
+                                      </p:tavLst>
+                                    </p:anim>
+                                    <p:anim calcmode="lin" valueType="num">
+                                      <p:cBhvr>
+                                        <p:cTn id="21" dur="664" tmFilter="0.0,0.0; 0.25,0.07; 0.50,0.2; 0.75,0.467; 1.0,1.0">
+                                          <p:stCondLst>
+                                            <p:cond delay="0"/>
+                                          </p:stCondLst>
+                                        </p:cTn>
+                                        <p:tgtEl>
+                                          <p:spTgt spid="7"/>
+                                        </p:tgtEl>
+                                        <p:attrNameLst>
+                                          <p:attrName>ppt_y</p:attrName>
+                                        </p:attrNameLst>
+                                      </p:cBhvr>
+                                      <p:tavLst>
+                                        <p:tav tm="0" fmla="#ppt_y-sin(pi*$)/3">
+                                          <p:val>
+                                            <p:fltVal val="0.5"/>
+                                          </p:val>
+                                        </p:tav>
+                                        <p:tav tm="100000">
+                                          <p:val>
+                                            <p:fltVal val="1"/>
+                                          </p:val>
+                                        </p:tav>
+                                      </p:tavLst>
+                                    </p:anim>
+                                    <p:anim calcmode="lin" valueType="num">
+                                      <p:cBhvr>
+                                        <p:cTn id="22" dur="664" tmFilter="0, 0; 0.125,0.2665; 0.25,0.4; 0.375,0.465; 0.5,0.5;  0.625,0.535; 0.75,0.6; 0.875,0.7335; 1,1">
+                                          <p:stCondLst>
+                                            <p:cond delay="664"/>
+                                          </p:stCondLst>
+                                        </p:cTn>
+                                        <p:tgtEl>
+                                          <p:spTgt spid="7"/>
+                                        </p:tgtEl>
+                                        <p:attrNameLst>
+                                          <p:attrName>ppt_y</p:attrName>
+                                        </p:attrNameLst>
+                                      </p:cBhvr>
+                                      <p:tavLst>
+                                        <p:tav tm="0" fmla="#ppt_y-sin(pi*$)/9">
+                                          <p:val>
+                                            <p:fltVal val="0"/>
+                                          </p:val>
+                                        </p:tav>
+                                        <p:tav tm="100000">
+                                          <p:val>
+                                            <p:fltVal val="1"/>
+                                          </p:val>
+                                        </p:tav>
+                                      </p:tavLst>
+                                    </p:anim>
+                                    <p:anim calcmode="lin" valueType="num">
+                                      <p:cBhvr>
+                                        <p:cTn id="23" dur="332" tmFilter="0, 0; 0.125,0.2665; 0.25,0.4; 0.375,0.465; 0.5,0.5;  0.625,0.535; 0.75,0.6; 0.875,0.7335; 1,1">
+                                          <p:stCondLst>
+                                            <p:cond delay="1324"/>
+                                          </p:stCondLst>
+                                        </p:cTn>
+                                        <p:tgtEl>
+                                          <p:spTgt spid="7"/>
+                                        </p:tgtEl>
+                                        <p:attrNameLst>
+                                          <p:attrName>ppt_y</p:attrName>
+                                        </p:attrNameLst>
+                                      </p:cBhvr>
+                                      <p:tavLst>
+                                        <p:tav tm="0" fmla="#ppt_y-sin(pi*$)/27">
+                                          <p:val>
+                                            <p:fltVal val="0"/>
+                                          </p:val>
+                                        </p:tav>
+                                        <p:tav tm="100000">
+                                          <p:val>
+                                            <p:fltVal val="1"/>
+                                          </p:val>
+                                        </p:tav>
+                                      </p:tavLst>
+                                    </p:anim>
+                                    <p:anim calcmode="lin" valueType="num">
+                                      <p:cBhvr>
+                                        <p:cTn id="24" dur="164" tmFilter="0, 0; 0.125,0.2665; 0.25,0.4; 0.375,0.465; 0.5,0.5;  0.625,0.535; 0.75,0.6; 0.875,0.7335; 1,1">
+                                          <p:stCondLst>
+                                            <p:cond delay="1656"/>
+                                          </p:stCondLst>
+                                        </p:cTn>
+                                        <p:tgtEl>
+                                          <p:spTgt spid="7"/>
+                                        </p:tgtEl>
+                                        <p:attrNameLst>
+                                          <p:attrName>ppt_y</p:attrName>
+                                        </p:attrNameLst>
+                                      </p:cBhvr>
+                                      <p:tavLst>
+                                        <p:tav tm="0" fmla="#ppt_y-sin(pi*$)/81">
+                                          <p:val>
+                                            <p:fltVal val="0"/>
+                                          </p:val>
+                                        </p:tav>
+                                        <p:tav tm="100000">
+                                          <p:val>
+                                            <p:fltVal val="1"/>
+                                          </p:val>
+                                        </p:tav>
+                                      </p:tavLst>
+                                    </p:anim>
+                                    <p:animScale>
+                                      <p:cBhvr>
+                                        <p:cTn id="25" dur="26">
+                                          <p:stCondLst>
+                                            <p:cond delay="650"/>
+                                          </p:stCondLst>
+                                        </p:cTn>
+                                        <p:tgtEl>
+                                          <p:spTgt spid="7"/>
+                                        </p:tgtEl>
+                                      </p:cBhvr>
+                                      <p:to x="100000" y="60000"/>
+                                    </p:animScale>
+                                    <p:animScale>
+                                      <p:cBhvr>
+                                        <p:cTn id="26" dur="166" decel="50000">
+                                          <p:stCondLst>
+                                            <p:cond delay="676"/>
+                                          </p:stCondLst>
+                                        </p:cTn>
+                                        <p:tgtEl>
+                                          <p:spTgt spid="7"/>
+                                        </p:tgtEl>
+                                      </p:cBhvr>
+                                      <p:to x="100000" y="100000"/>
+                                    </p:animScale>
+                                    <p:animScale>
+                                      <p:cBhvr>
+                                        <p:cTn id="27" dur="26">
+                                          <p:stCondLst>
+                                            <p:cond delay="1312"/>
+                                          </p:stCondLst>
+                                        </p:cTn>
+                                        <p:tgtEl>
+                                          <p:spTgt spid="7"/>
+                                        </p:tgtEl>
+                                      </p:cBhvr>
+                                      <p:to x="100000" y="80000"/>
+                                    </p:animScale>
+                                    <p:animScale>
+                                      <p:cBhvr>
+                                        <p:cTn id="28" dur="166" decel="50000">
+                                          <p:stCondLst>
+                                            <p:cond delay="1338"/>
+                                          </p:stCondLst>
+                                        </p:cTn>
+                                        <p:tgtEl>
+                                          <p:spTgt spid="7"/>
+                                        </p:tgtEl>
+                                      </p:cBhvr>
+                                      <p:to x="100000" y="100000"/>
+                                    </p:animScale>
+                                    <p:animScale>
+                                      <p:cBhvr>
+                                        <p:cTn id="29" dur="26">
+                                          <p:stCondLst>
+                                            <p:cond delay="1642"/>
+                                          </p:stCondLst>
+                                        </p:cTn>
+                                        <p:tgtEl>
+                                          <p:spTgt spid="7"/>
+                                        </p:tgtEl>
+                                      </p:cBhvr>
+                                      <p:to x="100000" y="90000"/>
+                                    </p:animScale>
+                                    <p:animScale>
+                                      <p:cBhvr>
+                                        <p:cTn id="30" dur="166" decel="50000">
+                                          <p:stCondLst>
+                                            <p:cond delay="1668"/>
+                                          </p:stCondLst>
+                                        </p:cTn>
+                                        <p:tgtEl>
+                                          <p:spTgt spid="7"/>
+                                        </p:tgtEl>
+                                      </p:cBhvr>
+                                      <p:to x="100000" y="100000"/>
+                                    </p:animScale>
+                                    <p:animScale>
+                                      <p:cBhvr>
+                                        <p:cTn id="31" dur="26">
+                                          <p:stCondLst>
+                                            <p:cond delay="1808"/>
+                                          </p:stCondLst>
+                                        </p:cTn>
+                                        <p:tgtEl>
+                                          <p:spTgt spid="7"/>
+                                        </p:tgtEl>
+                                      </p:cBhvr>
+                                      <p:to x="100000" y="95000"/>
+                                    </p:animScale>
+                                    <p:animScale>
+                                      <p:cBhvr>
+                                        <p:cTn id="32" dur="166" decel="50000">
+                                          <p:stCondLst>
+                                            <p:cond delay="1834"/>
+                                          </p:stCondLst>
+                                        </p:cTn>
+                                        <p:tgtEl>
+                                          <p:spTgt spid="7"/>
+                                        </p:tgtEl>
+                                      </p:cBhvr>
+                                      <p:to x="100000" y="100000"/>
+                                    </p:animScale>
+                                  </p:childTnLst>
+                                </p:cTn>
+                              </p:par>
+                            </p:childTnLst>
+                          </p:cTn>
+                        </p:par>
+                      </p:childTnLst>
+                    </p:cTn>
+                  </p:par>
                 </p:childTnLst>
               </p:cTn>
               <p:prevCondLst>
@@ -12767,6 +13914,7 @@
       <p:bldP spid="5" grpId="0" animBg="1"/>
       <p:bldP spid="2" grpId="0" animBg="1"/>
       <p:bldP spid="3" grpId="0"/>
+      <p:bldP spid="7" grpId="0" animBg="1"/>
     </p:bldLst>
   </p:timing>
 </p:sld>
@@ -14064,7 +15212,7 @@
                   </a:schemeClr>
                 </a:solidFill>
               </a:rPr>
-              <a:t>Depressive symptoms measured before and 2 weeks after the intervention.</a:t>
+              <a:t>Depressive symptoms measured before and 3 weeks after the intervention.</a:t>
             </a:r>
           </a:p>
           <a:p>
@@ -20800,7 +21948,7 @@
         </p:nvSpPr>
         <p:spPr>
           <a:xfrm>
-            <a:off x="6883400" y="2276078"/>
+            <a:off x="7026832" y="2276078"/>
             <a:ext cx="115557" cy="632222"/>
           </a:xfrm>
           <a:prstGeom prst="leftBracket">
@@ -20872,8 +22020,8 @@
         </p:nvSpPr>
         <p:spPr>
           <a:xfrm>
-            <a:off x="6460621" y="2422912"/>
-            <a:ext cx="352982" cy="338554"/>
+            <a:off x="6121609" y="2422912"/>
+            <a:ext cx="952633" cy="338554"/>
           </a:xfrm>
           <a:prstGeom prst="rect">
             <a:avLst/>
@@ -20892,7 +22040,7 @@
                   <a:schemeClr val="tx2"/>
                 </a:solidFill>
               </a:rPr>
-              <a:t>IV</a:t>
+              <a:t>predictor</a:t>
             </a:r>
             <a:endParaRPr lang="en-GB" sz="1600" dirty="0">
               <a:solidFill>
@@ -20910,8 +22058,8 @@
         </p:nvSpPr>
         <p:spPr>
           <a:xfrm>
-            <a:off x="10677148" y="3747786"/>
-            <a:ext cx="425886" cy="338554"/>
+            <a:off x="10302136" y="3716239"/>
+            <a:ext cx="1634550" cy="338554"/>
           </a:xfrm>
           <a:prstGeom prst="rect">
             <a:avLst/>
@@ -20925,12 +22073,20 @@
           <a:lstStyle/>
           <a:p>
             <a:r>
+              <a:rPr lang="en-GB" sz="1600" dirty="0">
+                <a:solidFill>
+                  <a:schemeClr val="tx2"/>
+                </a:solidFill>
+              </a:rPr>
+              <a:t>o</a:t>
+            </a:r>
+            <a:r>
               <a:rPr lang="en-GB" sz="1600" dirty="0" smtClean="0">
                 <a:solidFill>
                   <a:schemeClr val="tx2"/>
                 </a:solidFill>
               </a:rPr>
-              <a:t>DV</a:t>
+              <a:t>utcome variable</a:t>
             </a:r>
             <a:endParaRPr lang="en-GB" sz="1600" dirty="0">
               <a:solidFill>

--- a/docs/slides/PSYC753_L7_PrePostData.pptx
+++ b/docs/slides/PSYC753_L7_PrePostData.pptx
@@ -241,7 +241,7 @@
           <a:p>
             <a:fld id="{39F2F66B-899D-484E-9C99-E1DBE23F9DE9}" type="datetimeFigureOut">
               <a:rPr lang="en-GB" smtClean="0"/>
-              <a:t>06/03/2022</a:t>
+              <a:t>21/12/2022</a:t>
             </a:fld>
             <a:endParaRPr lang="en-GB"/>
           </a:p>
@@ -407,7 +407,7 @@
             <a:fld id="{2C09A945-60CF-41CC-BF14-DA645D9ABE0F}" type="datetimeFigureOut">
               <a:rPr lang="en-GB" smtClean="0"/>
               <a:pPr/>
-              <a:t>06/03/2022</a:t>
+              <a:t>21/12/2022</a:t>
             </a:fld>
             <a:endParaRPr lang="en-GB"/>
           </a:p>
@@ -471,35 +471,35 @@
           <a:p>
             <a:pPr lvl="0"/>
             <a:r>
-              <a:rPr lang="en-US" dirty="0" smtClean="0"/>
+              <a:rPr lang="en-US" dirty="0"/>
               <a:t>Click to edit Master text styles</a:t>
             </a:r>
           </a:p>
           <a:p>
             <a:pPr lvl="1"/>
             <a:r>
-              <a:rPr lang="en-US" dirty="0" smtClean="0"/>
+              <a:rPr lang="en-US" dirty="0"/>
               <a:t>Second level</a:t>
             </a:r>
           </a:p>
           <a:p>
             <a:pPr lvl="2"/>
             <a:r>
-              <a:rPr lang="en-US" dirty="0" smtClean="0"/>
+              <a:rPr lang="en-US" dirty="0"/>
               <a:t>Third level</a:t>
             </a:r>
           </a:p>
           <a:p>
             <a:pPr lvl="3"/>
             <a:r>
-              <a:rPr lang="en-US" dirty="0" smtClean="0"/>
+              <a:rPr lang="en-US" dirty="0"/>
               <a:t>Fourth level</a:t>
             </a:r>
           </a:p>
           <a:p>
             <a:pPr lvl="4"/>
             <a:r>
-              <a:rPr lang="en-US" dirty="0" smtClean="0"/>
+              <a:rPr lang="en-US" dirty="0"/>
               <a:t>Fifth level</a:t>
             </a:r>
             <a:endParaRPr lang="en-GB" dirty="0"/>
@@ -2203,10 +2203,9 @@
           <a:lstStyle/>
           <a:p>
             <a:r>
-              <a:rPr lang="en-US" smtClean="0"/>
+              <a:rPr lang="en-US"/>
               <a:t>Click to edit Master title style</a:t>
             </a:r>
-            <a:endParaRPr lang="en-US"/>
           </a:p>
         </p:txBody>
       </p:sp>
@@ -2322,10 +2321,9 @@
           </a:lstStyle>
           <a:p>
             <a:r>
-              <a:rPr lang="en-US" smtClean="0"/>
+              <a:rPr lang="en-US"/>
               <a:t>Click to edit Master subtitle style</a:t>
             </a:r>
-            <a:endParaRPr lang="en-US"/>
           </a:p>
         </p:txBody>
       </p:sp>
@@ -2347,7 +2345,7 @@
             <a:fld id="{FD207E47-C1CA-47C9-BFA1-FDEFD1CE1BAA}" type="datetime1">
               <a:rPr lang="en-US" smtClean="0"/>
               <a:pPr/>
-              <a:t>3/6/2022</a:t>
+              <a:t>12/21/2022</a:t>
             </a:fld>
             <a:endParaRPr lang="en-US"/>
           </a:p>
@@ -2437,10 +2435,9 @@
           <a:lstStyle/>
           <a:p>
             <a:r>
-              <a:rPr lang="en-US" smtClean="0"/>
+              <a:rPr lang="en-US"/>
               <a:t>Click to edit Master title style</a:t>
             </a:r>
-            <a:endParaRPr lang="en-US"/>
           </a:p>
         </p:txBody>
       </p:sp>
@@ -2461,38 +2458,37 @@
           <a:p>
             <a:pPr lvl="0"/>
             <a:r>
-              <a:rPr lang="en-US" smtClean="0"/>
+              <a:rPr lang="en-US"/>
               <a:t>Click to edit Master text styles</a:t>
             </a:r>
           </a:p>
           <a:p>
             <a:pPr lvl="1"/>
             <a:r>
-              <a:rPr lang="en-US" smtClean="0"/>
+              <a:rPr lang="en-US"/>
               <a:t>Second level</a:t>
             </a:r>
           </a:p>
           <a:p>
             <a:pPr lvl="2"/>
             <a:r>
-              <a:rPr lang="en-US" smtClean="0"/>
+              <a:rPr lang="en-US"/>
               <a:t>Third level</a:t>
             </a:r>
           </a:p>
           <a:p>
             <a:pPr lvl="3"/>
             <a:r>
-              <a:rPr lang="en-US" smtClean="0"/>
+              <a:rPr lang="en-US"/>
               <a:t>Fourth level</a:t>
             </a:r>
           </a:p>
           <a:p>
             <a:pPr lvl="4"/>
             <a:r>
-              <a:rPr lang="en-US" smtClean="0"/>
+              <a:rPr lang="en-US"/>
               <a:t>Fifth level</a:t>
             </a:r>
-            <a:endParaRPr lang="en-US"/>
           </a:p>
         </p:txBody>
       </p:sp>
@@ -2514,7 +2510,7 @@
             <a:fld id="{58C692B5-BE86-445D-88C0-242C83A9421E}" type="datetime1">
               <a:rPr lang="en-US" smtClean="0"/>
               <a:pPr/>
-              <a:t>3/6/2022</a:t>
+              <a:t>12/21/2022</a:t>
             </a:fld>
             <a:endParaRPr lang="en-US"/>
           </a:p>
@@ -2609,10 +2605,9 @@
           <a:lstStyle/>
           <a:p>
             <a:r>
-              <a:rPr lang="en-US" smtClean="0"/>
+              <a:rPr lang="en-US"/>
               <a:t>Click to edit Master title style</a:t>
             </a:r>
-            <a:endParaRPr lang="en-US"/>
           </a:p>
         </p:txBody>
       </p:sp>
@@ -2638,38 +2633,37 @@
           <a:p>
             <a:pPr lvl="0"/>
             <a:r>
-              <a:rPr lang="en-US" smtClean="0"/>
+              <a:rPr lang="en-US"/>
               <a:t>Click to edit Master text styles</a:t>
             </a:r>
           </a:p>
           <a:p>
             <a:pPr lvl="1"/>
             <a:r>
-              <a:rPr lang="en-US" smtClean="0"/>
+              <a:rPr lang="en-US"/>
               <a:t>Second level</a:t>
             </a:r>
           </a:p>
           <a:p>
             <a:pPr lvl="2"/>
             <a:r>
-              <a:rPr lang="en-US" smtClean="0"/>
+              <a:rPr lang="en-US"/>
               <a:t>Third level</a:t>
             </a:r>
           </a:p>
           <a:p>
             <a:pPr lvl="3"/>
             <a:r>
-              <a:rPr lang="en-US" smtClean="0"/>
+              <a:rPr lang="en-US"/>
               <a:t>Fourth level</a:t>
             </a:r>
           </a:p>
           <a:p>
             <a:pPr lvl="4"/>
             <a:r>
-              <a:rPr lang="en-US" smtClean="0"/>
+              <a:rPr lang="en-US"/>
               <a:t>Fifth level</a:t>
             </a:r>
-            <a:endParaRPr lang="en-US"/>
           </a:p>
         </p:txBody>
       </p:sp>
@@ -2691,7 +2685,7 @@
             <a:fld id="{6A70B350-EB04-4702-A2C6-BB029CC917C4}" type="datetime1">
               <a:rPr lang="en-US" smtClean="0"/>
               <a:pPr/>
-              <a:t>3/6/2022</a:t>
+              <a:t>12/21/2022</a:t>
             </a:fld>
             <a:endParaRPr lang="en-US"/>
           </a:p>
@@ -2781,10 +2775,9 @@
           <a:lstStyle/>
           <a:p>
             <a:r>
-              <a:rPr lang="en-US" smtClean="0"/>
+              <a:rPr lang="en-US"/>
               <a:t>Click to edit Master title style</a:t>
             </a:r>
-            <a:endParaRPr lang="en-US"/>
           </a:p>
         </p:txBody>
       </p:sp>
@@ -2805,38 +2798,37 @@
           <a:p>
             <a:pPr lvl="0"/>
             <a:r>
-              <a:rPr lang="en-US" smtClean="0"/>
+              <a:rPr lang="en-US"/>
               <a:t>Click to edit Master text styles</a:t>
             </a:r>
           </a:p>
           <a:p>
             <a:pPr lvl="1"/>
             <a:r>
-              <a:rPr lang="en-US" smtClean="0"/>
+              <a:rPr lang="en-US"/>
               <a:t>Second level</a:t>
             </a:r>
           </a:p>
           <a:p>
             <a:pPr lvl="2"/>
             <a:r>
-              <a:rPr lang="en-US" smtClean="0"/>
+              <a:rPr lang="en-US"/>
               <a:t>Third level</a:t>
             </a:r>
           </a:p>
           <a:p>
             <a:pPr lvl="3"/>
             <a:r>
-              <a:rPr lang="en-US" smtClean="0"/>
+              <a:rPr lang="en-US"/>
               <a:t>Fourth level</a:t>
             </a:r>
           </a:p>
           <a:p>
             <a:pPr lvl="4"/>
             <a:r>
-              <a:rPr lang="en-US" smtClean="0"/>
+              <a:rPr lang="en-US"/>
               <a:t>Fifth level</a:t>
             </a:r>
-            <a:endParaRPr lang="en-US"/>
           </a:p>
         </p:txBody>
       </p:sp>
@@ -2858,7 +2850,7 @@
             <a:fld id="{B19C5C7B-1CCF-4D03-A2E8-D3591213E0F6}" type="datetime1">
               <a:rPr lang="en-US" smtClean="0"/>
               <a:pPr/>
-              <a:t>3/6/2022</a:t>
+              <a:t>12/21/2022</a:t>
             </a:fld>
             <a:endParaRPr lang="en-US"/>
           </a:p>
@@ -2957,10 +2949,9 @@
           </a:lstStyle>
           <a:p>
             <a:r>
-              <a:rPr lang="en-US" smtClean="0"/>
+              <a:rPr lang="en-US"/>
               <a:t>Click to edit Master title style</a:t>
             </a:r>
-            <a:endParaRPr lang="en-US"/>
           </a:p>
         </p:txBody>
       </p:sp>
@@ -3077,7 +3068,7 @@
           <a:p>
             <a:pPr lvl="0"/>
             <a:r>
-              <a:rPr lang="en-US" smtClean="0"/>
+              <a:rPr lang="en-US"/>
               <a:t>Click to edit Master text styles</a:t>
             </a:r>
           </a:p>
@@ -3101,7 +3092,7 @@
             <a:fld id="{617DE08F-8114-45C2-9520-EC1882F8A669}" type="datetime1">
               <a:rPr lang="en-US" smtClean="0"/>
               <a:pPr/>
-              <a:t>3/6/2022</a:t>
+              <a:t>12/21/2022</a:t>
             </a:fld>
             <a:endParaRPr lang="en-US"/>
           </a:p>
@@ -3191,10 +3182,9 @@
           <a:lstStyle/>
           <a:p>
             <a:r>
-              <a:rPr lang="en-US" smtClean="0"/>
+              <a:rPr lang="en-US"/>
               <a:t>Click to edit Master title style</a:t>
             </a:r>
-            <a:endParaRPr lang="en-US"/>
           </a:p>
         </p:txBody>
       </p:sp>
@@ -3248,38 +3238,37 @@
           <a:p>
             <a:pPr lvl="0"/>
             <a:r>
-              <a:rPr lang="en-US" smtClean="0"/>
+              <a:rPr lang="en-US"/>
               <a:t>Click to edit Master text styles</a:t>
             </a:r>
           </a:p>
           <a:p>
             <a:pPr lvl="1"/>
             <a:r>
-              <a:rPr lang="en-US" smtClean="0"/>
+              <a:rPr lang="en-US"/>
               <a:t>Second level</a:t>
             </a:r>
           </a:p>
           <a:p>
             <a:pPr lvl="2"/>
             <a:r>
-              <a:rPr lang="en-US" smtClean="0"/>
+              <a:rPr lang="en-US"/>
               <a:t>Third level</a:t>
             </a:r>
           </a:p>
           <a:p>
             <a:pPr lvl="3"/>
             <a:r>
-              <a:rPr lang="en-US" smtClean="0"/>
+              <a:rPr lang="en-US"/>
               <a:t>Fourth level</a:t>
             </a:r>
           </a:p>
           <a:p>
             <a:pPr lvl="4"/>
             <a:r>
-              <a:rPr lang="en-US" smtClean="0"/>
+              <a:rPr lang="en-US"/>
               <a:t>Fifth level</a:t>
             </a:r>
-            <a:endParaRPr lang="en-US"/>
           </a:p>
         </p:txBody>
       </p:sp>
@@ -3333,38 +3322,37 @@
           <a:p>
             <a:pPr lvl="0"/>
             <a:r>
-              <a:rPr lang="en-US" smtClean="0"/>
+              <a:rPr lang="en-US"/>
               <a:t>Click to edit Master text styles</a:t>
             </a:r>
           </a:p>
           <a:p>
             <a:pPr lvl="1"/>
             <a:r>
-              <a:rPr lang="en-US" smtClean="0"/>
+              <a:rPr lang="en-US"/>
               <a:t>Second level</a:t>
             </a:r>
           </a:p>
           <a:p>
             <a:pPr lvl="2"/>
             <a:r>
-              <a:rPr lang="en-US" smtClean="0"/>
+              <a:rPr lang="en-US"/>
               <a:t>Third level</a:t>
             </a:r>
           </a:p>
           <a:p>
             <a:pPr lvl="3"/>
             <a:r>
-              <a:rPr lang="en-US" smtClean="0"/>
+              <a:rPr lang="en-US"/>
               <a:t>Fourth level</a:t>
             </a:r>
           </a:p>
           <a:p>
             <a:pPr lvl="4"/>
             <a:r>
-              <a:rPr lang="en-US" smtClean="0"/>
+              <a:rPr lang="en-US"/>
               <a:t>Fifth level</a:t>
             </a:r>
-            <a:endParaRPr lang="en-US"/>
           </a:p>
         </p:txBody>
       </p:sp>
@@ -3386,7 +3374,7 @@
             <a:fld id="{67FBBCEA-51D6-4D4F-B700-EBDD8904452C}" type="datetime1">
               <a:rPr lang="en-US" smtClean="0"/>
               <a:pPr/>
-              <a:t>3/6/2022</a:t>
+              <a:t>12/21/2022</a:t>
             </a:fld>
             <a:endParaRPr lang="en-US"/>
           </a:p>
@@ -3480,10 +3468,9 @@
           </a:lstStyle>
           <a:p>
             <a:r>
-              <a:rPr lang="en-US" smtClean="0"/>
+              <a:rPr lang="en-US"/>
               <a:t>Click to edit Master title style</a:t>
             </a:r>
-            <a:endParaRPr lang="en-US"/>
           </a:p>
         </p:txBody>
       </p:sp>
@@ -3546,7 +3533,7 @@
           <a:p>
             <a:pPr lvl="0"/>
             <a:r>
-              <a:rPr lang="en-US" smtClean="0"/>
+              <a:rPr lang="en-US"/>
               <a:t>Click to edit Master text styles</a:t>
             </a:r>
           </a:p>
@@ -3602,38 +3589,37 @@
           <a:p>
             <a:pPr lvl="0"/>
             <a:r>
-              <a:rPr lang="en-US" smtClean="0"/>
+              <a:rPr lang="en-US"/>
               <a:t>Click to edit Master text styles</a:t>
             </a:r>
           </a:p>
           <a:p>
             <a:pPr lvl="1"/>
             <a:r>
-              <a:rPr lang="en-US" smtClean="0"/>
+              <a:rPr lang="en-US"/>
               <a:t>Second level</a:t>
             </a:r>
           </a:p>
           <a:p>
             <a:pPr lvl="2"/>
             <a:r>
-              <a:rPr lang="en-US" smtClean="0"/>
+              <a:rPr lang="en-US"/>
               <a:t>Third level</a:t>
             </a:r>
           </a:p>
           <a:p>
             <a:pPr lvl="3"/>
             <a:r>
-              <a:rPr lang="en-US" smtClean="0"/>
+              <a:rPr lang="en-US"/>
               <a:t>Fourth level</a:t>
             </a:r>
           </a:p>
           <a:p>
             <a:pPr lvl="4"/>
             <a:r>
-              <a:rPr lang="en-US" smtClean="0"/>
+              <a:rPr lang="en-US"/>
               <a:t>Fifth level</a:t>
             </a:r>
-            <a:endParaRPr lang="en-US"/>
           </a:p>
         </p:txBody>
       </p:sp>
@@ -3696,7 +3682,7 @@
           <a:p>
             <a:pPr lvl="0"/>
             <a:r>
-              <a:rPr lang="en-US" smtClean="0"/>
+              <a:rPr lang="en-US"/>
               <a:t>Click to edit Master text styles</a:t>
             </a:r>
           </a:p>
@@ -3752,38 +3738,37 @@
           <a:p>
             <a:pPr lvl="0"/>
             <a:r>
-              <a:rPr lang="en-US" smtClean="0"/>
+              <a:rPr lang="en-US"/>
               <a:t>Click to edit Master text styles</a:t>
             </a:r>
           </a:p>
           <a:p>
             <a:pPr lvl="1"/>
             <a:r>
-              <a:rPr lang="en-US" smtClean="0"/>
+              <a:rPr lang="en-US"/>
               <a:t>Second level</a:t>
             </a:r>
           </a:p>
           <a:p>
             <a:pPr lvl="2"/>
             <a:r>
-              <a:rPr lang="en-US" smtClean="0"/>
+              <a:rPr lang="en-US"/>
               <a:t>Third level</a:t>
             </a:r>
           </a:p>
           <a:p>
             <a:pPr lvl="3"/>
             <a:r>
-              <a:rPr lang="en-US" smtClean="0"/>
+              <a:rPr lang="en-US"/>
               <a:t>Fourth level</a:t>
             </a:r>
           </a:p>
           <a:p>
             <a:pPr lvl="4"/>
             <a:r>
-              <a:rPr lang="en-US" smtClean="0"/>
+              <a:rPr lang="en-US"/>
               <a:t>Fifth level</a:t>
             </a:r>
-            <a:endParaRPr lang="en-US"/>
           </a:p>
         </p:txBody>
       </p:sp>
@@ -3805,7 +3790,7 @@
             <a:fld id="{7C3355C0-4DE2-42D1-B918-7B0FCE7481FD}" type="datetime1">
               <a:rPr lang="en-US" smtClean="0"/>
               <a:pPr/>
-              <a:t>3/6/2022</a:t>
+              <a:t>12/21/2022</a:t>
             </a:fld>
             <a:endParaRPr lang="en-US"/>
           </a:p>
@@ -3895,10 +3880,9 @@
           <a:lstStyle/>
           <a:p>
             <a:r>
-              <a:rPr lang="en-US" smtClean="0"/>
+              <a:rPr lang="en-US"/>
               <a:t>Click to edit Master title style</a:t>
             </a:r>
-            <a:endParaRPr lang="en-US"/>
           </a:p>
         </p:txBody>
       </p:sp>
@@ -3920,7 +3904,7 @@
             <a:fld id="{41F9056E-53B5-467C-A68C-D5DD1F771BB5}" type="datetime1">
               <a:rPr lang="en-US" smtClean="0"/>
               <a:pPr/>
-              <a:t>3/6/2022</a:t>
+              <a:t>12/21/2022</a:t>
             </a:fld>
             <a:endParaRPr lang="en-US"/>
           </a:p>
@@ -4012,7 +3996,7 @@
             <a:fld id="{73236B7C-1414-4D49-8A59-8F56128C501B}" type="datetime1">
               <a:rPr lang="en-US" smtClean="0"/>
               <a:pPr/>
-              <a:t>3/6/2022</a:t>
+              <a:t>12/21/2022</a:t>
             </a:fld>
             <a:endParaRPr lang="en-US"/>
           </a:p>
@@ -4111,10 +4095,9 @@
           </a:lstStyle>
           <a:p>
             <a:r>
-              <a:rPr lang="en-US" smtClean="0"/>
+              <a:rPr lang="en-US"/>
               <a:t>Click to edit Master title style</a:t>
             </a:r>
-            <a:endParaRPr lang="en-US"/>
           </a:p>
         </p:txBody>
       </p:sp>
@@ -4168,38 +4151,37 @@
           <a:p>
             <a:pPr lvl="0"/>
             <a:r>
-              <a:rPr lang="en-US" smtClean="0"/>
+              <a:rPr lang="en-US"/>
               <a:t>Click to edit Master text styles</a:t>
             </a:r>
           </a:p>
           <a:p>
             <a:pPr lvl="1"/>
             <a:r>
-              <a:rPr lang="en-US" smtClean="0"/>
+              <a:rPr lang="en-US"/>
               <a:t>Second level</a:t>
             </a:r>
           </a:p>
           <a:p>
             <a:pPr lvl="2"/>
             <a:r>
-              <a:rPr lang="en-US" smtClean="0"/>
+              <a:rPr lang="en-US"/>
               <a:t>Third level</a:t>
             </a:r>
           </a:p>
           <a:p>
             <a:pPr lvl="3"/>
             <a:r>
-              <a:rPr lang="en-US" smtClean="0"/>
+              <a:rPr lang="en-US"/>
               <a:t>Fourth level</a:t>
             </a:r>
           </a:p>
           <a:p>
             <a:pPr lvl="4"/>
             <a:r>
-              <a:rPr lang="en-US" smtClean="0"/>
+              <a:rPr lang="en-US"/>
               <a:t>Fifth level</a:t>
             </a:r>
-            <a:endParaRPr lang="en-US"/>
           </a:p>
         </p:txBody>
       </p:sp>
@@ -4262,7 +4244,7 @@
           <a:p>
             <a:pPr lvl="0"/>
             <a:r>
-              <a:rPr lang="en-US" smtClean="0"/>
+              <a:rPr lang="en-US"/>
               <a:t>Click to edit Master text styles</a:t>
             </a:r>
           </a:p>
@@ -4286,7 +4268,7 @@
             <a:fld id="{A40AEADC-23C0-4767-9AD7-3E7B6C343A0A}" type="datetime1">
               <a:rPr lang="en-US" smtClean="0"/>
               <a:pPr/>
-              <a:t>3/6/2022</a:t>
+              <a:t>12/21/2022</a:t>
             </a:fld>
             <a:endParaRPr lang="en-US"/>
           </a:p>
@@ -4385,10 +4367,9 @@
           </a:lstStyle>
           <a:p>
             <a:r>
-              <a:rPr lang="en-US" smtClean="0"/>
+              <a:rPr lang="en-US"/>
               <a:t>Click to edit Master title style</a:t>
             </a:r>
-            <a:endParaRPr lang="en-US"/>
           </a:p>
         </p:txBody>
       </p:sp>
@@ -4512,7 +4493,7 @@
           <a:p>
             <a:pPr lvl="0"/>
             <a:r>
-              <a:rPr lang="en-US" smtClean="0"/>
+              <a:rPr lang="en-US"/>
               <a:t>Click to edit Master text styles</a:t>
             </a:r>
           </a:p>
@@ -4536,7 +4517,7 @@
             <a:fld id="{07762B3B-4AFD-4E39-B6F8-E1A2354BA336}" type="datetime1">
               <a:rPr lang="en-US" smtClean="0"/>
               <a:pPr/>
-              <a:t>3/6/2022</a:t>
+              <a:t>12/21/2022</a:t>
             </a:fld>
             <a:endParaRPr lang="en-US"/>
           </a:p>
@@ -4646,10 +4627,9 @@
           <a:lstStyle/>
           <a:p>
             <a:r>
-              <a:rPr lang="en-US" dirty="0" smtClean="0"/>
+              <a:rPr lang="en-US" dirty="0"/>
               <a:t>Click to edit Master title style</a:t>
             </a:r>
-            <a:endParaRPr lang="en-US" dirty="0"/>
           </a:p>
         </p:txBody>
       </p:sp>
@@ -4680,38 +4660,37 @@
           <a:p>
             <a:pPr lvl="0"/>
             <a:r>
-              <a:rPr lang="en-US" dirty="0" smtClean="0"/>
+              <a:rPr lang="en-US" dirty="0"/>
               <a:t>Click to edit Master text styles</a:t>
             </a:r>
           </a:p>
           <a:p>
             <a:pPr lvl="1"/>
             <a:r>
-              <a:rPr lang="en-US" dirty="0" smtClean="0"/>
+              <a:rPr lang="en-US" dirty="0"/>
               <a:t>Second level</a:t>
             </a:r>
           </a:p>
           <a:p>
             <a:pPr lvl="2"/>
             <a:r>
-              <a:rPr lang="en-US" dirty="0" smtClean="0"/>
+              <a:rPr lang="en-US" dirty="0"/>
               <a:t>Third level</a:t>
             </a:r>
           </a:p>
           <a:p>
             <a:pPr lvl="3"/>
             <a:r>
-              <a:rPr lang="en-US" dirty="0" smtClean="0"/>
+              <a:rPr lang="en-US" dirty="0"/>
               <a:t>Fourth level</a:t>
             </a:r>
           </a:p>
           <a:p>
             <a:pPr lvl="4"/>
             <a:r>
-              <a:rPr lang="en-US" dirty="0" smtClean="0"/>
+              <a:rPr lang="en-US" dirty="0"/>
               <a:t>Fifth level</a:t>
             </a:r>
-            <a:endParaRPr lang="en-US" dirty="0"/>
           </a:p>
         </p:txBody>
       </p:sp>
@@ -4751,7 +4730,7 @@
             <a:fld id="{16C4ABC6-3BA1-4854-92CA-2B0133ECAB44}" type="datetime1">
               <a:rPr lang="en-US" smtClean="0"/>
               <a:pPr/>
-              <a:t>3/6/2022</a:t>
+              <a:t>12/21/2022</a:t>
             </a:fld>
             <a:endParaRPr lang="en-US"/>
           </a:p>
@@ -5145,7 +5124,7 @@
           <a:lstStyle/>
           <a:p>
             <a:r>
-              <a:rPr lang="en-GB" sz="3200" b="1" dirty="0" smtClean="0">
+              <a:rPr lang="en-GB" sz="3200" b="1" dirty="0">
                 <a:solidFill>
                   <a:srgbClr val="000066"/>
                 </a:solidFill>
@@ -5153,12 +5132,6 @@
               </a:rPr>
               <a:t>PSYC753</a:t>
             </a:r>
-            <a:endParaRPr lang="en-GB" sz="3200" b="1" dirty="0">
-              <a:solidFill>
-                <a:srgbClr val="000066"/>
-              </a:solidFill>
-              <a:latin typeface="Calibri" pitchFamily="34" charset="0"/>
-            </a:endParaRPr>
           </a:p>
           <a:p>
             <a:endParaRPr lang="en-GB" sz="2800" b="1" dirty="0">
@@ -5170,7 +5143,7 @@
           </a:p>
           <a:p>
             <a:r>
-              <a:rPr lang="en-GB" sz="2800" b="1" dirty="0" smtClean="0">
+              <a:rPr lang="en-GB" sz="2800" b="1" dirty="0">
                 <a:solidFill>
                   <a:srgbClr val="000066"/>
                 </a:solidFill>
@@ -5179,7 +5152,7 @@
               <a:t>7: Pre-post data, </a:t>
             </a:r>
             <a:br>
-              <a:rPr lang="en-GB" sz="2800" b="1" dirty="0" smtClean="0">
+              <a:rPr lang="en-GB" sz="2800" b="1" dirty="0">
                 <a:solidFill>
                   <a:srgbClr val="000066"/>
                 </a:solidFill>
@@ -5187,7 +5160,7 @@
               </a:rPr>
             </a:br>
             <a:r>
-              <a:rPr lang="en-GB" sz="2800" b="1" dirty="0" smtClean="0">
+              <a:rPr lang="en-GB" sz="2800" b="1" dirty="0">
                 <a:solidFill>
                   <a:srgbClr val="000066"/>
                 </a:solidFill>
@@ -5196,22 +5169,13 @@
               <a:t>clinically </a:t>
             </a:r>
             <a:r>
-              <a:rPr lang="en-GB" sz="2800" b="1" smtClean="0">
+              <a:rPr lang="en-GB" sz="2800" b="1">
                 <a:solidFill>
                   <a:srgbClr val="000066"/>
                 </a:solidFill>
                 <a:latin typeface="Calibri" pitchFamily="34" charset="0"/>
               </a:rPr>
-              <a:t>sig </a:t>
-            </a:r>
-            <a:r>
-              <a:rPr lang="en-GB" sz="2800" b="1" smtClean="0">
-                <a:solidFill>
-                  <a:srgbClr val="000066"/>
-                </a:solidFill>
-                <a:latin typeface="Calibri" pitchFamily="34" charset="0"/>
-              </a:rPr>
-              <a:t>change </a:t>
+              <a:t>sig change </a:t>
             </a:r>
             <a:endParaRPr lang="en-GB" sz="2800" b="1" dirty="0">
               <a:solidFill>
@@ -5221,15 +5185,6 @@
             </a:endParaRPr>
           </a:p>
           <a:p>
-            <a:r>
-              <a:rPr lang="en-GB" sz="2800" dirty="0">
-                <a:solidFill>
-                  <a:srgbClr val="000066"/>
-                </a:solidFill>
-                <a:latin typeface="Calibri" pitchFamily="34" charset="0"/>
-              </a:rPr>
-              <a:t/>
-            </a:r>
             <a:br>
               <a:rPr lang="en-GB" sz="2800" dirty="0">
                 <a:solidFill>
@@ -5247,15 +5202,6 @@
               </a:rPr>
               <a:t>Dr Chris Berry</a:t>
             </a:r>
-            <a:r>
-              <a:rPr lang="en-GB" sz="2800" dirty="0">
-                <a:solidFill>
-                  <a:srgbClr val="000066"/>
-                </a:solidFill>
-                <a:latin typeface="Calibri" pitchFamily="34" charset="0"/>
-              </a:rPr>
-              <a:t/>
-            </a:r>
             <a:br>
               <a:rPr lang="en-GB" sz="2800" dirty="0">
                 <a:solidFill>
@@ -5305,19 +5251,10 @@
                 </a:solidFill>
                 <a:latin typeface="Calibri" pitchFamily="34" charset="0"/>
               </a:rPr>
-              <a:t>PSQ </a:t>
-            </a:r>
-            <a:r>
-              <a:rPr lang="en-GB" dirty="0" smtClean="0">
-                <a:solidFill>
-                  <a:srgbClr val="990033"/>
-                </a:solidFill>
-                <a:latin typeface="Calibri" pitchFamily="34" charset="0"/>
-              </a:rPr>
-              <a:t>B212 </a:t>
-            </a:r>
-            <a:r>
-              <a:rPr lang="en-GB" dirty="0" smtClean="0">
+              <a:t>PSQ B212 </a:t>
+            </a:r>
+            <a:r>
+              <a:rPr lang="en-GB" dirty="0">
                 <a:solidFill>
                   <a:srgbClr val="990033"/>
                 </a:solidFill>
@@ -5326,7 +5263,7 @@
               </a:rPr>
               <a:t>christopher.berry@plymouth.ac.uk</a:t>
             </a:r>
-            <a:endParaRPr lang="en-GB" dirty="0" smtClean="0">
+            <a:endParaRPr lang="en-GB" dirty="0">
               <a:solidFill>
                 <a:srgbClr val="990033"/>
               </a:solidFill>
@@ -5377,13 +5314,6 @@
   <p:clrMapOvr>
     <a:masterClrMapping/>
   </p:clrMapOvr>
-  <p:timing>
-    <p:tnLst>
-      <p:par>
-        <p:cTn id="1" dur="indefinite" restart="never" nodeType="tmRoot"/>
-      </p:par>
-    </p:tnLst>
-  </p:timing>
 </p:sld>
 </file>
 
@@ -5420,10 +5350,9 @@
           <a:lstStyle/>
           <a:p>
             <a:r>
-              <a:rPr lang="en-GB" dirty="0" smtClean="0"/>
+              <a:rPr lang="en-GB" dirty="0"/>
               <a:t>Approach 3: ANCOVA</a:t>
             </a:r>
-            <a:endParaRPr lang="en-GB" dirty="0"/>
           </a:p>
         </p:txBody>
       </p:sp>
@@ -5505,10 +5434,9 @@
                     <a:lstStyle/>
                     <a:p>
                       <a:r>
-                        <a:rPr lang="en-GB" sz="2000" dirty="0" smtClean="0"/>
+                        <a:rPr lang="en-GB" sz="2000" dirty="0"/>
                         <a:t>Group</a:t>
                       </a:r>
-                      <a:endParaRPr lang="en-GB" sz="2000" dirty="0"/>
                     </a:p>
                   </a:txBody>
                   <a:tcPr marL="99316" marR="99316"/>
@@ -5520,18 +5448,13 @@
                     <a:p>
                       <a:pPr algn="ctr"/>
                       <a:r>
-                        <a:rPr lang="en-GB" sz="1800" b="1" dirty="0" smtClean="0">
+                        <a:rPr lang="en-GB" sz="1800" b="1" dirty="0">
                           <a:solidFill>
                             <a:schemeClr val="tx2"/>
                           </a:solidFill>
                         </a:rPr>
                         <a:t>Baseline</a:t>
                       </a:r>
-                      <a:endParaRPr lang="en-GB" sz="1800" b="1" dirty="0">
-                        <a:solidFill>
-                          <a:schemeClr val="tx2"/>
-                        </a:solidFill>
-                      </a:endParaRPr>
                     </a:p>
                   </a:txBody>
                   <a:tcPr marL="99316" marR="99316"/>
@@ -5543,7 +5466,7 @@
                     <a:p>
                       <a:pPr marL="0" algn="ctr" defTabSz="914400" rtl="0" eaLnBrk="1" latinLnBrk="0" hangingPunct="1"/>
                       <a:r>
-                        <a:rPr lang="en-GB" sz="1800" b="1" kern="1200" dirty="0" smtClean="0">
+                        <a:rPr lang="en-GB" sz="1800" b="1" kern="1200" dirty="0">
                           <a:solidFill>
                             <a:schemeClr val="tx2"/>
                           </a:solidFill>
@@ -5553,14 +5476,6 @@
                         </a:rPr>
                         <a:t>Week 3</a:t>
                       </a:r>
-                      <a:endParaRPr lang="en-GB" sz="1800" b="1" kern="1200" dirty="0">
-                        <a:solidFill>
-                          <a:schemeClr val="tx2"/>
-                        </a:solidFill>
-                        <a:latin typeface="+mn-lt"/>
-                        <a:ea typeface="+mn-ea"/>
-                        <a:cs typeface="+mn-cs"/>
-                      </a:endParaRPr>
                     </a:p>
                   </a:txBody>
                   <a:tcPr marL="99316" marR="99316"/>
@@ -5578,18 +5493,13 @@
                     <a:lstStyle/>
                     <a:p>
                       <a:r>
-                        <a:rPr lang="en-GB" sz="2000" b="1" dirty="0" smtClean="0">
+                        <a:rPr lang="en-GB" sz="2000" b="1" dirty="0">
                           <a:solidFill>
                             <a:schemeClr val="tx2"/>
                           </a:solidFill>
                         </a:rPr>
                         <a:t>Diet change</a:t>
                       </a:r>
-                      <a:endParaRPr lang="en-GB" sz="2000" b="1" dirty="0">
-                        <a:solidFill>
-                          <a:schemeClr val="tx2"/>
-                        </a:solidFill>
-                      </a:endParaRPr>
                     </a:p>
                   </a:txBody>
                   <a:tcPr marL="99316" marR="99316"/>
@@ -5601,7 +5511,7 @@
                     <a:p>
                       <a:pPr algn="ctr"/>
                       <a:r>
-                        <a:rPr lang="en-GB" sz="2400" dirty="0" smtClean="0">
+                        <a:rPr lang="en-GB" sz="2400" dirty="0">
                           <a:sym typeface="Wingdings" panose="05000000000000000000" pitchFamily="2" charset="2"/>
                         </a:rPr>
                         <a:t></a:t>
@@ -5634,7 +5544,7 @@
                         <a:defRPr/>
                       </a:pPr>
                       <a:r>
-                        <a:rPr lang="en-GB" sz="2400" dirty="0" smtClean="0">
+                        <a:rPr lang="en-GB" sz="2400" dirty="0">
                           <a:sym typeface="Wingdings" panose="05000000000000000000" pitchFamily="2" charset="2"/>
                         </a:rPr>
                         <a:t></a:t>
@@ -5657,18 +5567,13 @@
                     <a:lstStyle/>
                     <a:p>
                       <a:r>
-                        <a:rPr lang="en-GB" sz="2000" b="1" dirty="0" smtClean="0">
+                        <a:rPr lang="en-GB" sz="2000" b="1" dirty="0">
                           <a:solidFill>
                             <a:schemeClr val="tx2"/>
                           </a:solidFill>
                         </a:rPr>
                         <a:t>Habitual diet</a:t>
                       </a:r>
-                      <a:endParaRPr lang="en-GB" sz="2000" b="1" dirty="0">
-                        <a:solidFill>
-                          <a:schemeClr val="tx2"/>
-                        </a:solidFill>
-                      </a:endParaRPr>
                     </a:p>
                   </a:txBody>
                   <a:tcPr marL="99316" marR="99316"/>
@@ -5696,7 +5601,7 @@
                         <a:defRPr/>
                       </a:pPr>
                       <a:r>
-                        <a:rPr lang="en-GB" sz="2400" dirty="0" smtClean="0">
+                        <a:rPr lang="en-GB" sz="2400" dirty="0">
                           <a:sym typeface="Wingdings" panose="05000000000000000000" pitchFamily="2" charset="2"/>
                         </a:rPr>
                         <a:t></a:t>
@@ -5729,7 +5634,7 @@
                         <a:defRPr/>
                       </a:pPr>
                       <a:r>
-                        <a:rPr lang="en-GB" sz="2400" dirty="0" smtClean="0">
+                        <a:rPr lang="en-GB" sz="2400" dirty="0">
                           <a:sym typeface="Wingdings" panose="05000000000000000000" pitchFamily="2" charset="2"/>
                         </a:rPr>
                         <a:t></a:t>
@@ -5772,18 +5677,13 @@
           <a:lstStyle/>
           <a:p>
             <a:r>
-              <a:rPr lang="en-GB" sz="1600" dirty="0" smtClean="0">
+              <a:rPr lang="en-GB" sz="1600" dirty="0">
                 <a:solidFill>
                   <a:schemeClr val="tx2"/>
                 </a:solidFill>
               </a:rPr>
               <a:t>covariate</a:t>
             </a:r>
-            <a:endParaRPr lang="en-GB" sz="1600" dirty="0">
-              <a:solidFill>
-                <a:schemeClr val="tx2"/>
-              </a:solidFill>
-            </a:endParaRPr>
           </a:p>
         </p:txBody>
       </p:sp>
@@ -5933,13 +5833,7 @@
               <a:rPr lang="en-GB" sz="1600" dirty="0">
                 <a:latin typeface="Lucida Console" panose="020B0609040504020204" pitchFamily="49" charset="0"/>
               </a:rPr>
-              <a:t>full </a:t>
-            </a:r>
-            <a:r>
-              <a:rPr lang="en-GB" sz="1600" dirty="0" smtClean="0">
-                <a:latin typeface="Lucida Console" panose="020B0609040504020204" pitchFamily="49" charset="0"/>
-              </a:rPr>
-              <a:t>    &lt;- </a:t>
+              <a:t>full     &lt;- </a:t>
             </a:r>
             <a:r>
               <a:rPr lang="en-GB" sz="1600" dirty="0" err="1">
@@ -5951,17 +5845,8 @@
               <a:rPr lang="en-GB" sz="1600" dirty="0">
                 <a:latin typeface="Lucida Console" panose="020B0609040504020204" pitchFamily="49" charset="0"/>
               </a:rPr>
-              <a:t>(week3 ~ group + </a:t>
-            </a:r>
-            <a:r>
-              <a:rPr lang="en-GB" sz="1600" dirty="0" smtClean="0">
-                <a:latin typeface="Lucida Console" panose="020B0609040504020204" pitchFamily="49" charset="0"/>
-              </a:rPr>
-              <a:t>baseline)</a:t>
-            </a:r>
-            <a:endParaRPr lang="en-GB" sz="1600" dirty="0">
-              <a:latin typeface="Lucida Console" panose="020B0609040504020204" pitchFamily="49" charset="0"/>
-            </a:endParaRPr>
+              <a:t>(week3 ~ group + baseline)</a:t>
+            </a:r>
           </a:p>
           <a:p>
             <a:endParaRPr lang="en-GB" sz="1600" dirty="0">
@@ -6003,13 +5888,7 @@
               <a:rPr lang="en-GB" sz="1600" dirty="0">
                 <a:latin typeface="Lucida Console" panose="020B0609040504020204" pitchFamily="49" charset="0"/>
               </a:rPr>
-              <a:t>(week3 ~ </a:t>
-            </a:r>
-            <a:r>
-              <a:rPr lang="en-GB" sz="1600" dirty="0" smtClean="0">
-                <a:latin typeface="Lucida Console" panose="020B0609040504020204" pitchFamily="49" charset="0"/>
-              </a:rPr>
-              <a:t>baseline)</a:t>
+              <a:t>(week3 ~ baseline)</a:t>
             </a:r>
           </a:p>
           <a:p>
@@ -6171,48 +6050,39 @@
           <a:lstStyle/>
           <a:p>
             <a:r>
-              <a:rPr lang="en-GB" dirty="0" smtClean="0"/>
-              <a:t>There’s </a:t>
-            </a:r>
-            <a:r>
               <a:rPr lang="en-GB" dirty="0"/>
-              <a:t>s</a:t>
-            </a:r>
-            <a:r>
-              <a:rPr lang="en-GB" dirty="0" smtClean="0"/>
-              <a:t>ubstantial evidence for an effect of </a:t>
-            </a:r>
-            <a:r>
-              <a:rPr lang="en-GB" sz="1600" dirty="0" smtClean="0">
+              <a:t>There’s substantial evidence for an effect of </a:t>
+            </a:r>
+            <a:r>
+              <a:rPr lang="en-GB" sz="1600" dirty="0">
                 <a:latin typeface="Lucida Console" panose="020B0609040504020204" pitchFamily="49" charset="0"/>
               </a:rPr>
               <a:t>group</a:t>
             </a:r>
             <a:r>
-              <a:rPr lang="en-GB" dirty="0" smtClean="0"/>
+              <a:rPr lang="en-GB" dirty="0"/>
               <a:t> on depression symptoms at </a:t>
             </a:r>
             <a:r>
-              <a:rPr lang="en-GB" sz="1600" dirty="0" smtClean="0">
+              <a:rPr lang="en-GB" sz="1600" dirty="0">
                 <a:latin typeface="Lucida Console" panose="020B0609040504020204" pitchFamily="49" charset="0"/>
               </a:rPr>
               <a:t>week3 </a:t>
             </a:r>
             <a:r>
-              <a:rPr lang="en-GB" dirty="0" smtClean="0"/>
+              <a:rPr lang="en-GB" dirty="0"/>
               <a:t>after accounting for severity at </a:t>
             </a:r>
             <a:r>
-              <a:rPr lang="en-GB" sz="1600" dirty="0" smtClean="0">
+              <a:rPr lang="en-GB" sz="1600" dirty="0">
                 <a:latin typeface="Lucida Console" panose="020B0609040504020204" pitchFamily="49" charset="0"/>
               </a:rPr>
               <a:t>baseline</a:t>
             </a:r>
             <a:r>
-              <a:rPr lang="en-GB" dirty="0" smtClean="0"/>
+              <a:rPr lang="en-GB" dirty="0"/>
               <a:t>, BF = 6.08</a:t>
             </a:r>
-            <a:endParaRPr lang="en-GB" dirty="0"/>
           </a:p>
         </p:txBody>
       </p:sp>
@@ -6239,18 +6109,13 @@
           <a:lstStyle/>
           <a:p>
             <a:r>
-              <a:rPr lang="en-GB" sz="1600" dirty="0" smtClean="0">
+              <a:rPr lang="en-GB" sz="1600" dirty="0">
                 <a:solidFill>
                   <a:schemeClr val="tx2"/>
                 </a:solidFill>
               </a:rPr>
               <a:t>predictor</a:t>
             </a:r>
-            <a:endParaRPr lang="en-GB" sz="1600" dirty="0">
-              <a:solidFill>
-                <a:schemeClr val="tx2"/>
-              </a:solidFill>
-            </a:endParaRPr>
           </a:p>
         </p:txBody>
       </p:sp>
@@ -6282,21 +6147,8 @@
                   <a:schemeClr val="tx2"/>
                 </a:solidFill>
               </a:rPr>
-              <a:t>o</a:t>
-            </a:r>
-            <a:r>
-              <a:rPr lang="en-GB" sz="1600" dirty="0" smtClean="0">
-                <a:solidFill>
-                  <a:schemeClr val="tx2"/>
-                </a:solidFill>
-              </a:rPr>
-              <a:t>utcome variable</a:t>
-            </a:r>
-            <a:endParaRPr lang="en-GB" sz="1600" dirty="0">
-              <a:solidFill>
-                <a:schemeClr val="tx2"/>
-              </a:solidFill>
-            </a:endParaRPr>
+              <a:t>outcome variable</a:t>
+            </a:r>
           </a:p>
         </p:txBody>
       </p:sp>
@@ -6323,18 +6175,13 @@
           <a:lstStyle/>
           <a:p>
             <a:r>
-              <a:rPr lang="en-GB" sz="1600" dirty="0" smtClean="0">
+              <a:rPr lang="en-GB" sz="1600" dirty="0">
                 <a:solidFill>
                   <a:schemeClr val="tx2"/>
                 </a:solidFill>
               </a:rPr>
               <a:t>predictor</a:t>
             </a:r>
-            <a:endParaRPr lang="en-GB" sz="1600" dirty="0">
-              <a:solidFill>
-                <a:schemeClr val="tx2"/>
-              </a:solidFill>
-            </a:endParaRPr>
           </a:p>
         </p:txBody>
       </p:sp>
@@ -6366,21 +6213,8 @@
                   <a:schemeClr val="tx2"/>
                 </a:solidFill>
               </a:rPr>
-              <a:t>o</a:t>
-            </a:r>
-            <a:r>
-              <a:rPr lang="en-GB" sz="1600" dirty="0" smtClean="0">
-                <a:solidFill>
-                  <a:schemeClr val="tx2"/>
-                </a:solidFill>
-              </a:rPr>
-              <a:t>utcome variable</a:t>
-            </a:r>
-            <a:endParaRPr lang="en-GB" sz="1600" dirty="0">
-              <a:solidFill>
-                <a:schemeClr val="tx2"/>
-              </a:solidFill>
-            </a:endParaRPr>
+              <a:t>outcome variable</a:t>
+            </a:r>
           </a:p>
         </p:txBody>
       </p:sp>
@@ -6601,10 +6435,9 @@
           <a:p>
             <a:pPr algn="l"/>
             <a:r>
-              <a:rPr lang="en-GB" dirty="0" smtClean="0"/>
+              <a:rPr lang="en-GB" dirty="0"/>
               <a:t>Which approach?</a:t>
             </a:r>
-            <a:endParaRPr lang="en-GB" dirty="0"/>
           </a:p>
         </p:txBody>
       </p:sp>
@@ -6631,18 +6464,18 @@
           <a:lstStyle/>
           <a:p>
             <a:r>
-              <a:rPr lang="en-GB" b="1" dirty="0" smtClean="0"/>
+              <a:rPr lang="en-GB" b="1" dirty="0"/>
               <a:t>Depends on research question:</a:t>
             </a:r>
           </a:p>
           <a:p>
             <a:pPr lvl="1"/>
             <a:r>
-              <a:rPr lang="en-GB" dirty="0" smtClean="0"/>
+              <a:rPr lang="en-GB" dirty="0"/>
               <a:t>Approaches 1 &amp; 2 are concerned with </a:t>
             </a:r>
             <a:r>
-              <a:rPr lang="en-GB" dirty="0" smtClean="0">
+              <a:rPr lang="en-GB" dirty="0">
                 <a:solidFill>
                   <a:schemeClr val="tx2"/>
                 </a:solidFill>
@@ -6650,7 +6483,7 @@
               <a:t>differences in </a:t>
             </a:r>
             <a:r>
-              <a:rPr lang="en-GB" i="1" dirty="0" smtClean="0">
+              <a:rPr lang="en-GB" i="1" dirty="0">
                 <a:solidFill>
                   <a:schemeClr val="tx2"/>
                 </a:solidFill>
@@ -6658,7 +6491,7 @@
               <a:t>change</a:t>
             </a:r>
             <a:r>
-              <a:rPr lang="en-GB" dirty="0" smtClean="0">
+              <a:rPr lang="en-GB" dirty="0">
                 <a:solidFill>
                   <a:schemeClr val="tx2"/>
                 </a:solidFill>
@@ -6669,11 +6502,11 @@
           <a:p>
             <a:pPr lvl="1"/>
             <a:r>
-              <a:rPr lang="en-GB" dirty="0" smtClean="0"/>
+              <a:rPr lang="en-GB" dirty="0"/>
               <a:t>Approach 3 is concerned with </a:t>
             </a:r>
             <a:r>
-              <a:rPr lang="en-GB" dirty="0" smtClean="0">
+              <a:rPr lang="en-GB" dirty="0">
                 <a:solidFill>
                   <a:schemeClr val="tx2"/>
                 </a:solidFill>
@@ -6681,45 +6514,45 @@
               <a:t>scores between groups after the intervention</a:t>
             </a:r>
             <a:r>
-              <a:rPr lang="en-GB" dirty="0" smtClean="0"/>
+              <a:rPr lang="en-GB" dirty="0"/>
               <a:t> (</a:t>
             </a:r>
             <a:r>
-              <a:rPr lang="en-GB" dirty="0" err="1" smtClean="0"/>
+              <a:rPr lang="en-GB" dirty="0" err="1"/>
               <a:t>posttest</a:t>
             </a:r>
             <a:r>
-              <a:rPr lang="en-GB" dirty="0" smtClean="0"/>
+              <a:rPr lang="en-GB" dirty="0"/>
               <a:t>).</a:t>
             </a:r>
           </a:p>
           <a:p>
             <a:pPr lvl="2"/>
             <a:r>
-              <a:rPr lang="en-GB" dirty="0" smtClean="0"/>
+              <a:rPr lang="en-GB" dirty="0"/>
               <a:t>By accounting for the </a:t>
             </a:r>
             <a:r>
-              <a:rPr lang="en-GB" dirty="0" err="1" smtClean="0"/>
+              <a:rPr lang="en-GB" dirty="0" err="1"/>
               <a:t>pretest</a:t>
             </a:r>
             <a:r>
-              <a:rPr lang="en-GB" dirty="0" smtClean="0"/>
+              <a:rPr lang="en-GB" dirty="0"/>
               <a:t> scores as a covariate first, the statistical power of the test of group on </a:t>
             </a:r>
             <a:r>
-              <a:rPr lang="en-GB" dirty="0" err="1" smtClean="0"/>
+              <a:rPr lang="en-GB" dirty="0" err="1"/>
               <a:t>posttest</a:t>
             </a:r>
             <a:r>
-              <a:rPr lang="en-GB" dirty="0" smtClean="0"/>
+              <a:rPr lang="en-GB" dirty="0"/>
               <a:t> is increased.</a:t>
             </a:r>
           </a:p>
           <a:p>
             <a:pPr lvl="2"/>
             <a:r>
-              <a:rPr lang="en-GB" dirty="0" smtClean="0"/>
+              <a:rPr lang="en-GB" dirty="0"/>
               <a:t>Widely recommended and adopted in clinical literature (O’Connell et al., 2017) </a:t>
             </a:r>
           </a:p>
@@ -6822,27 +6655,7 @@
                   </a:schemeClr>
                 </a:solidFill>
               </a:rPr>
-              <a:t>, M. (2017). Methods for analysis of pre-post data in clinical research: a comparison of five common </a:t>
-            </a:r>
-            <a:r>
-              <a:rPr lang="en-GB" dirty="0" smtClean="0">
-                <a:solidFill>
-                  <a:schemeClr val="bg1">
-                    <a:lumMod val="50000"/>
-                  </a:schemeClr>
-                </a:solidFill>
-              </a:rPr>
-              <a:t>methods. </a:t>
-            </a:r>
-            <a:r>
-              <a:rPr lang="en-GB" i="1" dirty="0" smtClean="0">
-                <a:solidFill>
-                  <a:schemeClr val="bg1">
-                    <a:lumMod val="50000"/>
-                  </a:schemeClr>
-                </a:solidFill>
-              </a:rPr>
-              <a:t>Journal </a:t>
+              <a:t>, M. (2017). Methods for analysis of pre-post data in clinical research: a comparison of five common methods. </a:t>
             </a:r>
             <a:r>
               <a:rPr lang="en-GB" i="1" dirty="0">
@@ -6852,20 +6665,10 @@
                   </a:schemeClr>
                 </a:solidFill>
               </a:rPr>
-              <a:t>of Biometrics &amp; </a:t>
-            </a:r>
-            <a:r>
-              <a:rPr lang="en-GB" i="1" dirty="0" smtClean="0">
-                <a:solidFill>
-                  <a:schemeClr val="bg1">
-                    <a:lumMod val="50000"/>
-                  </a:schemeClr>
-                </a:solidFill>
-              </a:rPr>
-              <a:t>Biostatistics</a:t>
-            </a:r>
-            <a:r>
-              <a:rPr lang="en-GB" dirty="0" smtClean="0">
+              <a:t>Journal of Biometrics &amp; Biostatistics</a:t>
+            </a:r>
+            <a:r>
+              <a:rPr lang="en-GB" dirty="0">
                 <a:solidFill>
                   <a:schemeClr val="bg1">
                     <a:lumMod val="50000"/>
@@ -6875,7 +6678,7 @@
               <a:t>, </a:t>
             </a:r>
             <a:r>
-              <a:rPr lang="en-GB" i="1" dirty="0" smtClean="0">
+              <a:rPr lang="en-GB" i="1" dirty="0">
                 <a:solidFill>
                   <a:schemeClr val="bg1">
                     <a:lumMod val="50000"/>
@@ -6885,16 +6688,6 @@
               <a:t>8</a:t>
             </a:r>
             <a:r>
-              <a:rPr lang="en-GB" dirty="0" smtClean="0">
-                <a:solidFill>
-                  <a:schemeClr val="bg1">
-                    <a:lumMod val="50000"/>
-                  </a:schemeClr>
-                </a:solidFill>
-              </a:rPr>
-              <a:t>(1</a:t>
-            </a:r>
-            <a:r>
               <a:rPr lang="en-GB" dirty="0">
                 <a:solidFill>
                   <a:schemeClr val="bg1">
@@ -6902,7 +6695,7 @@
                   </a:schemeClr>
                 </a:solidFill>
               </a:rPr>
-              <a:t>), 1.</a:t>
+              <a:t>(1), 1.</a:t>
             </a:r>
           </a:p>
         </p:txBody>
@@ -7028,7 +6821,7 @@
           <a:lstStyle/>
           <a:p>
             <a:r>
-              <a:rPr lang="en-GB" b="1" dirty="0" smtClean="0">
+              <a:rPr lang="en-GB" b="1" dirty="0">
                 <a:solidFill>
                   <a:schemeClr val="accent6">
                     <a:lumMod val="50000"/>
@@ -7116,7 +6909,7 @@
           <a:lstStyle/>
           <a:p>
             <a:r>
-              <a:rPr lang="en-GB" b="1" dirty="0" smtClean="0">
+              <a:rPr lang="en-GB" b="1" dirty="0">
                 <a:solidFill>
                   <a:schemeClr val="accent3">
                     <a:lumMod val="50000"/>
@@ -7191,15 +6984,15 @@
           <a:lstStyle/>
           <a:p>
             <a:r>
-              <a:rPr lang="en-GB" sz="1200" dirty="0" smtClean="0"/>
+              <a:rPr lang="en-GB" sz="1200" dirty="0"/>
               <a:t>Variance in </a:t>
             </a:r>
             <a:r>
-              <a:rPr lang="en-GB" sz="1200" dirty="0" err="1" smtClean="0"/>
+              <a:rPr lang="en-GB" sz="1200" dirty="0" err="1"/>
               <a:t>posttest</a:t>
             </a:r>
             <a:r>
-              <a:rPr lang="en-GB" sz="1200" dirty="0" smtClean="0"/>
+              <a:rPr lang="en-GB" sz="1200" dirty="0"/>
               <a:t> to explain</a:t>
             </a:r>
             <a:endParaRPr lang="en-GB" dirty="0"/>
@@ -7703,10 +7496,9 @@
           <a:lstStyle/>
           <a:p>
             <a:r>
-              <a:rPr lang="en-GB" dirty="0" smtClean="0"/>
+              <a:rPr lang="en-GB" dirty="0"/>
               <a:t>Statistical significance</a:t>
             </a:r>
-            <a:endParaRPr lang="en-GB" dirty="0"/>
           </a:p>
         </p:txBody>
       </p:sp>
@@ -7734,11 +7526,11 @@
           <a:p>
             <a:pPr lvl="0"/>
             <a:r>
-              <a:rPr lang="en-GB" dirty="0" smtClean="0"/>
+              <a:rPr lang="en-GB" dirty="0"/>
               <a:t>We’ve used </a:t>
             </a:r>
             <a:r>
-              <a:rPr lang="en-GB" b="1" dirty="0" smtClean="0">
+              <a:rPr lang="en-GB" b="1" dirty="0">
                 <a:solidFill>
                   <a:schemeClr val="tx2"/>
                 </a:solidFill>
@@ -7746,52 +7538,31 @@
               <a:t>Bayes factors </a:t>
             </a:r>
             <a:r>
-              <a:rPr lang="en-GB" dirty="0" smtClean="0"/>
-              <a:t>to </a:t>
-            </a:r>
-            <a:r>
               <a:rPr lang="en-GB" dirty="0"/>
-              <a:t>tell us whether we have evidence for one model relative to another. </a:t>
+              <a:t>to tell us whether we have evidence for one model relative to another. </a:t>
             </a:r>
           </a:p>
           <a:p>
             <a:pPr lvl="1"/>
             <a:r>
-              <a:rPr lang="en-GB" dirty="0" smtClean="0"/>
-              <a:t>If BF &gt; 3, then substantial evidence </a:t>
-            </a:r>
-            <a:r>
               <a:rPr lang="en-GB" dirty="0"/>
-              <a:t>for </a:t>
-            </a:r>
-            <a:r>
-              <a:rPr lang="en-GB" dirty="0" smtClean="0"/>
-              <a:t>the alternative model</a:t>
-            </a:r>
+              <a:t>If BF &gt; 3, then substantial evidence for the alternative model</a:t>
+            </a:r>
+          </a:p>
+          <a:p>
+            <a:pPr lvl="1"/>
+            <a:r>
+              <a:rPr lang="en-GB" dirty="0"/>
+              <a:t>If BF &lt; 0.33, then substantial evidence for the null model</a:t>
+            </a:r>
+          </a:p>
+          <a:p>
+            <a:pPr lvl="1"/>
             <a:endParaRPr lang="en-GB" dirty="0"/>
           </a:p>
           <a:p>
-            <a:pPr lvl="1"/>
-            <a:r>
-              <a:rPr lang="en-GB" dirty="0" smtClean="0"/>
-              <a:t>If BF &lt; 0.33, then substantial evidence </a:t>
-            </a:r>
-            <a:r>
-              <a:rPr lang="en-GB" dirty="0"/>
-              <a:t>for the null </a:t>
-            </a:r>
-            <a:r>
-              <a:rPr lang="en-GB" dirty="0" smtClean="0"/>
-              <a:t>model</a:t>
-            </a:r>
-          </a:p>
-          <a:p>
-            <a:pPr lvl="1"/>
-            <a:endParaRPr lang="en-GB" dirty="0" smtClean="0"/>
-          </a:p>
-          <a:p>
-            <a:r>
-              <a:rPr lang="en-GB" dirty="0" smtClean="0">
+            <a:r>
+              <a:rPr lang="en-GB" dirty="0">
                 <a:solidFill>
                   <a:schemeClr val="tx2">
                     <a:lumMod val="75000"/>
@@ -7801,7 +7572,7 @@
               <a:t>Note, because our BFs are always calculated for the alternative (more complex) model vs. the null (simpler model), the BFs has subscripts ‘10’, </a:t>
             </a:r>
             <a:br>
-              <a:rPr lang="en-GB" dirty="0" smtClean="0">
+              <a:rPr lang="en-GB" dirty="0">
                 <a:solidFill>
                   <a:schemeClr val="tx2">
                     <a:lumMod val="75000"/>
@@ -7810,7 +7581,7 @@
               </a:rPr>
             </a:br>
             <a:r>
-              <a:rPr lang="en-GB" dirty="0" smtClean="0">
+              <a:rPr lang="en-GB" dirty="0">
                 <a:solidFill>
                   <a:schemeClr val="tx2">
                     <a:lumMod val="75000"/>
@@ -7820,7 +7591,7 @@
               <a:t>i.e., BF</a:t>
             </a:r>
             <a:r>
-              <a:rPr lang="en-GB" baseline="-25000" dirty="0" smtClean="0">
+              <a:rPr lang="en-GB" baseline="-25000" dirty="0">
                 <a:solidFill>
                   <a:schemeClr val="tx2">
                     <a:lumMod val="75000"/>
@@ -7830,7 +7601,7 @@
               <a:t>10</a:t>
             </a:r>
             <a:r>
-              <a:rPr lang="en-GB" dirty="0" smtClean="0">
+              <a:rPr lang="en-GB" dirty="0">
                 <a:solidFill>
                   <a:schemeClr val="tx2">
                     <a:lumMod val="75000"/>
@@ -7842,7 +7613,7 @@
           </a:p>
           <a:p>
             <a:r>
-              <a:rPr lang="en-GB" dirty="0" smtClean="0">
+              <a:rPr lang="en-GB" dirty="0">
                 <a:solidFill>
                   <a:schemeClr val="tx2">
                     <a:lumMod val="75000"/>
@@ -7852,7 +7623,7 @@
               <a:t>Occasionally, BF</a:t>
             </a:r>
             <a:r>
-              <a:rPr lang="en-GB" baseline="-25000" dirty="0" smtClean="0">
+              <a:rPr lang="en-GB" baseline="-25000" dirty="0">
                 <a:solidFill>
                   <a:schemeClr val="tx2">
                     <a:lumMod val="75000"/>
@@ -7862,7 +7633,7 @@
               <a:t>01 </a:t>
             </a:r>
             <a:r>
-              <a:rPr lang="en-GB" dirty="0" smtClean="0">
+              <a:rPr lang="en-GB" dirty="0">
                 <a:solidFill>
                   <a:schemeClr val="tx2">
                     <a:lumMod val="75000"/>
@@ -7872,7 +7643,7 @@
               <a:t>is reported in articles, which refers to the evidence for the </a:t>
             </a:r>
             <a:r>
-              <a:rPr lang="en-GB" i="1" dirty="0" smtClean="0">
+              <a:rPr lang="en-GB" i="1" dirty="0">
                 <a:solidFill>
                   <a:schemeClr val="tx2">
                     <a:lumMod val="75000"/>
@@ -7882,7 +7653,7 @@
               <a:t>null model</a:t>
             </a:r>
             <a:r>
-              <a:rPr lang="en-GB" dirty="0" smtClean="0">
+              <a:rPr lang="en-GB" dirty="0">
                 <a:solidFill>
                   <a:schemeClr val="tx2">
                     <a:lumMod val="75000"/>
@@ -7892,7 +7663,7 @@
               <a:t>. It’s equal to 1 / BF</a:t>
             </a:r>
             <a:r>
-              <a:rPr lang="en-GB" baseline="-25000" dirty="0" smtClean="0">
+              <a:rPr lang="en-GB" baseline="-25000" dirty="0">
                 <a:solidFill>
                   <a:schemeClr val="tx2">
                     <a:lumMod val="75000"/>
@@ -7904,17 +7675,13 @@
           </a:p>
           <a:p>
             <a:pPr lvl="0"/>
-            <a:endParaRPr lang="en-GB" dirty="0" smtClean="0"/>
+            <a:endParaRPr lang="en-GB" dirty="0"/>
           </a:p>
           <a:p>
             <a:pPr lvl="0"/>
             <a:r>
-              <a:rPr lang="en-GB" dirty="0" smtClean="0"/>
-              <a:t>The </a:t>
-            </a:r>
-            <a:r>
               <a:rPr lang="en-GB" dirty="0"/>
-              <a:t>BF in itself does not tell us about the </a:t>
+              <a:t>The BF in itself does not tell us about the </a:t>
             </a:r>
             <a:r>
               <a:rPr lang="en-GB" b="1" dirty="0">
@@ -7926,11 +7693,7 @@
             </a:r>
             <a:r>
               <a:rPr lang="en-GB" dirty="0"/>
-              <a:t> </a:t>
-            </a:r>
-            <a:r>
-              <a:rPr lang="en-GB" dirty="0" smtClean="0"/>
-              <a:t>or </a:t>
+              <a:t> or </a:t>
             </a:r>
             <a:r>
               <a:rPr lang="en-GB" b="1" dirty="0">
@@ -7942,21 +7705,8 @@
             </a:r>
             <a:r>
               <a:rPr lang="en-GB" dirty="0"/>
-              <a:t> of the </a:t>
-            </a:r>
-            <a:r>
-              <a:rPr lang="en-GB" dirty="0" smtClean="0"/>
-              <a:t>effect of difference </a:t>
-            </a:r>
-            <a:r>
-              <a:rPr lang="en-GB" dirty="0"/>
-              <a:t>between </a:t>
-            </a:r>
-            <a:r>
-              <a:rPr lang="en-GB" dirty="0" smtClean="0"/>
-              <a:t>conditions</a:t>
-            </a:r>
-            <a:endParaRPr lang="en-GB" dirty="0"/>
+              <a:t> of the effect of difference between conditions</a:t>
+            </a:r>
           </a:p>
         </p:txBody>
       </p:sp>
@@ -8036,18 +7786,13 @@
           <a:lstStyle/>
           <a:p>
             <a:r>
-              <a:rPr lang="en-GB" b="1" dirty="0" smtClean="0">
+              <a:rPr lang="en-GB" b="1" dirty="0">
                 <a:solidFill>
                   <a:schemeClr val="tx2"/>
                 </a:solidFill>
               </a:rPr>
               <a:t>From Session 5: </a:t>
             </a:r>
-            <a:endParaRPr lang="en-GB" b="1" dirty="0">
-              <a:solidFill>
-                <a:schemeClr val="tx2"/>
-              </a:solidFill>
-            </a:endParaRPr>
           </a:p>
         </p:txBody>
       </p:sp>
@@ -8171,21 +7916,21 @@
           <a:lstStyle/>
           <a:p>
             <a:r>
-              <a:rPr lang="en-GB" sz="1600" dirty="0" smtClean="0"/>
+              <a:rPr lang="en-GB" sz="1600" dirty="0"/>
               <a:t>BF &gt; 3</a:t>
             </a:r>
           </a:p>
           <a:p>
             <a:r>
-              <a:rPr lang="en-GB" sz="1600" dirty="0" smtClean="0"/>
+              <a:rPr lang="en-GB" sz="1600" dirty="0"/>
               <a:t>But R</a:t>
             </a:r>
             <a:r>
-              <a:rPr lang="en-GB" sz="1600" baseline="30000" dirty="0" smtClean="0"/>
+              <a:rPr lang="en-GB" sz="1600" baseline="30000" dirty="0"/>
               <a:t>2 </a:t>
             </a:r>
             <a:r>
-              <a:rPr lang="en-GB" sz="1600" dirty="0" smtClean="0"/>
+              <a:rPr lang="en-GB" sz="1600" dirty="0"/>
               <a:t>is tiny! (= 0.002, or 0.2%)</a:t>
             </a:r>
           </a:p>
@@ -8714,10 +8459,9 @@
           <a:lstStyle/>
           <a:p>
             <a:r>
-              <a:rPr lang="en-GB" dirty="0" smtClean="0"/>
+              <a:rPr lang="en-GB" dirty="0"/>
               <a:t>Effect Size</a:t>
             </a:r>
-            <a:endParaRPr lang="en-GB" dirty="0"/>
           </a:p>
         </p:txBody>
       </p:sp>
@@ -8744,98 +8488,86 @@
           <a:lstStyle/>
           <a:p>
             <a:r>
-              <a:rPr lang="en-GB" sz="2400" dirty="0" smtClean="0"/>
+              <a:rPr lang="en-GB" sz="2400" dirty="0"/>
               <a:t>Measures of effect size such as R</a:t>
             </a:r>
             <a:r>
-              <a:rPr lang="en-GB" sz="2400" baseline="30000" dirty="0" smtClean="0"/>
+              <a:rPr lang="en-GB" sz="2400" baseline="30000" dirty="0"/>
               <a:t>2</a:t>
             </a:r>
             <a:r>
-              <a:rPr lang="en-GB" sz="2400" dirty="0" smtClean="0"/>
+              <a:rPr lang="en-GB" sz="2400" dirty="0"/>
               <a:t> and Cohen’s </a:t>
             </a:r>
             <a:r>
-              <a:rPr lang="en-GB" sz="2400" i="1" dirty="0" smtClean="0"/>
+              <a:rPr lang="en-GB" sz="2400" i="1" dirty="0"/>
               <a:t>d </a:t>
             </a:r>
             <a:r>
-              <a:rPr lang="en-GB" sz="2400" dirty="0" smtClean="0"/>
+              <a:rPr lang="en-GB" sz="2400" dirty="0"/>
               <a:t>tell us</a:t>
             </a:r>
             <a:r>
-              <a:rPr lang="en-GB" sz="2400" i="1" dirty="0" smtClean="0"/>
+              <a:rPr lang="en-GB" sz="2400" i="1" dirty="0"/>
               <a:t> </a:t>
             </a:r>
             <a:r>
-              <a:rPr lang="en-GB" sz="2400" dirty="0" smtClean="0"/>
+              <a:rPr lang="en-GB" sz="2400" dirty="0"/>
               <a:t>about the magnitude of the effect.</a:t>
             </a:r>
           </a:p>
           <a:p>
             <a:r>
-              <a:rPr lang="en-GB" sz="2400" dirty="0" smtClean="0"/>
+              <a:rPr lang="en-GB" sz="2400" dirty="0"/>
               <a:t>Cohen’s d is the standardised difference between two means.</a:t>
             </a:r>
           </a:p>
           <a:p>
             <a:pPr lvl="1"/>
             <a:r>
-              <a:rPr lang="en-GB" sz="1900" dirty="0" smtClean="0"/>
+              <a:rPr lang="en-GB" sz="1900" dirty="0"/>
               <a:t>Various packages exist for measuring </a:t>
             </a:r>
             <a:r>
-              <a:rPr lang="en-GB" sz="1900" i="1" dirty="0" smtClean="0"/>
+              <a:rPr lang="en-GB" sz="1900" i="1" dirty="0"/>
               <a:t>d</a:t>
             </a:r>
             <a:r>
-              <a:rPr lang="en-GB" sz="1900" dirty="0" smtClean="0"/>
+              <a:rPr lang="en-GB" sz="1900" dirty="0"/>
               <a:t> and other effect sizes in R, e.g., </a:t>
             </a:r>
             <a:r>
-              <a:rPr lang="en-GB" sz="1700" dirty="0" err="1" smtClean="0">
+              <a:rPr lang="en-GB" sz="1700" dirty="0" err="1">
                 <a:latin typeface="Lucida Console" panose="020B0609040504020204" pitchFamily="49" charset="0"/>
               </a:rPr>
               <a:t>effsize</a:t>
             </a:r>
-            <a:endParaRPr lang="en-GB" sz="1700" dirty="0" smtClean="0">
+            <a:endParaRPr lang="en-GB" sz="1700" dirty="0">
               <a:latin typeface="Lucida Console" panose="020B0609040504020204" pitchFamily="49" charset="0"/>
             </a:endParaRPr>
           </a:p>
           <a:p>
             <a:pPr lvl="1"/>
             <a:r>
-              <a:rPr lang="en-GB" sz="1700" dirty="0" smtClean="0">
+              <a:rPr lang="en-GB" sz="1700" dirty="0">
                 <a:latin typeface="Lucida Console" panose="020B0609040504020204" pitchFamily="49" charset="0"/>
               </a:rPr>
               <a:t>see </a:t>
             </a:r>
             <a:r>
-              <a:rPr lang="en-GB" sz="2000" dirty="0" smtClean="0">
-                <a:hlinkClick r:id="rId3"/>
-              </a:rPr>
-              <a:t>http</a:t>
-            </a:r>
-            <a:r>
               <a:rPr lang="en-GB" sz="2000" dirty="0">
                 <a:hlinkClick r:id="rId3"/>
               </a:rPr>
-              <a:t>://www.andywills.info/rminr</a:t>
-            </a:r>
-            <a:r>
-              <a:rPr lang="en-GB" sz="2000" dirty="0" smtClean="0">
-                <a:hlinkClick r:id="rId3"/>
-              </a:rPr>
-              <a:t>/</a:t>
-            </a:r>
-            <a:endParaRPr lang="en-GB" sz="2000" dirty="0" smtClean="0"/>
+              <a:t>http://www.andywills.info/rminr/</a:t>
+            </a:r>
+            <a:endParaRPr lang="en-GB" sz="2000" dirty="0"/>
           </a:p>
           <a:p>
             <a:pPr marL="0" indent="0">
               <a:buNone/>
             </a:pPr>
             <a:r>
-              <a:rPr lang="en-GB" sz="1400" dirty="0" smtClean="0"/>
+              <a:rPr lang="en-GB" sz="1400" dirty="0"/>
               <a:t>	(Press CTRL + F and search for “effect size”)</a:t>
             </a:r>
           </a:p>
@@ -8847,11 +8579,11 @@
           </a:p>
           <a:p>
             <a:r>
-              <a:rPr lang="en-GB" sz="2400" dirty="0" smtClean="0"/>
+              <a:rPr lang="en-GB" sz="2400" dirty="0"/>
               <a:t>But, a large effect size still doesn’t necessarily translate to </a:t>
             </a:r>
             <a:r>
-              <a:rPr lang="en-GB" sz="2400" i="1" dirty="0" smtClean="0">
+              <a:rPr lang="en-GB" sz="2400" i="1" dirty="0">
                 <a:solidFill>
                   <a:srgbClr val="002060"/>
                 </a:solidFill>
@@ -8859,11 +8591,11 @@
               <a:t>practical</a:t>
             </a:r>
             <a:r>
-              <a:rPr lang="en-GB" sz="2400" dirty="0" smtClean="0"/>
+              <a:rPr lang="en-GB" sz="2400" dirty="0"/>
               <a:t> or </a:t>
             </a:r>
             <a:r>
-              <a:rPr lang="en-GB" sz="2400" i="1" dirty="0" smtClean="0">
+              <a:rPr lang="en-GB" sz="2400" i="1" dirty="0">
                 <a:solidFill>
                   <a:srgbClr val="002060"/>
                 </a:solidFill>
@@ -8871,14 +8603,14 @@
               <a:t>clinical</a:t>
             </a:r>
             <a:r>
-              <a:rPr lang="en-GB" sz="2400" dirty="0" smtClean="0"/>
+              <a:rPr lang="en-GB" sz="2400" dirty="0"/>
               <a:t> significance</a:t>
             </a:r>
             <a:br>
-              <a:rPr lang="en-GB" sz="2400" dirty="0" smtClean="0"/>
+              <a:rPr lang="en-GB" sz="2400" dirty="0"/>
             </a:br>
             <a:r>
-              <a:rPr lang="en-GB" sz="2400" dirty="0" smtClean="0"/>
+              <a:rPr lang="en-GB" sz="2400" dirty="0"/>
               <a:t>(however, like statistical significance, might be theoretically important)</a:t>
             </a:r>
           </a:p>
@@ -8933,7 +8665,7 @@
           <a:lstStyle/>
           <a:p>
             <a:r>
-              <a:rPr lang="en-GB" sz="1600" dirty="0" smtClean="0">
+              <a:rPr lang="en-GB" sz="1600" dirty="0">
                 <a:solidFill>
                   <a:srgbClr val="002060"/>
                 </a:solidFill>
@@ -8947,7 +8679,7 @@
               <a:buChar char="•"/>
             </a:pPr>
             <a:r>
-              <a:rPr lang="en-GB" sz="1600" dirty="0" smtClean="0"/>
+              <a:rPr lang="en-GB" sz="1600" dirty="0"/>
               <a:t>BF &gt; 3 for treatment vs. control</a:t>
             </a:r>
           </a:p>
@@ -8957,16 +8689,8 @@
               <a:buChar char="•"/>
             </a:pPr>
             <a:r>
-              <a:rPr lang="en-GB" sz="1600" dirty="0" smtClean="0"/>
-              <a:t>Cohen’s </a:t>
-            </a:r>
-            <a:r>
               <a:rPr lang="en-GB" sz="1600" dirty="0"/>
-              <a:t>d = </a:t>
-            </a:r>
-            <a:r>
-              <a:rPr lang="en-GB" sz="1600" dirty="0" smtClean="0"/>
-              <a:t>2.5</a:t>
+              <a:t>Cohen’s d = 2.5</a:t>
             </a:r>
           </a:p>
           <a:p>
@@ -8975,55 +8699,18 @@
               <a:buChar char="•"/>
             </a:pPr>
             <a:r>
-              <a:rPr lang="en-GB" sz="1600" dirty="0" smtClean="0"/>
-              <a:t>But </a:t>
-            </a:r>
-            <a:r>
               <a:rPr lang="en-GB" sz="1600" dirty="0"/>
-              <a:t>the </a:t>
-            </a:r>
-            <a:r>
-              <a:rPr lang="en-GB" sz="1600" dirty="0" smtClean="0"/>
-              <a:t>average weight </a:t>
-            </a:r>
-            <a:r>
+              <a:t>But the average weight loss difference between groups could be only 50 g after 1 year</a:t>
+            </a:r>
+          </a:p>
+          <a:p>
+            <a:br>
               <a:rPr lang="en-GB" sz="1600" dirty="0"/>
-              <a:t>loss difference between groups could be </a:t>
-            </a:r>
-            <a:r>
-              <a:rPr lang="en-GB" sz="1600" dirty="0" smtClean="0"/>
-              <a:t>only 50 </a:t>
-            </a:r>
-            <a:r>
-              <a:rPr lang="en-GB" sz="1600" dirty="0"/>
-              <a:t>g after 1 </a:t>
-            </a:r>
-            <a:r>
-              <a:rPr lang="en-GB" sz="1600" dirty="0" smtClean="0"/>
-              <a:t>year</a:t>
-            </a:r>
-          </a:p>
-          <a:p>
-            <a:r>
-              <a:rPr lang="en-GB" sz="1600" dirty="0" smtClean="0"/>
-              <a:t/>
-            </a:r>
-            <a:br>
-              <a:rPr lang="en-GB" sz="1600" dirty="0" smtClean="0"/>
             </a:br>
             <a:r>
-              <a:rPr lang="en-GB" sz="1600" i="1" dirty="0" smtClean="0"/>
-              <a:t>How practically or clinically relevant is </a:t>
-            </a:r>
-            <a:r>
               <a:rPr lang="en-GB" sz="1600" i="1" dirty="0"/>
-              <a:t>this</a:t>
-            </a:r>
-            <a:r>
-              <a:rPr lang="en-GB" sz="1600" i="1" dirty="0" smtClean="0"/>
-              <a:t>?</a:t>
-            </a:r>
-            <a:endParaRPr lang="en-GB" sz="1600" i="1" dirty="0"/>
+              <a:t>How practically or clinically relevant is this?</a:t>
+            </a:r>
           </a:p>
         </p:txBody>
       </p:sp>
@@ -9399,23 +9086,14 @@
             </a:r>
             <a:r>
               <a:rPr lang="en-GB" sz="2200" dirty="0"/>
-              <a:t>refers to whether an intervention leads to an outcome that is clinically </a:t>
-            </a:r>
-            <a:r>
-              <a:rPr lang="en-GB" sz="2200" dirty="0" smtClean="0"/>
-              <a:t>meaningful.</a:t>
-            </a:r>
-            <a:endParaRPr lang="en-GB" sz="2200" dirty="0"/>
+              <a:t>refers to whether an intervention leads to an outcome that is clinically meaningful.</a:t>
+            </a:r>
           </a:p>
           <a:p>
             <a:pPr lvl="1"/>
             <a:r>
-              <a:rPr lang="en-GB" sz="2200" dirty="0" smtClean="0"/>
-              <a:t>e.g</a:t>
-            </a:r>
-            <a:r>
               <a:rPr lang="en-GB" sz="2200" dirty="0"/>
-              <a:t>., whether therapy results in a </a:t>
+              <a:t>e.g., whether therapy results in a </a:t>
             </a:r>
             <a:r>
               <a:rPr lang="en-GB" sz="2200" dirty="0">
@@ -9427,30 +9105,17 @@
             </a:r>
             <a:r>
               <a:rPr lang="en-GB" sz="2200" dirty="0"/>
-              <a:t> of a disorder in a client or </a:t>
-            </a:r>
-            <a:r>
-              <a:rPr lang="en-GB" sz="2200" dirty="0" smtClean="0"/>
-              <a:t>not</a:t>
-            </a:r>
-            <a:endParaRPr lang="en-GB" sz="2200" dirty="0"/>
+              <a:t> of a disorder in a client or not</a:t>
+            </a:r>
           </a:p>
           <a:p>
             <a:pPr lvl="0"/>
             <a:r>
-              <a:rPr lang="en-GB" sz="2200" dirty="0" smtClean="0"/>
-              <a:t>Some </a:t>
-            </a:r>
-            <a:r>
               <a:rPr lang="en-GB" sz="2200" dirty="0"/>
-              <a:t>scales have </a:t>
-            </a:r>
-            <a:r>
-              <a:rPr lang="en-GB" sz="2200" dirty="0" smtClean="0"/>
-              <a:t>an </a:t>
-            </a:r>
-            <a:r>
-              <a:rPr lang="en-GB" sz="2200" dirty="0" smtClean="0">
+              <a:t>Some scales have an </a:t>
+            </a:r>
+            <a:r>
+              <a:rPr lang="en-GB" sz="2200" dirty="0">
                 <a:solidFill>
                   <a:schemeClr val="tx2"/>
                 </a:solidFill>
@@ -9458,7 +9123,7 @@
               <a:t>established </a:t>
             </a:r>
             <a:r>
-              <a:rPr lang="en-GB" sz="2200" dirty="0" err="1" smtClean="0">
+              <a:rPr lang="en-GB" sz="2200" dirty="0" err="1">
                 <a:solidFill>
                   <a:schemeClr val="tx2"/>
                 </a:solidFill>
@@ -9466,7 +9131,7 @@
               <a:t>cutoff</a:t>
             </a:r>
             <a:r>
-              <a:rPr lang="en-GB" sz="2200" dirty="0" smtClean="0">
+              <a:rPr lang="en-GB" sz="2200" dirty="0">
                 <a:solidFill>
                   <a:schemeClr val="tx2"/>
                 </a:solidFill>
@@ -9475,26 +9140,13 @@
             </a:r>
             <a:r>
               <a:rPr lang="en-GB" sz="2200" dirty="0"/>
-              <a:t>for </a:t>
-            </a:r>
-            <a:r>
-              <a:rPr lang="en-GB" sz="2200" dirty="0" smtClean="0"/>
-              <a:t>a diagnosis </a:t>
-            </a:r>
+              <a:t>for a diagnosis of a disorder or not.</a:t>
+            </a:r>
+          </a:p>
+          <a:p>
+            <a:pPr lvl="1"/>
             <a:r>
               <a:rPr lang="en-GB" sz="2200" dirty="0"/>
-              <a:t>of a disorder or </a:t>
-            </a:r>
-            <a:r>
-              <a:rPr lang="en-GB" sz="2200" dirty="0" smtClean="0"/>
-              <a:t>not.</a:t>
-            </a:r>
-            <a:endParaRPr lang="en-GB" sz="2200" dirty="0"/>
-          </a:p>
-          <a:p>
-            <a:pPr lvl="1"/>
-            <a:r>
-              <a:rPr lang="en-GB" sz="2200" dirty="0" smtClean="0"/>
               <a:t>e.g., on the CES-D depression scale, scores </a:t>
             </a:r>
             <a:r>
@@ -9507,21 +9159,16 @@
             </a:r>
             <a:r>
               <a:rPr lang="en-GB" sz="2200" dirty="0"/>
-              <a:t>are considered </a:t>
-            </a:r>
-            <a:r>
-              <a:rPr lang="en-GB" sz="2200" dirty="0" smtClean="0"/>
-              <a:t>as showing enhanced symptoms of depression (</a:t>
-            </a:r>
-            <a:r>
-              <a:rPr lang="en-GB" sz="2200" dirty="0" err="1" smtClean="0"/>
+              <a:t>are considered as showing enhanced symptoms of depression (</a:t>
+            </a:r>
+            <a:r>
+              <a:rPr lang="en-GB" sz="2200" dirty="0" err="1"/>
               <a:t>Radloff</a:t>
             </a:r>
             <a:r>
-              <a:rPr lang="en-GB" sz="2200" dirty="0" smtClean="0"/>
+              <a:rPr lang="en-GB" sz="2200" dirty="0"/>
               <a:t>, 1977).</a:t>
             </a:r>
-            <a:endParaRPr lang="en-GB" sz="2200" dirty="0"/>
           </a:p>
         </p:txBody>
       </p:sp>
@@ -9596,18 +9243,13 @@
           <a:lstStyle/>
           <a:p>
             <a:r>
-              <a:rPr lang="en-GB" sz="1400" b="1" dirty="0" smtClean="0">
+              <a:rPr lang="en-GB" sz="1400" b="1" dirty="0">
                 <a:solidFill>
                   <a:srgbClr val="C00000"/>
                 </a:solidFill>
               </a:rPr>
               <a:t>CES-D = 16</a:t>
             </a:r>
-            <a:endParaRPr lang="en-GB" sz="1400" b="1" dirty="0">
-              <a:solidFill>
-                <a:srgbClr val="C00000"/>
-              </a:solidFill>
-            </a:endParaRPr>
           </a:p>
         </p:txBody>
       </p:sp>
@@ -9685,10 +9327,9 @@
           <a:lstStyle/>
           <a:p>
             <a:r>
-              <a:rPr lang="en-GB" dirty="0" smtClean="0"/>
+              <a:rPr lang="en-GB" dirty="0"/>
               <a:t>On average, a shift to a healthy diet resulted in a change in diagnosis</a:t>
             </a:r>
-            <a:endParaRPr lang="en-GB" dirty="0"/>
           </a:p>
         </p:txBody>
       </p:sp>
@@ -9715,18 +9356,13 @@
           <a:lstStyle/>
           <a:p>
             <a:r>
-              <a:rPr lang="en-GB" b="1" dirty="0" smtClean="0">
+              <a:rPr lang="en-GB" b="1" dirty="0">
                 <a:solidFill>
                   <a:srgbClr val="002060"/>
                 </a:solidFill>
               </a:rPr>
               <a:t>Francis et al. (2019)</a:t>
             </a:r>
-            <a:endParaRPr lang="en-GB" b="1" dirty="0">
-              <a:solidFill>
-                <a:srgbClr val="002060"/>
-              </a:solidFill>
-            </a:endParaRPr>
           </a:p>
         </p:txBody>
       </p:sp>
@@ -10197,12 +9833,8 @@
           <a:lstStyle/>
           <a:p>
             <a:r>
-              <a:rPr lang="en-GB" dirty="0" smtClean="0"/>
-              <a:t>Going further: Clinical </a:t>
-            </a:r>
-            <a:r>
               <a:rPr lang="en-GB" dirty="0"/>
-              <a:t>significance</a:t>
+              <a:t>Going further: Clinical significance</a:t>
             </a:r>
           </a:p>
         </p:txBody>
@@ -10241,7 +9873,7 @@
               <a:t>Jacobson and </a:t>
             </a:r>
             <a:r>
-              <a:rPr lang="en-GB" sz="2200" b="1" dirty="0" err="1" smtClean="0">
+              <a:rPr lang="en-GB" sz="2200" b="1" dirty="0" err="1">
                 <a:solidFill>
                   <a:srgbClr val="002060"/>
                 </a:solidFill>
@@ -10249,138 +9881,71 @@
               <a:t>Truax</a:t>
             </a:r>
             <a:r>
-              <a:rPr lang="en-GB" sz="2200" b="1" dirty="0" smtClean="0">
+              <a:rPr lang="en-GB" sz="2200" b="1" dirty="0">
                 <a:solidFill>
                   <a:srgbClr val="002060"/>
                 </a:solidFill>
               </a:rPr>
               <a:t> (1991)</a:t>
             </a:r>
-            <a:endParaRPr lang="en-GB" sz="2200" b="1" dirty="0">
-              <a:solidFill>
-                <a:srgbClr val="002060"/>
-              </a:solidFill>
-            </a:endParaRPr>
           </a:p>
           <a:p>
             <a:r>
               <a:rPr lang="en-GB" sz="2200" dirty="0"/>
-              <a:t>Tried to establish a more </a:t>
-            </a:r>
-            <a:r>
-              <a:rPr lang="en-GB" sz="2200" dirty="0" smtClean="0"/>
-              <a:t>general </a:t>
-            </a:r>
+              <a:t>Tried to establish a more general method of determining whether intervention led to clinically significant change or not.</a:t>
+            </a:r>
+          </a:p>
+          <a:p>
             <a:r>
               <a:rPr lang="en-GB" sz="2200" dirty="0"/>
-              <a:t>method of determining whether intervention led to </a:t>
-            </a:r>
-            <a:r>
-              <a:rPr lang="en-GB" sz="2200" dirty="0" smtClean="0"/>
-              <a:t>clinically significant change </a:t>
+              <a:t>An individual’s improvement may be due to measurement error, and may not necessarily be </a:t>
+            </a:r>
+            <a:r>
+              <a:rPr lang="en-GB" sz="2200" i="1" dirty="0"/>
+              <a:t>reliable</a:t>
             </a:r>
             <a:r>
               <a:rPr lang="en-GB" sz="2200" dirty="0"/>
-              <a:t>or not</a:t>
-            </a:r>
-            <a:r>
-              <a:rPr lang="en-GB" sz="2200" dirty="0" smtClean="0"/>
               <a:t>.</a:t>
             </a:r>
           </a:p>
           <a:p>
-            <a:r>
-              <a:rPr lang="en-GB" sz="2200" dirty="0" smtClean="0"/>
-              <a:t>An individual’s improvement may be due to measurement error, and may not necessarily be </a:t>
-            </a:r>
-            <a:r>
-              <a:rPr lang="en-GB" sz="2200" i="1" dirty="0" smtClean="0"/>
-              <a:t>reliable</a:t>
-            </a:r>
-            <a:r>
-              <a:rPr lang="en-GB" sz="2200" dirty="0" smtClean="0"/>
-              <a:t>.</a:t>
-            </a:r>
-            <a:endParaRPr lang="en-GB" sz="2200" dirty="0"/>
-          </a:p>
-          <a:p>
             <a:pPr lvl="0"/>
-            <a:r>
-              <a:rPr lang="en-GB" sz="2200" b="1" dirty="0" smtClean="0">
-                <a:solidFill>
-                  <a:srgbClr val="002060"/>
-                </a:solidFill>
-              </a:rPr>
-              <a:t>Reliable </a:t>
-            </a:r>
             <a:r>
               <a:rPr lang="en-GB" sz="2200" b="1" dirty="0">
                 <a:solidFill>
                   <a:srgbClr val="002060"/>
                 </a:solidFill>
               </a:rPr>
-              <a:t>change </a:t>
-            </a:r>
-            <a:r>
-              <a:rPr lang="en-GB" sz="2200" b="1" dirty="0" smtClean="0">
-                <a:solidFill>
-                  <a:srgbClr val="002060"/>
-                </a:solidFill>
-              </a:rPr>
-              <a:t>(RC) index </a:t>
+              <a:t>Reliable change (RC) index </a:t>
             </a:r>
             <a:r>
               <a:rPr lang="en-GB" sz="2200" dirty="0"/>
-              <a:t>– used to establish whether individuals have </a:t>
-            </a:r>
-            <a:r>
-              <a:rPr lang="en-GB" sz="2200" dirty="0" smtClean="0"/>
-              <a:t>a reliable change </a:t>
-            </a:r>
+              <a:t>– used to establish whether individuals have a reliable change score between baseline and follow-up.</a:t>
+            </a:r>
+          </a:p>
+          <a:p>
+            <a:pPr lvl="0"/>
             <a:r>
               <a:rPr lang="en-GB" sz="2200" dirty="0"/>
-              <a:t>score between baseline and </a:t>
-            </a:r>
-            <a:r>
-              <a:rPr lang="en-GB" sz="2200" dirty="0" smtClean="0"/>
-              <a:t>follow-up.</a:t>
-            </a:r>
-          </a:p>
-          <a:p>
-            <a:pPr lvl="0"/>
-            <a:r>
-              <a:rPr lang="en-GB" sz="2200" dirty="0" smtClean="0"/>
               <a:t>For each participant:</a:t>
             </a:r>
-            <a:endParaRPr lang="en-GB" sz="2200" dirty="0"/>
           </a:p>
           <a:p>
             <a:pPr marL="0" lvl="0" indent="0">
               <a:buNone/>
             </a:pPr>
             <a:r>
-              <a:rPr lang="en-GB" sz="2200" dirty="0" smtClean="0"/>
-              <a:t>	RC </a:t>
-            </a:r>
-            <a:r>
               <a:rPr lang="en-GB" sz="2200" dirty="0"/>
-              <a:t>= </a:t>
-            </a:r>
-            <a:r>
-              <a:rPr lang="en-GB" sz="2200" dirty="0" smtClean="0"/>
-              <a:t>(</a:t>
-            </a:r>
-            <a:r>
-              <a:rPr lang="en-GB" sz="2200" dirty="0" err="1" smtClean="0"/>
+              <a:t>	RC = (</a:t>
+            </a:r>
+            <a:r>
+              <a:rPr lang="en-GB" sz="2200" dirty="0" err="1"/>
               <a:t>pretest</a:t>
             </a:r>
             <a:r>
-              <a:rPr lang="en-GB" sz="2200" dirty="0" smtClean="0"/>
-              <a:t> </a:t>
-            </a:r>
-            <a:r>
               <a:rPr lang="en-GB" sz="2200" dirty="0"/>
-              <a:t>– </a:t>
+              <a:t> – </a:t>
             </a:r>
             <a:r>
               <a:rPr lang="en-GB" sz="2200" dirty="0" err="1"/>
@@ -10410,24 +9975,14 @@
                   </a:schemeClr>
                 </a:solidFill>
               </a:rPr>
-              <a:t>RC &gt; </a:t>
-            </a:r>
-            <a:r>
-              <a:rPr lang="en-GB" sz="2200" dirty="0" smtClean="0">
-                <a:solidFill>
-                  <a:schemeClr val="accent3">
-                    <a:lumMod val="50000"/>
-                  </a:schemeClr>
-                </a:solidFill>
-              </a:rPr>
-              <a:t>1.96 </a:t>
-            </a:r>
-            <a:r>
-              <a:rPr lang="en-GB" sz="2200" dirty="0" smtClean="0"/>
+              <a:t>RC &gt; 1.96 </a:t>
+            </a:r>
+            <a:r>
+              <a:rPr lang="en-GB" sz="2200" dirty="0"/>
               <a:t>or </a:t>
             </a:r>
             <a:r>
-              <a:rPr lang="en-GB" sz="2200" dirty="0" smtClean="0">
+              <a:rPr lang="en-GB" sz="2200" dirty="0">
                 <a:solidFill>
                   <a:schemeClr val="accent3">
                     <a:lumMod val="50000"/>
@@ -10437,33 +9992,16 @@
               <a:t>RC &lt; -1.96</a:t>
             </a:r>
             <a:r>
-              <a:rPr lang="en-GB" sz="2200" dirty="0" smtClean="0"/>
-              <a:t>, </a:t>
-            </a:r>
-            <a:r>
               <a:rPr lang="en-GB" sz="2200" dirty="0"/>
-              <a:t>then </a:t>
-            </a:r>
-            <a:r>
-              <a:rPr lang="en-GB" sz="2200" dirty="0" smtClean="0"/>
-              <a:t>reliable </a:t>
-            </a:r>
+              <a:t>, then reliable change.</a:t>
+            </a:r>
+          </a:p>
+          <a:p>
+            <a:pPr lvl="0"/>
             <a:r>
               <a:rPr lang="en-GB" sz="2200" dirty="0"/>
-              <a:t>change</a:t>
-            </a:r>
-            <a:r>
-              <a:rPr lang="en-GB" sz="2200" dirty="0" smtClean="0"/>
-              <a:t>.</a:t>
-            </a:r>
-          </a:p>
-          <a:p>
-            <a:pPr lvl="0"/>
-            <a:r>
-              <a:rPr lang="en-GB" sz="2200" dirty="0" smtClean="0"/>
               <a:t>See Further Knowledge section in Worksheet 7</a:t>
             </a:r>
-            <a:endParaRPr lang="en-GB" sz="2200" dirty="0"/>
           </a:p>
         </p:txBody>
       </p:sp>
@@ -10543,18 +10081,13 @@
           <a:lstStyle/>
           <a:p>
             <a:r>
-              <a:rPr lang="en-GB" sz="1600" b="1" dirty="0" smtClean="0">
+              <a:rPr lang="en-GB" sz="1600" b="1" dirty="0">
                 <a:solidFill>
                   <a:srgbClr val="002060"/>
                 </a:solidFill>
               </a:rPr>
               <a:t>Francis et al. (2019). Dietary change group</a:t>
             </a:r>
-            <a:endParaRPr lang="en-GB" sz="1600" b="1" dirty="0">
-              <a:solidFill>
-                <a:srgbClr val="002060"/>
-              </a:solidFill>
-            </a:endParaRPr>
           </a:p>
         </p:txBody>
       </p:sp>
@@ -10619,7 +10152,7 @@
           <a:lstStyle/>
           <a:p>
             <a:r>
-              <a:rPr lang="en-GB" sz="1200" b="1" dirty="0" smtClean="0">
+              <a:rPr lang="en-GB" sz="1200" b="1" dirty="0">
                 <a:solidFill>
                   <a:schemeClr val="accent3">
                     <a:lumMod val="75000"/>
@@ -10701,7 +10234,7 @@
           <a:lstStyle/>
           <a:p>
             <a:r>
-              <a:rPr lang="en-GB" sz="1200" b="1" dirty="0" smtClean="0">
+              <a:rPr lang="en-GB" sz="1200" b="1" dirty="0">
                 <a:solidFill>
                   <a:schemeClr val="accent3">
                     <a:lumMod val="75000"/>
@@ -10743,7 +10276,7 @@
           <a:lstStyle/>
           <a:p>
             <a:r>
-              <a:rPr lang="en-GB" dirty="0" smtClean="0">
+              <a:rPr lang="en-GB" dirty="0">
                 <a:solidFill>
                   <a:schemeClr val="accent3">
                     <a:lumMod val="75000"/>
@@ -10753,7 +10286,7 @@
               <a:t>10 </a:t>
             </a:r>
             <a:r>
-              <a:rPr lang="en-GB" dirty="0" err="1" smtClean="0">
+              <a:rPr lang="en-GB" dirty="0" err="1">
                 <a:solidFill>
                   <a:schemeClr val="accent3">
                     <a:lumMod val="75000"/>
@@ -10763,7 +10296,7 @@
               <a:t>ppts</a:t>
             </a:r>
             <a:r>
-              <a:rPr lang="en-GB" dirty="0" smtClean="0">
+              <a:rPr lang="en-GB" dirty="0">
                 <a:solidFill>
                   <a:schemeClr val="accent3">
                     <a:lumMod val="75000"/>
@@ -10773,7 +10306,7 @@
               <a:t> below lower RC index, therefore show </a:t>
             </a:r>
             <a:r>
-              <a:rPr lang="en-GB" i="1" dirty="0" smtClean="0">
+              <a:rPr lang="en-GB" i="1" dirty="0">
                 <a:solidFill>
                   <a:schemeClr val="tx2"/>
                 </a:solidFill>
@@ -10846,7 +10379,7 @@
           <a:lstStyle/>
           <a:p>
             <a:r>
-              <a:rPr lang="en-GB" sz="1200" b="1" dirty="0" smtClean="0">
+              <a:rPr lang="en-GB" sz="1200" b="1" dirty="0">
                 <a:solidFill>
                   <a:schemeClr val="accent2">
                     <a:lumMod val="75000"/>
@@ -11535,10 +11068,9 @@
           <a:p>
             <a:pPr algn="ctr"/>
             <a:r>
-              <a:rPr lang="en-GB" dirty="0" smtClean="0"/>
+              <a:rPr lang="en-GB" dirty="0"/>
               <a:t>c</a:t>
             </a:r>
-            <a:endParaRPr lang="en-GB" dirty="0"/>
           </a:p>
         </p:txBody>
       </p:sp>
@@ -11565,12 +11097,8 @@
           <a:lstStyle/>
           <a:p>
             <a:r>
-              <a:rPr lang="en-GB" sz="2800" dirty="0" smtClean="0"/>
-              <a:t>Going further: Clinical </a:t>
-            </a:r>
-            <a:r>
               <a:rPr lang="en-GB" sz="2800" dirty="0"/>
-              <a:t>significance</a:t>
+              <a:t>Going further: Clinical significance</a:t>
             </a:r>
           </a:p>
         </p:txBody>
@@ -11609,7 +11137,7 @@
               <a:t>Jacobson and </a:t>
             </a:r>
             <a:r>
-              <a:rPr lang="en-GB" sz="1800" b="1" dirty="0" err="1" smtClean="0">
+              <a:rPr lang="en-GB" sz="1800" b="1" dirty="0" err="1">
                 <a:solidFill>
                   <a:srgbClr val="002060"/>
                 </a:solidFill>
@@ -11617,86 +11145,28 @@
               <a:t>Truax</a:t>
             </a:r>
             <a:r>
-              <a:rPr lang="en-GB" sz="1800" b="1" dirty="0" smtClean="0">
+              <a:rPr lang="en-GB" sz="1800" b="1" dirty="0">
                 <a:solidFill>
                   <a:srgbClr val="002060"/>
                 </a:solidFill>
               </a:rPr>
               <a:t> (1991)</a:t>
             </a:r>
-            <a:endParaRPr lang="en-GB" sz="1800" b="1" dirty="0">
-              <a:solidFill>
-                <a:srgbClr val="002060"/>
-              </a:solidFill>
-            </a:endParaRPr>
-          </a:p>
-          <a:p>
-            <a:r>
-              <a:rPr lang="en-GB" sz="1800" b="1" dirty="0" smtClean="0">
-                <a:solidFill>
-                  <a:srgbClr val="003300"/>
-                </a:solidFill>
-              </a:rPr>
-              <a:t>Suggested these treatment outcomes </a:t>
-            </a:r>
+          </a:p>
+          <a:p>
             <a:r>
               <a:rPr lang="en-GB" sz="1800" b="1" dirty="0">
                 <a:solidFill>
                   <a:srgbClr val="003300"/>
                 </a:solidFill>
               </a:rPr>
-              <a:t>on the basis of </a:t>
-            </a:r>
-            <a:r>
-              <a:rPr lang="en-GB" sz="1800" b="1" dirty="0" smtClean="0">
-                <a:solidFill>
-                  <a:srgbClr val="003300"/>
-                </a:solidFill>
-              </a:rPr>
-              <a:t>a participant’s </a:t>
-            </a:r>
+              <a:t>Suggested these treatment outcomes on the basis of a participant’s RC index and criterion for diagnosis:</a:t>
+            </a:r>
+          </a:p>
+          <a:p>
+            <a:pPr lvl="1"/>
             <a:r>
               <a:rPr lang="en-GB" sz="1800" b="1" dirty="0">
-                <a:solidFill>
-                  <a:srgbClr val="003300"/>
-                </a:solidFill>
-              </a:rPr>
-              <a:t>RC index and </a:t>
-            </a:r>
-            <a:r>
-              <a:rPr lang="en-GB" sz="1800" b="1" dirty="0" smtClean="0">
-                <a:solidFill>
-                  <a:srgbClr val="003300"/>
-                </a:solidFill>
-              </a:rPr>
-              <a:t>criterion </a:t>
-            </a:r>
-            <a:r>
-              <a:rPr lang="en-GB" sz="1800" b="1" dirty="0">
-                <a:solidFill>
-                  <a:srgbClr val="003300"/>
-                </a:solidFill>
-              </a:rPr>
-              <a:t>for </a:t>
-            </a:r>
-            <a:r>
-              <a:rPr lang="en-GB" sz="1800" b="1" dirty="0" smtClean="0">
-                <a:solidFill>
-                  <a:srgbClr val="003300"/>
-                </a:solidFill>
-              </a:rPr>
-              <a:t>diagnosis:</a:t>
-            </a:r>
-            <a:endParaRPr lang="en-GB" sz="1800" b="1" dirty="0">
-              <a:solidFill>
-                <a:srgbClr val="003300"/>
-              </a:solidFill>
-            </a:endParaRPr>
-          </a:p>
-          <a:p>
-            <a:pPr lvl="1"/>
-            <a:r>
-              <a:rPr lang="en-GB" sz="1800" b="1" dirty="0" smtClean="0">
                 <a:solidFill>
                   <a:schemeClr val="tx2"/>
                 </a:solidFill>
@@ -11707,26 +11177,22 @@
           <a:p>
             <a:pPr lvl="2"/>
             <a:r>
-              <a:rPr lang="en-GB" sz="1800" dirty="0" smtClean="0"/>
+              <a:rPr lang="en-GB" sz="1800" dirty="0"/>
               <a:t>Reliable change and </a:t>
             </a:r>
             <a:r>
-              <a:rPr lang="en-GB" sz="1800" dirty="0" err="1" smtClean="0"/>
+              <a:rPr lang="en-GB" sz="1800" dirty="0" err="1"/>
               <a:t>posttest</a:t>
             </a:r>
             <a:r>
               <a:rPr lang="en-GB" sz="1800" dirty="0"/>
-              <a:t> </a:t>
-            </a:r>
-            <a:r>
-              <a:rPr lang="en-GB" sz="1800" dirty="0" smtClean="0"/>
-              <a:t>crosses criterion </a:t>
+              <a:t> crosses criterion </a:t>
             </a:r>
           </a:p>
           <a:p>
             <a:pPr lvl="1"/>
             <a:r>
-              <a:rPr lang="en-GB" sz="1800" b="1" dirty="0" smtClean="0">
+              <a:rPr lang="en-GB" sz="1800" b="1" dirty="0">
                 <a:solidFill>
                   <a:schemeClr val="tx2"/>
                 </a:solidFill>
@@ -11746,21 +11212,13 @@
             </a:r>
             <a:r>
               <a:rPr lang="en-GB" sz="1800" dirty="0"/>
-              <a:t> </a:t>
-            </a:r>
-            <a:r>
-              <a:rPr lang="en-GB" sz="1800" dirty="0" smtClean="0"/>
-              <a:t>does not cross </a:t>
-            </a:r>
-            <a:r>
-              <a:rPr lang="en-GB" sz="1800" dirty="0"/>
-              <a:t>criterion </a:t>
+              <a:t> does not cross criterion </a:t>
             </a:r>
           </a:p>
           <a:p>
             <a:pPr lvl="1"/>
             <a:r>
-              <a:rPr lang="en-GB" sz="1800" b="1" dirty="0" smtClean="0">
+              <a:rPr lang="en-GB" sz="1800" b="1" dirty="0">
                 <a:solidFill>
                   <a:schemeClr val="tx2"/>
                 </a:solidFill>
@@ -11771,14 +11229,14 @@
           <a:p>
             <a:pPr lvl="2"/>
             <a:r>
-              <a:rPr lang="en-GB" sz="1800" dirty="0" smtClean="0"/>
+              <a:rPr lang="en-GB" sz="1800" dirty="0"/>
               <a:t>No reliable change</a:t>
             </a:r>
           </a:p>
           <a:p>
             <a:pPr lvl="1"/>
             <a:r>
-              <a:rPr lang="en-GB" sz="1800" b="1" dirty="0" smtClean="0">
+              <a:rPr lang="en-GB" sz="1800" b="1" dirty="0">
                 <a:solidFill>
                   <a:schemeClr val="tx2"/>
                 </a:solidFill>
@@ -11789,64 +11247,63 @@
           <a:p>
             <a:pPr lvl="2"/>
             <a:r>
-              <a:rPr lang="en-GB" sz="1800" dirty="0" smtClean="0"/>
+              <a:rPr lang="en-GB" sz="1800" dirty="0"/>
               <a:t>Reliable change and </a:t>
             </a:r>
             <a:r>
-              <a:rPr lang="en-GB" sz="1800" dirty="0" err="1" smtClean="0"/>
+              <a:rPr lang="en-GB" sz="1800" dirty="0" err="1"/>
               <a:t>posttest</a:t>
             </a:r>
             <a:r>
-              <a:rPr lang="en-GB" sz="1800" dirty="0" smtClean="0"/>
+              <a:rPr lang="en-GB" sz="1800" dirty="0"/>
               <a:t> below </a:t>
             </a:r>
             <a:r>
-              <a:rPr lang="en-GB" sz="1800" dirty="0" err="1" smtClean="0"/>
+              <a:rPr lang="en-GB" sz="1800" dirty="0" err="1"/>
               <a:t>pretest</a:t>
             </a:r>
-            <a:endParaRPr lang="en-GB" sz="1800" dirty="0" smtClean="0"/>
-          </a:p>
-          <a:p>
             <a:endParaRPr lang="en-GB" sz="1800" dirty="0"/>
           </a:p>
           <a:p>
-            <a:r>
-              <a:rPr lang="en-GB" sz="1800" dirty="0" smtClean="0"/>
+            <a:endParaRPr lang="en-GB" sz="1800" dirty="0"/>
+          </a:p>
+          <a:p>
+            <a:r>
+              <a:rPr lang="en-GB" sz="1800" dirty="0"/>
               <a:t>In absence of established criterion, if M</a:t>
             </a:r>
             <a:r>
-              <a:rPr lang="en-GB" sz="1800" baseline="-25000" dirty="0" smtClean="0"/>
+              <a:rPr lang="en-GB" sz="1800" baseline="-25000" dirty="0"/>
               <a:t>1</a:t>
             </a:r>
             <a:r>
-              <a:rPr lang="en-GB" sz="1800" dirty="0" smtClean="0"/>
+              <a:rPr lang="en-GB" sz="1800" dirty="0"/>
               <a:t> and M</a:t>
             </a:r>
             <a:r>
-              <a:rPr lang="en-GB" sz="1800" baseline="-25000" dirty="0" smtClean="0"/>
+              <a:rPr lang="en-GB" sz="1800" baseline="-25000" dirty="0"/>
               <a:t>2</a:t>
             </a:r>
             <a:r>
-              <a:rPr lang="en-GB" sz="1800" dirty="0" smtClean="0"/>
+              <a:rPr lang="en-GB" sz="1800" dirty="0"/>
               <a:t> are known, the midpoint between them can be used as a </a:t>
             </a:r>
             <a:r>
-              <a:rPr lang="en-GB" sz="1800" dirty="0" err="1" smtClean="0"/>
+              <a:rPr lang="en-GB" sz="1800" dirty="0" err="1"/>
               <a:t>cutoff</a:t>
             </a:r>
             <a:r>
-              <a:rPr lang="en-GB" sz="1800" dirty="0" smtClean="0"/>
+              <a:rPr lang="en-GB" sz="1800" dirty="0"/>
               <a:t> (</a:t>
             </a:r>
             <a:r>
-              <a:rPr lang="en-GB" sz="1800" b="1" dirty="0" smtClean="0"/>
+              <a:rPr lang="en-GB" sz="1800" b="1" dirty="0"/>
               <a:t>c</a:t>
             </a:r>
             <a:r>
-              <a:rPr lang="en-GB" sz="1800" dirty="0" smtClean="0"/>
+              <a:rPr lang="en-GB" sz="1800" dirty="0"/>
               <a:t>).</a:t>
             </a:r>
-            <a:endParaRPr lang="en-GB" sz="1800" dirty="0"/>
           </a:p>
         </p:txBody>
       </p:sp>
@@ -11897,7 +11354,7 @@
           <a:lstStyle/>
           <a:p>
             <a:r>
-              <a:rPr lang="en-GB" sz="1200" b="1" dirty="0" smtClean="0">
+              <a:rPr lang="en-GB" sz="1200" b="1" dirty="0">
                 <a:solidFill>
                   <a:schemeClr val="tx2">
                     <a:lumMod val="75000"/>
@@ -11909,7 +11366,7 @@
           </a:p>
           <a:p>
             <a:r>
-              <a:rPr lang="en-GB" sz="1200" b="1" dirty="0" smtClean="0">
+              <a:rPr lang="en-GB" sz="1200" b="1" dirty="0">
                 <a:solidFill>
                   <a:schemeClr val="tx2">
                     <a:lumMod val="75000"/>
@@ -11951,7 +11408,7 @@
           <a:lstStyle/>
           <a:p>
             <a:r>
-              <a:rPr lang="en-GB" sz="1200" b="1" dirty="0" smtClean="0">
+              <a:rPr lang="en-GB" sz="1200" b="1" dirty="0">
                 <a:solidFill>
                   <a:schemeClr val="accent4">
                     <a:lumMod val="75000"/>
@@ -11963,7 +11420,7 @@
           </a:p>
           <a:p>
             <a:r>
-              <a:rPr lang="en-GB" sz="1200" b="1" dirty="0" smtClean="0">
+              <a:rPr lang="en-GB" sz="1200" b="1" dirty="0">
                 <a:solidFill>
                   <a:schemeClr val="accent4">
                     <a:lumMod val="75000"/>
@@ -12236,10 +11693,9 @@
           <a:lstStyle/>
           <a:p>
             <a:r>
-              <a:rPr lang="en-GB" b="1" dirty="0" smtClean="0"/>
+              <a:rPr lang="en-GB" b="1" dirty="0"/>
               <a:t>c</a:t>
             </a:r>
-            <a:endParaRPr lang="en-GB" b="1" dirty="0"/>
           </a:p>
         </p:txBody>
       </p:sp>
@@ -12266,14 +11722,13 @@
           <a:lstStyle/>
           <a:p>
             <a:r>
-              <a:rPr lang="en-GB" b="1" dirty="0" smtClean="0"/>
+              <a:rPr lang="en-GB" b="1" dirty="0"/>
               <a:t>M</a:t>
             </a:r>
             <a:r>
-              <a:rPr lang="en-GB" b="1" baseline="-25000" dirty="0" smtClean="0"/>
+              <a:rPr lang="en-GB" b="1" baseline="-25000" dirty="0"/>
               <a:t>1</a:t>
             </a:r>
-            <a:endParaRPr lang="en-GB" b="1" baseline="-25000" dirty="0"/>
           </a:p>
         </p:txBody>
       </p:sp>
@@ -12300,14 +11755,13 @@
           <a:lstStyle/>
           <a:p>
             <a:r>
-              <a:rPr lang="en-GB" b="1" dirty="0" smtClean="0"/>
+              <a:rPr lang="en-GB" b="1" dirty="0"/>
               <a:t>M</a:t>
             </a:r>
             <a:r>
-              <a:rPr lang="en-GB" b="1" baseline="-25000" dirty="0" smtClean="0"/>
+              <a:rPr lang="en-GB" b="1" baseline="-25000" dirty="0"/>
               <a:t>2</a:t>
             </a:r>
-            <a:endParaRPr lang="en-GB" b="1" baseline="-25000" dirty="0"/>
           </a:p>
         </p:txBody>
       </p:sp>
@@ -12409,7 +11863,7 @@
           <a:p>
             <a:pPr algn="ctr"/>
             <a:r>
-              <a:rPr lang="en-GB" sz="1200" b="1" dirty="0" err="1" smtClean="0">
+              <a:rPr lang="en-GB" sz="1200" b="1" dirty="0" err="1">
                 <a:solidFill>
                   <a:schemeClr val="tx1">
                     <a:lumMod val="75000"/>
@@ -12419,7 +11873,7 @@
               </a:rPr>
               <a:t>Pretest</a:t>
             </a:r>
-            <a:endParaRPr lang="en-GB" sz="1200" b="1" dirty="0" smtClean="0">
+            <a:endParaRPr lang="en-GB" sz="1200" b="1" dirty="0">
               <a:solidFill>
                 <a:schemeClr val="tx1">
                   <a:lumMod val="75000"/>
@@ -12431,7 +11885,7 @@
           <a:p>
             <a:pPr algn="ctr"/>
             <a:r>
-              <a:rPr lang="en-GB" sz="1200" b="1" dirty="0" smtClean="0">
+              <a:rPr lang="en-GB" sz="1200" b="1" dirty="0">
                 <a:solidFill>
                   <a:schemeClr val="tx1">
                     <a:lumMod val="75000"/>
@@ -12441,14 +11895,6 @@
               </a:rPr>
               <a:t>score</a:t>
             </a:r>
-            <a:endParaRPr lang="en-GB" sz="1200" b="1" dirty="0">
-              <a:solidFill>
-                <a:schemeClr val="tx1">
-                  <a:lumMod val="75000"/>
-                  <a:lumOff val="25000"/>
-                </a:schemeClr>
-              </a:solidFill>
-            </a:endParaRPr>
           </a:p>
         </p:txBody>
       </p:sp>
@@ -12476,7 +11922,7 @@
           <a:p>
             <a:pPr algn="ctr"/>
             <a:r>
-              <a:rPr lang="en-GB" sz="1200" b="1" dirty="0" err="1" smtClean="0">
+              <a:rPr lang="en-GB" sz="1200" b="1" dirty="0" err="1">
                 <a:solidFill>
                   <a:schemeClr val="tx1">
                     <a:lumMod val="75000"/>
@@ -12486,7 +11932,7 @@
               </a:rPr>
               <a:t>Posttest</a:t>
             </a:r>
-            <a:endParaRPr lang="en-GB" sz="1200" b="1" dirty="0" smtClean="0">
+            <a:endParaRPr lang="en-GB" sz="1200" b="1" dirty="0">
               <a:solidFill>
                 <a:schemeClr val="tx1">
                   <a:lumMod val="75000"/>
@@ -12498,7 +11944,7 @@
           <a:p>
             <a:pPr algn="ctr"/>
             <a:r>
-              <a:rPr lang="en-GB" sz="1200" b="1" dirty="0" smtClean="0">
+              <a:rPr lang="en-GB" sz="1200" b="1" dirty="0">
                 <a:solidFill>
                   <a:schemeClr val="tx1">
                     <a:lumMod val="75000"/>
@@ -12508,14 +11954,6 @@
               </a:rPr>
               <a:t>score</a:t>
             </a:r>
-            <a:endParaRPr lang="en-GB" sz="1200" b="1" dirty="0">
-              <a:solidFill>
-                <a:schemeClr val="tx1">
-                  <a:lumMod val="75000"/>
-                  <a:lumOff val="25000"/>
-                </a:schemeClr>
-              </a:solidFill>
-            </a:endParaRPr>
           </a:p>
         </p:txBody>
       </p:sp>
@@ -12574,17 +12012,6 @@
               <a:t>, P. (1991). Clinical significance: A statistical approach to defining meaningful change in psychotherapy research. </a:t>
             </a:r>
             <a:r>
-              <a:rPr lang="en-GB" sz="1100" i="1" dirty="0" smtClean="0">
-                <a:solidFill>
-                  <a:schemeClr val="tx1">
-                    <a:lumMod val="50000"/>
-                    <a:lumOff val="50000"/>
-                  </a:schemeClr>
-                </a:solidFill>
-              </a:rPr>
-              <a:t>Journal </a:t>
-            </a:r>
-            <a:r>
               <a:rPr lang="en-GB" sz="1100" i="1" dirty="0">
                 <a:solidFill>
                   <a:schemeClr val="tx1">
@@ -12593,21 +12020,10 @@
                   </a:schemeClr>
                 </a:solidFill>
               </a:rPr>
-              <a:t>of Consulting and Clinical </a:t>
-            </a:r>
-            <a:r>
-              <a:rPr lang="en-GB" sz="1100" i="1" dirty="0" smtClean="0">
-                <a:solidFill>
-                  <a:schemeClr val="tx1">
-                    <a:lumMod val="50000"/>
-                    <a:lumOff val="50000"/>
-                  </a:schemeClr>
-                </a:solidFill>
-              </a:rPr>
-              <a:t>Psychology</a:t>
-            </a:r>
-            <a:r>
-              <a:rPr lang="en-GB" sz="1100" dirty="0" smtClean="0">
+              <a:t>Journal of Consulting and Clinical Psychology</a:t>
+            </a:r>
+            <a:r>
+              <a:rPr lang="en-GB" sz="1100" dirty="0">
                 <a:solidFill>
                   <a:schemeClr val="tx1">
                     <a:lumMod val="50000"/>
@@ -12618,7 +12034,7 @@
               <a:t>, </a:t>
             </a:r>
             <a:r>
-              <a:rPr lang="en-GB" sz="1100" i="1" dirty="0" smtClean="0">
+              <a:rPr lang="en-GB" sz="1100" i="1" dirty="0">
                 <a:solidFill>
                   <a:schemeClr val="tx1">
                     <a:lumMod val="50000"/>
@@ -12629,17 +12045,6 @@
               <a:t>59</a:t>
             </a:r>
             <a:r>
-              <a:rPr lang="en-GB" sz="1100" dirty="0" smtClean="0">
-                <a:solidFill>
-                  <a:schemeClr val="tx1">
-                    <a:lumMod val="50000"/>
-                    <a:lumOff val="50000"/>
-                  </a:schemeClr>
-                </a:solidFill>
-              </a:rPr>
-              <a:t>(1</a:t>
-            </a:r>
-            <a:r>
               <a:rPr lang="en-GB" sz="1100" dirty="0">
                 <a:solidFill>
                   <a:schemeClr val="tx1">
@@ -12648,7 +12053,7 @@
                   </a:schemeClr>
                 </a:solidFill>
               </a:rPr>
-              <a:t>), 12–19. https://doi.org/10.1037/0022-006X.59.1.12</a:t>
+              <a:t>(1), 12–19. https://doi.org/10.1037/0022-006X.59.1.12</a:t>
             </a:r>
           </a:p>
         </p:txBody>
@@ -13232,17 +12637,17 @@
           <a:lstStyle/>
           <a:p>
             <a:r>
-              <a:rPr lang="en-GB" sz="3200" b="1" dirty="0" smtClean="0"/>
+              <a:rPr lang="en-GB" sz="3200" b="1" dirty="0"/>
               <a:t>Activity: Remainder of Session</a:t>
             </a:r>
           </a:p>
           <a:p>
             <a:r>
-              <a:rPr lang="en-GB" sz="3200" b="1" dirty="0" smtClean="0"/>
+              <a:rPr lang="en-GB" sz="3200" b="1" dirty="0"/>
               <a:t>Start Worksheet 7 and Exercises using </a:t>
             </a:r>
             <a:r>
-              <a:rPr lang="en-GB" sz="3200" b="1" dirty="0" err="1" smtClean="0"/>
+              <a:rPr lang="en-GB" sz="3200" b="1" dirty="0" err="1"/>
               <a:t>RStudio</a:t>
             </a:r>
             <a:endParaRPr lang="en-GB" sz="3200" b="1" dirty="0"/>
@@ -13277,10 +12682,9 @@
           <a:lstStyle/>
           <a:p>
             <a:r>
-              <a:rPr lang="en-GB" sz="3200" b="1" dirty="0" smtClean="0"/>
-              <a:t>Support session Friday 1-2pm on Zoom (Paul)</a:t>
-            </a:r>
-            <a:endParaRPr lang="en-GB" sz="3200" b="1" dirty="0"/>
+              <a:rPr lang="en-GB" sz="3200" b="1" dirty="0"/>
+              <a:t>Support session Friday 1-2pm</a:t>
+            </a:r>
           </a:p>
         </p:txBody>
       </p:sp>
@@ -13313,11 +12717,7 @@
           <a:p>
             <a:r>
               <a:rPr lang="en-GB" sz="2400" dirty="0"/>
-              <a:t>Worksheet </a:t>
-            </a:r>
-            <a:r>
-              <a:rPr lang="en-GB" sz="2400" dirty="0" smtClean="0"/>
-              <a:t>7: </a:t>
+              <a:t>Worksheet 7: </a:t>
             </a:r>
             <a:endParaRPr lang="en-GB" sz="2400" dirty="0">
               <a:hlinkClick r:id="rId3"/>
@@ -13325,31 +12725,18 @@
           </a:p>
           <a:p>
             <a:r>
-              <a:rPr lang="en-GB" sz="2400" dirty="0" smtClean="0">
-                <a:hlinkClick r:id="rId3"/>
-              </a:rPr>
-              <a:t>https</a:t>
-            </a:r>
-            <a:r>
               <a:rPr lang="en-GB" sz="2400" dirty="0">
                 <a:hlinkClick r:id="rId3"/>
               </a:rPr>
-              <a:t>://chrisjberry.github.io/datafluencyCB</a:t>
-            </a:r>
-            <a:r>
-              <a:rPr lang="en-GB" sz="2400" dirty="0" smtClean="0">
-                <a:hlinkClick r:id="rId3"/>
-              </a:rPr>
-              <a:t>/</a:t>
-            </a:r>
-            <a:endParaRPr lang="en-GB" sz="2400" dirty="0" smtClean="0"/>
-          </a:p>
-          <a:p>
-            <a:r>
-              <a:rPr lang="en-GB" sz="2400" dirty="0" smtClean="0"/>
+              <a:t>https://chrisjberry.github.io/datafluencyCB/</a:t>
+            </a:r>
+            <a:endParaRPr lang="en-GB" sz="2400" dirty="0"/>
+          </a:p>
+          <a:p>
+            <a:r>
+              <a:rPr lang="en-GB" sz="2400" dirty="0"/>
               <a:t>(or DLE)</a:t>
             </a:r>
-            <a:endParaRPr lang="en-GB" sz="2400" dirty="0"/>
           </a:p>
         </p:txBody>
       </p:sp>
@@ -13376,10 +12763,9 @@
           <a:lstStyle/>
           <a:p>
             <a:r>
-              <a:rPr lang="en-GB" dirty="0" smtClean="0"/>
+              <a:rPr lang="en-GB" dirty="0"/>
               <a:t>Please ask me or Paul during the session if you have any questions on the code or concepts.</a:t>
             </a:r>
-            <a:endParaRPr lang="en-GB" dirty="0"/>
           </a:p>
         </p:txBody>
       </p:sp>
@@ -13411,20 +12797,19 @@
           <a:lstStyle/>
           <a:p>
             <a:r>
-              <a:rPr lang="en-GB" dirty="0" smtClean="0"/>
+              <a:rPr lang="en-GB" dirty="0"/>
               <a:t>Good luck in the assignment, don’t forget instructions on DLE and FAQs </a:t>
             </a:r>
             <a:r>
-              <a:rPr lang="en-GB" dirty="0" smtClean="0">
+              <a:rPr lang="en-GB" dirty="0">
                 <a:sym typeface="Wingdings" panose="05000000000000000000" pitchFamily="2" charset="2"/>
               </a:rPr>
               <a:t></a:t>
             </a:r>
             <a:r>
-              <a:rPr lang="en-GB" dirty="0" smtClean="0"/>
+              <a:rPr lang="en-GB" dirty="0"/>
               <a:t> </a:t>
             </a:r>
-            <a:endParaRPr lang="en-GB" dirty="0"/>
           </a:p>
         </p:txBody>
       </p:sp>
@@ -13953,10 +13338,9 @@
           <a:lstStyle/>
           <a:p>
             <a:r>
-              <a:rPr lang="en-GB" dirty="0" smtClean="0"/>
+              <a:rPr lang="en-GB" dirty="0"/>
               <a:t>Pre-post design</a:t>
             </a:r>
-            <a:endParaRPr lang="en-GB" dirty="0"/>
           </a:p>
         </p:txBody>
       </p:sp>
@@ -14026,18 +13410,13 @@
                     <a:p>
                       <a:pPr algn="ctr"/>
                       <a:r>
-                        <a:rPr lang="en-GB" sz="2000" b="1" dirty="0" smtClean="0">
+                        <a:rPr lang="en-GB" sz="2000" b="1" dirty="0">
                           <a:solidFill>
                             <a:schemeClr val="tx2"/>
                           </a:solidFill>
                         </a:rPr>
                         <a:t>Pre-test</a:t>
                       </a:r>
-                      <a:endParaRPr lang="en-GB" sz="2000" b="1" dirty="0">
-                        <a:solidFill>
-                          <a:schemeClr val="tx2"/>
-                        </a:solidFill>
-                      </a:endParaRPr>
                     </a:p>
                   </a:txBody>
                   <a:tcPr marL="99316" marR="99316"/>
@@ -14049,18 +13428,13 @@
                     <a:p>
                       <a:pPr algn="ctr"/>
                       <a:r>
-                        <a:rPr lang="en-GB" sz="2000" b="1" dirty="0" smtClean="0">
+                        <a:rPr lang="en-GB" sz="2000" b="1" dirty="0">
                           <a:solidFill>
                             <a:schemeClr val="tx2"/>
                           </a:solidFill>
                         </a:rPr>
                         <a:t>Post-test</a:t>
                       </a:r>
-                      <a:endParaRPr lang="en-GB" sz="2000" b="1" dirty="0">
-                        <a:solidFill>
-                          <a:schemeClr val="tx2"/>
-                        </a:solidFill>
-                      </a:endParaRPr>
                     </a:p>
                   </a:txBody>
                   <a:tcPr marL="99316" marR="99316"/>
@@ -14078,18 +13452,13 @@
                     <a:lstStyle/>
                     <a:p>
                       <a:r>
-                        <a:rPr lang="en-GB" sz="2000" b="1" dirty="0" smtClean="0">
+                        <a:rPr lang="en-GB" sz="2000" b="1" dirty="0">
                           <a:solidFill>
                             <a:schemeClr val="tx2"/>
                           </a:solidFill>
                         </a:rPr>
                         <a:t>Treatment group</a:t>
                       </a:r>
-                      <a:endParaRPr lang="en-GB" sz="2000" b="1" dirty="0">
-                        <a:solidFill>
-                          <a:schemeClr val="tx2"/>
-                        </a:solidFill>
-                      </a:endParaRPr>
                     </a:p>
                   </a:txBody>
                   <a:tcPr marL="99316" marR="99316"/>
@@ -14101,7 +13470,7 @@
                     <a:p>
                       <a:pPr algn="ctr"/>
                       <a:r>
-                        <a:rPr lang="en-GB" sz="2400" dirty="0" smtClean="0">
+                        <a:rPr lang="en-GB" sz="2400" dirty="0">
                           <a:sym typeface="Wingdings" panose="05000000000000000000" pitchFamily="2" charset="2"/>
                         </a:rPr>
                         <a:t></a:t>
@@ -14134,7 +13503,7 @@
                         <a:defRPr/>
                       </a:pPr>
                       <a:r>
-                        <a:rPr lang="en-GB" sz="2400" dirty="0" smtClean="0">
+                        <a:rPr lang="en-GB" sz="2400" dirty="0">
                           <a:sym typeface="Wingdings" panose="05000000000000000000" pitchFamily="2" charset="2"/>
                         </a:rPr>
                         <a:t></a:t>
@@ -14157,18 +13526,13 @@
                     <a:lstStyle/>
                     <a:p>
                       <a:r>
-                        <a:rPr lang="en-GB" sz="2000" b="1" dirty="0" smtClean="0">
+                        <a:rPr lang="en-GB" sz="2000" b="1" dirty="0">
                           <a:solidFill>
                             <a:schemeClr val="tx2"/>
                           </a:solidFill>
                         </a:rPr>
                         <a:t>Control group</a:t>
                       </a:r>
-                      <a:endParaRPr lang="en-GB" sz="2000" b="1" dirty="0">
-                        <a:solidFill>
-                          <a:schemeClr val="tx2"/>
-                        </a:solidFill>
-                      </a:endParaRPr>
                     </a:p>
                   </a:txBody>
                   <a:tcPr marL="99316" marR="99316"/>
@@ -14196,7 +13560,7 @@
                         <a:defRPr/>
                       </a:pPr>
                       <a:r>
-                        <a:rPr lang="en-GB" sz="2400" dirty="0" smtClean="0">
+                        <a:rPr lang="en-GB" sz="2400" dirty="0">
                           <a:sym typeface="Wingdings" panose="05000000000000000000" pitchFamily="2" charset="2"/>
                         </a:rPr>
                         <a:t></a:t>
@@ -14229,7 +13593,7 @@
                         <a:defRPr/>
                       </a:pPr>
                       <a:r>
-                        <a:rPr lang="en-GB" sz="2400" dirty="0" smtClean="0">
+                        <a:rPr lang="en-GB" sz="2400" dirty="0">
                           <a:sym typeface="Wingdings" panose="05000000000000000000" pitchFamily="2" charset="2"/>
                         </a:rPr>
                         <a:t></a:t>
@@ -14270,11 +13634,11 @@
           <a:lstStyle/>
           <a:p>
             <a:r>
-              <a:rPr lang="en-GB" sz="2400" dirty="0" smtClean="0"/>
+              <a:rPr lang="en-GB" sz="2400" dirty="0"/>
               <a:t>A </a:t>
             </a:r>
             <a:r>
-              <a:rPr lang="en-GB" sz="2400" dirty="0" smtClean="0">
+              <a:rPr lang="en-GB" sz="2400" dirty="0">
                 <a:solidFill>
                   <a:schemeClr val="tx2"/>
                 </a:solidFill>
@@ -14282,21 +13646,20 @@
               <a:t>dependent variable </a:t>
             </a:r>
             <a:r>
-              <a:rPr lang="en-GB" sz="2400" dirty="0" smtClean="0"/>
+              <a:rPr lang="en-GB" sz="2400" dirty="0"/>
               <a:t>can be measured at two time points (pre-test and post test) </a:t>
             </a:r>
           </a:p>
           <a:p>
             <a:pPr lvl="1"/>
             <a:r>
-              <a:rPr lang="en-GB" dirty="0" smtClean="0"/>
+              <a:rPr lang="en-GB" dirty="0"/>
               <a:t>e.g., symptoms of depression before and after therapy</a:t>
             </a:r>
-            <a:endParaRPr lang="en-GB" dirty="0"/>
-          </a:p>
-          <a:p>
-            <a:r>
-              <a:rPr lang="en-GB" sz="2400" dirty="0" smtClean="0"/>
+          </a:p>
+          <a:p>
+            <a:r>
+              <a:rPr lang="en-GB" sz="2400" dirty="0"/>
               <a:t>A Control group can be included.</a:t>
             </a:r>
           </a:p>
@@ -14304,7 +13667,7 @@
             <a:pPr marL="457200" lvl="1" indent="0">
               <a:buNone/>
             </a:pPr>
-            <a:endParaRPr lang="en-GB" dirty="0" smtClean="0"/>
+            <a:endParaRPr lang="en-GB" dirty="0"/>
           </a:p>
         </p:txBody>
       </p:sp>
@@ -14394,18 +13757,13 @@
           <a:lstStyle/>
           <a:p>
             <a:r>
-              <a:rPr lang="en-GB" sz="1600" dirty="0" smtClean="0">
+              <a:rPr lang="en-GB" sz="1600" dirty="0">
                 <a:solidFill>
                   <a:schemeClr val="tx2"/>
                 </a:solidFill>
               </a:rPr>
               <a:t>Time</a:t>
             </a:r>
-            <a:endParaRPr lang="en-GB" sz="1600" dirty="0">
-              <a:solidFill>
-                <a:schemeClr val="tx2"/>
-              </a:solidFill>
-            </a:endParaRPr>
           </a:p>
         </p:txBody>
       </p:sp>
@@ -14471,18 +13829,13 @@
           <a:lstStyle/>
           <a:p>
             <a:r>
-              <a:rPr lang="en-GB" sz="1600" dirty="0" smtClean="0">
+              <a:rPr lang="en-GB" sz="1600" dirty="0">
                 <a:solidFill>
                   <a:schemeClr val="tx2"/>
                 </a:solidFill>
               </a:rPr>
               <a:t>Group</a:t>
             </a:r>
-            <a:endParaRPr lang="en-GB" sz="1600" dirty="0">
-              <a:solidFill>
-                <a:schemeClr val="tx2"/>
-              </a:solidFill>
-            </a:endParaRPr>
           </a:p>
         </p:txBody>
       </p:sp>
@@ -14514,11 +13867,11 @@
           <a:lstStyle/>
           <a:p>
             <a:r>
-              <a:rPr lang="en-GB" dirty="0" smtClean="0"/>
+              <a:rPr lang="en-GB" dirty="0"/>
               <a:t>Pre-post designs can be analysed in multiple ways </a:t>
             </a:r>
             <a:r>
-              <a:rPr lang="en-GB" dirty="0" smtClean="0">
+              <a:rPr lang="en-GB" dirty="0">
                 <a:sym typeface="Wingdings" panose="05000000000000000000" pitchFamily="2" charset="2"/>
               </a:rPr>
               <a:t></a:t>
@@ -14978,10 +14331,9 @@
           <a:p>
             <a:pPr algn="l"/>
             <a:r>
-              <a:rPr lang="en-GB" sz="2600" dirty="0" smtClean="0"/>
+              <a:rPr lang="en-GB" sz="2600" dirty="0"/>
               <a:t>Francis et al. (2019)</a:t>
             </a:r>
-            <a:endParaRPr lang="en-GB" sz="2600" dirty="0"/>
           </a:p>
         </p:txBody>
       </p:sp>
@@ -15173,14 +14525,14 @@
               <a:buNone/>
             </a:pPr>
             <a:r>
-              <a:rPr lang="en-GB" sz="2200" b="1" dirty="0" smtClean="0">
+              <a:rPr lang="en-GB" sz="2200" b="1" dirty="0">
                 <a:solidFill>
                   <a:schemeClr val="tx2"/>
                 </a:solidFill>
               </a:rPr>
               <a:t>Administered a healthy diet intervention to a n = 38 individuals with elevated levels of depression symptoms and a poor diet.</a:t>
             </a:r>
-            <a:endParaRPr lang="en-GB" sz="2200" dirty="0" smtClean="0">
+            <a:endParaRPr lang="en-GB" sz="2200" dirty="0">
               <a:solidFill>
                 <a:schemeClr val="tx2">
                   <a:lumMod val="75000"/>
@@ -15192,7 +14544,7 @@
             <a:pPr marL="0" indent="0">
               <a:buNone/>
             </a:pPr>
-            <a:endParaRPr lang="en-GB" dirty="0" smtClean="0">
+            <a:endParaRPr lang="en-GB" dirty="0">
               <a:solidFill>
                 <a:schemeClr val="tx2">
                   <a:lumMod val="75000"/>
@@ -15205,7 +14557,7 @@
               <a:buNone/>
             </a:pPr>
             <a:r>
-              <a:rPr lang="en-GB" sz="2200" dirty="0" smtClean="0">
+              <a:rPr lang="en-GB" sz="2200" dirty="0">
                 <a:solidFill>
                   <a:schemeClr val="tx2">
                     <a:lumMod val="75000"/>
@@ -15232,7 +14584,7 @@
               <a:buNone/>
             </a:pPr>
             <a:r>
-              <a:rPr lang="en-GB" sz="2200" dirty="0" smtClean="0">
+              <a:rPr lang="en-GB" sz="2200" dirty="0">
                 <a:solidFill>
                   <a:schemeClr val="tx2">
                     <a:lumMod val="75000"/>
@@ -15247,7 +14599,7 @@
               <a:buFont typeface="Arial" pitchFamily="34" charset="0"/>
               <a:buNone/>
             </a:pPr>
-            <a:endParaRPr lang="en-GB" dirty="0" smtClean="0">
+            <a:endParaRPr lang="en-GB" dirty="0">
               <a:solidFill>
                 <a:schemeClr val="tx2">
                   <a:lumMod val="75000"/>
@@ -15424,7 +14776,7 @@
               <a:buNone/>
             </a:pPr>
             <a:r>
-              <a:rPr lang="en-GB" sz="2200" b="1" dirty="0" smtClean="0">
+              <a:rPr lang="en-GB" sz="2200" b="1" dirty="0">
                 <a:solidFill>
                   <a:schemeClr val="tx2"/>
                 </a:solidFill>
@@ -15434,7 +14786,7 @@
           </a:p>
           <a:p>
             <a:r>
-              <a:rPr lang="en-GB" sz="2200" b="1" dirty="0" smtClean="0">
+              <a:rPr lang="en-GB" sz="2200" b="1" dirty="0">
                 <a:solidFill>
                   <a:schemeClr val="tx2"/>
                 </a:solidFill>
@@ -15442,14 +14794,14 @@
               <a:t>Group: </a:t>
             </a:r>
             <a:br>
-              <a:rPr lang="en-GB" sz="2200" b="1" dirty="0" smtClean="0">
+              <a:rPr lang="en-GB" sz="2200" b="1" dirty="0">
                 <a:solidFill>
                   <a:schemeClr val="tx2"/>
                 </a:solidFill>
               </a:rPr>
             </a:br>
             <a:r>
-              <a:rPr lang="en-GB" sz="2200" b="1" dirty="0" smtClean="0">
+              <a:rPr lang="en-GB" sz="2200" b="1" dirty="0">
                 <a:solidFill>
                   <a:schemeClr val="tx2"/>
                 </a:solidFill>
@@ -15457,7 +14809,7 @@
               <a:t>  </a:t>
             </a:r>
             <a:r>
-              <a:rPr lang="en-GB" sz="2200" dirty="0" smtClean="0">
+              <a:rPr lang="en-GB" sz="2200" dirty="0">
                 <a:solidFill>
                   <a:schemeClr val="tx2"/>
                 </a:solidFill>
@@ -15465,14 +14817,14 @@
               <a:t>between subjects,</a:t>
             </a:r>
             <a:br>
-              <a:rPr lang="en-GB" sz="2200" dirty="0" smtClean="0">
+              <a:rPr lang="en-GB" sz="2200" dirty="0">
                 <a:solidFill>
                   <a:schemeClr val="tx2"/>
                 </a:solidFill>
               </a:rPr>
             </a:br>
             <a:r>
-              <a:rPr lang="en-GB" sz="2200" dirty="0" smtClean="0">
+              <a:rPr lang="en-GB" sz="2200" dirty="0">
                 <a:solidFill>
                   <a:schemeClr val="tx2"/>
                 </a:solidFill>
@@ -15480,7 +14832,7 @@
               <a:t>  2 levels (</a:t>
             </a:r>
             <a:r>
-              <a:rPr lang="en-GB" sz="2200" dirty="0" err="1" smtClean="0">
+              <a:rPr lang="en-GB" sz="2200" dirty="0" err="1">
                 <a:solidFill>
                   <a:schemeClr val="tx2"/>
                 </a:solidFill>
@@ -15488,7 +14840,7 @@
               <a:t>diet_change</a:t>
             </a:r>
             <a:r>
-              <a:rPr lang="en-GB" sz="2200" dirty="0" smtClean="0">
+              <a:rPr lang="en-GB" sz="2200" dirty="0">
                 <a:solidFill>
                   <a:schemeClr val="tx2"/>
                 </a:solidFill>
@@ -15496,7 +14848,7 @@
               <a:t>, </a:t>
             </a:r>
             <a:r>
-              <a:rPr lang="en-GB" sz="2200" dirty="0" err="1" smtClean="0">
+              <a:rPr lang="en-GB" sz="2200" dirty="0" err="1">
                 <a:solidFill>
                   <a:schemeClr val="tx2"/>
                 </a:solidFill>
@@ -15504,7 +14856,7 @@
               <a:t>habitual_diet</a:t>
             </a:r>
             <a:r>
-              <a:rPr lang="en-GB" sz="2200" dirty="0" smtClean="0">
+              <a:rPr lang="en-GB" sz="2200" dirty="0">
                 <a:solidFill>
                   <a:schemeClr val="tx2"/>
                 </a:solidFill>
@@ -15514,7 +14866,7 @@
           </a:p>
           <a:p>
             <a:r>
-              <a:rPr lang="en-GB" sz="2200" b="1" dirty="0" smtClean="0">
+              <a:rPr lang="en-GB" sz="2200" b="1" dirty="0">
                 <a:solidFill>
                   <a:schemeClr val="tx2"/>
                 </a:solidFill>
@@ -15522,14 +14874,14 @@
               <a:t>Time: </a:t>
             </a:r>
             <a:br>
-              <a:rPr lang="en-GB" sz="2200" b="1" dirty="0" smtClean="0">
+              <a:rPr lang="en-GB" sz="2200" b="1" dirty="0">
                 <a:solidFill>
                   <a:schemeClr val="tx2"/>
                 </a:solidFill>
               </a:rPr>
             </a:br>
             <a:r>
-              <a:rPr lang="en-GB" sz="2200" b="1" dirty="0" smtClean="0">
+              <a:rPr lang="en-GB" sz="2200" b="1" dirty="0">
                 <a:solidFill>
                   <a:schemeClr val="tx2"/>
                 </a:solidFill>
@@ -15537,7 +14889,7 @@
               <a:t>  </a:t>
             </a:r>
             <a:r>
-              <a:rPr lang="en-GB" sz="2200" dirty="0" smtClean="0">
+              <a:rPr lang="en-GB" sz="2200" dirty="0">
                 <a:solidFill>
                   <a:schemeClr val="tx2"/>
                 </a:solidFill>
@@ -15550,7 +14902,7 @@
               <a:buNone/>
             </a:pPr>
             <a:r>
-              <a:rPr lang="en-GB" sz="2200" b="1" dirty="0" smtClean="0">
+              <a:rPr lang="en-GB" sz="2200" b="1" dirty="0">
                 <a:solidFill>
                   <a:schemeClr val="tx2"/>
                 </a:solidFill>
@@ -15560,7 +14912,7 @@
           </a:p>
           <a:p>
             <a:r>
-              <a:rPr lang="en-GB" sz="2200" dirty="0" smtClean="0">
+              <a:rPr lang="en-GB" sz="2200" dirty="0">
                 <a:solidFill>
                   <a:schemeClr val="tx2"/>
                 </a:solidFill>
@@ -16094,13 +15446,13 @@
           <a:lstStyle/>
           <a:p>
             <a:r>
-              <a:rPr lang="en-GB" sz="1700" dirty="0" err="1" smtClean="0">
+              <a:rPr lang="en-GB" sz="1700" dirty="0" err="1">
                 <a:latin typeface="Lucida Console" panose="020B0609040504020204" pitchFamily="49" charset="0"/>
               </a:rPr>
               <a:t>ggdotplot</a:t>
             </a:r>
             <a:r>
-              <a:rPr lang="en-GB" sz="1700" dirty="0" smtClean="0">
+              <a:rPr lang="en-GB" sz="1700" dirty="0">
                 <a:latin typeface="Lucida Console" panose="020B0609040504020204" pitchFamily="49" charset="0"/>
               </a:rPr>
               <a:t>()</a:t>
@@ -16108,7 +15460,7 @@
           </a:p>
           <a:p>
             <a:r>
-              <a:rPr lang="en-GB" dirty="0" smtClean="0"/>
+              <a:rPr lang="en-GB" dirty="0"/>
               <a:t>(in </a:t>
             </a:r>
             <a:r>
@@ -16118,10 +15470,9 @@
               <a:t>ggpubr</a:t>
             </a:r>
             <a:r>
-              <a:rPr lang="en-GB" dirty="0" smtClean="0"/>
+              <a:rPr lang="en-GB" dirty="0"/>
               <a:t>)</a:t>
             </a:r>
-            <a:endParaRPr lang="en-GB" dirty="0"/>
           </a:p>
         </p:txBody>
       </p:sp>
@@ -16148,23 +15499,23 @@
           <a:lstStyle/>
           <a:p>
             <a:r>
-              <a:rPr lang="en-GB" sz="1600" dirty="0" smtClean="0"/>
+              <a:rPr lang="en-GB" sz="1600" dirty="0"/>
               <a:t>Solid dots = means</a:t>
             </a:r>
           </a:p>
           <a:p>
             <a:r>
-              <a:rPr lang="en-GB" sz="1600" dirty="0" smtClean="0"/>
+              <a:rPr lang="en-GB" sz="1600" dirty="0"/>
               <a:t>Intervals = SE</a:t>
             </a:r>
           </a:p>
           <a:p>
             <a:r>
-              <a:rPr lang="en-GB" sz="1600" dirty="0" smtClean="0"/>
+              <a:rPr lang="en-GB" sz="1600" dirty="0"/>
               <a:t>Open dots = single </a:t>
             </a:r>
             <a:r>
-              <a:rPr lang="en-GB" sz="1600" dirty="0" err="1" smtClean="0"/>
+              <a:rPr lang="en-GB" sz="1600" dirty="0" err="1"/>
               <a:t>ppt</a:t>
             </a:r>
             <a:endParaRPr lang="en-GB" sz="1600" dirty="0"/>
@@ -16199,17 +15550,17 @@
           <a:lstStyle/>
           <a:p>
             <a:r>
-              <a:rPr lang="en-GB" dirty="0" smtClean="0"/>
+              <a:rPr lang="en-GB" dirty="0"/>
               <a:t>Depressive symptoms appear lower after 3 weeks in the </a:t>
             </a:r>
             <a:r>
-              <a:rPr lang="en-GB" sz="1600" dirty="0" smtClean="0">
+              <a:rPr lang="en-GB" sz="1600" dirty="0">
                 <a:latin typeface="Lucida Console" panose="020B0609040504020204" pitchFamily="49" charset="0"/>
               </a:rPr>
               <a:t>diet change </a:t>
             </a:r>
             <a:r>
-              <a:rPr lang="en-GB" dirty="0" smtClean="0"/>
+              <a:rPr lang="en-GB" dirty="0"/>
               <a:t>group, but not the </a:t>
             </a:r>
             <a:r>
@@ -16219,10 +15570,9 @@
               <a:t>habitual diet </a:t>
             </a:r>
             <a:r>
-              <a:rPr lang="en-GB" dirty="0" smtClean="0"/>
+              <a:rPr lang="en-GB" dirty="0"/>
               <a:t>group.</a:t>
             </a:r>
-            <a:endParaRPr lang="en-GB" dirty="0"/>
           </a:p>
         </p:txBody>
       </p:sp>
@@ -16441,10 +15791,9 @@
           <a:lstStyle/>
           <a:p>
             <a:r>
-              <a:rPr lang="en-GB" dirty="0" smtClean="0"/>
+              <a:rPr lang="en-GB" dirty="0"/>
               <a:t>Approach 1: Change scores</a:t>
             </a:r>
-            <a:endParaRPr lang="en-GB" dirty="0"/>
           </a:p>
         </p:txBody>
       </p:sp>
@@ -16471,11 +15820,11 @@
           <a:lstStyle/>
           <a:p>
             <a:r>
-              <a:rPr lang="en-GB" sz="2000" dirty="0" smtClean="0"/>
+              <a:rPr lang="en-GB" sz="2000" dirty="0"/>
               <a:t>If we are concerned with the </a:t>
             </a:r>
             <a:r>
-              <a:rPr lang="en-GB" sz="2000" i="1" dirty="0" smtClean="0">
+              <a:rPr lang="en-GB" sz="2000" i="1" dirty="0">
                 <a:solidFill>
                   <a:srgbClr val="002060"/>
                 </a:solidFill>
@@ -16483,7 +15832,7 @@
               <a:t>change</a:t>
             </a:r>
             <a:r>
-              <a:rPr lang="en-GB" sz="2000" dirty="0" smtClean="0"/>
+              <a:rPr lang="en-GB" sz="2000" dirty="0"/>
               <a:t> in symptoms between groups, the difference in the mean change score can be compared.</a:t>
             </a:r>
           </a:p>
@@ -16492,7 +15841,7 @@
           </a:p>
           <a:p>
             <a:r>
-              <a:rPr lang="en-GB" sz="2000" b="1" dirty="0" smtClean="0">
+              <a:rPr lang="en-GB" sz="2000" b="1" dirty="0">
                 <a:solidFill>
                   <a:schemeClr val="tx2"/>
                 </a:solidFill>
@@ -16503,24 +15852,24 @@
           <a:p>
             <a:pPr lvl="1"/>
             <a:r>
-              <a:rPr lang="en-GB" sz="2000" dirty="0" smtClean="0"/>
+              <a:rPr lang="en-GB" sz="2000" dirty="0"/>
               <a:t>DV: change score</a:t>
             </a:r>
           </a:p>
           <a:p>
             <a:pPr lvl="1"/>
             <a:r>
-              <a:rPr lang="en-GB" sz="2000" dirty="0" smtClean="0"/>
+              <a:rPr lang="en-GB" sz="2000" dirty="0"/>
               <a:t>IV: group </a:t>
             </a:r>
           </a:p>
           <a:p>
             <a:pPr lvl="1"/>
-            <a:endParaRPr lang="en-GB" sz="2000" dirty="0" smtClean="0"/>
-          </a:p>
-          <a:p>
-            <a:r>
-              <a:rPr lang="en-GB" sz="2000" b="1" dirty="0" smtClean="0">
+            <a:endParaRPr lang="en-GB" sz="2000" dirty="0"/>
+          </a:p>
+          <a:p>
+            <a:r>
+              <a:rPr lang="en-GB" sz="2000" b="1" dirty="0">
                 <a:solidFill>
                   <a:schemeClr val="tx2"/>
                 </a:solidFill>
@@ -16531,10 +15880,9 @@
           <a:p>
             <a:pPr lvl="1"/>
             <a:r>
-              <a:rPr lang="en-GB" sz="2000" dirty="0" smtClean="0"/>
+              <a:rPr lang="en-GB" sz="2000" dirty="0"/>
               <a:t>One-way between subjects ANOVA</a:t>
             </a:r>
-            <a:endParaRPr lang="en-GB" sz="2000" dirty="0"/>
           </a:p>
         </p:txBody>
       </p:sp>
@@ -16623,10 +15971,9 @@
                     <a:lstStyle/>
                     <a:p>
                       <a:r>
-                        <a:rPr lang="en-GB" sz="2000" dirty="0" smtClean="0"/>
+                        <a:rPr lang="en-GB" sz="2000" dirty="0"/>
                         <a:t>Group</a:t>
                       </a:r>
-                      <a:endParaRPr lang="en-GB" sz="2000" dirty="0"/>
                     </a:p>
                   </a:txBody>
                   <a:tcPr marL="99316" marR="99316"/>
@@ -16638,7 +15985,7 @@
                     <a:p>
                       <a:pPr algn="ctr"/>
                       <a:r>
-                        <a:rPr lang="en-GB" sz="1800" b="1" dirty="0" smtClean="0">
+                        <a:rPr lang="en-GB" sz="1800" b="1" dirty="0">
                           <a:solidFill>
                             <a:schemeClr val="tx2"/>
                           </a:solidFill>
@@ -16646,14 +15993,14 @@
                         <a:t>Baseline</a:t>
                       </a:r>
                       <a:br>
-                        <a:rPr lang="en-GB" sz="1800" b="1" dirty="0" smtClean="0">
+                        <a:rPr lang="en-GB" sz="1800" b="1" dirty="0">
                           <a:solidFill>
                             <a:schemeClr val="tx2"/>
                           </a:solidFill>
                         </a:rPr>
                       </a:br>
                       <a:r>
-                        <a:rPr lang="en-GB" sz="1800" b="1" dirty="0" smtClean="0">
+                        <a:rPr lang="en-GB" sz="1800" b="1" dirty="0">
                           <a:solidFill>
                             <a:schemeClr val="tx2"/>
                           </a:solidFill>
@@ -16661,7 +16008,7 @@
                         <a:t>(</a:t>
                       </a:r>
                       <a:r>
-                        <a:rPr lang="en-GB" sz="1800" b="1" dirty="0" err="1" smtClean="0">
+                        <a:rPr lang="en-GB" sz="1800" b="1" dirty="0" err="1">
                           <a:solidFill>
                             <a:schemeClr val="tx2"/>
                           </a:solidFill>
@@ -16669,18 +16016,13 @@
                         <a:t>pretest</a:t>
                       </a:r>
                       <a:r>
-                        <a:rPr lang="en-GB" sz="1800" b="1" dirty="0" smtClean="0">
+                        <a:rPr lang="en-GB" sz="1800" b="1" dirty="0">
                           <a:solidFill>
                             <a:schemeClr val="tx2"/>
                           </a:solidFill>
                         </a:rPr>
                         <a:t>)</a:t>
                       </a:r>
-                      <a:endParaRPr lang="en-GB" sz="1800" b="1" dirty="0">
-                        <a:solidFill>
-                          <a:schemeClr val="tx2"/>
-                        </a:solidFill>
-                      </a:endParaRPr>
                     </a:p>
                   </a:txBody>
                   <a:tcPr marL="99316" marR="99316"/>
@@ -16692,7 +16034,7 @@
                     <a:p>
                       <a:pPr marL="0" algn="ctr" defTabSz="914400" rtl="0" eaLnBrk="1" latinLnBrk="0" hangingPunct="1"/>
                       <a:r>
-                        <a:rPr lang="en-GB" sz="1800" b="1" kern="1200" dirty="0" smtClean="0">
+                        <a:rPr lang="en-GB" sz="1800" b="1" kern="1200" dirty="0">
                           <a:solidFill>
                             <a:schemeClr val="tx2"/>
                           </a:solidFill>
@@ -16703,7 +16045,7 @@
                         <a:t>Week 3</a:t>
                       </a:r>
                       <a:br>
-                        <a:rPr lang="en-GB" sz="1800" b="1" kern="1200" dirty="0" smtClean="0">
+                        <a:rPr lang="en-GB" sz="1800" b="1" kern="1200" dirty="0">
                           <a:solidFill>
                             <a:schemeClr val="tx2"/>
                           </a:solidFill>
@@ -16713,7 +16055,7 @@
                         </a:rPr>
                       </a:br>
                       <a:r>
-                        <a:rPr lang="en-GB" sz="1800" b="1" kern="1200" dirty="0" smtClean="0">
+                        <a:rPr lang="en-GB" sz="1800" b="1" kern="1200" dirty="0">
                           <a:solidFill>
                             <a:schemeClr val="tx2"/>
                           </a:solidFill>
@@ -16724,7 +16066,7 @@
                         <a:t>(</a:t>
                       </a:r>
                       <a:r>
-                        <a:rPr lang="en-GB" sz="1800" b="1" kern="1200" dirty="0" err="1" smtClean="0">
+                        <a:rPr lang="en-GB" sz="1800" b="1" kern="1200" dirty="0" err="1">
                           <a:solidFill>
                             <a:schemeClr val="tx2"/>
                           </a:solidFill>
@@ -16735,7 +16077,7 @@
                         <a:t>posttest</a:t>
                       </a:r>
                       <a:r>
-                        <a:rPr lang="en-GB" sz="1800" b="1" kern="1200" dirty="0" smtClean="0">
+                        <a:rPr lang="en-GB" sz="1800" b="1" kern="1200" dirty="0">
                           <a:solidFill>
                             <a:schemeClr val="tx2"/>
                           </a:solidFill>
@@ -16745,14 +16087,6 @@
                         </a:rPr>
                         <a:t>)</a:t>
                       </a:r>
-                      <a:endParaRPr lang="en-GB" sz="1800" b="1" kern="1200" dirty="0">
-                        <a:solidFill>
-                          <a:schemeClr val="tx2"/>
-                        </a:solidFill>
-                        <a:latin typeface="+mn-lt"/>
-                        <a:ea typeface="+mn-ea"/>
-                        <a:cs typeface="+mn-cs"/>
-                      </a:endParaRPr>
                     </a:p>
                   </a:txBody>
                   <a:tcPr marL="99316" marR="99316"/>
@@ -16764,7 +16098,7 @@
                     <a:p>
                       <a:pPr algn="ctr"/>
                       <a:r>
-                        <a:rPr lang="en-GB" sz="1800" b="1" dirty="0" smtClean="0">
+                        <a:rPr lang="en-GB" sz="1800" b="1" dirty="0">
                           <a:solidFill>
                             <a:schemeClr val="tx2"/>
                           </a:solidFill>
@@ -16775,7 +16109,7 @@
                     <a:p>
                       <a:pPr algn="ctr"/>
                       <a:r>
-                        <a:rPr lang="en-GB" sz="1600" b="1" dirty="0" smtClean="0">
+                        <a:rPr lang="en-GB" sz="1600" b="1" dirty="0">
                           <a:solidFill>
                             <a:schemeClr val="tx2"/>
                           </a:solidFill>
@@ -16783,7 +16117,7 @@
                         <a:t>(post</a:t>
                       </a:r>
                       <a:r>
-                        <a:rPr lang="en-GB" sz="1600" b="1" baseline="0" dirty="0" smtClean="0">
+                        <a:rPr lang="en-GB" sz="1600" b="1" baseline="0" dirty="0">
                           <a:solidFill>
                             <a:schemeClr val="tx2"/>
                           </a:solidFill>
@@ -16812,18 +16146,13 @@
                     <a:lstStyle/>
                     <a:p>
                       <a:r>
-                        <a:rPr lang="en-GB" sz="2000" b="1" dirty="0" smtClean="0">
+                        <a:rPr lang="en-GB" sz="2000" b="1" dirty="0">
                           <a:solidFill>
                             <a:schemeClr val="tx2"/>
                           </a:solidFill>
                         </a:rPr>
                         <a:t>Diet change</a:t>
                       </a:r>
-                      <a:endParaRPr lang="en-GB" sz="2000" b="1" dirty="0">
-                        <a:solidFill>
-                          <a:schemeClr val="tx2"/>
-                        </a:solidFill>
-                      </a:endParaRPr>
                     </a:p>
                   </a:txBody>
                   <a:tcPr marL="99316" marR="99316"/>
@@ -16835,7 +16164,7 @@
                     <a:p>
                       <a:pPr algn="ctr"/>
                       <a:r>
-                        <a:rPr lang="en-GB" sz="2400" dirty="0" smtClean="0">
+                        <a:rPr lang="en-GB" sz="2400" dirty="0">
                           <a:sym typeface="Wingdings" panose="05000000000000000000" pitchFamily="2" charset="2"/>
                         </a:rPr>
                         <a:t></a:t>
@@ -16868,7 +16197,7 @@
                         <a:defRPr/>
                       </a:pPr>
                       <a:r>
-                        <a:rPr lang="en-GB" sz="2400" dirty="0" smtClean="0">
+                        <a:rPr lang="en-GB" sz="2400" dirty="0">
                           <a:sym typeface="Wingdings" panose="05000000000000000000" pitchFamily="2" charset="2"/>
                         </a:rPr>
                         <a:t></a:t>
@@ -16901,7 +16230,7 @@
                         <a:defRPr/>
                       </a:pPr>
                       <a:r>
-                        <a:rPr lang="en-GB" sz="2400" dirty="0" smtClean="0">
+                        <a:rPr lang="en-GB" sz="2400" dirty="0">
                           <a:sym typeface="Wingdings" panose="05000000000000000000" pitchFamily="2" charset="2"/>
                         </a:rPr>
                         <a:t></a:t>
@@ -16924,18 +16253,13 @@
                     <a:lstStyle/>
                     <a:p>
                       <a:r>
-                        <a:rPr lang="en-GB" sz="2000" b="1" dirty="0" smtClean="0">
+                        <a:rPr lang="en-GB" sz="2000" b="1" dirty="0">
                           <a:solidFill>
                             <a:schemeClr val="tx2"/>
                           </a:solidFill>
                         </a:rPr>
                         <a:t>Habitual diet</a:t>
                       </a:r>
-                      <a:endParaRPr lang="en-GB" sz="2000" b="1" dirty="0">
-                        <a:solidFill>
-                          <a:schemeClr val="tx2"/>
-                        </a:solidFill>
-                      </a:endParaRPr>
                     </a:p>
                   </a:txBody>
                   <a:tcPr marL="99316" marR="99316"/>
@@ -16963,7 +16287,7 @@
                         <a:defRPr/>
                       </a:pPr>
                       <a:r>
-                        <a:rPr lang="en-GB" sz="2400" dirty="0" smtClean="0">
+                        <a:rPr lang="en-GB" sz="2400" dirty="0">
                           <a:sym typeface="Wingdings" panose="05000000000000000000" pitchFamily="2" charset="2"/>
                         </a:rPr>
                         <a:t></a:t>
@@ -16996,7 +16320,7 @@
                         <a:defRPr/>
                       </a:pPr>
                       <a:r>
-                        <a:rPr lang="en-GB" sz="2400" dirty="0" smtClean="0">
+                        <a:rPr lang="en-GB" sz="2400" dirty="0">
                           <a:sym typeface="Wingdings" panose="05000000000000000000" pitchFamily="2" charset="2"/>
                         </a:rPr>
                         <a:t></a:t>
@@ -17029,7 +16353,7 @@
                         <a:defRPr/>
                       </a:pPr>
                       <a:r>
-                        <a:rPr lang="en-GB" sz="2400" dirty="0" smtClean="0">
+                        <a:rPr lang="en-GB" sz="2400" dirty="0">
                           <a:sym typeface="Wingdings" panose="05000000000000000000" pitchFamily="2" charset="2"/>
                         </a:rPr>
                         <a:t></a:t>
@@ -17105,18 +16429,13 @@
           <a:lstStyle/>
           <a:p>
             <a:r>
-              <a:rPr lang="en-GB" sz="1600" dirty="0" smtClean="0">
+              <a:rPr lang="en-GB" sz="1600" dirty="0">
                 <a:solidFill>
                   <a:schemeClr val="tx2"/>
                 </a:solidFill>
               </a:rPr>
               <a:t>Compare these scores between groups</a:t>
             </a:r>
-            <a:endParaRPr lang="en-GB" sz="1600" dirty="0">
-              <a:solidFill>
-                <a:schemeClr val="tx2"/>
-              </a:solidFill>
-            </a:endParaRPr>
           </a:p>
         </p:txBody>
       </p:sp>
@@ -17507,10 +16826,9 @@
           <a:lstStyle/>
           <a:p>
             <a:r>
-              <a:rPr lang="en-GB" dirty="0" smtClean="0"/>
+              <a:rPr lang="en-GB" dirty="0"/>
               <a:t>Approach 1: Change scores</a:t>
             </a:r>
-            <a:endParaRPr lang="en-GB" dirty="0"/>
           </a:p>
         </p:txBody>
       </p:sp>
@@ -17632,17 +16950,8 @@
               <a:rPr lang="en-GB" sz="2000" dirty="0">
                 <a:latin typeface="Lucida Console" panose="020B0609040504020204" pitchFamily="49" charset="0"/>
               </a:rPr>
-              <a:t>, </a:t>
-            </a:r>
-            <a:r>
-              <a:rPr lang="en-GB" sz="2000" dirty="0" smtClean="0">
-                <a:latin typeface="Lucida Console" panose="020B0609040504020204" pitchFamily="49" charset="0"/>
-              </a:rPr>
-              <a:t>JZS</a:t>
-            </a:r>
-            <a:endParaRPr lang="en-GB" sz="2000" dirty="0">
-              <a:latin typeface="Lucida Console" panose="020B0609040504020204" pitchFamily="49" charset="0"/>
-            </a:endParaRPr>
+              <a:t>, JZS</a:t>
+            </a:r>
           </a:p>
         </p:txBody>
       </p:sp>
@@ -17695,34 +17004,16 @@
           <a:lstStyle/>
           <a:p>
             <a:r>
-              <a:rPr lang="en-GB" dirty="0" err="1" smtClean="0">
+              <a:rPr lang="en-GB" dirty="0" err="1">
                 <a:latin typeface="Lucida Console" panose="020B0609040504020204" pitchFamily="49" charset="0"/>
               </a:rPr>
               <a:t>anovaBF</a:t>
             </a:r>
             <a:r>
-              <a:rPr lang="en-GB" dirty="0" smtClean="0">
-                <a:latin typeface="Lucida Console" panose="020B0609040504020204" pitchFamily="49" charset="0"/>
-              </a:rPr>
-              <a:t>(change </a:t>
-            </a:r>
-            <a:r>
               <a:rPr lang="en-GB" dirty="0">
                 <a:latin typeface="Lucida Console" panose="020B0609040504020204" pitchFamily="49" charset="0"/>
               </a:rPr>
-              <a:t>~ </a:t>
-            </a:r>
-            <a:r>
-              <a:rPr lang="en-GB" dirty="0" smtClean="0">
-                <a:latin typeface="Lucida Console" panose="020B0609040504020204" pitchFamily="49" charset="0"/>
-              </a:rPr>
-              <a:t>group</a:t>
-            </a:r>
-            <a:r>
-              <a:rPr lang="en-GB" dirty="0">
-                <a:latin typeface="Lucida Console" panose="020B0609040504020204" pitchFamily="49" charset="0"/>
-              </a:rPr>
-              <a:t>)</a:t>
+              <a:t>(change ~ group)</a:t>
             </a:r>
           </a:p>
         </p:txBody>
@@ -17774,10 +17065,9 @@
                     <a:lstStyle/>
                     <a:p>
                       <a:r>
-                        <a:rPr lang="en-GB" sz="2000" dirty="0" smtClean="0"/>
+                        <a:rPr lang="en-GB" sz="2000" dirty="0"/>
                         <a:t>Group</a:t>
                       </a:r>
-                      <a:endParaRPr lang="en-GB" sz="2000" dirty="0"/>
                     </a:p>
                   </a:txBody>
                   <a:tcPr marL="99316" marR="99316"/>
@@ -17789,7 +17079,7 @@
                     <a:p>
                       <a:pPr algn="ctr"/>
                       <a:r>
-                        <a:rPr lang="en-GB" sz="1800" b="1" dirty="0" smtClean="0">
+                        <a:rPr lang="en-GB" sz="1800" b="1" dirty="0">
                           <a:solidFill>
                             <a:schemeClr val="tx2"/>
                           </a:solidFill>
@@ -17800,7 +17090,7 @@
                     <a:p>
                       <a:pPr algn="ctr"/>
                       <a:r>
-                        <a:rPr lang="en-GB" sz="1600" b="1" dirty="0" smtClean="0">
+                        <a:rPr lang="en-GB" sz="1600" b="1" dirty="0">
                           <a:solidFill>
                             <a:schemeClr val="tx2"/>
                           </a:solidFill>
@@ -17808,7 +17098,7 @@
                         <a:t>(post</a:t>
                       </a:r>
                       <a:r>
-                        <a:rPr lang="en-GB" sz="1600" b="1" baseline="0" dirty="0" smtClean="0">
+                        <a:rPr lang="en-GB" sz="1600" b="1" baseline="0" dirty="0">
                           <a:solidFill>
                             <a:schemeClr val="tx2"/>
                           </a:solidFill>
@@ -17837,18 +17127,13 @@
                     <a:lstStyle/>
                     <a:p>
                       <a:r>
-                        <a:rPr lang="en-GB" sz="2000" b="1" dirty="0" smtClean="0">
+                        <a:rPr lang="en-GB" sz="2000" b="1" dirty="0">
                           <a:solidFill>
                             <a:schemeClr val="tx2"/>
                           </a:solidFill>
                         </a:rPr>
                         <a:t>Diet change</a:t>
                       </a:r>
-                      <a:endParaRPr lang="en-GB" sz="2000" b="1" dirty="0">
-                        <a:solidFill>
-                          <a:schemeClr val="tx2"/>
-                        </a:solidFill>
-                      </a:endParaRPr>
                     </a:p>
                   </a:txBody>
                   <a:tcPr marL="99316" marR="99316"/>
@@ -17876,7 +17161,7 @@
                         <a:defRPr/>
                       </a:pPr>
                       <a:r>
-                        <a:rPr lang="en-GB" sz="2400" dirty="0" smtClean="0">
+                        <a:rPr lang="en-GB" sz="2400" dirty="0">
                           <a:sym typeface="Wingdings" panose="05000000000000000000" pitchFamily="2" charset="2"/>
                         </a:rPr>
                         <a:t></a:t>
@@ -17899,18 +17184,13 @@
                     <a:lstStyle/>
                     <a:p>
                       <a:r>
-                        <a:rPr lang="en-GB" sz="2000" b="1" dirty="0" smtClean="0">
+                        <a:rPr lang="en-GB" sz="2000" b="1" dirty="0">
                           <a:solidFill>
                             <a:schemeClr val="tx2"/>
                           </a:solidFill>
                         </a:rPr>
                         <a:t>Habitual diet</a:t>
                       </a:r>
-                      <a:endParaRPr lang="en-GB" sz="2000" b="1" dirty="0">
-                        <a:solidFill>
-                          <a:schemeClr val="tx2"/>
-                        </a:solidFill>
-                      </a:endParaRPr>
                     </a:p>
                   </a:txBody>
                   <a:tcPr marL="99316" marR="99316"/>
@@ -17938,7 +17218,7 @@
                         <a:defRPr/>
                       </a:pPr>
                       <a:r>
-                        <a:rPr lang="en-GB" sz="2400" dirty="0" smtClean="0">
+                        <a:rPr lang="en-GB" sz="2400" dirty="0">
                           <a:sym typeface="Wingdings" panose="05000000000000000000" pitchFamily="2" charset="2"/>
                         </a:rPr>
                         <a:t></a:t>
@@ -17986,11 +17266,11 @@
           <a:lstStyle/>
           <a:p>
             <a:r>
-              <a:rPr lang="en-GB" dirty="0" smtClean="0"/>
+              <a:rPr lang="en-GB" dirty="0"/>
               <a:t>Although the Bayes factor indicates weak evidence for a difference in the mean change score between groups, the evidence is </a:t>
             </a:r>
             <a:r>
-              <a:rPr lang="en-GB" b="1" dirty="0" smtClean="0">
+              <a:rPr lang="en-GB" b="1" dirty="0">
                 <a:solidFill>
                   <a:schemeClr val="tx2"/>
                 </a:solidFill>
@@ -17998,10 +17278,9 @@
               <a:t>inconclusive, BF = 2.26</a:t>
             </a:r>
             <a:r>
-              <a:rPr lang="en-GB" dirty="0" smtClean="0"/>
+              <a:rPr lang="en-GB" dirty="0"/>
               <a:t>. </a:t>
             </a:r>
-            <a:endParaRPr lang="en-GB" dirty="0"/>
           </a:p>
         </p:txBody>
       </p:sp>
@@ -18632,10 +17911,9 @@
           <a:lstStyle/>
           <a:p>
             <a:r>
-              <a:rPr lang="en-GB" dirty="0" smtClean="0"/>
+              <a:rPr lang="en-GB" dirty="0"/>
               <a:t>Approach 2: Mixed ANOVA</a:t>
             </a:r>
-            <a:endParaRPr lang="en-GB" dirty="0"/>
           </a:p>
         </p:txBody>
       </p:sp>
@@ -18662,11 +17940,11 @@
           <a:lstStyle/>
           <a:p>
             <a:r>
-              <a:rPr lang="en-GB" sz="2400" dirty="0" smtClean="0"/>
+              <a:rPr lang="en-GB" sz="2400" dirty="0"/>
               <a:t>Alternatively, the design could be treated as a </a:t>
             </a:r>
             <a:r>
-              <a:rPr lang="en-GB" sz="2400" b="1" dirty="0" smtClean="0">
+              <a:rPr lang="en-GB" sz="2400" b="1" dirty="0">
                 <a:solidFill>
                   <a:schemeClr val="tx2"/>
                 </a:solidFill>
@@ -18674,14 +17952,14 @@
               <a:t>2 x 2 mixed factorial design</a:t>
             </a:r>
             <a:r>
-              <a:rPr lang="en-GB" sz="2400" dirty="0" smtClean="0"/>
+              <a:rPr lang="en-GB" sz="2400" dirty="0"/>
               <a:t>:</a:t>
             </a:r>
           </a:p>
           <a:p>
             <a:pPr lvl="1"/>
             <a:r>
-              <a:rPr lang="en-GB" sz="2400" b="1" dirty="0" smtClean="0">
+              <a:rPr lang="en-GB" sz="2400" b="1" dirty="0">
                 <a:solidFill>
                   <a:schemeClr val="tx2"/>
                 </a:solidFill>
@@ -18689,14 +17967,14 @@
               <a:t>Between-subjects</a:t>
             </a:r>
             <a:r>
-              <a:rPr lang="en-GB" sz="2400" dirty="0" smtClean="0"/>
+              <a:rPr lang="en-GB" sz="2400" dirty="0"/>
               <a:t>: group</a:t>
             </a:r>
           </a:p>
           <a:p>
             <a:pPr lvl="1"/>
             <a:r>
-              <a:rPr lang="en-GB" sz="2400" b="1" dirty="0" smtClean="0">
+              <a:rPr lang="en-GB" sz="2400" b="1" dirty="0">
                 <a:solidFill>
                   <a:schemeClr val="tx2"/>
                 </a:solidFill>
@@ -18704,7 +17982,7 @@
               <a:t>Within-subjects</a:t>
             </a:r>
             <a:r>
-              <a:rPr lang="en-GB" sz="2400" dirty="0" smtClean="0"/>
+              <a:rPr lang="en-GB" sz="2400" dirty="0"/>
               <a:t>: time</a:t>
             </a:r>
           </a:p>
@@ -18719,17 +17997,17 @@
               <a:buNone/>
             </a:pPr>
             <a:r>
-              <a:rPr lang="en-GB" sz="2000" dirty="0" smtClean="0"/>
+              <a:rPr lang="en-GB" sz="2000" dirty="0"/>
               <a:t>Allows assessment of:</a:t>
             </a:r>
           </a:p>
           <a:p>
             <a:r>
-              <a:rPr lang="en-GB" sz="2000" dirty="0" smtClean="0"/>
+              <a:rPr lang="en-GB" sz="2000" dirty="0"/>
               <a:t>Main effect of </a:t>
             </a:r>
             <a:r>
-              <a:rPr lang="en-GB" sz="2000" dirty="0" smtClean="0">
+              <a:rPr lang="en-GB" sz="2000" dirty="0">
                 <a:solidFill>
                   <a:schemeClr val="tx2"/>
                 </a:solidFill>
@@ -18739,11 +18017,11 @@
           </a:p>
           <a:p>
             <a:r>
-              <a:rPr lang="en-GB" sz="2000" dirty="0" smtClean="0"/>
+              <a:rPr lang="en-GB" sz="2000" dirty="0"/>
               <a:t>Main effect of </a:t>
             </a:r>
             <a:r>
-              <a:rPr lang="en-GB" sz="2000" dirty="0" smtClean="0">
+              <a:rPr lang="en-GB" sz="2000" dirty="0">
                 <a:solidFill>
                   <a:schemeClr val="tx2"/>
                 </a:solidFill>
@@ -18753,11 +18031,11 @@
           </a:p>
           <a:p>
             <a:r>
-              <a:rPr lang="en-GB" sz="2000" dirty="0" smtClean="0"/>
+              <a:rPr lang="en-GB" sz="2000" dirty="0"/>
               <a:t>Group x time </a:t>
             </a:r>
             <a:r>
-              <a:rPr lang="en-GB" sz="2000" dirty="0" smtClean="0">
+              <a:rPr lang="en-GB" sz="2000" dirty="0">
                 <a:solidFill>
                   <a:schemeClr val="tx2"/>
                 </a:solidFill>
@@ -18855,10 +18133,9 @@
                     <a:lstStyle/>
                     <a:p>
                       <a:r>
-                        <a:rPr lang="en-GB" sz="2000" dirty="0" smtClean="0"/>
+                        <a:rPr lang="en-GB" sz="2000" dirty="0"/>
                         <a:t>Group</a:t>
                       </a:r>
-                      <a:endParaRPr lang="en-GB" sz="2000" dirty="0"/>
                     </a:p>
                   </a:txBody>
                   <a:tcPr marL="99316" marR="99316"/>
@@ -18870,18 +18147,13 @@
                     <a:p>
                       <a:pPr algn="ctr"/>
                       <a:r>
-                        <a:rPr lang="en-GB" sz="1800" b="1" dirty="0" smtClean="0">
+                        <a:rPr lang="en-GB" sz="1800" b="1" dirty="0">
                           <a:solidFill>
                             <a:schemeClr val="tx2"/>
                           </a:solidFill>
                         </a:rPr>
                         <a:t>Baseline</a:t>
                       </a:r>
-                      <a:endParaRPr lang="en-GB" sz="1800" b="1" dirty="0">
-                        <a:solidFill>
-                          <a:schemeClr val="tx2"/>
-                        </a:solidFill>
-                      </a:endParaRPr>
                     </a:p>
                   </a:txBody>
                   <a:tcPr marL="99316" marR="99316"/>
@@ -18893,7 +18165,7 @@
                     <a:p>
                       <a:pPr marL="0" algn="ctr" defTabSz="914400" rtl="0" eaLnBrk="1" latinLnBrk="0" hangingPunct="1"/>
                       <a:r>
-                        <a:rPr lang="en-GB" sz="1800" b="1" kern="1200" dirty="0" smtClean="0">
+                        <a:rPr lang="en-GB" sz="1800" b="1" kern="1200" dirty="0">
                           <a:solidFill>
                             <a:schemeClr val="tx2"/>
                           </a:solidFill>
@@ -18903,14 +18175,6 @@
                         </a:rPr>
                         <a:t>Week 3</a:t>
                       </a:r>
-                      <a:endParaRPr lang="en-GB" sz="1800" b="1" kern="1200" dirty="0">
-                        <a:solidFill>
-                          <a:schemeClr val="tx2"/>
-                        </a:solidFill>
-                        <a:latin typeface="+mn-lt"/>
-                        <a:ea typeface="+mn-ea"/>
-                        <a:cs typeface="+mn-cs"/>
-                      </a:endParaRPr>
                     </a:p>
                   </a:txBody>
                   <a:tcPr marL="99316" marR="99316"/>
@@ -18928,18 +18192,13 @@
                     <a:lstStyle/>
                     <a:p>
                       <a:r>
-                        <a:rPr lang="en-GB" sz="2000" b="1" dirty="0" smtClean="0">
+                        <a:rPr lang="en-GB" sz="2000" b="1" dirty="0">
                           <a:solidFill>
                             <a:schemeClr val="tx2"/>
                           </a:solidFill>
                         </a:rPr>
                         <a:t>Diet change</a:t>
                       </a:r>
-                      <a:endParaRPr lang="en-GB" sz="2000" b="1" dirty="0">
-                        <a:solidFill>
-                          <a:schemeClr val="tx2"/>
-                        </a:solidFill>
-                      </a:endParaRPr>
                     </a:p>
                   </a:txBody>
                   <a:tcPr marL="99316" marR="99316"/>
@@ -18951,7 +18210,7 @@
                     <a:p>
                       <a:pPr algn="ctr"/>
                       <a:r>
-                        <a:rPr lang="en-GB" sz="2400" dirty="0" smtClean="0">
+                        <a:rPr lang="en-GB" sz="2400" dirty="0">
                           <a:sym typeface="Wingdings" panose="05000000000000000000" pitchFamily="2" charset="2"/>
                         </a:rPr>
                         <a:t></a:t>
@@ -18984,7 +18243,7 @@
                         <a:defRPr/>
                       </a:pPr>
                       <a:r>
-                        <a:rPr lang="en-GB" sz="2400" dirty="0" smtClean="0">
+                        <a:rPr lang="en-GB" sz="2400" dirty="0">
                           <a:sym typeface="Wingdings" panose="05000000000000000000" pitchFamily="2" charset="2"/>
                         </a:rPr>
                         <a:t></a:t>
@@ -19007,18 +18266,13 @@
                     <a:lstStyle/>
                     <a:p>
                       <a:r>
-                        <a:rPr lang="en-GB" sz="2000" b="1" dirty="0" smtClean="0">
+                        <a:rPr lang="en-GB" sz="2000" b="1" dirty="0">
                           <a:solidFill>
                             <a:schemeClr val="tx2"/>
                           </a:solidFill>
                         </a:rPr>
                         <a:t>Habitual diet</a:t>
                       </a:r>
-                      <a:endParaRPr lang="en-GB" sz="2000" b="1" dirty="0">
-                        <a:solidFill>
-                          <a:schemeClr val="tx2"/>
-                        </a:solidFill>
-                      </a:endParaRPr>
                     </a:p>
                   </a:txBody>
                   <a:tcPr marL="99316" marR="99316"/>
@@ -19046,7 +18300,7 @@
                         <a:defRPr/>
                       </a:pPr>
                       <a:r>
-                        <a:rPr lang="en-GB" sz="2400" dirty="0" smtClean="0">
+                        <a:rPr lang="en-GB" sz="2400" dirty="0">
                           <a:sym typeface="Wingdings" panose="05000000000000000000" pitchFamily="2" charset="2"/>
                         </a:rPr>
                         <a:t></a:t>
@@ -19079,7 +18333,7 @@
                         <a:defRPr/>
                       </a:pPr>
                       <a:r>
-                        <a:rPr lang="en-GB" sz="2400" dirty="0" smtClean="0">
+                        <a:rPr lang="en-GB" sz="2400" dirty="0">
                           <a:sym typeface="Wingdings" panose="05000000000000000000" pitchFamily="2" charset="2"/>
                         </a:rPr>
                         <a:t></a:t>
@@ -19161,18 +18415,13 @@
           <a:lstStyle/>
           <a:p>
             <a:r>
-              <a:rPr lang="en-GB" sz="1600" dirty="0" smtClean="0">
+              <a:rPr lang="en-GB" sz="1600" dirty="0">
                 <a:solidFill>
                   <a:schemeClr val="tx2"/>
                 </a:solidFill>
               </a:rPr>
               <a:t>time</a:t>
             </a:r>
-            <a:endParaRPr lang="en-GB" sz="1600" dirty="0">
-              <a:solidFill>
-                <a:schemeClr val="tx2"/>
-              </a:solidFill>
-            </a:endParaRPr>
           </a:p>
         </p:txBody>
       </p:sp>
@@ -19276,7 +18525,7 @@
           <a:lstStyle/>
           <a:p>
             <a:r>
-              <a:rPr lang="en-GB" sz="1600" dirty="0" smtClean="0">
+              <a:rPr lang="en-GB" sz="1600" dirty="0">
                 <a:solidFill>
                   <a:schemeClr val="tx2">
                     <a:lumMod val="50000"/>
@@ -19288,7 +18537,7 @@
           </a:p>
           <a:p>
             <a:r>
-              <a:rPr lang="en-GB" sz="1600" dirty="0" smtClean="0">
+              <a:rPr lang="en-GB" sz="1600" dirty="0">
                 <a:solidFill>
                   <a:schemeClr val="tx2">
                     <a:lumMod val="50000"/>
@@ -19297,13 +18546,6 @@
               </a:rPr>
               <a:t>Are the change scores different between groups?</a:t>
             </a:r>
-            <a:endParaRPr lang="en-GB" sz="1600" dirty="0">
-              <a:solidFill>
-                <a:schemeClr val="tx2">
-                  <a:lumMod val="50000"/>
-                </a:schemeClr>
-              </a:solidFill>
-            </a:endParaRPr>
           </a:p>
         </p:txBody>
       </p:sp>
@@ -19330,18 +18572,13 @@
           <a:lstStyle/>
           <a:p>
             <a:r>
-              <a:rPr lang="en-GB" sz="1600" dirty="0" smtClean="0">
+              <a:rPr lang="en-GB" sz="1600" dirty="0">
                 <a:solidFill>
                   <a:schemeClr val="tx2"/>
                 </a:solidFill>
               </a:rPr>
               <a:t>Group</a:t>
             </a:r>
-            <a:endParaRPr lang="en-GB" sz="1600" dirty="0">
-              <a:solidFill>
-                <a:schemeClr val="tx2"/>
-              </a:solidFill>
-            </a:endParaRPr>
           </a:p>
         </p:txBody>
       </p:sp>
@@ -19848,10 +19085,9 @@
           <a:lstStyle/>
           <a:p>
             <a:r>
-              <a:rPr lang="en-GB" dirty="0" smtClean="0"/>
+              <a:rPr lang="en-GB" dirty="0"/>
               <a:t>Approach 2: Mixed ANOVA</a:t>
             </a:r>
-            <a:endParaRPr lang="en-GB" dirty="0"/>
           </a:p>
         </p:txBody>
       </p:sp>
@@ -19933,10 +19169,9 @@
                     <a:lstStyle/>
                     <a:p>
                       <a:r>
-                        <a:rPr lang="en-GB" sz="2000" dirty="0" smtClean="0"/>
+                        <a:rPr lang="en-GB" sz="2000" dirty="0"/>
                         <a:t>Group</a:t>
                       </a:r>
-                      <a:endParaRPr lang="en-GB" sz="2000" dirty="0"/>
                     </a:p>
                   </a:txBody>
                   <a:tcPr marL="99316" marR="99316"/>
@@ -19948,18 +19183,13 @@
                     <a:p>
                       <a:pPr algn="ctr"/>
                       <a:r>
-                        <a:rPr lang="en-GB" sz="1800" b="1" dirty="0" smtClean="0">
+                        <a:rPr lang="en-GB" sz="1800" b="1" dirty="0">
                           <a:solidFill>
                             <a:schemeClr val="tx2"/>
                           </a:solidFill>
                         </a:rPr>
                         <a:t>Baseline</a:t>
                       </a:r>
-                      <a:endParaRPr lang="en-GB" sz="1800" b="1" dirty="0">
-                        <a:solidFill>
-                          <a:schemeClr val="tx2"/>
-                        </a:solidFill>
-                      </a:endParaRPr>
                     </a:p>
                   </a:txBody>
                   <a:tcPr marL="99316" marR="99316"/>
@@ -19971,7 +19201,7 @@
                     <a:p>
                       <a:pPr marL="0" algn="ctr" defTabSz="914400" rtl="0" eaLnBrk="1" latinLnBrk="0" hangingPunct="1"/>
                       <a:r>
-                        <a:rPr lang="en-GB" sz="1800" b="1" kern="1200" dirty="0" smtClean="0">
+                        <a:rPr lang="en-GB" sz="1800" b="1" kern="1200" dirty="0">
                           <a:solidFill>
                             <a:schemeClr val="tx2"/>
                           </a:solidFill>
@@ -19981,14 +19211,6 @@
                         </a:rPr>
                         <a:t>Week 3</a:t>
                       </a:r>
-                      <a:endParaRPr lang="en-GB" sz="1800" b="1" kern="1200" dirty="0">
-                        <a:solidFill>
-                          <a:schemeClr val="tx2"/>
-                        </a:solidFill>
-                        <a:latin typeface="+mn-lt"/>
-                        <a:ea typeface="+mn-ea"/>
-                        <a:cs typeface="+mn-cs"/>
-                      </a:endParaRPr>
                     </a:p>
                   </a:txBody>
                   <a:tcPr marL="99316" marR="99316"/>
@@ -20006,18 +19228,13 @@
                     <a:lstStyle/>
                     <a:p>
                       <a:r>
-                        <a:rPr lang="en-GB" sz="2000" b="1" dirty="0" smtClean="0">
+                        <a:rPr lang="en-GB" sz="2000" b="1" dirty="0">
                           <a:solidFill>
                             <a:schemeClr val="tx2"/>
                           </a:solidFill>
                         </a:rPr>
                         <a:t>Diet change</a:t>
                       </a:r>
-                      <a:endParaRPr lang="en-GB" sz="2000" b="1" dirty="0">
-                        <a:solidFill>
-                          <a:schemeClr val="tx2"/>
-                        </a:solidFill>
-                      </a:endParaRPr>
                     </a:p>
                   </a:txBody>
                   <a:tcPr marL="99316" marR="99316"/>
@@ -20029,7 +19246,7 @@
                     <a:p>
                       <a:pPr algn="ctr"/>
                       <a:r>
-                        <a:rPr lang="en-GB" sz="2400" dirty="0" smtClean="0">
+                        <a:rPr lang="en-GB" sz="2400" dirty="0">
                           <a:sym typeface="Wingdings" panose="05000000000000000000" pitchFamily="2" charset="2"/>
                         </a:rPr>
                         <a:t></a:t>
@@ -20062,7 +19279,7 @@
                         <a:defRPr/>
                       </a:pPr>
                       <a:r>
-                        <a:rPr lang="en-GB" sz="2400" dirty="0" smtClean="0">
+                        <a:rPr lang="en-GB" sz="2400" dirty="0">
                           <a:sym typeface="Wingdings" panose="05000000000000000000" pitchFamily="2" charset="2"/>
                         </a:rPr>
                         <a:t></a:t>
@@ -20085,18 +19302,13 @@
                     <a:lstStyle/>
                     <a:p>
                       <a:r>
-                        <a:rPr lang="en-GB" sz="2000" b="1" dirty="0" smtClean="0">
+                        <a:rPr lang="en-GB" sz="2000" b="1" dirty="0">
                           <a:solidFill>
                             <a:schemeClr val="tx2"/>
                           </a:solidFill>
                         </a:rPr>
                         <a:t>Habitual diet</a:t>
                       </a:r>
-                      <a:endParaRPr lang="en-GB" sz="2000" b="1" dirty="0">
-                        <a:solidFill>
-                          <a:schemeClr val="tx2"/>
-                        </a:solidFill>
-                      </a:endParaRPr>
                     </a:p>
                   </a:txBody>
                   <a:tcPr marL="99316" marR="99316"/>
@@ -20124,7 +19336,7 @@
                         <a:defRPr/>
                       </a:pPr>
                       <a:r>
-                        <a:rPr lang="en-GB" sz="2400" dirty="0" smtClean="0">
+                        <a:rPr lang="en-GB" sz="2400" dirty="0">
                           <a:sym typeface="Wingdings" panose="05000000000000000000" pitchFamily="2" charset="2"/>
                         </a:rPr>
                         <a:t></a:t>
@@ -20157,7 +19369,7 @@
                         <a:defRPr/>
                       </a:pPr>
                       <a:r>
-                        <a:rPr lang="en-GB" sz="2400" dirty="0" smtClean="0">
+                        <a:rPr lang="en-GB" sz="2400" dirty="0">
                           <a:sym typeface="Wingdings" panose="05000000000000000000" pitchFamily="2" charset="2"/>
                         </a:rPr>
                         <a:t></a:t>
@@ -20239,18 +19451,13 @@
           <a:lstStyle/>
           <a:p>
             <a:r>
-              <a:rPr lang="en-GB" sz="1600" dirty="0" smtClean="0">
+              <a:rPr lang="en-GB" sz="1600" dirty="0">
                 <a:solidFill>
                   <a:schemeClr val="tx2"/>
                 </a:solidFill>
               </a:rPr>
               <a:t>time</a:t>
             </a:r>
-            <a:endParaRPr lang="en-GB" sz="1600" dirty="0">
-              <a:solidFill>
-                <a:schemeClr val="tx2"/>
-              </a:solidFill>
-            </a:endParaRPr>
           </a:p>
         </p:txBody>
       </p:sp>
@@ -20321,7 +19528,7 @@
           <a:lstStyle/>
           <a:p>
             <a:r>
-              <a:rPr lang="en-GB" sz="1600" dirty="0" smtClean="0">
+              <a:rPr lang="en-GB" sz="1600" dirty="0">
                 <a:solidFill>
                   <a:schemeClr val="tx2">
                     <a:lumMod val="50000"/>
@@ -20330,13 +19537,6 @@
               </a:rPr>
               <a:t>BF main effect of group</a:t>
             </a:r>
-            <a:endParaRPr lang="en-GB" sz="1600" dirty="0">
-              <a:solidFill>
-                <a:schemeClr val="tx2">
-                  <a:lumMod val="50000"/>
-                </a:schemeClr>
-              </a:solidFill>
-            </a:endParaRPr>
           </a:p>
         </p:txBody>
       </p:sp>
@@ -20406,7 +19606,7 @@
               <a:t> = "</a:t>
             </a:r>
             <a:r>
-              <a:rPr lang="en-GB" dirty="0" err="1" smtClean="0">
+              <a:rPr lang="en-GB" dirty="0" err="1">
                 <a:solidFill>
                   <a:schemeClr val="accent3">
                     <a:lumMod val="50000"/>
@@ -20417,14 +19617,11 @@
               <a:t>ppt</a:t>
             </a:r>
             <a:r>
-              <a:rPr lang="en-GB" dirty="0" smtClean="0">
+              <a:rPr lang="en-GB" dirty="0">
                 <a:latin typeface="Lucida Console" panose="020B0609040504020204" pitchFamily="49" charset="0"/>
               </a:rPr>
               <a:t>“)</a:t>
             </a:r>
-            <a:endParaRPr lang="en-GB" dirty="0">
-              <a:latin typeface="Lucida Console" panose="020B0609040504020204" pitchFamily="49" charset="0"/>
-            </a:endParaRPr>
           </a:p>
         </p:txBody>
       </p:sp>
@@ -20456,7 +19653,7 @@
           <a:lstStyle/>
           <a:p>
             <a:r>
-              <a:rPr lang="en-GB" sz="1600" dirty="0" err="1" smtClean="0">
+              <a:rPr lang="en-GB" sz="1600" dirty="0" err="1">
                 <a:solidFill>
                   <a:schemeClr val="tx2">
                     <a:lumMod val="50000"/>
@@ -20467,7 +19664,7 @@
               <a:t>ppt</a:t>
             </a:r>
             <a:r>
-              <a:rPr lang="en-GB" sz="1600" dirty="0" smtClean="0">
+              <a:rPr lang="en-GB" sz="1600" dirty="0">
                 <a:solidFill>
                   <a:schemeClr val="tx2">
                     <a:lumMod val="50000"/>
@@ -20476,13 +19673,6 @@
               </a:rPr>
               <a:t> must be included as a random effect in the model (see Session 6)</a:t>
             </a:r>
-            <a:endParaRPr lang="en-GB" sz="1600" dirty="0">
-              <a:solidFill>
-                <a:schemeClr val="tx2">
-                  <a:lumMod val="50000"/>
-                </a:schemeClr>
-              </a:solidFill>
-            </a:endParaRPr>
           </a:p>
         </p:txBody>
       </p:sp>
@@ -20741,7 +19931,7 @@
           <a:lstStyle/>
           <a:p>
             <a:r>
-              <a:rPr lang="en-GB" sz="1600" dirty="0" smtClean="0">
+              <a:rPr lang="en-GB" sz="1600" dirty="0">
                 <a:solidFill>
                   <a:schemeClr val="tx2">
                     <a:lumMod val="50000"/>
@@ -20750,13 +19940,6 @@
               </a:rPr>
               <a:t>BF main effect of time</a:t>
             </a:r>
-            <a:endParaRPr lang="en-GB" sz="1600" dirty="0">
-              <a:solidFill>
-                <a:schemeClr val="tx2">
-                  <a:lumMod val="50000"/>
-                </a:schemeClr>
-              </a:solidFill>
-            </a:endParaRPr>
           </a:p>
         </p:txBody>
       </p:sp>
@@ -20821,7 +20004,7 @@
           <a:lstStyle/>
           <a:p>
             <a:r>
-              <a:rPr lang="en-GB" sz="1600" b="1" dirty="0" smtClean="0">
+              <a:rPr lang="en-GB" sz="1600" b="1" dirty="0">
                 <a:solidFill>
                   <a:schemeClr val="tx2">
                     <a:lumMod val="50000"/>
@@ -20833,7 +20016,7 @@
           </a:p>
           <a:p>
             <a:r>
-              <a:rPr lang="en-GB" sz="1600" dirty="0" smtClean="0">
+              <a:rPr lang="en-GB" sz="1600" dirty="0">
                 <a:solidFill>
                   <a:schemeClr val="tx2">
                     <a:lumMod val="50000"/>
@@ -20845,7 +20028,7 @@
           </a:p>
           <a:p>
             <a:r>
-              <a:rPr lang="en-GB" sz="1600" dirty="0" smtClean="0">
+              <a:rPr lang="en-GB" sz="1600" dirty="0">
                 <a:solidFill>
                   <a:schemeClr val="tx2">
                     <a:lumMod val="50000"/>
@@ -20857,7 +20040,7 @@
           </a:p>
           <a:p>
             <a:r>
-              <a:rPr lang="en-GB" sz="1600" dirty="0" smtClean="0">
+              <a:rPr lang="en-GB" sz="1600" dirty="0">
                 <a:solidFill>
                   <a:schemeClr val="tx2">
                     <a:lumMod val="50000"/>
@@ -20867,7 +20050,7 @@
               <a:t>= </a:t>
             </a:r>
             <a:r>
-              <a:rPr lang="en-GB" sz="1600" b="1" dirty="0" smtClean="0">
+              <a:rPr lang="en-GB" sz="1600" b="1" dirty="0">
                 <a:solidFill>
                   <a:schemeClr val="tx2">
                     <a:lumMod val="50000"/>
@@ -20876,13 +20059,6 @@
               </a:rPr>
               <a:t>2.38</a:t>
             </a:r>
-            <a:endParaRPr lang="en-GB" sz="1600" b="1" dirty="0">
-              <a:solidFill>
-                <a:schemeClr val="tx2">
-                  <a:lumMod val="50000"/>
-                </a:schemeClr>
-              </a:solidFill>
-            </a:endParaRPr>
           </a:p>
         </p:txBody>
       </p:sp>
@@ -20914,10 +20090,9 @@
           <a:lstStyle/>
           <a:p>
             <a:r>
-              <a:rPr lang="en-GB" dirty="0" smtClean="0"/>
+              <a:rPr lang="en-GB" dirty="0"/>
               <a:t>Again, there’s insufficient evidence that change scores differ between groups.</a:t>
             </a:r>
-            <a:endParaRPr lang="en-GB" dirty="0"/>
           </a:p>
         </p:txBody>
       </p:sp>
@@ -21458,10 +20633,9 @@
           <a:lstStyle/>
           <a:p>
             <a:r>
-              <a:rPr lang="en-GB" dirty="0" smtClean="0"/>
+              <a:rPr lang="en-GB" dirty="0"/>
               <a:t>Approach 3: ANCOVA</a:t>
             </a:r>
-            <a:endParaRPr lang="en-GB" dirty="0"/>
           </a:p>
         </p:txBody>
       </p:sp>
@@ -21488,11 +20662,11 @@
           <a:lstStyle/>
           <a:p>
             <a:r>
-              <a:rPr lang="en-GB" dirty="0" smtClean="0"/>
+              <a:rPr lang="en-GB" dirty="0"/>
               <a:t>Alternatively, the design can be treated as a </a:t>
             </a:r>
             <a:r>
-              <a:rPr lang="en-GB" dirty="0" smtClean="0">
+              <a:rPr lang="en-GB" dirty="0">
                 <a:solidFill>
                   <a:schemeClr val="tx2">
                     <a:lumMod val="75000"/>
@@ -21502,11 +20676,11 @@
               <a:t>multiple regression </a:t>
             </a:r>
             <a:r>
-              <a:rPr lang="en-GB" dirty="0" smtClean="0"/>
+              <a:rPr lang="en-GB" dirty="0"/>
               <a:t>with one continuous variable (a covariate) and one categorical variable (Session 4). This is known as </a:t>
             </a:r>
             <a:r>
-              <a:rPr lang="en-GB" b="1" dirty="0" smtClean="0">
+              <a:rPr lang="en-GB" b="1" dirty="0">
                 <a:solidFill>
                   <a:schemeClr val="tx2">
                     <a:lumMod val="50000"/>
@@ -21516,27 +20690,27 @@
               <a:t>ANCOVA</a:t>
             </a:r>
             <a:r>
-              <a:rPr lang="en-GB" dirty="0" smtClean="0"/>
+              <a:rPr lang="en-GB" dirty="0"/>
               <a:t> (Analysis of Covariance). </a:t>
             </a:r>
           </a:p>
           <a:p>
             <a:pPr lvl="1"/>
-            <a:endParaRPr lang="en-GB" dirty="0" smtClean="0"/>
+            <a:endParaRPr lang="en-GB" dirty="0"/>
           </a:p>
           <a:p>
             <a:pPr marL="457200" lvl="1" indent="0">
               <a:buNone/>
             </a:pPr>
-            <a:endParaRPr lang="en-GB" dirty="0" smtClean="0"/>
-          </a:p>
-          <a:p>
-            <a:r>
-              <a:rPr lang="en-GB" dirty="0" smtClean="0"/>
+            <a:endParaRPr lang="en-GB" dirty="0"/>
+          </a:p>
+          <a:p>
+            <a:r>
+              <a:rPr lang="en-GB" dirty="0"/>
               <a:t>Key Q: Is there an effect of </a:t>
             </a:r>
             <a:r>
-              <a:rPr lang="en-GB" b="1" dirty="0" smtClean="0">
+              <a:rPr lang="en-GB" b="1" dirty="0">
                 <a:solidFill>
                   <a:schemeClr val="tx2"/>
                 </a:solidFill>
@@ -21544,7 +20718,7 @@
               <a:t>group</a:t>
             </a:r>
             <a:r>
-              <a:rPr lang="en-GB" dirty="0" smtClean="0">
+              <a:rPr lang="en-GB" dirty="0">
                 <a:solidFill>
                   <a:schemeClr val="tx2"/>
                 </a:solidFill>
@@ -21552,7 +20726,7 @@
               <a:t> on </a:t>
             </a:r>
             <a:r>
-              <a:rPr lang="en-GB" b="1" dirty="0" smtClean="0">
+              <a:rPr lang="en-GB" b="1" dirty="0">
                 <a:solidFill>
                   <a:schemeClr val="tx2"/>
                 </a:solidFill>
@@ -21560,11 +20734,11 @@
               <a:t>week 3 scores </a:t>
             </a:r>
             <a:r>
-              <a:rPr lang="en-GB" i="1" dirty="0" smtClean="0"/>
+              <a:rPr lang="en-GB" i="1" dirty="0"/>
               <a:t>after</a:t>
             </a:r>
             <a:r>
-              <a:rPr lang="en-GB" dirty="0" smtClean="0"/>
+              <a:rPr lang="en-GB" dirty="0"/>
               <a:t> the variance associated with baseline scores has been explained?</a:t>
             </a:r>
           </a:p>
@@ -21658,10 +20832,9 @@
                     <a:lstStyle/>
                     <a:p>
                       <a:r>
-                        <a:rPr lang="en-GB" sz="2000" dirty="0" smtClean="0"/>
+                        <a:rPr lang="en-GB" sz="2000" dirty="0"/>
                         <a:t>Group</a:t>
                       </a:r>
-                      <a:endParaRPr lang="en-GB" sz="2000" dirty="0"/>
                     </a:p>
                   </a:txBody>
                   <a:tcPr marL="99316" marR="99316"/>
@@ -21673,18 +20846,13 @@
                     <a:p>
                       <a:pPr algn="ctr"/>
                       <a:r>
-                        <a:rPr lang="en-GB" sz="1800" b="1" dirty="0" smtClean="0">
+                        <a:rPr lang="en-GB" sz="1800" b="1" dirty="0">
                           <a:solidFill>
                             <a:schemeClr val="tx2"/>
                           </a:solidFill>
                         </a:rPr>
                         <a:t>Baseline</a:t>
                       </a:r>
-                      <a:endParaRPr lang="en-GB" sz="1800" b="1" dirty="0">
-                        <a:solidFill>
-                          <a:schemeClr val="tx2"/>
-                        </a:solidFill>
-                      </a:endParaRPr>
                     </a:p>
                   </a:txBody>
                   <a:tcPr marL="99316" marR="99316"/>
@@ -21696,7 +20864,7 @@
                     <a:p>
                       <a:pPr marL="0" algn="ctr" defTabSz="914400" rtl="0" eaLnBrk="1" latinLnBrk="0" hangingPunct="1"/>
                       <a:r>
-                        <a:rPr lang="en-GB" sz="1800" b="1" kern="1200" dirty="0" smtClean="0">
+                        <a:rPr lang="en-GB" sz="1800" b="1" kern="1200" dirty="0">
                           <a:solidFill>
                             <a:schemeClr val="tx2"/>
                           </a:solidFill>
@@ -21706,14 +20874,6 @@
                         </a:rPr>
                         <a:t>Week 3</a:t>
                       </a:r>
-                      <a:endParaRPr lang="en-GB" sz="1800" b="1" kern="1200" dirty="0">
-                        <a:solidFill>
-                          <a:schemeClr val="tx2"/>
-                        </a:solidFill>
-                        <a:latin typeface="+mn-lt"/>
-                        <a:ea typeface="+mn-ea"/>
-                        <a:cs typeface="+mn-cs"/>
-                      </a:endParaRPr>
                     </a:p>
                   </a:txBody>
                   <a:tcPr marL="99316" marR="99316"/>
@@ -21731,18 +20891,13 @@
                     <a:lstStyle/>
                     <a:p>
                       <a:r>
-                        <a:rPr lang="en-GB" sz="2000" b="1" dirty="0" smtClean="0">
+                        <a:rPr lang="en-GB" sz="2000" b="1" dirty="0">
                           <a:solidFill>
                             <a:schemeClr val="tx2"/>
                           </a:solidFill>
                         </a:rPr>
                         <a:t>Diet change</a:t>
                       </a:r>
-                      <a:endParaRPr lang="en-GB" sz="2000" b="1" dirty="0">
-                        <a:solidFill>
-                          <a:schemeClr val="tx2"/>
-                        </a:solidFill>
-                      </a:endParaRPr>
                     </a:p>
                   </a:txBody>
                   <a:tcPr marL="99316" marR="99316"/>
@@ -21754,7 +20909,7 @@
                     <a:p>
                       <a:pPr algn="ctr"/>
                       <a:r>
-                        <a:rPr lang="en-GB" sz="2400" dirty="0" smtClean="0">
+                        <a:rPr lang="en-GB" sz="2400" dirty="0">
                           <a:sym typeface="Wingdings" panose="05000000000000000000" pitchFamily="2" charset="2"/>
                         </a:rPr>
                         <a:t></a:t>
@@ -21787,7 +20942,7 @@
                         <a:defRPr/>
                       </a:pPr>
                       <a:r>
-                        <a:rPr lang="en-GB" sz="2400" dirty="0" smtClean="0">
+                        <a:rPr lang="en-GB" sz="2400" dirty="0">
                           <a:sym typeface="Wingdings" panose="05000000000000000000" pitchFamily="2" charset="2"/>
                         </a:rPr>
                         <a:t></a:t>
@@ -21810,18 +20965,13 @@
                     <a:lstStyle/>
                     <a:p>
                       <a:r>
-                        <a:rPr lang="en-GB" sz="2000" b="1" dirty="0" smtClean="0">
+                        <a:rPr lang="en-GB" sz="2000" b="1" dirty="0">
                           <a:solidFill>
                             <a:schemeClr val="tx2"/>
                           </a:solidFill>
                         </a:rPr>
                         <a:t>Habitual diet</a:t>
                       </a:r>
-                      <a:endParaRPr lang="en-GB" sz="2000" b="1" dirty="0">
-                        <a:solidFill>
-                          <a:schemeClr val="tx2"/>
-                        </a:solidFill>
-                      </a:endParaRPr>
                     </a:p>
                   </a:txBody>
                   <a:tcPr marL="99316" marR="99316"/>
@@ -21849,7 +20999,7 @@
                         <a:defRPr/>
                       </a:pPr>
                       <a:r>
-                        <a:rPr lang="en-GB" sz="2400" dirty="0" smtClean="0">
+                        <a:rPr lang="en-GB" sz="2400" dirty="0">
                           <a:sym typeface="Wingdings" panose="05000000000000000000" pitchFamily="2" charset="2"/>
                         </a:rPr>
                         <a:t></a:t>
@@ -21882,7 +21032,7 @@
                         <a:defRPr/>
                       </a:pPr>
                       <a:r>
-                        <a:rPr lang="en-GB" sz="2400" dirty="0" smtClean="0">
+                        <a:rPr lang="en-GB" sz="2400" dirty="0">
                           <a:sym typeface="Wingdings" panose="05000000000000000000" pitchFamily="2" charset="2"/>
                         </a:rPr>
                         <a:t></a:t>
@@ -21925,18 +21075,13 @@
           <a:lstStyle/>
           <a:p>
             <a:r>
-              <a:rPr lang="en-GB" sz="1600" dirty="0" smtClean="0">
+              <a:rPr lang="en-GB" sz="1600" dirty="0">
                 <a:solidFill>
                   <a:schemeClr val="tx2"/>
                 </a:solidFill>
               </a:rPr>
               <a:t>covariate</a:t>
             </a:r>
-            <a:endParaRPr lang="en-GB" sz="1600" dirty="0">
-              <a:solidFill>
-                <a:schemeClr val="tx2"/>
-              </a:solidFill>
-            </a:endParaRPr>
           </a:p>
         </p:txBody>
       </p:sp>
@@ -22035,18 +21180,13 @@
           <a:lstStyle/>
           <a:p>
             <a:r>
-              <a:rPr lang="en-GB" sz="1600" dirty="0" smtClean="0">
+              <a:rPr lang="en-GB" sz="1600" dirty="0">
                 <a:solidFill>
                   <a:schemeClr val="tx2"/>
                 </a:solidFill>
               </a:rPr>
               <a:t>predictor</a:t>
             </a:r>
-            <a:endParaRPr lang="en-GB" sz="1600" dirty="0">
-              <a:solidFill>
-                <a:schemeClr val="tx2"/>
-              </a:solidFill>
-            </a:endParaRPr>
           </a:p>
         </p:txBody>
       </p:sp>
@@ -22078,21 +21218,8 @@
                   <a:schemeClr val="tx2"/>
                 </a:solidFill>
               </a:rPr>
-              <a:t>o</a:t>
-            </a:r>
-            <a:r>
-              <a:rPr lang="en-GB" sz="1600" dirty="0" smtClean="0">
-                <a:solidFill>
-                  <a:schemeClr val="tx2"/>
-                </a:solidFill>
-              </a:rPr>
-              <a:t>utcome variable</a:t>
-            </a:r>
-            <a:endParaRPr lang="en-GB" sz="1600" dirty="0">
-              <a:solidFill>
-                <a:schemeClr val="tx2"/>
-              </a:solidFill>
-            </a:endParaRPr>
+              <a:t>outcome variable</a:t>
+            </a:r>
           </a:p>
         </p:txBody>
       </p:sp>
@@ -22296,14 +21423,13 @@
           <a:p>
             <a:pPr algn="ctr"/>
             <a:r>
-              <a:rPr lang="en-GB" sz="2400" dirty="0" smtClean="0"/>
+              <a:rPr lang="en-GB" sz="2400" dirty="0"/>
               <a:t>X</a:t>
             </a:r>
             <a:r>
-              <a:rPr lang="en-GB" sz="2400" baseline="-25000" dirty="0" smtClean="0"/>
+              <a:rPr lang="en-GB" sz="2400" baseline="-25000" dirty="0"/>
               <a:t>2</a:t>
             </a:r>
-            <a:endParaRPr lang="en-GB" sz="2400" baseline="-25000" dirty="0"/>
           </a:p>
         </p:txBody>
       </p:sp>
@@ -22370,7 +21496,7 @@
           <a:lstStyle/>
           <a:p>
             <a:r>
-              <a:rPr lang="en-GB" sz="1600" dirty="0" smtClean="0"/>
+              <a:rPr lang="en-GB" sz="1600" dirty="0"/>
               <a:t>week3</a:t>
             </a:r>
             <a:endParaRPr lang="en-GB" dirty="0"/>
@@ -22400,7 +21526,7 @@
           <a:lstStyle/>
           <a:p>
             <a:r>
-              <a:rPr lang="en-GB" sz="1600" dirty="0" smtClean="0"/>
+              <a:rPr lang="en-GB" sz="1600" dirty="0"/>
               <a:t>group</a:t>
             </a:r>
             <a:endParaRPr lang="en-GB" dirty="0"/>
@@ -22430,7 +21556,7 @@
           <a:lstStyle/>
           <a:p>
             <a:r>
-              <a:rPr lang="en-GB" sz="1600" dirty="0" smtClean="0"/>
+              <a:rPr lang="en-GB" sz="1600" dirty="0"/>
               <a:t>baseline</a:t>
             </a:r>
             <a:endParaRPr lang="en-GB" dirty="0"/>

--- a/docs/slides/PSYC753_L7_PrePostData.pptx
+++ b/docs/slides/PSYC753_L7_PrePostData.pptx
@@ -159,6 +159,202 @@
 </p:presentation>
 </file>
 
+<file path=ppt/revisionInfo.xml><?xml version="1.0" encoding="utf-8"?>
+<p1510:revInfo xmlns:a="http://schemas.openxmlformats.org/drawingml/2006/main" xmlns:r="http://schemas.openxmlformats.org/officeDocument/2006/relationships" xmlns:p1510="http://schemas.microsoft.com/office/powerpoint/2015/10/main">
+  <p1510:revLst>
+    <p1510:client id="{3613AACA-DED3-40CA-A3BD-FCBB6F470970}" v="109" dt="2023-03-01T10:49:43.572"/>
+  </p1510:revLst>
+</p1510:revInfo>
+</file>
+
+<file path=ppt/changesInfos/changesInfo1.xml><?xml version="1.0" encoding="utf-8"?>
+<pc:chgInfo xmlns:a="http://schemas.openxmlformats.org/drawingml/2006/main" xmlns:r="http://schemas.openxmlformats.org/officeDocument/2006/relationships" xmlns:ac="http://schemas.microsoft.com/office/drawing/2013/main/command" xmlns:pc="http://schemas.microsoft.com/office/powerpoint/2013/main/command">
+  <pc:docChgLst>
+    <pc:chgData name="Christopher Berry" userId="468ae48a-5539-4b21-98ea-6081f4d86140" providerId="ADAL" clId="{3613AACA-DED3-40CA-A3BD-FCBB6F470970}"/>
+    <pc:docChg chg="modSld">
+      <pc:chgData name="Christopher Berry" userId="468ae48a-5539-4b21-98ea-6081f4d86140" providerId="ADAL" clId="{3613AACA-DED3-40CA-A3BD-FCBB6F470970}" dt="2023-03-01T10:50:33.493" v="132" actId="20577"/>
+      <pc:docMkLst>
+        <pc:docMk/>
+      </pc:docMkLst>
+      <pc:sldChg chg="modSp mod">
+        <pc:chgData name="Christopher Berry" userId="468ae48a-5539-4b21-98ea-6081f4d86140" providerId="ADAL" clId="{3613AACA-DED3-40CA-A3BD-FCBB6F470970}" dt="2023-03-01T10:50:33.493" v="132" actId="20577"/>
+        <pc:sldMkLst>
+          <pc:docMk/>
+          <pc:sldMk cId="1337738250" sldId="257"/>
+        </pc:sldMkLst>
+        <pc:spChg chg="mod">
+          <ac:chgData name="Christopher Berry" userId="468ae48a-5539-4b21-98ea-6081f4d86140" providerId="ADAL" clId="{3613AACA-DED3-40CA-A3BD-FCBB6F470970}" dt="2023-03-01T10:50:33.493" v="132" actId="20577"/>
+          <ac:spMkLst>
+            <pc:docMk/>
+            <pc:sldMk cId="1337738250" sldId="257"/>
+            <ac:spMk id="4" creationId="{00000000-0000-0000-0000-000000000000}"/>
+          </ac:spMkLst>
+        </pc:spChg>
+      </pc:sldChg>
+      <pc:sldChg chg="modSp mod">
+        <pc:chgData name="Christopher Berry" userId="468ae48a-5539-4b21-98ea-6081f4d86140" providerId="ADAL" clId="{3613AACA-DED3-40CA-A3BD-FCBB6F470970}" dt="2023-03-01T10:49:43.571" v="110" actId="404"/>
+        <pc:sldMkLst>
+          <pc:docMk/>
+          <pc:sldMk cId="909518638" sldId="357"/>
+        </pc:sldMkLst>
+        <pc:spChg chg="mod">
+          <ac:chgData name="Christopher Berry" userId="468ae48a-5539-4b21-98ea-6081f4d86140" providerId="ADAL" clId="{3613AACA-DED3-40CA-A3BD-FCBB6F470970}" dt="2023-03-01T10:47:31.852" v="13" actId="20577"/>
+          <ac:spMkLst>
+            <pc:docMk/>
+            <pc:sldMk cId="909518638" sldId="357"/>
+            <ac:spMk id="3" creationId="{00000000-0000-0000-0000-000000000000}"/>
+          </ac:spMkLst>
+        </pc:spChg>
+        <pc:spChg chg="mod">
+          <ac:chgData name="Christopher Berry" userId="468ae48a-5539-4b21-98ea-6081f4d86140" providerId="ADAL" clId="{3613AACA-DED3-40CA-A3BD-FCBB6F470970}" dt="2023-03-01T10:49:43.571" v="110" actId="404"/>
+          <ac:spMkLst>
+            <pc:docMk/>
+            <pc:sldMk cId="909518638" sldId="357"/>
+            <ac:spMk id="5" creationId="{00000000-0000-0000-0000-000000000000}"/>
+          </ac:spMkLst>
+        </pc:spChg>
+        <pc:spChg chg="mod">
+          <ac:chgData name="Christopher Berry" userId="468ae48a-5539-4b21-98ea-6081f4d86140" providerId="ADAL" clId="{3613AACA-DED3-40CA-A3BD-FCBB6F470970}" dt="2023-03-01T10:47:42.196" v="22" actId="20577"/>
+          <ac:spMkLst>
+            <pc:docMk/>
+            <pc:sldMk cId="909518638" sldId="357"/>
+            <ac:spMk id="8" creationId="{00000000-0000-0000-0000-000000000000}"/>
+          </ac:spMkLst>
+        </pc:spChg>
+      </pc:sldChg>
+    </pc:docChg>
+  </pc:docChgLst>
+  <pc:docChgLst>
+    <pc:chgData name="Christopher Berry" userId="468ae48a-5539-4b21-98ea-6081f4d86140" providerId="ADAL" clId="{103F3AC0-9955-4EAD-8F5F-375BC1842151}"/>
+    <pc:docChg chg="custSel modSld">
+      <pc:chgData name="Christopher Berry" userId="468ae48a-5539-4b21-98ea-6081f4d86140" providerId="ADAL" clId="{103F3AC0-9955-4EAD-8F5F-375BC1842151}" dt="2023-03-01T10:51:44.989" v="33" actId="368"/>
+      <pc:docMkLst>
+        <pc:docMk/>
+      </pc:docMkLst>
+      <pc:sldChg chg="modNotes">
+        <pc:chgData name="Christopher Berry" userId="468ae48a-5539-4b21-98ea-6081f4d86140" providerId="ADAL" clId="{103F3AC0-9955-4EAD-8F5F-375BC1842151}" dt="2023-03-01T10:51:44.895" v="1" actId="368"/>
+        <pc:sldMkLst>
+          <pc:docMk/>
+          <pc:sldMk cId="1337738250" sldId="257"/>
+        </pc:sldMkLst>
+      </pc:sldChg>
+      <pc:sldChg chg="modNotes">
+        <pc:chgData name="Christopher Berry" userId="468ae48a-5539-4b21-98ea-6081f4d86140" providerId="ADAL" clId="{103F3AC0-9955-4EAD-8F5F-375BC1842151}" dt="2023-03-01T10:51:44.967" v="25" actId="368"/>
+        <pc:sldMkLst>
+          <pc:docMk/>
+          <pc:sldMk cId="898351589" sldId="351"/>
+        </pc:sldMkLst>
+      </pc:sldChg>
+      <pc:sldChg chg="modNotes">
+        <pc:chgData name="Christopher Berry" userId="468ae48a-5539-4b21-98ea-6081f4d86140" providerId="ADAL" clId="{103F3AC0-9955-4EAD-8F5F-375BC1842151}" dt="2023-03-01T10:51:44.960" v="23" actId="368"/>
+        <pc:sldMkLst>
+          <pc:docMk/>
+          <pc:sldMk cId="427809079" sldId="352"/>
+        </pc:sldMkLst>
+      </pc:sldChg>
+      <pc:sldChg chg="modNotes">
+        <pc:chgData name="Christopher Berry" userId="468ae48a-5539-4b21-98ea-6081f4d86140" providerId="ADAL" clId="{103F3AC0-9955-4EAD-8F5F-375BC1842151}" dt="2023-03-01T10:51:44.972" v="27" actId="368"/>
+        <pc:sldMkLst>
+          <pc:docMk/>
+          <pc:sldMk cId="2467422278" sldId="355"/>
+        </pc:sldMkLst>
+      </pc:sldChg>
+      <pc:sldChg chg="modNotes">
+        <pc:chgData name="Christopher Berry" userId="468ae48a-5539-4b21-98ea-6081f4d86140" providerId="ADAL" clId="{103F3AC0-9955-4EAD-8F5F-375BC1842151}" dt="2023-03-01T10:51:44.983" v="31" actId="368"/>
+        <pc:sldMkLst>
+          <pc:docMk/>
+          <pc:sldMk cId="1169166015" sldId="356"/>
+        </pc:sldMkLst>
+      </pc:sldChg>
+      <pc:sldChg chg="modNotes">
+        <pc:chgData name="Christopher Berry" userId="468ae48a-5539-4b21-98ea-6081f4d86140" providerId="ADAL" clId="{103F3AC0-9955-4EAD-8F5F-375BC1842151}" dt="2023-03-01T10:51:44.989" v="33" actId="368"/>
+        <pc:sldMkLst>
+          <pc:docMk/>
+          <pc:sldMk cId="909518638" sldId="357"/>
+        </pc:sldMkLst>
+      </pc:sldChg>
+      <pc:sldChg chg="modNotes">
+        <pc:chgData name="Christopher Berry" userId="468ae48a-5539-4b21-98ea-6081f4d86140" providerId="ADAL" clId="{103F3AC0-9955-4EAD-8F5F-375BC1842151}" dt="2023-03-01T10:51:44.902" v="3" actId="368"/>
+        <pc:sldMkLst>
+          <pc:docMk/>
+          <pc:sldMk cId="526375412" sldId="358"/>
+        </pc:sldMkLst>
+      </pc:sldChg>
+      <pc:sldChg chg="modNotes">
+        <pc:chgData name="Christopher Berry" userId="468ae48a-5539-4b21-98ea-6081f4d86140" providerId="ADAL" clId="{103F3AC0-9955-4EAD-8F5F-375BC1842151}" dt="2023-03-01T10:51:44.924" v="9" actId="368"/>
+        <pc:sldMkLst>
+          <pc:docMk/>
+          <pc:sldMk cId="1039672698" sldId="359"/>
+        </pc:sldMkLst>
+      </pc:sldChg>
+      <pc:sldChg chg="modNotes">
+        <pc:chgData name="Christopher Berry" userId="468ae48a-5539-4b21-98ea-6081f4d86140" providerId="ADAL" clId="{103F3AC0-9955-4EAD-8F5F-375BC1842151}" dt="2023-03-01T10:51:44.934" v="13" actId="368"/>
+        <pc:sldMkLst>
+          <pc:docMk/>
+          <pc:sldMk cId="2442537065" sldId="360"/>
+        </pc:sldMkLst>
+      </pc:sldChg>
+      <pc:sldChg chg="modNotes">
+        <pc:chgData name="Christopher Berry" userId="468ae48a-5539-4b21-98ea-6081f4d86140" providerId="ADAL" clId="{103F3AC0-9955-4EAD-8F5F-375BC1842151}" dt="2023-03-01T10:51:44.910" v="5" actId="368"/>
+        <pc:sldMkLst>
+          <pc:docMk/>
+          <pc:sldMk cId="3482227358" sldId="362"/>
+        </pc:sldMkLst>
+      </pc:sldChg>
+      <pc:sldChg chg="modNotes">
+        <pc:chgData name="Christopher Berry" userId="468ae48a-5539-4b21-98ea-6081f4d86140" providerId="ADAL" clId="{103F3AC0-9955-4EAD-8F5F-375BC1842151}" dt="2023-03-01T10:51:44.918" v="7" actId="368"/>
+        <pc:sldMkLst>
+          <pc:docMk/>
+          <pc:sldMk cId="399881219" sldId="363"/>
+        </pc:sldMkLst>
+      </pc:sldChg>
+      <pc:sldChg chg="modNotes">
+        <pc:chgData name="Christopher Berry" userId="468ae48a-5539-4b21-98ea-6081f4d86140" providerId="ADAL" clId="{103F3AC0-9955-4EAD-8F5F-375BC1842151}" dt="2023-03-01T10:51:44.929" v="11" actId="368"/>
+        <pc:sldMkLst>
+          <pc:docMk/>
+          <pc:sldMk cId="948542933" sldId="365"/>
+        </pc:sldMkLst>
+      </pc:sldChg>
+      <pc:sldChg chg="modNotes">
+        <pc:chgData name="Christopher Berry" userId="468ae48a-5539-4b21-98ea-6081f4d86140" providerId="ADAL" clId="{103F3AC0-9955-4EAD-8F5F-375BC1842151}" dt="2023-03-01T10:51:44.939" v="15" actId="368"/>
+        <pc:sldMkLst>
+          <pc:docMk/>
+          <pc:sldMk cId="4289793266" sldId="366"/>
+        </pc:sldMkLst>
+      </pc:sldChg>
+      <pc:sldChg chg="modNotes">
+        <pc:chgData name="Christopher Berry" userId="468ae48a-5539-4b21-98ea-6081f4d86140" providerId="ADAL" clId="{103F3AC0-9955-4EAD-8F5F-375BC1842151}" dt="2023-03-01T10:51:44.944" v="17" actId="368"/>
+        <pc:sldMkLst>
+          <pc:docMk/>
+          <pc:sldMk cId="3657777566" sldId="367"/>
+        </pc:sldMkLst>
+      </pc:sldChg>
+      <pc:sldChg chg="modNotes">
+        <pc:chgData name="Christopher Berry" userId="468ae48a-5539-4b21-98ea-6081f4d86140" providerId="ADAL" clId="{103F3AC0-9955-4EAD-8F5F-375BC1842151}" dt="2023-03-01T10:51:44.950" v="19" actId="368"/>
+        <pc:sldMkLst>
+          <pc:docMk/>
+          <pc:sldMk cId="42077738" sldId="368"/>
+        </pc:sldMkLst>
+      </pc:sldChg>
+      <pc:sldChg chg="modNotes">
+        <pc:chgData name="Christopher Berry" userId="468ae48a-5539-4b21-98ea-6081f4d86140" providerId="ADAL" clId="{103F3AC0-9955-4EAD-8F5F-375BC1842151}" dt="2023-03-01T10:51:44.955" v="21" actId="368"/>
+        <pc:sldMkLst>
+          <pc:docMk/>
+          <pc:sldMk cId="1181104512" sldId="369"/>
+        </pc:sldMkLst>
+      </pc:sldChg>
+      <pc:sldChg chg="modNotes">
+        <pc:chgData name="Christopher Berry" userId="468ae48a-5539-4b21-98ea-6081f4d86140" providerId="ADAL" clId="{103F3AC0-9955-4EAD-8F5F-375BC1842151}" dt="2023-03-01T10:51:44.977" v="29" actId="368"/>
+        <pc:sldMkLst>
+          <pc:docMk/>
+          <pc:sldMk cId="4007906762" sldId="370"/>
+        </pc:sldMkLst>
+      </pc:sldChg>
+    </pc:docChg>
+  </pc:docChgLst>
+</pc:chgInfo>
+</file>
+
 <file path=ppt/handoutMasters/handoutMaster1.xml><?xml version="1.0" encoding="utf-8"?>
 <p:handoutMaster xmlns:a="http://schemas.openxmlformats.org/drawingml/2006/main" xmlns:r="http://schemas.openxmlformats.org/officeDocument/2006/relationships" xmlns:p="http://schemas.openxmlformats.org/presentationml/2006/main">
   <p:cSld>
@@ -241,7 +437,7 @@
           <a:p>
             <a:fld id="{39F2F66B-899D-484E-9C99-E1DBE23F9DE9}" type="datetimeFigureOut">
               <a:rPr lang="en-GB" smtClean="0"/>
-              <a:t>21/12/2022</a:t>
+              <a:t>01/03/2023</a:t>
             </a:fld>
             <a:endParaRPr lang="en-GB"/>
           </a:p>
@@ -407,7 +603,7 @@
             <a:fld id="{2C09A945-60CF-41CC-BF14-DA645D9ABE0F}" type="datetimeFigureOut">
               <a:rPr lang="en-GB" smtClean="0"/>
               <a:pPr/>
-              <a:t>21/12/2022</a:t>
+              <a:t>01/03/2023</a:t>
             </a:fld>
             <a:endParaRPr lang="en-GB"/>
           </a:p>
@@ -996,7 +1192,6 @@
           <a:bodyPr/>
           <a:lstStyle/>
           <a:p>
-            <a:pPr lvl="0"/>
             <a:endParaRPr lang="en-GB" dirty="0"/>
           </a:p>
         </p:txBody>
@@ -2345,7 +2540,7 @@
             <a:fld id="{FD207E47-C1CA-47C9-BFA1-FDEFD1CE1BAA}" type="datetime1">
               <a:rPr lang="en-US" smtClean="0"/>
               <a:pPr/>
-              <a:t>12/21/2022</a:t>
+              <a:t>3/1/2023</a:t>
             </a:fld>
             <a:endParaRPr lang="en-US"/>
           </a:p>
@@ -2510,7 +2705,7 @@
             <a:fld id="{58C692B5-BE86-445D-88C0-242C83A9421E}" type="datetime1">
               <a:rPr lang="en-US" smtClean="0"/>
               <a:pPr/>
-              <a:t>12/21/2022</a:t>
+              <a:t>3/1/2023</a:t>
             </a:fld>
             <a:endParaRPr lang="en-US"/>
           </a:p>
@@ -2685,7 +2880,7 @@
             <a:fld id="{6A70B350-EB04-4702-A2C6-BB029CC917C4}" type="datetime1">
               <a:rPr lang="en-US" smtClean="0"/>
               <a:pPr/>
-              <a:t>12/21/2022</a:t>
+              <a:t>3/1/2023</a:t>
             </a:fld>
             <a:endParaRPr lang="en-US"/>
           </a:p>
@@ -2850,7 +3045,7 @@
             <a:fld id="{B19C5C7B-1CCF-4D03-A2E8-D3591213E0F6}" type="datetime1">
               <a:rPr lang="en-US" smtClean="0"/>
               <a:pPr/>
-              <a:t>12/21/2022</a:t>
+              <a:t>3/1/2023</a:t>
             </a:fld>
             <a:endParaRPr lang="en-US"/>
           </a:p>
@@ -3092,7 +3287,7 @@
             <a:fld id="{617DE08F-8114-45C2-9520-EC1882F8A669}" type="datetime1">
               <a:rPr lang="en-US" smtClean="0"/>
               <a:pPr/>
-              <a:t>12/21/2022</a:t>
+              <a:t>3/1/2023</a:t>
             </a:fld>
             <a:endParaRPr lang="en-US"/>
           </a:p>
@@ -3374,7 +3569,7 @@
             <a:fld id="{67FBBCEA-51D6-4D4F-B700-EBDD8904452C}" type="datetime1">
               <a:rPr lang="en-US" smtClean="0"/>
               <a:pPr/>
-              <a:t>12/21/2022</a:t>
+              <a:t>3/1/2023</a:t>
             </a:fld>
             <a:endParaRPr lang="en-US"/>
           </a:p>
@@ -3790,7 +3985,7 @@
             <a:fld id="{7C3355C0-4DE2-42D1-B918-7B0FCE7481FD}" type="datetime1">
               <a:rPr lang="en-US" smtClean="0"/>
               <a:pPr/>
-              <a:t>12/21/2022</a:t>
+              <a:t>3/1/2023</a:t>
             </a:fld>
             <a:endParaRPr lang="en-US"/>
           </a:p>
@@ -3904,7 +4099,7 @@
             <a:fld id="{41F9056E-53B5-467C-A68C-D5DD1F771BB5}" type="datetime1">
               <a:rPr lang="en-US" smtClean="0"/>
               <a:pPr/>
-              <a:t>12/21/2022</a:t>
+              <a:t>3/1/2023</a:t>
             </a:fld>
             <a:endParaRPr lang="en-US"/>
           </a:p>
@@ -3996,7 +4191,7 @@
             <a:fld id="{73236B7C-1414-4D49-8A59-8F56128C501B}" type="datetime1">
               <a:rPr lang="en-US" smtClean="0"/>
               <a:pPr/>
-              <a:t>12/21/2022</a:t>
+              <a:t>3/1/2023</a:t>
             </a:fld>
             <a:endParaRPr lang="en-US"/>
           </a:p>
@@ -4268,7 +4463,7 @@
             <a:fld id="{A40AEADC-23C0-4767-9AD7-3E7B6C343A0A}" type="datetime1">
               <a:rPr lang="en-US" smtClean="0"/>
               <a:pPr/>
-              <a:t>12/21/2022</a:t>
+              <a:t>3/1/2023</a:t>
             </a:fld>
             <a:endParaRPr lang="en-US"/>
           </a:p>
@@ -4517,7 +4712,7 @@
             <a:fld id="{07762B3B-4AFD-4E39-B6F8-E1A2354BA336}" type="datetime1">
               <a:rPr lang="en-US" smtClean="0"/>
               <a:pPr/>
-              <a:t>12/21/2022</a:t>
+              <a:t>3/1/2023</a:t>
             </a:fld>
             <a:endParaRPr lang="en-US"/>
           </a:p>
@@ -4730,7 +4925,7 @@
             <a:fld id="{16C4ABC6-3BA1-4854-92CA-2B0133ECAB44}" type="datetime1">
               <a:rPr lang="en-US" smtClean="0"/>
               <a:pPr/>
-              <a:t>12/21/2022</a:t>
+              <a:t>3/1/2023</a:t>
             </a:fld>
             <a:endParaRPr lang="en-US"/>
           </a:p>
@@ -5166,23 +5361,8 @@
                 </a:solidFill>
                 <a:latin typeface="Calibri" pitchFamily="34" charset="0"/>
               </a:rPr>
-              <a:t>clinically </a:t>
-            </a:r>
-            <a:r>
-              <a:rPr lang="en-GB" sz="2800" b="1">
-                <a:solidFill>
-                  <a:srgbClr val="000066"/>
-                </a:solidFill>
-                <a:latin typeface="Calibri" pitchFamily="34" charset="0"/>
-              </a:rPr>
-              <a:t>sig change </a:t>
-            </a:r>
-            <a:endParaRPr lang="en-GB" sz="2800" b="1" dirty="0">
-              <a:solidFill>
-                <a:srgbClr val="000066"/>
-              </a:solidFill>
-              <a:latin typeface="Calibri" pitchFamily="34" charset="0"/>
-            </a:endParaRPr>
+              <a:t>clinically sig change</a:t>
+            </a:r>
           </a:p>
           <a:p>
             <a:br>
@@ -5234,7 +5414,16 @@
                 </a:solidFill>
                 <a:latin typeface="Calibri" pitchFamily="34" charset="0"/>
               </a:rPr>
-              <a:t>Plymouth University</a:t>
+              <a:t>University </a:t>
+            </a:r>
+            <a:r>
+              <a:rPr lang="en-GB">
+                <a:solidFill>
+                  <a:srgbClr val="990033"/>
+                </a:solidFill>
+                <a:latin typeface="Calibri" pitchFamily="34" charset="0"/>
+              </a:rPr>
+              <a:t>of Plymouth</a:t>
             </a:r>
             <a:br>
               <a:rPr lang="en-GB" dirty="0">
@@ -6122,72 +6311,6 @@
       <p:sp>
         <p:nvSpPr>
           <p:cNvPr id="18" name="TextBox 17"/>
-          <p:cNvSpPr txBox="1"/>
-          <p:nvPr/>
-        </p:nvSpPr>
-        <p:spPr>
-          <a:xfrm>
-            <a:off x="10228185" y="4385311"/>
-            <a:ext cx="1634550" cy="338554"/>
-          </a:xfrm>
-          <a:prstGeom prst="rect">
-            <a:avLst/>
-          </a:prstGeom>
-          <a:noFill/>
-        </p:spPr>
-        <p:txBody>
-          <a:bodyPr wrap="none" rtlCol="0">
-            <a:spAutoFit/>
-          </a:bodyPr>
-          <a:lstStyle/>
-          <a:p>
-            <a:r>
-              <a:rPr lang="en-GB" sz="1600" dirty="0">
-                <a:solidFill>
-                  <a:schemeClr val="tx2"/>
-                </a:solidFill>
-              </a:rPr>
-              <a:t>outcome variable</a:t>
-            </a:r>
-          </a:p>
-        </p:txBody>
-      </p:sp>
-      <p:sp>
-        <p:nvSpPr>
-          <p:cNvPr id="3" name="TextBox 16"/>
-          <p:cNvSpPr txBox="1"/>
-          <p:nvPr/>
-        </p:nvSpPr>
-        <p:spPr>
-          <a:xfrm>
-            <a:off x="6019012" y="2965952"/>
-            <a:ext cx="952633" cy="338554"/>
-          </a:xfrm>
-          <a:prstGeom prst="rect">
-            <a:avLst/>
-          </a:prstGeom>
-          <a:noFill/>
-        </p:spPr>
-        <p:txBody>
-          <a:bodyPr wrap="none" rtlCol="0">
-            <a:spAutoFit/>
-          </a:bodyPr>
-          <a:lstStyle/>
-          <a:p>
-            <a:r>
-              <a:rPr lang="en-GB" sz="1600" dirty="0">
-                <a:solidFill>
-                  <a:schemeClr val="tx2"/>
-                </a:solidFill>
-              </a:rPr>
-              <a:t>predictor</a:t>
-            </a:r>
-          </a:p>
-        </p:txBody>
-      </p:sp>
-      <p:sp>
-        <p:nvSpPr>
-          <p:cNvPr id="6" name="TextBox 17"/>
           <p:cNvSpPr txBox="1"/>
           <p:nvPr/>
         </p:nvSpPr>
@@ -10318,7 +10441,7 @@
       </p:sp>
       <p:cxnSp>
         <p:nvCxnSpPr>
-          <p:cNvPr id="6" name="Curved Connector 11"/>
+          <p:cNvPr id="12" name="Curved Connector 11"/>
           <p:cNvCxnSpPr/>
           <p:nvPr/>
         </p:nvCxnSpPr>
@@ -10358,7 +10481,7 @@
       </p:cxnSp>
       <p:sp>
         <p:nvSpPr>
-          <p:cNvPr id="14" name="TextBox 12"/>
+          <p:cNvPr id="13" name="TextBox 12"/>
           <p:cNvSpPr txBox="1"/>
           <p:nvPr/>
         </p:nvSpPr>
@@ -10930,7 +11053,7 @@
                                           </p:stCondLst>
                                         </p:cTn>
                                         <p:tgtEl>
-                                          <p:spTgt spid="14"/>
+                                          <p:spTgt spid="13"/>
                                         </p:tgtEl>
                                         <p:attrNameLst>
                                           <p:attrName>style.visibility</p:attrName>
@@ -10957,7 +11080,7 @@
                                           </p:stCondLst>
                                         </p:cTn>
                                         <p:tgtEl>
-                                          <p:spTgt spid="6"/>
+                                          <p:spTgt spid="12"/>
                                         </p:tgtEl>
                                         <p:attrNameLst>
                                           <p:attrName>style.visibility</p:attrName>
@@ -11002,7 +11125,7 @@
       <p:bldP spid="9" grpId="0"/>
       <p:bldP spid="11" grpId="0"/>
       <p:bldP spid="17" grpId="0"/>
-      <p:bldP spid="14" grpId="0"/>
+      <p:bldP spid="13" grpId="0"/>
     </p:bldLst>
   </p:timing>
 </p:sld>
@@ -12662,8 +12785,8 @@
         </p:nvSpPr>
         <p:spPr>
           <a:xfrm>
-            <a:off x="1257300" y="2796393"/>
-            <a:ext cx="9677400" cy="584775"/>
+            <a:off x="1234107" y="2592840"/>
+            <a:ext cx="10577649" cy="1015663"/>
           </a:xfrm>
           <a:prstGeom prst="rect">
             <a:avLst/>
@@ -12683,8 +12806,60 @@
           <a:p>
             <a:r>
               <a:rPr lang="en-GB" sz="3200" b="1" dirty="0"/>
-              <a:t>Support session Friday 1-2pm</a:t>
-            </a:r>
+              <a:t>FINAL Support session: </a:t>
+            </a:r>
+            <a:r>
+              <a:rPr lang="en-GB" sz="3200" b="1" u="sng" dirty="0"/>
+              <a:t>Friday 24</a:t>
+            </a:r>
+            <a:r>
+              <a:rPr lang="en-GB" sz="3200" b="1" u="sng" baseline="30000" dirty="0"/>
+              <a:t>th</a:t>
+            </a:r>
+            <a:r>
+              <a:rPr lang="en-GB" sz="3200" b="1" u="sng" dirty="0"/>
+              <a:t> March 1-2pm Link 106-107</a:t>
+            </a:r>
+            <a:br>
+              <a:rPr lang="en-GB" sz="3200" b="1" u="sng" dirty="0"/>
+            </a:br>
+            <a:r>
+              <a:rPr lang="en-GB" sz="2800" b="1" dirty="0">
+                <a:solidFill>
+                  <a:schemeClr val="bg1">
+                    <a:lumMod val="50000"/>
+                  </a:schemeClr>
+                </a:solidFill>
+              </a:rPr>
+              <a:t>(</a:t>
+            </a:r>
+            <a:r>
+              <a:rPr lang="en-GB" sz="2800" b="1" u="sng" dirty="0">
+                <a:solidFill>
+                  <a:schemeClr val="bg1">
+                    <a:lumMod val="50000"/>
+                  </a:schemeClr>
+                </a:solidFill>
+              </a:rPr>
+              <a:t>NOT</a:t>
+            </a:r>
+            <a:r>
+              <a:rPr lang="en-GB" sz="2800" b="1" dirty="0">
+                <a:solidFill>
+                  <a:schemeClr val="bg1">
+                    <a:lumMod val="50000"/>
+                  </a:schemeClr>
+                </a:solidFill>
+              </a:rPr>
+              <a:t> 10/3 – please note change from timetable)</a:t>
+            </a:r>
+            <a:endParaRPr lang="en-GB" sz="3200" b="1" dirty="0">
+              <a:solidFill>
+                <a:schemeClr val="bg1">
+                  <a:lumMod val="50000"/>
+                </a:schemeClr>
+              </a:solidFill>
+            </a:endParaRPr>
           </a:p>
         </p:txBody>
       </p:sp>
@@ -12764,14 +12939,14 @@
           <a:p>
             <a:r>
               <a:rPr lang="en-GB" dirty="0"/>
-              <a:t>Please ask me or Paul during the session if you have any questions on the code or concepts.</a:t>
+              <a:t>Please ask me or Rory during the session if you have any questions on the code or concepts.</a:t>
             </a:r>
           </a:p>
         </p:txBody>
       </p:sp>
       <p:sp>
         <p:nvSpPr>
-          <p:cNvPr id="7" name="TextBox 7"/>
+          <p:cNvPr id="8" name="TextBox 7"/>
           <p:cNvSpPr txBox="1"/>
           <p:nvPr/>
         </p:nvSpPr>
@@ -12798,7 +12973,7 @@
           <a:p>
             <a:r>
               <a:rPr lang="en-GB" dirty="0"/>
-              <a:t>Good luck in the assignment, don’t forget instructions on DLE and FAQs </a:t>
+              <a:t>Good luck in the assignment, don’t forget instructions on DLE and FAQ webpage </a:t>
             </a:r>
             <a:r>
               <a:rPr lang="en-GB" dirty="0">
@@ -13004,7 +13179,7 @@
                                           </p:stCondLst>
                                         </p:cTn>
                                         <p:tgtEl>
-                                          <p:spTgt spid="7"/>
+                                          <p:spTgt spid="8"/>
                                         </p:tgtEl>
                                         <p:attrNameLst>
                                           <p:attrName>style.visibility</p:attrName>
@@ -13022,7 +13197,7 @@
                                           </p:stCondLst>
                                         </p:cTn>
                                         <p:tgtEl>
-                                          <p:spTgt spid="7"/>
+                                          <p:spTgt spid="8"/>
                                         </p:tgtEl>
                                       </p:cBhvr>
                                     </p:animEffect>
@@ -13034,7 +13209,7 @@
                                           </p:stCondLst>
                                         </p:cTn>
                                         <p:tgtEl>
-                                          <p:spTgt spid="7"/>
+                                          <p:spTgt spid="8"/>
                                         </p:tgtEl>
                                         <p:attrNameLst>
                                           <p:attrName>ppt_x</p:attrName>
@@ -13061,7 +13236,7 @@
                                           </p:stCondLst>
                                         </p:cTn>
                                         <p:tgtEl>
-                                          <p:spTgt spid="7"/>
+                                          <p:spTgt spid="8"/>
                                         </p:tgtEl>
                                         <p:attrNameLst>
                                           <p:attrName>ppt_y</p:attrName>
@@ -13088,7 +13263,7 @@
                                           </p:stCondLst>
                                         </p:cTn>
                                         <p:tgtEl>
-                                          <p:spTgt spid="7"/>
+                                          <p:spTgt spid="8"/>
                                         </p:tgtEl>
                                         <p:attrNameLst>
                                           <p:attrName>ppt_y</p:attrName>
@@ -13115,7 +13290,7 @@
                                           </p:stCondLst>
                                         </p:cTn>
                                         <p:tgtEl>
-                                          <p:spTgt spid="7"/>
+                                          <p:spTgt spid="8"/>
                                         </p:tgtEl>
                                         <p:attrNameLst>
                                           <p:attrName>ppt_y</p:attrName>
@@ -13142,7 +13317,7 @@
                                           </p:stCondLst>
                                         </p:cTn>
                                         <p:tgtEl>
-                                          <p:spTgt spid="7"/>
+                                          <p:spTgt spid="8"/>
                                         </p:tgtEl>
                                         <p:attrNameLst>
                                           <p:attrName>ppt_y</p:attrName>
@@ -13169,7 +13344,7 @@
                                           </p:stCondLst>
                                         </p:cTn>
                                         <p:tgtEl>
-                                          <p:spTgt spid="7"/>
+                                          <p:spTgt spid="8"/>
                                         </p:tgtEl>
                                       </p:cBhvr>
                                       <p:to x="100000" y="60000"/>
@@ -13182,7 +13357,7 @@
                                           </p:stCondLst>
                                         </p:cTn>
                                         <p:tgtEl>
-                                          <p:spTgt spid="7"/>
+                                          <p:spTgt spid="8"/>
                                         </p:tgtEl>
                                       </p:cBhvr>
                                       <p:to x="100000" y="100000"/>
@@ -13195,7 +13370,7 @@
                                           </p:stCondLst>
                                         </p:cTn>
                                         <p:tgtEl>
-                                          <p:spTgt spid="7"/>
+                                          <p:spTgt spid="8"/>
                                         </p:tgtEl>
                                       </p:cBhvr>
                                       <p:to x="100000" y="80000"/>
@@ -13208,7 +13383,7 @@
                                           </p:stCondLst>
                                         </p:cTn>
                                         <p:tgtEl>
-                                          <p:spTgt spid="7"/>
+                                          <p:spTgt spid="8"/>
                                         </p:tgtEl>
                                       </p:cBhvr>
                                       <p:to x="100000" y="100000"/>
@@ -13221,7 +13396,7 @@
                                           </p:stCondLst>
                                         </p:cTn>
                                         <p:tgtEl>
-                                          <p:spTgt spid="7"/>
+                                          <p:spTgt spid="8"/>
                                         </p:tgtEl>
                                       </p:cBhvr>
                                       <p:to x="100000" y="90000"/>
@@ -13234,7 +13409,7 @@
                                           </p:stCondLst>
                                         </p:cTn>
                                         <p:tgtEl>
-                                          <p:spTgt spid="7"/>
+                                          <p:spTgt spid="8"/>
                                         </p:tgtEl>
                                       </p:cBhvr>
                                       <p:to x="100000" y="100000"/>
@@ -13247,7 +13422,7 @@
                                           </p:stCondLst>
                                         </p:cTn>
                                         <p:tgtEl>
-                                          <p:spTgt spid="7"/>
+                                          <p:spTgt spid="8"/>
                                         </p:tgtEl>
                                       </p:cBhvr>
                                       <p:to x="100000" y="95000"/>
@@ -13260,7 +13435,7 @@
                                           </p:stCondLst>
                                         </p:cTn>
                                         <p:tgtEl>
-                                          <p:spTgt spid="7"/>
+                                          <p:spTgt spid="8"/>
                                         </p:tgtEl>
                                       </p:cBhvr>
                                       <p:to x="100000" y="100000"/>
@@ -13299,7 +13474,7 @@
       <p:bldP spid="5" grpId="0" animBg="1"/>
       <p:bldP spid="2" grpId="0" animBg="1"/>
       <p:bldP spid="3" grpId="0"/>
-      <p:bldP spid="7" grpId="0" animBg="1"/>
+      <p:bldP spid="8" grpId="0" animBg="1"/>
     </p:bldLst>
   </p:timing>
 </p:sld>

--- a/docs/slides/PSYC753_L7_PrePostData.pptx
+++ b/docs/slides/PSYC753_L7_PrePostData.pptx
@@ -162,7 +162,7 @@
 <file path=ppt/revisionInfo.xml><?xml version="1.0" encoding="utf-8"?>
 <p1510:revInfo xmlns:a="http://schemas.openxmlformats.org/drawingml/2006/main" xmlns:r="http://schemas.openxmlformats.org/officeDocument/2006/relationships" xmlns:p1510="http://schemas.microsoft.com/office/powerpoint/2015/10/main">
   <p1510:revLst>
-    <p1510:client id="{3613AACA-DED3-40CA-A3BD-FCBB6F470970}" v="109" dt="2023-03-01T10:49:43.572"/>
+    <p1510:client id="{3613AACA-DED3-40CA-A3BD-FCBB6F470970}" v="202" dt="2023-03-03T13:23:21.561"/>
   </p1510:revLst>
 </p1510:revInfo>
 </file>
@@ -171,8 +171,8 @@
 <pc:chgInfo xmlns:a="http://schemas.openxmlformats.org/drawingml/2006/main" xmlns:r="http://schemas.openxmlformats.org/officeDocument/2006/relationships" xmlns:ac="http://schemas.microsoft.com/office/drawing/2013/main/command" xmlns:pc="http://schemas.microsoft.com/office/powerpoint/2013/main/command">
   <pc:docChgLst>
     <pc:chgData name="Christopher Berry" userId="468ae48a-5539-4b21-98ea-6081f4d86140" providerId="ADAL" clId="{3613AACA-DED3-40CA-A3BD-FCBB6F470970}"/>
-    <pc:docChg chg="modSld">
-      <pc:chgData name="Christopher Berry" userId="468ae48a-5539-4b21-98ea-6081f4d86140" providerId="ADAL" clId="{3613AACA-DED3-40CA-A3BD-FCBB6F470970}" dt="2023-03-01T10:50:33.493" v="132" actId="20577"/>
+    <pc:docChg chg="undo custSel modSld">
+      <pc:chgData name="Christopher Berry" userId="468ae48a-5539-4b21-98ea-6081f4d86140" providerId="ADAL" clId="{3613AACA-DED3-40CA-A3BD-FCBB6F470970}" dt="2023-03-03T13:23:30.195" v="411" actId="1076"/>
       <pc:docMkLst>
         <pc:docMk/>
       </pc:docMkLst>
@@ -188,6 +188,29 @@
             <pc:docMk/>
             <pc:sldMk cId="1337738250" sldId="257"/>
             <ac:spMk id="4" creationId="{00000000-0000-0000-0000-000000000000}"/>
+          </ac:spMkLst>
+        </pc:spChg>
+      </pc:sldChg>
+      <pc:sldChg chg="modSp mod modAnim modNotesTx">
+        <pc:chgData name="Christopher Berry" userId="468ae48a-5539-4b21-98ea-6081f4d86140" providerId="ADAL" clId="{3613AACA-DED3-40CA-A3BD-FCBB6F470970}" dt="2023-03-03T13:23:30.195" v="411" actId="1076"/>
+        <pc:sldMkLst>
+          <pc:docMk/>
+          <pc:sldMk cId="427809079" sldId="352"/>
+        </pc:sldMkLst>
+        <pc:spChg chg="mod">
+          <ac:chgData name="Christopher Berry" userId="468ae48a-5539-4b21-98ea-6081f4d86140" providerId="ADAL" clId="{3613AACA-DED3-40CA-A3BD-FCBB6F470970}" dt="2023-03-03T13:21:45.163" v="246" actId="1076"/>
+          <ac:spMkLst>
+            <pc:docMk/>
+            <pc:sldMk cId="427809079" sldId="352"/>
+            <ac:spMk id="2" creationId="{00000000-0000-0000-0000-000000000000}"/>
+          </ac:spMkLst>
+        </pc:spChg>
+        <pc:spChg chg="mod">
+          <ac:chgData name="Christopher Berry" userId="468ae48a-5539-4b21-98ea-6081f4d86140" providerId="ADAL" clId="{3613AACA-DED3-40CA-A3BD-FCBB6F470970}" dt="2023-03-03T13:23:30.195" v="411" actId="1076"/>
+          <ac:spMkLst>
+            <pc:docMk/>
+            <pc:sldMk cId="427809079" sldId="352"/>
+            <ac:spMk id="3" creationId="{00000000-0000-0000-0000-000000000000}"/>
           </ac:spMkLst>
         </pc:spChg>
       </pc:sldChg>
@@ -222,129 +245,166 @@
           </ac:spMkLst>
         </pc:spChg>
       </pc:sldChg>
+      <pc:sldChg chg="modNotesTx">
+        <pc:chgData name="Christopher Berry" userId="468ae48a-5539-4b21-98ea-6081f4d86140" providerId="ADAL" clId="{3613AACA-DED3-40CA-A3BD-FCBB6F470970}" dt="2023-03-03T13:20:51.960" v="235" actId="20577"/>
+        <pc:sldMkLst>
+          <pc:docMk/>
+          <pc:sldMk cId="948542933" sldId="365"/>
+        </pc:sldMkLst>
+      </pc:sldChg>
+      <pc:sldChg chg="modSp mod">
+        <pc:chgData name="Christopher Berry" userId="468ae48a-5539-4b21-98ea-6081f4d86140" providerId="ADAL" clId="{3613AACA-DED3-40CA-A3BD-FCBB6F470970}" dt="2023-03-03T13:20:59.863" v="236" actId="20577"/>
+        <pc:sldMkLst>
+          <pc:docMk/>
+          <pc:sldMk cId="4289793266" sldId="366"/>
+        </pc:sldMkLst>
+        <pc:spChg chg="mod">
+          <ac:chgData name="Christopher Berry" userId="468ae48a-5539-4b21-98ea-6081f4d86140" providerId="ADAL" clId="{3613AACA-DED3-40CA-A3BD-FCBB6F470970}" dt="2023-03-03T13:20:59.863" v="236" actId="20577"/>
+          <ac:spMkLst>
+            <pc:docMk/>
+            <pc:sldMk cId="4289793266" sldId="366"/>
+            <ac:spMk id="9" creationId="{00000000-0000-0000-0000-000000000000}"/>
+          </ac:spMkLst>
+        </pc:spChg>
+      </pc:sldChg>
+      <pc:sldChg chg="modSp">
+        <pc:chgData name="Christopher Berry" userId="468ae48a-5539-4b21-98ea-6081f4d86140" providerId="ADAL" clId="{3613AACA-DED3-40CA-A3BD-FCBB6F470970}" dt="2023-03-03T13:21:14.023" v="244" actId="20577"/>
+        <pc:sldMkLst>
+          <pc:docMk/>
+          <pc:sldMk cId="1181104512" sldId="369"/>
+        </pc:sldMkLst>
+        <pc:spChg chg="mod">
+          <ac:chgData name="Christopher Berry" userId="468ae48a-5539-4b21-98ea-6081f4d86140" providerId="ADAL" clId="{3613AACA-DED3-40CA-A3BD-FCBB6F470970}" dt="2023-03-03T13:21:14.023" v="244" actId="20577"/>
+          <ac:spMkLst>
+            <pc:docMk/>
+            <pc:sldMk cId="1181104512" sldId="369"/>
+            <ac:spMk id="3" creationId="{00000000-0000-0000-0000-000000000000}"/>
+          </ac:spMkLst>
+        </pc:spChg>
+      </pc:sldChg>
     </pc:docChg>
   </pc:docChgLst>
   <pc:docChgLst>
     <pc:chgData name="Christopher Berry" userId="468ae48a-5539-4b21-98ea-6081f4d86140" providerId="ADAL" clId="{103F3AC0-9955-4EAD-8F5F-375BC1842151}"/>
     <pc:docChg chg="custSel modSld">
-      <pc:chgData name="Christopher Berry" userId="468ae48a-5539-4b21-98ea-6081f4d86140" providerId="ADAL" clId="{103F3AC0-9955-4EAD-8F5F-375BC1842151}" dt="2023-03-01T10:51:44.989" v="33" actId="368"/>
+      <pc:chgData name="Christopher Berry" userId="468ae48a-5539-4b21-98ea-6081f4d86140" providerId="ADAL" clId="{103F3AC0-9955-4EAD-8F5F-375BC1842151}" dt="2023-03-03T13:25:12.517" v="33" actId="368"/>
       <pc:docMkLst>
         <pc:docMk/>
       </pc:docMkLst>
       <pc:sldChg chg="modNotes">
-        <pc:chgData name="Christopher Berry" userId="468ae48a-5539-4b21-98ea-6081f4d86140" providerId="ADAL" clId="{103F3AC0-9955-4EAD-8F5F-375BC1842151}" dt="2023-03-01T10:51:44.895" v="1" actId="368"/>
+        <pc:chgData name="Christopher Berry" userId="468ae48a-5539-4b21-98ea-6081f4d86140" providerId="ADAL" clId="{103F3AC0-9955-4EAD-8F5F-375BC1842151}" dt="2023-03-03T13:25:12.430" v="1" actId="368"/>
         <pc:sldMkLst>
           <pc:docMk/>
           <pc:sldMk cId="1337738250" sldId="257"/>
         </pc:sldMkLst>
       </pc:sldChg>
       <pc:sldChg chg="modNotes">
-        <pc:chgData name="Christopher Berry" userId="468ae48a-5539-4b21-98ea-6081f4d86140" providerId="ADAL" clId="{103F3AC0-9955-4EAD-8F5F-375BC1842151}" dt="2023-03-01T10:51:44.967" v="25" actId="368"/>
+        <pc:chgData name="Christopher Berry" userId="468ae48a-5539-4b21-98ea-6081f4d86140" providerId="ADAL" clId="{103F3AC0-9955-4EAD-8F5F-375BC1842151}" dt="2023-03-03T13:25:12.495" v="25" actId="368"/>
         <pc:sldMkLst>
           <pc:docMk/>
           <pc:sldMk cId="898351589" sldId="351"/>
         </pc:sldMkLst>
       </pc:sldChg>
       <pc:sldChg chg="modNotes">
-        <pc:chgData name="Christopher Berry" userId="468ae48a-5539-4b21-98ea-6081f4d86140" providerId="ADAL" clId="{103F3AC0-9955-4EAD-8F5F-375BC1842151}" dt="2023-03-01T10:51:44.960" v="23" actId="368"/>
+        <pc:chgData name="Christopher Berry" userId="468ae48a-5539-4b21-98ea-6081f4d86140" providerId="ADAL" clId="{103F3AC0-9955-4EAD-8F5F-375BC1842151}" dt="2023-03-03T13:25:12.489" v="23" actId="368"/>
         <pc:sldMkLst>
           <pc:docMk/>
           <pc:sldMk cId="427809079" sldId="352"/>
         </pc:sldMkLst>
       </pc:sldChg>
       <pc:sldChg chg="modNotes">
-        <pc:chgData name="Christopher Berry" userId="468ae48a-5539-4b21-98ea-6081f4d86140" providerId="ADAL" clId="{103F3AC0-9955-4EAD-8F5F-375BC1842151}" dt="2023-03-01T10:51:44.972" v="27" actId="368"/>
+        <pc:chgData name="Christopher Berry" userId="468ae48a-5539-4b21-98ea-6081f4d86140" providerId="ADAL" clId="{103F3AC0-9955-4EAD-8F5F-375BC1842151}" dt="2023-03-03T13:25:12.500" v="27" actId="368"/>
         <pc:sldMkLst>
           <pc:docMk/>
           <pc:sldMk cId="2467422278" sldId="355"/>
         </pc:sldMkLst>
       </pc:sldChg>
       <pc:sldChg chg="modNotes">
-        <pc:chgData name="Christopher Berry" userId="468ae48a-5539-4b21-98ea-6081f4d86140" providerId="ADAL" clId="{103F3AC0-9955-4EAD-8F5F-375BC1842151}" dt="2023-03-01T10:51:44.983" v="31" actId="368"/>
+        <pc:chgData name="Christopher Berry" userId="468ae48a-5539-4b21-98ea-6081f4d86140" providerId="ADAL" clId="{103F3AC0-9955-4EAD-8F5F-375BC1842151}" dt="2023-03-03T13:25:12.512" v="31" actId="368"/>
         <pc:sldMkLst>
           <pc:docMk/>
           <pc:sldMk cId="1169166015" sldId="356"/>
         </pc:sldMkLst>
       </pc:sldChg>
       <pc:sldChg chg="modNotes">
-        <pc:chgData name="Christopher Berry" userId="468ae48a-5539-4b21-98ea-6081f4d86140" providerId="ADAL" clId="{103F3AC0-9955-4EAD-8F5F-375BC1842151}" dt="2023-03-01T10:51:44.989" v="33" actId="368"/>
+        <pc:chgData name="Christopher Berry" userId="468ae48a-5539-4b21-98ea-6081f4d86140" providerId="ADAL" clId="{103F3AC0-9955-4EAD-8F5F-375BC1842151}" dt="2023-03-03T13:25:12.517" v="33" actId="368"/>
         <pc:sldMkLst>
           <pc:docMk/>
           <pc:sldMk cId="909518638" sldId="357"/>
         </pc:sldMkLst>
       </pc:sldChg>
       <pc:sldChg chg="modNotes">
-        <pc:chgData name="Christopher Berry" userId="468ae48a-5539-4b21-98ea-6081f4d86140" providerId="ADAL" clId="{103F3AC0-9955-4EAD-8F5F-375BC1842151}" dt="2023-03-01T10:51:44.902" v="3" actId="368"/>
+        <pc:chgData name="Christopher Berry" userId="468ae48a-5539-4b21-98ea-6081f4d86140" providerId="ADAL" clId="{103F3AC0-9955-4EAD-8F5F-375BC1842151}" dt="2023-03-03T13:25:12.435" v="3" actId="368"/>
         <pc:sldMkLst>
           <pc:docMk/>
           <pc:sldMk cId="526375412" sldId="358"/>
         </pc:sldMkLst>
       </pc:sldChg>
       <pc:sldChg chg="modNotes">
-        <pc:chgData name="Christopher Berry" userId="468ae48a-5539-4b21-98ea-6081f4d86140" providerId="ADAL" clId="{103F3AC0-9955-4EAD-8F5F-375BC1842151}" dt="2023-03-01T10:51:44.924" v="9" actId="368"/>
+        <pc:chgData name="Christopher Berry" userId="468ae48a-5539-4b21-98ea-6081f4d86140" providerId="ADAL" clId="{103F3AC0-9955-4EAD-8F5F-375BC1842151}" dt="2023-03-03T13:25:12.451" v="9" actId="368"/>
         <pc:sldMkLst>
           <pc:docMk/>
           <pc:sldMk cId="1039672698" sldId="359"/>
         </pc:sldMkLst>
       </pc:sldChg>
       <pc:sldChg chg="modNotes">
-        <pc:chgData name="Christopher Berry" userId="468ae48a-5539-4b21-98ea-6081f4d86140" providerId="ADAL" clId="{103F3AC0-9955-4EAD-8F5F-375BC1842151}" dt="2023-03-01T10:51:44.934" v="13" actId="368"/>
+        <pc:chgData name="Christopher Berry" userId="468ae48a-5539-4b21-98ea-6081f4d86140" providerId="ADAL" clId="{103F3AC0-9955-4EAD-8F5F-375BC1842151}" dt="2023-03-03T13:25:12.462" v="13" actId="368"/>
         <pc:sldMkLst>
           <pc:docMk/>
           <pc:sldMk cId="2442537065" sldId="360"/>
         </pc:sldMkLst>
       </pc:sldChg>
       <pc:sldChg chg="modNotes">
-        <pc:chgData name="Christopher Berry" userId="468ae48a-5539-4b21-98ea-6081f4d86140" providerId="ADAL" clId="{103F3AC0-9955-4EAD-8F5F-375BC1842151}" dt="2023-03-01T10:51:44.910" v="5" actId="368"/>
+        <pc:chgData name="Christopher Berry" userId="468ae48a-5539-4b21-98ea-6081f4d86140" providerId="ADAL" clId="{103F3AC0-9955-4EAD-8F5F-375BC1842151}" dt="2023-03-03T13:25:12.440" v="5" actId="368"/>
         <pc:sldMkLst>
           <pc:docMk/>
           <pc:sldMk cId="3482227358" sldId="362"/>
         </pc:sldMkLst>
       </pc:sldChg>
       <pc:sldChg chg="modNotes">
-        <pc:chgData name="Christopher Berry" userId="468ae48a-5539-4b21-98ea-6081f4d86140" providerId="ADAL" clId="{103F3AC0-9955-4EAD-8F5F-375BC1842151}" dt="2023-03-01T10:51:44.918" v="7" actId="368"/>
+        <pc:chgData name="Christopher Berry" userId="468ae48a-5539-4b21-98ea-6081f4d86140" providerId="ADAL" clId="{103F3AC0-9955-4EAD-8F5F-375BC1842151}" dt="2023-03-03T13:25:12.445" v="7" actId="368"/>
         <pc:sldMkLst>
           <pc:docMk/>
           <pc:sldMk cId="399881219" sldId="363"/>
         </pc:sldMkLst>
       </pc:sldChg>
       <pc:sldChg chg="modNotes">
-        <pc:chgData name="Christopher Berry" userId="468ae48a-5539-4b21-98ea-6081f4d86140" providerId="ADAL" clId="{103F3AC0-9955-4EAD-8F5F-375BC1842151}" dt="2023-03-01T10:51:44.929" v="11" actId="368"/>
+        <pc:chgData name="Christopher Berry" userId="468ae48a-5539-4b21-98ea-6081f4d86140" providerId="ADAL" clId="{103F3AC0-9955-4EAD-8F5F-375BC1842151}" dt="2023-03-03T13:25:12.455" v="11" actId="368"/>
         <pc:sldMkLst>
           <pc:docMk/>
           <pc:sldMk cId="948542933" sldId="365"/>
         </pc:sldMkLst>
       </pc:sldChg>
       <pc:sldChg chg="modNotes">
-        <pc:chgData name="Christopher Berry" userId="468ae48a-5539-4b21-98ea-6081f4d86140" providerId="ADAL" clId="{103F3AC0-9955-4EAD-8F5F-375BC1842151}" dt="2023-03-01T10:51:44.939" v="15" actId="368"/>
+        <pc:chgData name="Christopher Berry" userId="468ae48a-5539-4b21-98ea-6081f4d86140" providerId="ADAL" clId="{103F3AC0-9955-4EAD-8F5F-375BC1842151}" dt="2023-03-03T13:25:12.467" v="15" actId="368"/>
         <pc:sldMkLst>
           <pc:docMk/>
           <pc:sldMk cId="4289793266" sldId="366"/>
         </pc:sldMkLst>
       </pc:sldChg>
       <pc:sldChg chg="modNotes">
-        <pc:chgData name="Christopher Berry" userId="468ae48a-5539-4b21-98ea-6081f4d86140" providerId="ADAL" clId="{103F3AC0-9955-4EAD-8F5F-375BC1842151}" dt="2023-03-01T10:51:44.944" v="17" actId="368"/>
+        <pc:chgData name="Christopher Berry" userId="468ae48a-5539-4b21-98ea-6081f4d86140" providerId="ADAL" clId="{103F3AC0-9955-4EAD-8F5F-375BC1842151}" dt="2023-03-03T13:25:12.472" v="17" actId="368"/>
         <pc:sldMkLst>
           <pc:docMk/>
           <pc:sldMk cId="3657777566" sldId="367"/>
         </pc:sldMkLst>
       </pc:sldChg>
       <pc:sldChg chg="modNotes">
-        <pc:chgData name="Christopher Berry" userId="468ae48a-5539-4b21-98ea-6081f4d86140" providerId="ADAL" clId="{103F3AC0-9955-4EAD-8F5F-375BC1842151}" dt="2023-03-01T10:51:44.950" v="19" actId="368"/>
+        <pc:chgData name="Christopher Berry" userId="468ae48a-5539-4b21-98ea-6081f4d86140" providerId="ADAL" clId="{103F3AC0-9955-4EAD-8F5F-375BC1842151}" dt="2023-03-03T13:25:12.478" v="19" actId="368"/>
         <pc:sldMkLst>
           <pc:docMk/>
           <pc:sldMk cId="42077738" sldId="368"/>
         </pc:sldMkLst>
       </pc:sldChg>
       <pc:sldChg chg="modNotes">
-        <pc:chgData name="Christopher Berry" userId="468ae48a-5539-4b21-98ea-6081f4d86140" providerId="ADAL" clId="{103F3AC0-9955-4EAD-8F5F-375BC1842151}" dt="2023-03-01T10:51:44.955" v="21" actId="368"/>
+        <pc:chgData name="Christopher Berry" userId="468ae48a-5539-4b21-98ea-6081f4d86140" providerId="ADAL" clId="{103F3AC0-9955-4EAD-8F5F-375BC1842151}" dt="2023-03-03T13:25:12.483" v="21" actId="368"/>
         <pc:sldMkLst>
           <pc:docMk/>
           <pc:sldMk cId="1181104512" sldId="369"/>
         </pc:sldMkLst>
       </pc:sldChg>
       <pc:sldChg chg="modNotes">
-        <pc:chgData name="Christopher Berry" userId="468ae48a-5539-4b21-98ea-6081f4d86140" providerId="ADAL" clId="{103F3AC0-9955-4EAD-8F5F-375BC1842151}" dt="2023-03-01T10:51:44.977" v="29" actId="368"/>
+        <pc:chgData name="Christopher Berry" userId="468ae48a-5539-4b21-98ea-6081f4d86140" providerId="ADAL" clId="{103F3AC0-9955-4EAD-8F5F-375BC1842151}" dt="2023-03-03T13:25:12.506" v="29" actId="368"/>
         <pc:sldMkLst>
           <pc:docMk/>
           <pc:sldMk cId="4007906762" sldId="370"/>
@@ -437,7 +497,7 @@
           <a:p>
             <a:fld id="{39F2F66B-899D-484E-9C99-E1DBE23F9DE9}" type="datetimeFigureOut">
               <a:rPr lang="en-GB" smtClean="0"/>
-              <a:t>01/03/2023</a:t>
+              <a:t>03/03/2023</a:t>
             </a:fld>
             <a:endParaRPr lang="en-GB"/>
           </a:p>
@@ -603,7 +663,7 @@
             <a:fld id="{2C09A945-60CF-41CC-BF14-DA645D9ABE0F}" type="datetimeFigureOut">
               <a:rPr lang="en-GB" smtClean="0"/>
               <a:pPr/>
-              <a:t>01/03/2023</a:t>
+              <a:t>03/03/2023</a:t>
             </a:fld>
             <a:endParaRPr lang="en-GB"/>
           </a:p>
@@ -2540,7 +2600,7 @@
             <a:fld id="{FD207E47-C1CA-47C9-BFA1-FDEFD1CE1BAA}" type="datetime1">
               <a:rPr lang="en-US" smtClean="0"/>
               <a:pPr/>
-              <a:t>3/1/2023</a:t>
+              <a:t>3/3/2023</a:t>
             </a:fld>
             <a:endParaRPr lang="en-US"/>
           </a:p>
@@ -2705,7 +2765,7 @@
             <a:fld id="{58C692B5-BE86-445D-88C0-242C83A9421E}" type="datetime1">
               <a:rPr lang="en-US" smtClean="0"/>
               <a:pPr/>
-              <a:t>3/1/2023</a:t>
+              <a:t>3/3/2023</a:t>
             </a:fld>
             <a:endParaRPr lang="en-US"/>
           </a:p>
@@ -2880,7 +2940,7 @@
             <a:fld id="{6A70B350-EB04-4702-A2C6-BB029CC917C4}" type="datetime1">
               <a:rPr lang="en-US" smtClean="0"/>
               <a:pPr/>
-              <a:t>3/1/2023</a:t>
+              <a:t>3/3/2023</a:t>
             </a:fld>
             <a:endParaRPr lang="en-US"/>
           </a:p>
@@ -3045,7 +3105,7 @@
             <a:fld id="{B19C5C7B-1CCF-4D03-A2E8-D3591213E0F6}" type="datetime1">
               <a:rPr lang="en-US" smtClean="0"/>
               <a:pPr/>
-              <a:t>3/1/2023</a:t>
+              <a:t>3/3/2023</a:t>
             </a:fld>
             <a:endParaRPr lang="en-US"/>
           </a:p>
@@ -3287,7 +3347,7 @@
             <a:fld id="{617DE08F-8114-45C2-9520-EC1882F8A669}" type="datetime1">
               <a:rPr lang="en-US" smtClean="0"/>
               <a:pPr/>
-              <a:t>3/1/2023</a:t>
+              <a:t>3/3/2023</a:t>
             </a:fld>
             <a:endParaRPr lang="en-US"/>
           </a:p>
@@ -3569,7 +3629,7 @@
             <a:fld id="{67FBBCEA-51D6-4D4F-B700-EBDD8904452C}" type="datetime1">
               <a:rPr lang="en-US" smtClean="0"/>
               <a:pPr/>
-              <a:t>3/1/2023</a:t>
+              <a:t>3/3/2023</a:t>
             </a:fld>
             <a:endParaRPr lang="en-US"/>
           </a:p>
@@ -3985,7 +4045,7 @@
             <a:fld id="{7C3355C0-4DE2-42D1-B918-7B0FCE7481FD}" type="datetime1">
               <a:rPr lang="en-US" smtClean="0"/>
               <a:pPr/>
-              <a:t>3/1/2023</a:t>
+              <a:t>3/3/2023</a:t>
             </a:fld>
             <a:endParaRPr lang="en-US"/>
           </a:p>
@@ -4099,7 +4159,7 @@
             <a:fld id="{41F9056E-53B5-467C-A68C-D5DD1F771BB5}" type="datetime1">
               <a:rPr lang="en-US" smtClean="0"/>
               <a:pPr/>
-              <a:t>3/1/2023</a:t>
+              <a:t>3/3/2023</a:t>
             </a:fld>
             <a:endParaRPr lang="en-US"/>
           </a:p>
@@ -4191,7 +4251,7 @@
             <a:fld id="{73236B7C-1414-4D49-8A59-8F56128C501B}" type="datetime1">
               <a:rPr lang="en-US" smtClean="0"/>
               <a:pPr/>
-              <a:t>3/1/2023</a:t>
+              <a:t>3/3/2023</a:t>
             </a:fld>
             <a:endParaRPr lang="en-US"/>
           </a:p>
@@ -4463,7 +4523,7 @@
             <a:fld id="{A40AEADC-23C0-4767-9AD7-3E7B6C343A0A}" type="datetime1">
               <a:rPr lang="en-US" smtClean="0"/>
               <a:pPr/>
-              <a:t>3/1/2023</a:t>
+              <a:t>3/3/2023</a:t>
             </a:fld>
             <a:endParaRPr lang="en-US"/>
           </a:p>
@@ -4712,7 +4772,7 @@
             <a:fld id="{07762B3B-4AFD-4E39-B6F8-E1A2354BA336}" type="datetime1">
               <a:rPr lang="en-US" smtClean="0"/>
               <a:pPr/>
-              <a:t>3/1/2023</a:t>
+              <a:t>3/3/2023</a:t>
             </a:fld>
             <a:endParaRPr lang="en-US"/>
           </a:p>
@@ -4925,7 +4985,7 @@
             <a:fld id="{16C4ABC6-3BA1-4854-92CA-2B0133ECAB44}" type="datetime1">
               <a:rPr lang="en-US" smtClean="0"/>
               <a:pPr/>
-              <a:t>3/1/2023</a:t>
+              <a:t>3/3/2023</a:t>
             </a:fld>
             <a:endParaRPr lang="en-US"/>
           </a:p>
@@ -6619,7 +6679,23 @@
                   <a:schemeClr val="tx2"/>
                 </a:solidFill>
               </a:rPr>
-              <a:t> between groups</a:t>
+              <a:t> </a:t>
+            </a:r>
+            <a:r>
+              <a:rPr lang="en-GB" i="1" dirty="0">
+                <a:solidFill>
+                  <a:schemeClr val="tx2"/>
+                </a:solidFill>
+              </a:rPr>
+              <a:t>scores </a:t>
+            </a:r>
+            <a:r>
+              <a:rPr lang="en-GB" dirty="0">
+                <a:solidFill>
+                  <a:schemeClr val="tx2"/>
+                </a:solidFill>
+              </a:rPr>
+              <a:t>between groups</a:t>
             </a:r>
           </a:p>
           <a:p>
@@ -7613,7 +7689,12 @@
             <p:ph type="title"/>
           </p:nvPr>
         </p:nvSpPr>
-        <p:spPr/>
+        <p:spPr>
+          <a:xfrm>
+            <a:off x="609600" y="82932"/>
+            <a:ext cx="10972800" cy="1143000"/>
+          </a:xfrm>
+        </p:spPr>
         <p:txBody>
           <a:bodyPr/>
           <a:lstStyle/>
@@ -7637,7 +7718,7 @@
         </p:nvSpPr>
         <p:spPr>
           <a:xfrm>
-            <a:off x="609600" y="1417638"/>
+            <a:off x="609600" y="1024329"/>
             <a:ext cx="5933440" cy="5440362"/>
           </a:xfrm>
         </p:spPr>
@@ -7797,6 +7878,57 @@
             </a:r>
           </a:p>
           <a:p>
+            <a:endParaRPr lang="en-GB" baseline="-25000" dirty="0">
+              <a:solidFill>
+                <a:schemeClr val="tx2">
+                  <a:lumMod val="75000"/>
+                </a:schemeClr>
+              </a:solidFill>
+            </a:endParaRPr>
+          </a:p>
+          <a:p>
+            <a:r>
+              <a:rPr lang="en-GB" i="1" dirty="0">
+                <a:solidFill>
+                  <a:schemeClr val="tx2">
+                    <a:lumMod val="75000"/>
+                  </a:schemeClr>
+                </a:solidFill>
+              </a:rPr>
+              <a:t>p-</a:t>
+            </a:r>
+            <a:r>
+              <a:rPr lang="en-GB" dirty="0">
+                <a:solidFill>
+                  <a:schemeClr val="tx2">
+                    <a:lumMod val="75000"/>
+                  </a:schemeClr>
+                </a:solidFill>
+              </a:rPr>
+              <a:t>values also widely used (i.e., </a:t>
+            </a:r>
+            <a:r>
+              <a:rPr lang="en-GB" i="1" dirty="0">
+                <a:solidFill>
+                  <a:schemeClr val="tx2">
+                    <a:lumMod val="75000"/>
+                  </a:schemeClr>
+                </a:solidFill>
+              </a:rPr>
+              <a:t>p</a:t>
+            </a:r>
+            <a:r>
+              <a:rPr lang="en-GB" dirty="0">
+                <a:solidFill>
+                  <a:schemeClr val="tx2">
+                    <a:lumMod val="75000"/>
+                  </a:schemeClr>
+                </a:solidFill>
+              </a:rPr>
+              <a:t> &lt; .05) </a:t>
+            </a:r>
+          </a:p>
+          <a:p>
             <a:pPr lvl="0"/>
             <a:endParaRPr lang="en-GB" dirty="0"/>
           </a:p>
@@ -7804,7 +7936,15 @@
             <a:pPr lvl="0"/>
             <a:r>
               <a:rPr lang="en-GB" dirty="0"/>
-              <a:t>The BF in itself does not tell us about the </a:t>
+              <a:t>The BF (and </a:t>
+            </a:r>
+            <a:r>
+              <a:rPr lang="en-GB" i="1" dirty="0"/>
+              <a:t>p</a:t>
+            </a:r>
+            <a:r>
+              <a:rPr lang="en-GB" dirty="0"/>
+              <a:t>-value) in itself does not tell us about the </a:t>
             </a:r>
             <a:r>
               <a:rPr lang="en-GB" b="1" dirty="0">
@@ -8256,33 +8396,15 @@
                                   </p:childTnLst>
                                 </p:cTn>
                               </p:par>
-                            </p:childTnLst>
-                          </p:cTn>
-                        </p:par>
-                      </p:childTnLst>
-                    </p:cTn>
-                  </p:par>
-                  <p:par>
-                    <p:cTn id="17" fill="hold">
-                      <p:stCondLst>
-                        <p:cond delay="indefinite"/>
-                      </p:stCondLst>
-                      <p:childTnLst>
-                        <p:par>
-                          <p:cTn id="18" fill="hold">
-                            <p:stCondLst>
-                              <p:cond delay="0"/>
-                            </p:stCondLst>
-                            <p:childTnLst>
                               <p:par>
-                                <p:cTn id="19" presetID="1" presetClass="entr" presetSubtype="0" fill="hold" nodeType="clickEffect">
+                                <p:cTn id="17" presetID="1" presetClass="entr" presetSubtype="0" fill="hold" nodeType="withEffect">
                                   <p:stCondLst>
                                     <p:cond delay="0"/>
                                   </p:stCondLst>
                                   <p:childTnLst>
                                     <p:set>
                                       <p:cBhvr>
-                                        <p:cTn id="20" dur="1" fill="hold">
+                                        <p:cTn id="18" dur="1" fill="hold">
                                           <p:stCondLst>
                                             <p:cond delay="0"/>
                                           </p:stCondLst>
@@ -8312,26 +8434,75 @@
                     </p:cTn>
                   </p:par>
                   <p:par>
-                    <p:cTn id="21" fill="hold">
+                    <p:cTn id="19" fill="hold">
                       <p:stCondLst>
                         <p:cond delay="indefinite"/>
                       </p:stCondLst>
                       <p:childTnLst>
                         <p:par>
-                          <p:cTn id="22" fill="hold">
+                          <p:cTn id="20" fill="hold">
                             <p:stCondLst>
                               <p:cond delay="0"/>
                             </p:stCondLst>
                             <p:childTnLst>
                               <p:par>
-                                <p:cTn id="23" presetID="1" presetClass="entr" presetSubtype="0" fill="hold" grpId="0" nodeType="clickEffect">
+                                <p:cTn id="21" presetID="1" presetClass="entr" presetSubtype="0" fill="hold" nodeType="clickEffect">
                                   <p:stCondLst>
                                     <p:cond delay="0"/>
                                   </p:stCondLst>
                                   <p:childTnLst>
                                     <p:set>
                                       <p:cBhvr>
-                                        <p:cTn id="24" dur="1" fill="hold">
+                                        <p:cTn id="22" dur="1" fill="hold">
+                                          <p:stCondLst>
+                                            <p:cond delay="0"/>
+                                          </p:stCondLst>
+                                        </p:cTn>
+                                        <p:tgtEl>
+                                          <p:spTgt spid="3">
+                                            <p:txEl>
+                                              <p:pRg st="9" end="9"/>
+                                            </p:txEl>
+                                          </p:spTgt>
+                                        </p:tgtEl>
+                                        <p:attrNameLst>
+                                          <p:attrName>style.visibility</p:attrName>
+                                        </p:attrNameLst>
+                                      </p:cBhvr>
+                                      <p:to>
+                                        <p:strVal val="visible"/>
+                                      </p:to>
+                                    </p:set>
+                                  </p:childTnLst>
+                                </p:cTn>
+                              </p:par>
+                            </p:childTnLst>
+                          </p:cTn>
+                        </p:par>
+                      </p:childTnLst>
+                    </p:cTn>
+                  </p:par>
+                  <p:par>
+                    <p:cTn id="23" fill="hold">
+                      <p:stCondLst>
+                        <p:cond delay="indefinite"/>
+                      </p:stCondLst>
+                      <p:childTnLst>
+                        <p:par>
+                          <p:cTn id="24" fill="hold">
+                            <p:stCondLst>
+                              <p:cond delay="0"/>
+                            </p:stCondLst>
+                            <p:childTnLst>
+                              <p:par>
+                                <p:cTn id="25" presetID="1" presetClass="entr" presetSubtype="0" fill="hold" grpId="0" nodeType="clickEffect">
+                                  <p:stCondLst>
+                                    <p:cond delay="0"/>
+                                  </p:stCondLst>
+                                  <p:childTnLst>
+                                    <p:set>
+                                      <p:cBhvr>
+                                        <p:cTn id="26" dur="1" fill="hold">
                                           <p:stCondLst>
                                             <p:cond delay="0"/>
                                           </p:stCondLst>
@@ -8351,14 +8522,14 @@
                                 </p:cTn>
                               </p:par>
                               <p:par>
-                                <p:cTn id="25" presetID="1" presetClass="entr" presetSubtype="0" fill="hold" nodeType="withEffect">
+                                <p:cTn id="27" presetID="1" presetClass="entr" presetSubtype="0" fill="hold" nodeType="withEffect">
                                   <p:stCondLst>
                                     <p:cond delay="0"/>
                                   </p:stCondLst>
                                   <p:childTnLst>
                                     <p:set>
                                       <p:cBhvr>
-                                        <p:cTn id="26" dur="1" fill="hold">
+                                        <p:cTn id="28" dur="1" fill="hold">
                                           <p:stCondLst>
                                             <p:cond delay="0"/>
                                           </p:stCondLst>
@@ -8384,26 +8555,26 @@
                     </p:cTn>
                   </p:par>
                   <p:par>
-                    <p:cTn id="27" fill="hold">
+                    <p:cTn id="29" fill="hold">
                       <p:stCondLst>
                         <p:cond delay="indefinite"/>
                       </p:stCondLst>
                       <p:childTnLst>
                         <p:par>
-                          <p:cTn id="28" fill="hold">
+                          <p:cTn id="30" fill="hold">
                             <p:stCondLst>
                               <p:cond delay="0"/>
                             </p:stCondLst>
                             <p:childTnLst>
                               <p:par>
-                                <p:cTn id="29" presetID="1" presetClass="entr" presetSubtype="0" fill="hold" grpId="0" nodeType="clickEffect">
+                                <p:cTn id="31" presetID="1" presetClass="entr" presetSubtype="0" fill="hold" grpId="0" nodeType="clickEffect">
                                   <p:stCondLst>
                                     <p:cond delay="0"/>
                                   </p:stCondLst>
                                   <p:childTnLst>
                                     <p:set>
                                       <p:cBhvr>
-                                        <p:cTn id="30" dur="1" fill="hold">
+                                        <p:cTn id="32" dur="1" fill="hold">
                                           <p:stCondLst>
                                             <p:cond delay="0"/>
                                           </p:stCondLst>
@@ -8429,26 +8600,26 @@
                     </p:cTn>
                   </p:par>
                   <p:par>
-                    <p:cTn id="31" fill="hold">
+                    <p:cTn id="33" fill="hold">
                       <p:stCondLst>
                         <p:cond delay="indefinite"/>
                       </p:stCondLst>
                       <p:childTnLst>
                         <p:par>
-                          <p:cTn id="32" fill="hold">
+                          <p:cTn id="34" fill="hold">
                             <p:stCondLst>
                               <p:cond delay="0"/>
                             </p:stCondLst>
                             <p:childTnLst>
                               <p:par>
-                                <p:cTn id="33" presetID="1" presetClass="entr" presetSubtype="0" fill="hold" grpId="0" nodeType="clickEffect">
+                                <p:cTn id="35" presetID="1" presetClass="entr" presetSubtype="0" fill="hold" grpId="0" nodeType="clickEffect">
                                   <p:stCondLst>
                                     <p:cond delay="0"/>
                                   </p:stCondLst>
                                   <p:childTnLst>
                                     <p:set>
                                       <p:cBhvr>
-                                        <p:cTn id="34" dur="1" fill="hold">
+                                        <p:cTn id="36" dur="1" fill="hold">
                                           <p:stCondLst>
                                             <p:cond delay="0"/>
                                           </p:stCondLst>
@@ -8474,26 +8645,26 @@
                     </p:cTn>
                   </p:par>
                   <p:par>
-                    <p:cTn id="35" fill="hold">
+                    <p:cTn id="37" fill="hold">
                       <p:stCondLst>
                         <p:cond delay="indefinite"/>
                       </p:stCondLst>
                       <p:childTnLst>
                         <p:par>
-                          <p:cTn id="36" fill="hold">
+                          <p:cTn id="38" fill="hold">
                             <p:stCondLst>
                               <p:cond delay="0"/>
                             </p:stCondLst>
                             <p:childTnLst>
                               <p:par>
-                                <p:cTn id="37" presetID="1" presetClass="entr" presetSubtype="0" fill="hold" grpId="0" nodeType="clickEffect">
+                                <p:cTn id="39" presetID="1" presetClass="entr" presetSubtype="0" fill="hold" grpId="0" nodeType="clickEffect">
                                   <p:stCondLst>
                                     <p:cond delay="0"/>
                                   </p:stCondLst>
                                   <p:childTnLst>
                                     <p:set>
                                       <p:cBhvr>
-                                        <p:cTn id="38" dur="1" fill="hold">
+                                        <p:cTn id="40" dur="1" fill="hold">
                                           <p:stCondLst>
                                             <p:cond delay="0"/>
                                           </p:stCondLst>
@@ -19749,10 +19920,10 @@
               <a:rPr lang="en-GB" dirty="0">
                 <a:latin typeface="Lucida Console" panose="020B0609040504020204" pitchFamily="49" charset="0"/>
               </a:rPr>
-              <a:t>(symptoms ~ group + time + </a:t>
-            </a:r>
-            <a:r>
-              <a:rPr lang="en-GB" dirty="0" err="1">
+              <a:t>(symptoms ~ group * time + </a:t>
+            </a:r>
+            <a:r>
+              <a:rPr lang="en-GB" dirty="0">
                 <a:solidFill>
                   <a:schemeClr val="accent3">
                     <a:lumMod val="50000"/>
@@ -19781,7 +19952,7 @@
               <a:t> = "</a:t>
             </a:r>
             <a:r>
-              <a:rPr lang="en-GB" dirty="0" err="1">
+              <a:rPr lang="en-GB" dirty="0">
                 <a:solidFill>
                   <a:schemeClr val="accent3">
                     <a:lumMod val="50000"/>

--- a/docs/slides/PSYC753_L7_PrePostData.pptx
+++ b/docs/slides/PSYC753_L7_PrePostData.pptx
@@ -172,7 +172,7 @@
   <pc:docChgLst>
     <pc:chgData name="Christopher Berry" userId="468ae48a-5539-4b21-98ea-6081f4d86140" providerId="ADAL" clId="{3613AACA-DED3-40CA-A3BD-FCBB6F470970}"/>
     <pc:docChg chg="undo custSel modSld">
-      <pc:chgData name="Christopher Berry" userId="468ae48a-5539-4b21-98ea-6081f4d86140" providerId="ADAL" clId="{3613AACA-DED3-40CA-A3BD-FCBB6F470970}" dt="2023-03-03T13:23:30.195" v="411" actId="1076"/>
+      <pc:chgData name="Christopher Berry" userId="468ae48a-5539-4b21-98ea-6081f4d86140" providerId="ADAL" clId="{3613AACA-DED3-40CA-A3BD-FCBB6F470970}" dt="2023-03-03T16:45:51.195" v="424" actId="1076"/>
       <pc:docMkLst>
         <pc:docMk/>
       </pc:docMkLst>
@@ -215,6 +215,29 @@
         </pc:spChg>
       </pc:sldChg>
       <pc:sldChg chg="modSp mod">
+        <pc:chgData name="Christopher Berry" userId="468ae48a-5539-4b21-98ea-6081f4d86140" providerId="ADAL" clId="{3613AACA-DED3-40CA-A3BD-FCBB6F470970}" dt="2023-03-03T16:45:51.195" v="424" actId="1076"/>
+        <pc:sldMkLst>
+          <pc:docMk/>
+          <pc:sldMk cId="2467422278" sldId="355"/>
+        </pc:sldMkLst>
+        <pc:spChg chg="mod">
+          <ac:chgData name="Christopher Berry" userId="468ae48a-5539-4b21-98ea-6081f4d86140" providerId="ADAL" clId="{3613AACA-DED3-40CA-A3BD-FCBB6F470970}" dt="2023-03-03T16:45:51.195" v="424" actId="1076"/>
+          <ac:spMkLst>
+            <pc:docMk/>
+            <pc:sldMk cId="2467422278" sldId="355"/>
+            <ac:spMk id="7" creationId="{00000000-0000-0000-0000-000000000000}"/>
+          </ac:spMkLst>
+        </pc:spChg>
+        <pc:picChg chg="mod ord">
+          <ac:chgData name="Christopher Berry" userId="468ae48a-5539-4b21-98ea-6081f4d86140" providerId="ADAL" clId="{3613AACA-DED3-40CA-A3BD-FCBB6F470970}" dt="2023-03-03T16:45:47.734" v="423" actId="14826"/>
+          <ac:picMkLst>
+            <pc:docMk/>
+            <pc:sldMk cId="2467422278" sldId="355"/>
+            <ac:picMk id="5" creationId="{00000000-0000-0000-0000-000000000000}"/>
+          </ac:picMkLst>
+        </pc:picChg>
+      </pc:sldChg>
+      <pc:sldChg chg="modSp mod">
         <pc:chgData name="Christopher Berry" userId="468ae48a-5539-4b21-98ea-6081f4d86140" providerId="ADAL" clId="{3613AACA-DED3-40CA-A3BD-FCBB6F470970}" dt="2023-03-01T10:49:43.571" v="110" actId="404"/>
         <pc:sldMkLst>
           <pc:docMk/>
@@ -244,6 +267,21 @@
             <ac:spMk id="8" creationId="{00000000-0000-0000-0000-000000000000}"/>
           </ac:spMkLst>
         </pc:spChg>
+      </pc:sldChg>
+      <pc:sldChg chg="modSp mod">
+        <pc:chgData name="Christopher Berry" userId="468ae48a-5539-4b21-98ea-6081f4d86140" providerId="ADAL" clId="{3613AACA-DED3-40CA-A3BD-FCBB6F470970}" dt="2023-03-03T16:43:17.823" v="412" actId="14826"/>
+        <pc:sldMkLst>
+          <pc:docMk/>
+          <pc:sldMk cId="399881219" sldId="363"/>
+        </pc:sldMkLst>
+        <pc:picChg chg="mod">
+          <ac:chgData name="Christopher Berry" userId="468ae48a-5539-4b21-98ea-6081f4d86140" providerId="ADAL" clId="{3613AACA-DED3-40CA-A3BD-FCBB6F470970}" dt="2023-03-03T16:43:17.823" v="412" actId="14826"/>
+          <ac:picMkLst>
+            <pc:docMk/>
+            <pc:sldMk cId="399881219" sldId="363"/>
+            <ac:picMk id="5" creationId="{00000000-0000-0000-0000-000000000000}"/>
+          </ac:picMkLst>
+        </pc:picChg>
       </pc:sldChg>
       <pc:sldChg chg="modNotesTx">
         <pc:chgData name="Christopher Berry" userId="468ae48a-5539-4b21-98ea-6081f4d86140" providerId="ADAL" clId="{3613AACA-DED3-40CA-A3BD-FCBB6F470970}" dt="2023-03-03T13:20:51.960" v="235" actId="20577"/>
@@ -287,124 +325,124 @@
   <pc:docChgLst>
     <pc:chgData name="Christopher Berry" userId="468ae48a-5539-4b21-98ea-6081f4d86140" providerId="ADAL" clId="{103F3AC0-9955-4EAD-8F5F-375BC1842151}"/>
     <pc:docChg chg="custSel modSld">
-      <pc:chgData name="Christopher Berry" userId="468ae48a-5539-4b21-98ea-6081f4d86140" providerId="ADAL" clId="{103F3AC0-9955-4EAD-8F5F-375BC1842151}" dt="2023-03-03T13:25:12.517" v="33" actId="368"/>
+      <pc:chgData name="Christopher Berry" userId="468ae48a-5539-4b21-98ea-6081f4d86140" providerId="ADAL" clId="{103F3AC0-9955-4EAD-8F5F-375BC1842151}" dt="2023-03-03T17:11:29.957" v="33" actId="368"/>
       <pc:docMkLst>
         <pc:docMk/>
       </pc:docMkLst>
       <pc:sldChg chg="modNotes">
-        <pc:chgData name="Christopher Berry" userId="468ae48a-5539-4b21-98ea-6081f4d86140" providerId="ADAL" clId="{103F3AC0-9955-4EAD-8F5F-375BC1842151}" dt="2023-03-03T13:25:12.430" v="1" actId="368"/>
+        <pc:chgData name="Christopher Berry" userId="468ae48a-5539-4b21-98ea-6081f4d86140" providerId="ADAL" clId="{103F3AC0-9955-4EAD-8F5F-375BC1842151}" dt="2023-03-03T17:11:29.830" v="1" actId="368"/>
         <pc:sldMkLst>
           <pc:docMk/>
           <pc:sldMk cId="1337738250" sldId="257"/>
         </pc:sldMkLst>
       </pc:sldChg>
       <pc:sldChg chg="modNotes">
-        <pc:chgData name="Christopher Berry" userId="468ae48a-5539-4b21-98ea-6081f4d86140" providerId="ADAL" clId="{103F3AC0-9955-4EAD-8F5F-375BC1842151}" dt="2023-03-03T13:25:12.495" v="25" actId="368"/>
+        <pc:chgData name="Christopher Berry" userId="468ae48a-5539-4b21-98ea-6081f4d86140" providerId="ADAL" clId="{103F3AC0-9955-4EAD-8F5F-375BC1842151}" dt="2023-03-03T17:11:29.928" v="25" actId="368"/>
         <pc:sldMkLst>
           <pc:docMk/>
           <pc:sldMk cId="898351589" sldId="351"/>
         </pc:sldMkLst>
       </pc:sldChg>
       <pc:sldChg chg="modNotes">
-        <pc:chgData name="Christopher Berry" userId="468ae48a-5539-4b21-98ea-6081f4d86140" providerId="ADAL" clId="{103F3AC0-9955-4EAD-8F5F-375BC1842151}" dt="2023-03-03T13:25:12.489" v="23" actId="368"/>
+        <pc:chgData name="Christopher Berry" userId="468ae48a-5539-4b21-98ea-6081f4d86140" providerId="ADAL" clId="{103F3AC0-9955-4EAD-8F5F-375BC1842151}" dt="2023-03-03T17:11:29.921" v="23" actId="368"/>
         <pc:sldMkLst>
           <pc:docMk/>
           <pc:sldMk cId="427809079" sldId="352"/>
         </pc:sldMkLst>
       </pc:sldChg>
       <pc:sldChg chg="modNotes">
-        <pc:chgData name="Christopher Berry" userId="468ae48a-5539-4b21-98ea-6081f4d86140" providerId="ADAL" clId="{103F3AC0-9955-4EAD-8F5F-375BC1842151}" dt="2023-03-03T13:25:12.500" v="27" actId="368"/>
+        <pc:chgData name="Christopher Berry" userId="468ae48a-5539-4b21-98ea-6081f4d86140" providerId="ADAL" clId="{103F3AC0-9955-4EAD-8F5F-375BC1842151}" dt="2023-03-03T17:11:29.935" v="27" actId="368"/>
         <pc:sldMkLst>
           <pc:docMk/>
           <pc:sldMk cId="2467422278" sldId="355"/>
         </pc:sldMkLst>
       </pc:sldChg>
       <pc:sldChg chg="modNotes">
-        <pc:chgData name="Christopher Berry" userId="468ae48a-5539-4b21-98ea-6081f4d86140" providerId="ADAL" clId="{103F3AC0-9955-4EAD-8F5F-375BC1842151}" dt="2023-03-03T13:25:12.512" v="31" actId="368"/>
+        <pc:chgData name="Christopher Berry" userId="468ae48a-5539-4b21-98ea-6081f4d86140" providerId="ADAL" clId="{103F3AC0-9955-4EAD-8F5F-375BC1842151}" dt="2023-03-03T17:11:29.950" v="31" actId="368"/>
         <pc:sldMkLst>
           <pc:docMk/>
           <pc:sldMk cId="1169166015" sldId="356"/>
         </pc:sldMkLst>
       </pc:sldChg>
       <pc:sldChg chg="modNotes">
-        <pc:chgData name="Christopher Berry" userId="468ae48a-5539-4b21-98ea-6081f4d86140" providerId="ADAL" clId="{103F3AC0-9955-4EAD-8F5F-375BC1842151}" dt="2023-03-03T13:25:12.517" v="33" actId="368"/>
+        <pc:chgData name="Christopher Berry" userId="468ae48a-5539-4b21-98ea-6081f4d86140" providerId="ADAL" clId="{103F3AC0-9955-4EAD-8F5F-375BC1842151}" dt="2023-03-03T17:11:29.957" v="33" actId="368"/>
         <pc:sldMkLst>
           <pc:docMk/>
           <pc:sldMk cId="909518638" sldId="357"/>
         </pc:sldMkLst>
       </pc:sldChg>
       <pc:sldChg chg="modNotes">
-        <pc:chgData name="Christopher Berry" userId="468ae48a-5539-4b21-98ea-6081f4d86140" providerId="ADAL" clId="{103F3AC0-9955-4EAD-8F5F-375BC1842151}" dt="2023-03-03T13:25:12.435" v="3" actId="368"/>
+        <pc:chgData name="Christopher Berry" userId="468ae48a-5539-4b21-98ea-6081f4d86140" providerId="ADAL" clId="{103F3AC0-9955-4EAD-8F5F-375BC1842151}" dt="2023-03-03T17:11:29.838" v="3" actId="368"/>
         <pc:sldMkLst>
           <pc:docMk/>
           <pc:sldMk cId="526375412" sldId="358"/>
         </pc:sldMkLst>
       </pc:sldChg>
       <pc:sldChg chg="modNotes">
-        <pc:chgData name="Christopher Berry" userId="468ae48a-5539-4b21-98ea-6081f4d86140" providerId="ADAL" clId="{103F3AC0-9955-4EAD-8F5F-375BC1842151}" dt="2023-03-03T13:25:12.451" v="9" actId="368"/>
+        <pc:chgData name="Christopher Berry" userId="468ae48a-5539-4b21-98ea-6081f4d86140" providerId="ADAL" clId="{103F3AC0-9955-4EAD-8F5F-375BC1842151}" dt="2023-03-03T17:11:29.864" v="9" actId="368"/>
         <pc:sldMkLst>
           <pc:docMk/>
           <pc:sldMk cId="1039672698" sldId="359"/>
         </pc:sldMkLst>
       </pc:sldChg>
       <pc:sldChg chg="modNotes">
-        <pc:chgData name="Christopher Berry" userId="468ae48a-5539-4b21-98ea-6081f4d86140" providerId="ADAL" clId="{103F3AC0-9955-4EAD-8F5F-375BC1842151}" dt="2023-03-03T13:25:12.462" v="13" actId="368"/>
+        <pc:chgData name="Christopher Berry" userId="468ae48a-5539-4b21-98ea-6081f4d86140" providerId="ADAL" clId="{103F3AC0-9955-4EAD-8F5F-375BC1842151}" dt="2023-03-03T17:11:29.881" v="13" actId="368"/>
         <pc:sldMkLst>
           <pc:docMk/>
           <pc:sldMk cId="2442537065" sldId="360"/>
         </pc:sldMkLst>
       </pc:sldChg>
       <pc:sldChg chg="modNotes">
-        <pc:chgData name="Christopher Berry" userId="468ae48a-5539-4b21-98ea-6081f4d86140" providerId="ADAL" clId="{103F3AC0-9955-4EAD-8F5F-375BC1842151}" dt="2023-03-03T13:25:12.440" v="5" actId="368"/>
+        <pc:chgData name="Christopher Berry" userId="468ae48a-5539-4b21-98ea-6081f4d86140" providerId="ADAL" clId="{103F3AC0-9955-4EAD-8F5F-375BC1842151}" dt="2023-03-03T17:11:29.846" v="5" actId="368"/>
         <pc:sldMkLst>
           <pc:docMk/>
           <pc:sldMk cId="3482227358" sldId="362"/>
         </pc:sldMkLst>
       </pc:sldChg>
       <pc:sldChg chg="modNotes">
-        <pc:chgData name="Christopher Berry" userId="468ae48a-5539-4b21-98ea-6081f4d86140" providerId="ADAL" clId="{103F3AC0-9955-4EAD-8F5F-375BC1842151}" dt="2023-03-03T13:25:12.445" v="7" actId="368"/>
+        <pc:chgData name="Christopher Berry" userId="468ae48a-5539-4b21-98ea-6081f4d86140" providerId="ADAL" clId="{103F3AC0-9955-4EAD-8F5F-375BC1842151}" dt="2023-03-03T17:11:29.854" v="7" actId="368"/>
         <pc:sldMkLst>
           <pc:docMk/>
           <pc:sldMk cId="399881219" sldId="363"/>
         </pc:sldMkLst>
       </pc:sldChg>
       <pc:sldChg chg="modNotes">
-        <pc:chgData name="Christopher Berry" userId="468ae48a-5539-4b21-98ea-6081f4d86140" providerId="ADAL" clId="{103F3AC0-9955-4EAD-8F5F-375BC1842151}" dt="2023-03-03T13:25:12.455" v="11" actId="368"/>
+        <pc:chgData name="Christopher Berry" userId="468ae48a-5539-4b21-98ea-6081f4d86140" providerId="ADAL" clId="{103F3AC0-9955-4EAD-8F5F-375BC1842151}" dt="2023-03-03T17:11:29.873" v="11" actId="368"/>
         <pc:sldMkLst>
           <pc:docMk/>
           <pc:sldMk cId="948542933" sldId="365"/>
         </pc:sldMkLst>
       </pc:sldChg>
       <pc:sldChg chg="modNotes">
-        <pc:chgData name="Christopher Berry" userId="468ae48a-5539-4b21-98ea-6081f4d86140" providerId="ADAL" clId="{103F3AC0-9955-4EAD-8F5F-375BC1842151}" dt="2023-03-03T13:25:12.467" v="15" actId="368"/>
+        <pc:chgData name="Christopher Berry" userId="468ae48a-5539-4b21-98ea-6081f4d86140" providerId="ADAL" clId="{103F3AC0-9955-4EAD-8F5F-375BC1842151}" dt="2023-03-03T17:11:29.890" v="15" actId="368"/>
         <pc:sldMkLst>
           <pc:docMk/>
           <pc:sldMk cId="4289793266" sldId="366"/>
         </pc:sldMkLst>
       </pc:sldChg>
       <pc:sldChg chg="modNotes">
-        <pc:chgData name="Christopher Berry" userId="468ae48a-5539-4b21-98ea-6081f4d86140" providerId="ADAL" clId="{103F3AC0-9955-4EAD-8F5F-375BC1842151}" dt="2023-03-03T13:25:12.472" v="17" actId="368"/>
+        <pc:chgData name="Christopher Berry" userId="468ae48a-5539-4b21-98ea-6081f4d86140" providerId="ADAL" clId="{103F3AC0-9955-4EAD-8F5F-375BC1842151}" dt="2023-03-03T17:11:29.899" v="17" actId="368"/>
         <pc:sldMkLst>
           <pc:docMk/>
           <pc:sldMk cId="3657777566" sldId="367"/>
         </pc:sldMkLst>
       </pc:sldChg>
       <pc:sldChg chg="modNotes">
-        <pc:chgData name="Christopher Berry" userId="468ae48a-5539-4b21-98ea-6081f4d86140" providerId="ADAL" clId="{103F3AC0-9955-4EAD-8F5F-375BC1842151}" dt="2023-03-03T13:25:12.478" v="19" actId="368"/>
+        <pc:chgData name="Christopher Berry" userId="468ae48a-5539-4b21-98ea-6081f4d86140" providerId="ADAL" clId="{103F3AC0-9955-4EAD-8F5F-375BC1842151}" dt="2023-03-03T17:11:29.907" v="19" actId="368"/>
         <pc:sldMkLst>
           <pc:docMk/>
           <pc:sldMk cId="42077738" sldId="368"/>
         </pc:sldMkLst>
       </pc:sldChg>
       <pc:sldChg chg="modNotes">
-        <pc:chgData name="Christopher Berry" userId="468ae48a-5539-4b21-98ea-6081f4d86140" providerId="ADAL" clId="{103F3AC0-9955-4EAD-8F5F-375BC1842151}" dt="2023-03-03T13:25:12.483" v="21" actId="368"/>
+        <pc:chgData name="Christopher Berry" userId="468ae48a-5539-4b21-98ea-6081f4d86140" providerId="ADAL" clId="{103F3AC0-9955-4EAD-8F5F-375BC1842151}" dt="2023-03-03T17:11:29.913" v="21" actId="368"/>
         <pc:sldMkLst>
           <pc:docMk/>
           <pc:sldMk cId="1181104512" sldId="369"/>
         </pc:sldMkLst>
       </pc:sldChg>
       <pc:sldChg chg="modNotes">
-        <pc:chgData name="Christopher Berry" userId="468ae48a-5539-4b21-98ea-6081f4d86140" providerId="ADAL" clId="{103F3AC0-9955-4EAD-8F5F-375BC1842151}" dt="2023-03-03T13:25:12.506" v="29" actId="368"/>
+        <pc:chgData name="Christopher Berry" userId="468ae48a-5539-4b21-98ea-6081f4d86140" providerId="ADAL" clId="{103F3AC0-9955-4EAD-8F5F-375BC1842151}" dt="2023-03-03T17:11:29.942" v="29" actId="368"/>
         <pc:sldMkLst>
           <pc:docMk/>
           <pc:sldMk cId="4007906762" sldId="370"/>
@@ -9499,15 +9537,20 @@
           <p:nvPr/>
         </p:nvPicPr>
         <p:blipFill>
-          <a:blip r:embed="rId3"/>
-          <a:stretch>
-            <a:fillRect/>
-          </a:stretch>
+          <a:blip r:embed="rId3">
+            <a:extLst>
+              <a:ext uri="{28A0092B-C50C-407E-A947-70E740481C1C}">
+                <a14:useLocalDpi xmlns:a14="http://schemas.microsoft.com/office/drawing/2010/main" val="0"/>
+              </a:ext>
+            </a:extLst>
+          </a:blip>
+          <a:srcRect/>
+          <a:stretch/>
         </p:blipFill>
         <p:spPr>
           <a:xfrm>
-            <a:off x="6341036" y="1951270"/>
-            <a:ext cx="4600233" cy="3709279"/>
+            <a:off x="6422780" y="1951270"/>
+            <a:ext cx="4436745" cy="3709279"/>
           </a:xfrm>
           <a:prstGeom prst="rect">
             <a:avLst/>
@@ -9555,7 +9598,7 @@
         </p:nvSpPr>
         <p:spPr>
           <a:xfrm>
-            <a:off x="7931952" y="4239697"/>
+            <a:off x="8964886" y="4351894"/>
             <a:ext cx="873760" cy="391160"/>
           </a:xfrm>
           <a:prstGeom prst="ellipse">
@@ -15754,15 +15797,20 @@
           <p:nvPr/>
         </p:nvPicPr>
         <p:blipFill>
-          <a:blip r:embed="rId3"/>
-          <a:stretch>
-            <a:fillRect/>
-          </a:stretch>
+          <a:blip r:embed="rId3">
+            <a:extLst>
+              <a:ext uri="{28A0092B-C50C-407E-A947-70E740481C1C}">
+                <a14:useLocalDpi xmlns:a14="http://schemas.microsoft.com/office/drawing/2010/main" val="0"/>
+              </a:ext>
+            </a:extLst>
+          </a:blip>
+          <a:srcRect/>
+          <a:stretch/>
         </p:blipFill>
         <p:spPr>
           <a:xfrm>
-            <a:off x="1908568" y="698729"/>
-            <a:ext cx="6829032" cy="5460542"/>
+            <a:off x="2057350" y="698729"/>
+            <a:ext cx="6531467" cy="5460542"/>
           </a:xfrm>
           <a:prstGeom prst="rect">
             <a:avLst/>

--- a/docs/slides/PSYC753_L7_PrePostData.pptx
+++ b/docs/slides/PSYC753_L7_PrePostData.pptx
@@ -162,7 +162,7 @@
 <file path=ppt/revisionInfo.xml><?xml version="1.0" encoding="utf-8"?>
 <p1510:revInfo xmlns:a="http://schemas.openxmlformats.org/drawingml/2006/main" xmlns:r="http://schemas.openxmlformats.org/officeDocument/2006/relationships" xmlns:p1510="http://schemas.microsoft.com/office/powerpoint/2015/10/main">
   <p1510:revLst>
-    <p1510:client id="{3613AACA-DED3-40CA-A3BD-FCBB6F470970}" v="202" dt="2023-03-03T13:23:21.561"/>
+    <p1510:client id="{3613AACA-DED3-40CA-A3BD-FCBB6F470970}" v="221" dt="2023-03-05T12:34:29.111"/>
   </p1510:revLst>
 </p1510:revInfo>
 </file>
@@ -172,7 +172,7 @@
   <pc:docChgLst>
     <pc:chgData name="Christopher Berry" userId="468ae48a-5539-4b21-98ea-6081f4d86140" providerId="ADAL" clId="{3613AACA-DED3-40CA-A3BD-FCBB6F470970}"/>
     <pc:docChg chg="undo custSel modSld">
-      <pc:chgData name="Christopher Berry" userId="468ae48a-5539-4b21-98ea-6081f4d86140" providerId="ADAL" clId="{3613AACA-DED3-40CA-A3BD-FCBB6F470970}" dt="2023-03-03T16:45:51.195" v="424" actId="1076"/>
+      <pc:chgData name="Christopher Berry" userId="468ae48a-5539-4b21-98ea-6081f4d86140" providerId="ADAL" clId="{3613AACA-DED3-40CA-A3BD-FCBB6F470970}" dt="2023-03-05T12:34:29.111" v="443" actId="20577"/>
       <pc:docMkLst>
         <pc:docMk/>
       </pc:docMkLst>
@@ -291,7 +291,7 @@
         </pc:sldMkLst>
       </pc:sldChg>
       <pc:sldChg chg="modSp mod">
-        <pc:chgData name="Christopher Berry" userId="468ae48a-5539-4b21-98ea-6081f4d86140" providerId="ADAL" clId="{3613AACA-DED3-40CA-A3BD-FCBB6F470970}" dt="2023-03-03T13:20:59.863" v="236" actId="20577"/>
+        <pc:chgData name="Christopher Berry" userId="468ae48a-5539-4b21-98ea-6081f4d86140" providerId="ADAL" clId="{3613AACA-DED3-40CA-A3BD-FCBB6F470970}" dt="2023-03-05T12:31:47.295" v="430" actId="20577"/>
         <pc:sldMkLst>
           <pc:docMk/>
           <pc:sldMk cId="4289793266" sldId="366"/>
@@ -302,6 +302,29 @@
             <pc:docMk/>
             <pc:sldMk cId="4289793266" sldId="366"/>
             <ac:spMk id="9" creationId="{00000000-0000-0000-0000-000000000000}"/>
+          </ac:spMkLst>
+        </pc:spChg>
+        <pc:spChg chg="mod">
+          <ac:chgData name="Christopher Berry" userId="468ae48a-5539-4b21-98ea-6081f4d86140" providerId="ADAL" clId="{3613AACA-DED3-40CA-A3BD-FCBB6F470970}" dt="2023-03-05T12:31:47.295" v="430" actId="20577"/>
+          <ac:spMkLst>
+            <pc:docMk/>
+            <pc:sldMk cId="4289793266" sldId="366"/>
+            <ac:spMk id="12" creationId="{00000000-0000-0000-0000-000000000000}"/>
+          </ac:spMkLst>
+        </pc:spChg>
+      </pc:sldChg>
+      <pc:sldChg chg="modSp">
+        <pc:chgData name="Christopher Berry" userId="468ae48a-5539-4b21-98ea-6081f4d86140" providerId="ADAL" clId="{3613AACA-DED3-40CA-A3BD-FCBB6F470970}" dt="2023-03-05T12:34:29.111" v="443" actId="20577"/>
+        <pc:sldMkLst>
+          <pc:docMk/>
+          <pc:sldMk cId="3657777566" sldId="367"/>
+        </pc:sldMkLst>
+        <pc:spChg chg="mod">
+          <ac:chgData name="Christopher Berry" userId="468ae48a-5539-4b21-98ea-6081f4d86140" providerId="ADAL" clId="{3613AACA-DED3-40CA-A3BD-FCBB6F470970}" dt="2023-03-05T12:34:29.111" v="443" actId="20577"/>
+          <ac:spMkLst>
+            <pc:docMk/>
+            <pc:sldMk cId="3657777566" sldId="367"/>
+            <ac:spMk id="3" creationId="{00000000-0000-0000-0000-000000000000}"/>
           </ac:spMkLst>
         </pc:spChg>
       </pc:sldChg>
@@ -325,124 +348,124 @@
   <pc:docChgLst>
     <pc:chgData name="Christopher Berry" userId="468ae48a-5539-4b21-98ea-6081f4d86140" providerId="ADAL" clId="{103F3AC0-9955-4EAD-8F5F-375BC1842151}"/>
     <pc:docChg chg="custSel modSld">
-      <pc:chgData name="Christopher Berry" userId="468ae48a-5539-4b21-98ea-6081f4d86140" providerId="ADAL" clId="{103F3AC0-9955-4EAD-8F5F-375BC1842151}" dt="2023-03-03T17:11:29.957" v="33" actId="368"/>
+      <pc:chgData name="Christopher Berry" userId="468ae48a-5539-4b21-98ea-6081f4d86140" providerId="ADAL" clId="{103F3AC0-9955-4EAD-8F5F-375BC1842151}" dt="2023-03-05T13:09:51.712" v="33" actId="368"/>
       <pc:docMkLst>
         <pc:docMk/>
       </pc:docMkLst>
       <pc:sldChg chg="modNotes">
-        <pc:chgData name="Christopher Berry" userId="468ae48a-5539-4b21-98ea-6081f4d86140" providerId="ADAL" clId="{103F3AC0-9955-4EAD-8F5F-375BC1842151}" dt="2023-03-03T17:11:29.830" v="1" actId="368"/>
+        <pc:chgData name="Christopher Berry" userId="468ae48a-5539-4b21-98ea-6081f4d86140" providerId="ADAL" clId="{103F3AC0-9955-4EAD-8F5F-375BC1842151}" dt="2023-03-05T13:09:51.556" v="1" actId="368"/>
         <pc:sldMkLst>
           <pc:docMk/>
           <pc:sldMk cId="1337738250" sldId="257"/>
         </pc:sldMkLst>
       </pc:sldChg>
       <pc:sldChg chg="modNotes">
-        <pc:chgData name="Christopher Berry" userId="468ae48a-5539-4b21-98ea-6081f4d86140" providerId="ADAL" clId="{103F3AC0-9955-4EAD-8F5F-375BC1842151}" dt="2023-03-03T17:11:29.928" v="25" actId="368"/>
+        <pc:chgData name="Christopher Berry" userId="468ae48a-5539-4b21-98ea-6081f4d86140" providerId="ADAL" clId="{103F3AC0-9955-4EAD-8F5F-375BC1842151}" dt="2023-03-05T13:09:51.685" v="25" actId="368"/>
         <pc:sldMkLst>
           <pc:docMk/>
           <pc:sldMk cId="898351589" sldId="351"/>
         </pc:sldMkLst>
       </pc:sldChg>
       <pc:sldChg chg="modNotes">
-        <pc:chgData name="Christopher Berry" userId="468ae48a-5539-4b21-98ea-6081f4d86140" providerId="ADAL" clId="{103F3AC0-9955-4EAD-8F5F-375BC1842151}" dt="2023-03-03T17:11:29.921" v="23" actId="368"/>
+        <pc:chgData name="Christopher Berry" userId="468ae48a-5539-4b21-98ea-6081f4d86140" providerId="ADAL" clId="{103F3AC0-9955-4EAD-8F5F-375BC1842151}" dt="2023-03-05T13:09:51.679" v="23" actId="368"/>
         <pc:sldMkLst>
           <pc:docMk/>
           <pc:sldMk cId="427809079" sldId="352"/>
         </pc:sldMkLst>
       </pc:sldChg>
       <pc:sldChg chg="modNotes">
-        <pc:chgData name="Christopher Berry" userId="468ae48a-5539-4b21-98ea-6081f4d86140" providerId="ADAL" clId="{103F3AC0-9955-4EAD-8F5F-375BC1842151}" dt="2023-03-03T17:11:29.935" v="27" actId="368"/>
+        <pc:chgData name="Christopher Berry" userId="468ae48a-5539-4b21-98ea-6081f4d86140" providerId="ADAL" clId="{103F3AC0-9955-4EAD-8F5F-375BC1842151}" dt="2023-03-05T13:09:51.691" v="27" actId="368"/>
         <pc:sldMkLst>
           <pc:docMk/>
           <pc:sldMk cId="2467422278" sldId="355"/>
         </pc:sldMkLst>
       </pc:sldChg>
       <pc:sldChg chg="modNotes">
-        <pc:chgData name="Christopher Berry" userId="468ae48a-5539-4b21-98ea-6081f4d86140" providerId="ADAL" clId="{103F3AC0-9955-4EAD-8F5F-375BC1842151}" dt="2023-03-03T17:11:29.950" v="31" actId="368"/>
+        <pc:chgData name="Christopher Berry" userId="468ae48a-5539-4b21-98ea-6081f4d86140" providerId="ADAL" clId="{103F3AC0-9955-4EAD-8F5F-375BC1842151}" dt="2023-03-05T13:09:51.705" v="31" actId="368"/>
         <pc:sldMkLst>
           <pc:docMk/>
           <pc:sldMk cId="1169166015" sldId="356"/>
         </pc:sldMkLst>
       </pc:sldChg>
       <pc:sldChg chg="modNotes">
-        <pc:chgData name="Christopher Berry" userId="468ae48a-5539-4b21-98ea-6081f4d86140" providerId="ADAL" clId="{103F3AC0-9955-4EAD-8F5F-375BC1842151}" dt="2023-03-03T17:11:29.957" v="33" actId="368"/>
+        <pc:chgData name="Christopher Berry" userId="468ae48a-5539-4b21-98ea-6081f4d86140" providerId="ADAL" clId="{103F3AC0-9955-4EAD-8F5F-375BC1842151}" dt="2023-03-05T13:09:51.712" v="33" actId="368"/>
         <pc:sldMkLst>
           <pc:docMk/>
           <pc:sldMk cId="909518638" sldId="357"/>
         </pc:sldMkLst>
       </pc:sldChg>
       <pc:sldChg chg="modNotes">
-        <pc:chgData name="Christopher Berry" userId="468ae48a-5539-4b21-98ea-6081f4d86140" providerId="ADAL" clId="{103F3AC0-9955-4EAD-8F5F-375BC1842151}" dt="2023-03-03T17:11:29.838" v="3" actId="368"/>
+        <pc:chgData name="Christopher Berry" userId="468ae48a-5539-4b21-98ea-6081f4d86140" providerId="ADAL" clId="{103F3AC0-9955-4EAD-8F5F-375BC1842151}" dt="2023-03-05T13:09:51.562" v="3" actId="368"/>
         <pc:sldMkLst>
           <pc:docMk/>
           <pc:sldMk cId="526375412" sldId="358"/>
         </pc:sldMkLst>
       </pc:sldChg>
       <pc:sldChg chg="modNotes">
-        <pc:chgData name="Christopher Berry" userId="468ae48a-5539-4b21-98ea-6081f4d86140" providerId="ADAL" clId="{103F3AC0-9955-4EAD-8F5F-375BC1842151}" dt="2023-03-03T17:11:29.864" v="9" actId="368"/>
+        <pc:chgData name="Christopher Berry" userId="468ae48a-5539-4b21-98ea-6081f4d86140" providerId="ADAL" clId="{103F3AC0-9955-4EAD-8F5F-375BC1842151}" dt="2023-03-05T13:09:51.612" v="9" actId="368"/>
         <pc:sldMkLst>
           <pc:docMk/>
           <pc:sldMk cId="1039672698" sldId="359"/>
         </pc:sldMkLst>
       </pc:sldChg>
       <pc:sldChg chg="modNotes">
-        <pc:chgData name="Christopher Berry" userId="468ae48a-5539-4b21-98ea-6081f4d86140" providerId="ADAL" clId="{103F3AC0-9955-4EAD-8F5F-375BC1842151}" dt="2023-03-03T17:11:29.881" v="13" actId="368"/>
+        <pc:chgData name="Christopher Berry" userId="468ae48a-5539-4b21-98ea-6081f4d86140" providerId="ADAL" clId="{103F3AC0-9955-4EAD-8F5F-375BC1842151}" dt="2023-03-05T13:09:51.635" v="13" actId="368"/>
         <pc:sldMkLst>
           <pc:docMk/>
           <pc:sldMk cId="2442537065" sldId="360"/>
         </pc:sldMkLst>
       </pc:sldChg>
       <pc:sldChg chg="modNotes">
-        <pc:chgData name="Christopher Berry" userId="468ae48a-5539-4b21-98ea-6081f4d86140" providerId="ADAL" clId="{103F3AC0-9955-4EAD-8F5F-375BC1842151}" dt="2023-03-03T17:11:29.846" v="5" actId="368"/>
+        <pc:chgData name="Christopher Berry" userId="468ae48a-5539-4b21-98ea-6081f4d86140" providerId="ADAL" clId="{103F3AC0-9955-4EAD-8F5F-375BC1842151}" dt="2023-03-05T13:09:51.578" v="5" actId="368"/>
         <pc:sldMkLst>
           <pc:docMk/>
           <pc:sldMk cId="3482227358" sldId="362"/>
         </pc:sldMkLst>
       </pc:sldChg>
       <pc:sldChg chg="modNotes">
-        <pc:chgData name="Christopher Berry" userId="468ae48a-5539-4b21-98ea-6081f4d86140" providerId="ADAL" clId="{103F3AC0-9955-4EAD-8F5F-375BC1842151}" dt="2023-03-03T17:11:29.854" v="7" actId="368"/>
+        <pc:chgData name="Christopher Berry" userId="468ae48a-5539-4b21-98ea-6081f4d86140" providerId="ADAL" clId="{103F3AC0-9955-4EAD-8F5F-375BC1842151}" dt="2023-03-05T13:09:51.594" v="7" actId="368"/>
         <pc:sldMkLst>
           <pc:docMk/>
           <pc:sldMk cId="399881219" sldId="363"/>
         </pc:sldMkLst>
       </pc:sldChg>
       <pc:sldChg chg="modNotes">
-        <pc:chgData name="Christopher Berry" userId="468ae48a-5539-4b21-98ea-6081f4d86140" providerId="ADAL" clId="{103F3AC0-9955-4EAD-8F5F-375BC1842151}" dt="2023-03-03T17:11:29.873" v="11" actId="368"/>
+        <pc:chgData name="Christopher Berry" userId="468ae48a-5539-4b21-98ea-6081f4d86140" providerId="ADAL" clId="{103F3AC0-9955-4EAD-8F5F-375BC1842151}" dt="2023-03-05T13:09:51.618" v="11" actId="368"/>
         <pc:sldMkLst>
           <pc:docMk/>
           <pc:sldMk cId="948542933" sldId="365"/>
         </pc:sldMkLst>
       </pc:sldChg>
       <pc:sldChg chg="modNotes">
-        <pc:chgData name="Christopher Berry" userId="468ae48a-5539-4b21-98ea-6081f4d86140" providerId="ADAL" clId="{103F3AC0-9955-4EAD-8F5F-375BC1842151}" dt="2023-03-03T17:11:29.890" v="15" actId="368"/>
+        <pc:chgData name="Christopher Berry" userId="468ae48a-5539-4b21-98ea-6081f4d86140" providerId="ADAL" clId="{103F3AC0-9955-4EAD-8F5F-375BC1842151}" dt="2023-03-05T13:09:51.636" v="15" actId="368"/>
         <pc:sldMkLst>
           <pc:docMk/>
           <pc:sldMk cId="4289793266" sldId="366"/>
         </pc:sldMkLst>
       </pc:sldChg>
       <pc:sldChg chg="modNotes">
-        <pc:chgData name="Christopher Berry" userId="468ae48a-5539-4b21-98ea-6081f4d86140" providerId="ADAL" clId="{103F3AC0-9955-4EAD-8F5F-375BC1842151}" dt="2023-03-03T17:11:29.899" v="17" actId="368"/>
+        <pc:chgData name="Christopher Berry" userId="468ae48a-5539-4b21-98ea-6081f4d86140" providerId="ADAL" clId="{103F3AC0-9955-4EAD-8F5F-375BC1842151}" dt="2023-03-05T13:09:51.652" v="17" actId="368"/>
         <pc:sldMkLst>
           <pc:docMk/>
           <pc:sldMk cId="3657777566" sldId="367"/>
         </pc:sldMkLst>
       </pc:sldChg>
       <pc:sldChg chg="modNotes">
-        <pc:chgData name="Christopher Berry" userId="468ae48a-5539-4b21-98ea-6081f4d86140" providerId="ADAL" clId="{103F3AC0-9955-4EAD-8F5F-375BC1842151}" dt="2023-03-03T17:11:29.907" v="19" actId="368"/>
+        <pc:chgData name="Christopher Berry" userId="468ae48a-5539-4b21-98ea-6081f4d86140" providerId="ADAL" clId="{103F3AC0-9955-4EAD-8F5F-375BC1842151}" dt="2023-03-05T13:09:51.652" v="19" actId="368"/>
         <pc:sldMkLst>
           <pc:docMk/>
           <pc:sldMk cId="42077738" sldId="368"/>
         </pc:sldMkLst>
       </pc:sldChg>
       <pc:sldChg chg="modNotes">
-        <pc:chgData name="Christopher Berry" userId="468ae48a-5539-4b21-98ea-6081f4d86140" providerId="ADAL" clId="{103F3AC0-9955-4EAD-8F5F-375BC1842151}" dt="2023-03-03T17:11:29.913" v="21" actId="368"/>
+        <pc:chgData name="Christopher Berry" userId="468ae48a-5539-4b21-98ea-6081f4d86140" providerId="ADAL" clId="{103F3AC0-9955-4EAD-8F5F-375BC1842151}" dt="2023-03-05T13:09:51.671" v="21" actId="368"/>
         <pc:sldMkLst>
           <pc:docMk/>
           <pc:sldMk cId="1181104512" sldId="369"/>
         </pc:sldMkLst>
       </pc:sldChg>
       <pc:sldChg chg="modNotes">
-        <pc:chgData name="Christopher Berry" userId="468ae48a-5539-4b21-98ea-6081f4d86140" providerId="ADAL" clId="{103F3AC0-9955-4EAD-8F5F-375BC1842151}" dt="2023-03-03T17:11:29.942" v="29" actId="368"/>
+        <pc:chgData name="Christopher Berry" userId="468ae48a-5539-4b21-98ea-6081f4d86140" providerId="ADAL" clId="{103F3AC0-9955-4EAD-8F5F-375BC1842151}" dt="2023-03-05T13:09:51.691" v="29" actId="368"/>
         <pc:sldMkLst>
           <pc:docMk/>
           <pc:sldMk cId="4007906762" sldId="370"/>
@@ -535,7 +558,7 @@
           <a:p>
             <a:fld id="{39F2F66B-899D-484E-9C99-E1DBE23F9DE9}" type="datetimeFigureOut">
               <a:rPr lang="en-GB" smtClean="0"/>
-              <a:t>03/03/2023</a:t>
+              <a:t>05/03/2023</a:t>
             </a:fld>
             <a:endParaRPr lang="en-GB"/>
           </a:p>
@@ -701,7 +724,7 @@
             <a:fld id="{2C09A945-60CF-41CC-BF14-DA645D9ABE0F}" type="datetimeFigureOut">
               <a:rPr lang="en-GB" smtClean="0"/>
               <a:pPr/>
-              <a:t>03/03/2023</a:t>
+              <a:t>05/03/2023</a:t>
             </a:fld>
             <a:endParaRPr lang="en-GB"/>
           </a:p>
@@ -2638,7 +2661,7 @@
             <a:fld id="{FD207E47-C1CA-47C9-BFA1-FDEFD1CE1BAA}" type="datetime1">
               <a:rPr lang="en-US" smtClean="0"/>
               <a:pPr/>
-              <a:t>3/3/2023</a:t>
+              <a:t>3/5/2023</a:t>
             </a:fld>
             <a:endParaRPr lang="en-US"/>
           </a:p>
@@ -2803,7 +2826,7 @@
             <a:fld id="{58C692B5-BE86-445D-88C0-242C83A9421E}" type="datetime1">
               <a:rPr lang="en-US" smtClean="0"/>
               <a:pPr/>
-              <a:t>3/3/2023</a:t>
+              <a:t>3/5/2023</a:t>
             </a:fld>
             <a:endParaRPr lang="en-US"/>
           </a:p>
@@ -2978,7 +3001,7 @@
             <a:fld id="{6A70B350-EB04-4702-A2C6-BB029CC917C4}" type="datetime1">
               <a:rPr lang="en-US" smtClean="0"/>
               <a:pPr/>
-              <a:t>3/3/2023</a:t>
+              <a:t>3/5/2023</a:t>
             </a:fld>
             <a:endParaRPr lang="en-US"/>
           </a:p>
@@ -3143,7 +3166,7 @@
             <a:fld id="{B19C5C7B-1CCF-4D03-A2E8-D3591213E0F6}" type="datetime1">
               <a:rPr lang="en-US" smtClean="0"/>
               <a:pPr/>
-              <a:t>3/3/2023</a:t>
+              <a:t>3/5/2023</a:t>
             </a:fld>
             <a:endParaRPr lang="en-US"/>
           </a:p>
@@ -3385,7 +3408,7 @@
             <a:fld id="{617DE08F-8114-45C2-9520-EC1882F8A669}" type="datetime1">
               <a:rPr lang="en-US" smtClean="0"/>
               <a:pPr/>
-              <a:t>3/3/2023</a:t>
+              <a:t>3/5/2023</a:t>
             </a:fld>
             <a:endParaRPr lang="en-US"/>
           </a:p>
@@ -3667,7 +3690,7 @@
             <a:fld id="{67FBBCEA-51D6-4D4F-B700-EBDD8904452C}" type="datetime1">
               <a:rPr lang="en-US" smtClean="0"/>
               <a:pPr/>
-              <a:t>3/3/2023</a:t>
+              <a:t>3/5/2023</a:t>
             </a:fld>
             <a:endParaRPr lang="en-US"/>
           </a:p>
@@ -4083,7 +4106,7 @@
             <a:fld id="{7C3355C0-4DE2-42D1-B918-7B0FCE7481FD}" type="datetime1">
               <a:rPr lang="en-US" smtClean="0"/>
               <a:pPr/>
-              <a:t>3/3/2023</a:t>
+              <a:t>3/5/2023</a:t>
             </a:fld>
             <a:endParaRPr lang="en-US"/>
           </a:p>
@@ -4197,7 +4220,7 @@
             <a:fld id="{41F9056E-53B5-467C-A68C-D5DD1F771BB5}" type="datetime1">
               <a:rPr lang="en-US" smtClean="0"/>
               <a:pPr/>
-              <a:t>3/3/2023</a:t>
+              <a:t>3/5/2023</a:t>
             </a:fld>
             <a:endParaRPr lang="en-US"/>
           </a:p>
@@ -4289,7 +4312,7 @@
             <a:fld id="{73236B7C-1414-4D49-8A59-8F56128C501B}" type="datetime1">
               <a:rPr lang="en-US" smtClean="0"/>
               <a:pPr/>
-              <a:t>3/3/2023</a:t>
+              <a:t>3/5/2023</a:t>
             </a:fld>
             <a:endParaRPr lang="en-US"/>
           </a:p>
@@ -4561,7 +4584,7 @@
             <a:fld id="{A40AEADC-23C0-4767-9AD7-3E7B6C343A0A}" type="datetime1">
               <a:rPr lang="en-US" smtClean="0"/>
               <a:pPr/>
-              <a:t>3/3/2023</a:t>
+              <a:t>3/5/2023</a:t>
             </a:fld>
             <a:endParaRPr lang="en-US"/>
           </a:p>
@@ -4810,7 +4833,7 @@
             <a:fld id="{07762B3B-4AFD-4E39-B6F8-E1A2354BA336}" type="datetime1">
               <a:rPr lang="en-US" smtClean="0"/>
               <a:pPr/>
-              <a:t>3/3/2023</a:t>
+              <a:t>3/5/2023</a:t>
             </a:fld>
             <a:endParaRPr lang="en-US"/>
           </a:p>
@@ -5023,7 +5046,7 @@
             <a:fld id="{16C4ABC6-3BA1-4854-92CA-2B0133ECAB44}" type="datetime1">
               <a:rPr lang="en-US" smtClean="0"/>
               <a:pPr/>
-              <a:t>3/3/2023</a:t>
+              <a:t>3/5/2023</a:t>
             </a:fld>
             <a:endParaRPr lang="en-US"/>
           </a:p>
@@ -20047,7 +20070,7 @@
           <a:lstStyle/>
           <a:p>
             <a:r>
-              <a:rPr lang="en-GB" sz="1600" dirty="0" err="1">
+              <a:rPr lang="en-GB" sz="1600" dirty="0">
                 <a:solidFill>
                   <a:schemeClr val="tx2">
                     <a:lumMod val="50000"/>
@@ -20065,7 +20088,7 @@
                   </a:schemeClr>
                 </a:solidFill>
               </a:rPr>
-              <a:t> must be included as a random effect in the model (see Session 6)</a:t>
+              <a:t> must be included as a random factor in the model (see Session 6)</a:t>
             </a:r>
           </a:p>
         </p:txBody>
@@ -21133,8 +21156,13 @@
             </a:r>
             <a:r>
               <a:rPr lang="en-GB" dirty="0"/>
-              <a:t> the variance associated with baseline scores has been explained?</a:t>
-            </a:r>
+              <a:t> the variance associated with baseline scores has been </a:t>
+            </a:r>
+            <a:r>
+              <a:rPr lang="en-GB"/>
+              <a:t>accounted for?</a:t>
+            </a:r>
+            <a:endParaRPr lang="en-GB" dirty="0"/>
           </a:p>
           <a:p>
             <a:pPr lvl="1"/>
